--- a/EBooks/Diagrams.pptx
+++ b/EBooks/Diagrams.pptx
@@ -5,31 +5,33 @@
     <p:sldMasterId id="2147483648" r:id="rId1"/>
   </p:sldMasterIdLst>
   <p:notesMasterIdLst>
-    <p:notesMasterId r:id="rId24"/>
+    <p:notesMasterId r:id="rId26"/>
   </p:notesMasterIdLst>
   <p:sldIdLst>
     <p:sldId id="275" r:id="rId2"/>
     <p:sldId id="277" r:id="rId3"/>
     <p:sldId id="276" r:id="rId4"/>
-    <p:sldId id="274" r:id="rId5"/>
-    <p:sldId id="273" r:id="rId6"/>
-    <p:sldId id="270" r:id="rId7"/>
-    <p:sldId id="269" r:id="rId8"/>
-    <p:sldId id="271" r:id="rId9"/>
-    <p:sldId id="265" r:id="rId10"/>
-    <p:sldId id="263" r:id="rId11"/>
-    <p:sldId id="262" r:id="rId12"/>
-    <p:sldId id="264" r:id="rId13"/>
-    <p:sldId id="261" r:id="rId14"/>
-    <p:sldId id="260" r:id="rId15"/>
-    <p:sldId id="257" r:id="rId16"/>
-    <p:sldId id="259" r:id="rId17"/>
-    <p:sldId id="281" r:id="rId18"/>
-    <p:sldId id="282" r:id="rId19"/>
-    <p:sldId id="278" r:id="rId20"/>
-    <p:sldId id="279" r:id="rId21"/>
-    <p:sldId id="283" r:id="rId22"/>
-    <p:sldId id="284" r:id="rId23"/>
+    <p:sldId id="286" r:id="rId5"/>
+    <p:sldId id="274" r:id="rId6"/>
+    <p:sldId id="273" r:id="rId7"/>
+    <p:sldId id="270" r:id="rId8"/>
+    <p:sldId id="269" r:id="rId9"/>
+    <p:sldId id="271" r:id="rId10"/>
+    <p:sldId id="265" r:id="rId11"/>
+    <p:sldId id="263" r:id="rId12"/>
+    <p:sldId id="262" r:id="rId13"/>
+    <p:sldId id="264" r:id="rId14"/>
+    <p:sldId id="261" r:id="rId15"/>
+    <p:sldId id="260" r:id="rId16"/>
+    <p:sldId id="257" r:id="rId17"/>
+    <p:sldId id="259" r:id="rId18"/>
+    <p:sldId id="281" r:id="rId19"/>
+    <p:sldId id="282" r:id="rId20"/>
+    <p:sldId id="278" r:id="rId21"/>
+    <p:sldId id="279" r:id="rId22"/>
+    <p:sldId id="283" r:id="rId23"/>
+    <p:sldId id="284" r:id="rId24"/>
+    <p:sldId id="285" r:id="rId25"/>
   </p:sldIdLst>
   <p:sldSz cx="9144000" cy="6858000" type="screen4x3"/>
   <p:notesSz cx="6881813" cy="9296400"/>
@@ -214,7 +216,7 @@
             <a:fld id="{DA103462-62C8-4D37-8F5B-118728760487}" type="datetimeFigureOut">
               <a:rPr lang="en-US" smtClean="0"/>
               <a:pPr/>
-              <a:t>3/28/2017</a:t>
+              <a:t>3/30/2017</a:t>
             </a:fld>
             <a:endParaRPr lang="en-US"/>
           </a:p>
@@ -548,7 +550,7 @@
             <a:fld id="{567AA99F-ECF6-4184-8659-A74ADBB8BEE7}" type="slidenum">
               <a:rPr lang="en-US" smtClean="0"/>
               <a:pPr/>
-              <a:t>11</a:t>
+              <a:t>12</a:t>
             </a:fld>
             <a:endParaRPr lang="en-US"/>
           </a:p>
@@ -744,7 +746,7 @@
             <a:fld id="{E16763B4-E773-4657-92E3-F14AA5DD8006}" type="datetimeFigureOut">
               <a:rPr lang="en-US" smtClean="0"/>
               <a:pPr/>
-              <a:t>3/28/2017</a:t>
+              <a:t>3/30/2017</a:t>
             </a:fld>
             <a:endParaRPr lang="en-US"/>
           </a:p>
@@ -911,7 +913,7 @@
             <a:fld id="{E16763B4-E773-4657-92E3-F14AA5DD8006}" type="datetimeFigureOut">
               <a:rPr lang="en-US" smtClean="0"/>
               <a:pPr/>
-              <a:t>3/28/2017</a:t>
+              <a:t>3/30/2017</a:t>
             </a:fld>
             <a:endParaRPr lang="en-US"/>
           </a:p>
@@ -1088,7 +1090,7 @@
             <a:fld id="{E16763B4-E773-4657-92E3-F14AA5DD8006}" type="datetimeFigureOut">
               <a:rPr lang="en-US" smtClean="0"/>
               <a:pPr/>
-              <a:t>3/28/2017</a:t>
+              <a:t>3/30/2017</a:t>
             </a:fld>
             <a:endParaRPr lang="en-US"/>
           </a:p>
@@ -1255,7 +1257,7 @@
             <a:fld id="{E16763B4-E773-4657-92E3-F14AA5DD8006}" type="datetimeFigureOut">
               <a:rPr lang="en-US" smtClean="0"/>
               <a:pPr/>
-              <a:t>3/28/2017</a:t>
+              <a:t>3/30/2017</a:t>
             </a:fld>
             <a:endParaRPr lang="en-US"/>
           </a:p>
@@ -1498,7 +1500,7 @@
             <a:fld id="{E16763B4-E773-4657-92E3-F14AA5DD8006}" type="datetimeFigureOut">
               <a:rPr lang="en-US" smtClean="0"/>
               <a:pPr/>
-              <a:t>3/28/2017</a:t>
+              <a:t>3/30/2017</a:t>
             </a:fld>
             <a:endParaRPr lang="en-US"/>
           </a:p>
@@ -1783,7 +1785,7 @@
             <a:fld id="{E16763B4-E773-4657-92E3-F14AA5DD8006}" type="datetimeFigureOut">
               <a:rPr lang="en-US" smtClean="0"/>
               <a:pPr/>
-              <a:t>3/28/2017</a:t>
+              <a:t>3/30/2017</a:t>
             </a:fld>
             <a:endParaRPr lang="en-US"/>
           </a:p>
@@ -2202,7 +2204,7 @@
             <a:fld id="{E16763B4-E773-4657-92E3-F14AA5DD8006}" type="datetimeFigureOut">
               <a:rPr lang="en-US" smtClean="0"/>
               <a:pPr/>
-              <a:t>3/28/2017</a:t>
+              <a:t>3/30/2017</a:t>
             </a:fld>
             <a:endParaRPr lang="en-US"/>
           </a:p>
@@ -2317,7 +2319,7 @@
             <a:fld id="{E16763B4-E773-4657-92E3-F14AA5DD8006}" type="datetimeFigureOut">
               <a:rPr lang="en-US" smtClean="0"/>
               <a:pPr/>
-              <a:t>3/28/2017</a:t>
+              <a:t>3/30/2017</a:t>
             </a:fld>
             <a:endParaRPr lang="en-US"/>
           </a:p>
@@ -2409,7 +2411,7 @@
             <a:fld id="{E16763B4-E773-4657-92E3-F14AA5DD8006}" type="datetimeFigureOut">
               <a:rPr lang="en-US" smtClean="0"/>
               <a:pPr/>
-              <a:t>3/28/2017</a:t>
+              <a:t>3/30/2017</a:t>
             </a:fld>
             <a:endParaRPr lang="en-US"/>
           </a:p>
@@ -2683,7 +2685,7 @@
             <a:fld id="{E16763B4-E773-4657-92E3-F14AA5DD8006}" type="datetimeFigureOut">
               <a:rPr lang="en-US" smtClean="0"/>
               <a:pPr/>
-              <a:t>3/28/2017</a:t>
+              <a:t>3/30/2017</a:t>
             </a:fld>
             <a:endParaRPr lang="en-US"/>
           </a:p>
@@ -2933,7 +2935,7 @@
             <a:fld id="{E16763B4-E773-4657-92E3-F14AA5DD8006}" type="datetimeFigureOut">
               <a:rPr lang="en-US" smtClean="0"/>
               <a:pPr/>
-              <a:t>3/28/2017</a:t>
+              <a:t>3/30/2017</a:t>
             </a:fld>
             <a:endParaRPr lang="en-US"/>
           </a:p>
@@ -3143,7 +3145,7 @@
             <a:fld id="{E16763B4-E773-4657-92E3-F14AA5DD8006}" type="datetimeFigureOut">
               <a:rPr lang="en-US" smtClean="0"/>
               <a:pPr/>
-              <a:t>3/28/2017</a:t>
+              <a:t>3/30/2017</a:t>
             </a:fld>
             <a:endParaRPr lang="en-US"/>
           </a:p>
@@ -3637,6 +3639,127 @@
       </p:grpSpPr>
       <p:pic>
         <p:nvPicPr>
+          <p:cNvPr id="1026" name="Picture 2"/>
+          <p:cNvPicPr>
+            <a:picLocks noChangeAspect="1" noChangeArrowheads="1"/>
+          </p:cNvPicPr>
+          <p:nvPr/>
+        </p:nvPicPr>
+        <p:blipFill>
+          <a:blip r:embed="rId2" cstate="print"/>
+          <a:srcRect/>
+          <a:stretch>
+            <a:fillRect/>
+          </a:stretch>
+        </p:blipFill>
+        <p:spPr bwMode="auto">
+          <a:xfrm>
+            <a:off x="152400" y="152400"/>
+            <a:ext cx="3676650" cy="4010025"/>
+          </a:xfrm>
+          <a:prstGeom prst="rect">
+            <a:avLst/>
+          </a:prstGeom>
+          <a:noFill/>
+          <a:ln w="9525">
+            <a:noFill/>
+            <a:miter lim="800000"/>
+            <a:headEnd/>
+            <a:tailEnd/>
+          </a:ln>
+        </p:spPr>
+      </p:pic>
+      <p:pic>
+        <p:nvPicPr>
+          <p:cNvPr id="1028" name="Picture 4"/>
+          <p:cNvPicPr>
+            <a:picLocks noChangeAspect="1" noChangeArrowheads="1"/>
+          </p:cNvPicPr>
+          <p:nvPr/>
+        </p:nvPicPr>
+        <p:blipFill>
+          <a:blip r:embed="rId3" cstate="print"/>
+          <a:srcRect/>
+          <a:stretch>
+            <a:fillRect/>
+          </a:stretch>
+        </p:blipFill>
+        <p:spPr bwMode="auto">
+          <a:xfrm>
+            <a:off x="76200" y="4069174"/>
+            <a:ext cx="3886200" cy="2636426"/>
+          </a:xfrm>
+          <a:prstGeom prst="rect">
+            <a:avLst/>
+          </a:prstGeom>
+          <a:noFill/>
+          <a:ln w="9525">
+            <a:noFill/>
+            <a:miter lim="800000"/>
+            <a:headEnd/>
+            <a:tailEnd/>
+          </a:ln>
+        </p:spPr>
+      </p:pic>
+      <p:pic>
+        <p:nvPicPr>
+          <p:cNvPr id="1032" name="Picture 8"/>
+          <p:cNvPicPr>
+            <a:picLocks noChangeAspect="1" noChangeArrowheads="1"/>
+          </p:cNvPicPr>
+          <p:nvPr/>
+        </p:nvPicPr>
+        <p:blipFill>
+          <a:blip r:embed="rId4" cstate="print"/>
+          <a:srcRect/>
+          <a:stretch>
+            <a:fillRect/>
+          </a:stretch>
+        </p:blipFill>
+        <p:spPr bwMode="auto">
+          <a:xfrm>
+            <a:off x="3581400" y="76200"/>
+            <a:ext cx="5486400" cy="4465877"/>
+          </a:xfrm>
+          <a:prstGeom prst="rect">
+            <a:avLst/>
+          </a:prstGeom>
+          <a:noFill/>
+          <a:ln w="9525">
+            <a:noFill/>
+            <a:miter lim="800000"/>
+            <a:headEnd/>
+            <a:tailEnd/>
+          </a:ln>
+        </p:spPr>
+      </p:pic>
+    </p:spTree>
+  </p:cSld>
+  <p:clrMapOvr>
+    <a:masterClrMapping/>
+  </p:clrMapOvr>
+</p:sld>
+</file>
+
+<file path=ppt/slides/slide11.xml><?xml version="1.0" encoding="utf-8"?>
+<p:sld xmlns:a="http://schemas.openxmlformats.org/drawingml/2006/main" xmlns:r="http://schemas.openxmlformats.org/officeDocument/2006/relationships" xmlns:p="http://schemas.openxmlformats.org/presentationml/2006/main">
+  <p:cSld>
+    <p:spTree>
+      <p:nvGrpSpPr>
+        <p:cNvPr id="1" name=""/>
+        <p:cNvGrpSpPr/>
+        <p:nvPr/>
+      </p:nvGrpSpPr>
+      <p:grpSpPr>
+        <a:xfrm>
+          <a:off x="0" y="0"/>
+          <a:ext cx="0" cy="0"/>
+          <a:chOff x="0" y="0"/>
+          <a:chExt cx="0" cy="0"/>
+        </a:xfrm>
+      </p:grpSpPr>
+      <p:pic>
+        <p:nvPicPr>
           <p:cNvPr id="8194" name="Picture 2" descr="https://documents.lucidchart.com/documents/2f92dd7f-c3b9-4ac1-acfe-fbebfe4d5fdc/pages/0_0?a=2010&amp;x=63&amp;y=8&amp;w=1254&amp;h=1144&amp;store=1&amp;accept=image%2F*&amp;auth=LCA%20f6f6355455b19b733751e1cef6085bb6c41c2495-ts%3D1473804170"/>
           <p:cNvPicPr>
             <a:picLocks noChangeAspect="1" noChangeArrowheads="1"/>
@@ -3851,7 +3974,7 @@
 </p:sld>
 </file>
 
-<file path=ppt/slides/slide11.xml><?xml version="1.0" encoding="utf-8"?>
+<file path=ppt/slides/slide12.xml><?xml version="1.0" encoding="utf-8"?>
 <p:sld xmlns:a="http://schemas.openxmlformats.org/drawingml/2006/main" xmlns:r="http://schemas.openxmlformats.org/officeDocument/2006/relationships" xmlns:p="http://schemas.openxmlformats.org/presentationml/2006/main">
   <p:cSld>
     <p:spTree>
@@ -3966,7 +4089,7 @@
 </p:sld>
 </file>
 
-<file path=ppt/slides/slide12.xml><?xml version="1.0" encoding="utf-8"?>
+<file path=ppt/slides/slide13.xml><?xml version="1.0" encoding="utf-8"?>
 <p:sld xmlns:a="http://schemas.openxmlformats.org/drawingml/2006/main" xmlns:r="http://schemas.openxmlformats.org/officeDocument/2006/relationships" xmlns:p="http://schemas.openxmlformats.org/presentationml/2006/main">
   <p:cSld>
     <p:spTree>
@@ -11333,7 +11456,7 @@
 </p:sld>
 </file>
 
-<file path=ppt/slides/slide13.xml><?xml version="1.0" encoding="utf-8"?>
+<file path=ppt/slides/slide14.xml><?xml version="1.0" encoding="utf-8"?>
 <p:sld xmlns:a="http://schemas.openxmlformats.org/drawingml/2006/main" xmlns:r="http://schemas.openxmlformats.org/officeDocument/2006/relationships" xmlns:p="http://schemas.openxmlformats.org/presentationml/2006/main">
   <p:cSld>
     <p:spTree>
@@ -11422,7 +11545,7 @@
 </p:sld>
 </file>
 
-<file path=ppt/slides/slide14.xml><?xml version="1.0" encoding="utf-8"?>
+<file path=ppt/slides/slide15.xml><?xml version="1.0" encoding="utf-8"?>
 <p:sld xmlns:a="http://schemas.openxmlformats.org/drawingml/2006/main" xmlns:r="http://schemas.openxmlformats.org/officeDocument/2006/relationships" xmlns:p="http://schemas.openxmlformats.org/presentationml/2006/main">
   <p:cSld>
     <p:spTree>
@@ -11511,7 +11634,7 @@
 </p:sld>
 </file>
 
-<file path=ppt/slides/slide15.xml><?xml version="1.0" encoding="utf-8"?>
+<file path=ppt/slides/slide16.xml><?xml version="1.0" encoding="utf-8"?>
 <p:sld xmlns:a="http://schemas.openxmlformats.org/drawingml/2006/main" xmlns:r="http://schemas.openxmlformats.org/officeDocument/2006/relationships" xmlns:p="http://schemas.openxmlformats.org/presentationml/2006/main">
   <p:cSld>
     <p:spTree>
@@ -11626,7 +11749,7 @@
 </p:sld>
 </file>
 
-<file path=ppt/slides/slide16.xml><?xml version="1.0" encoding="utf-8"?>
+<file path=ppt/slides/slide17.xml><?xml version="1.0" encoding="utf-8"?>
 <p:sld xmlns:a="http://schemas.openxmlformats.org/drawingml/2006/main" xmlns:r="http://schemas.openxmlformats.org/officeDocument/2006/relationships" xmlns:p="http://schemas.openxmlformats.org/presentationml/2006/main">
   <p:cSld>
     <p:spTree>
@@ -11741,7 +11864,7 @@
 </p:sld>
 </file>
 
-<file path=ppt/slides/slide17.xml><?xml version="1.0" encoding="utf-8"?>
+<file path=ppt/slides/slide18.xml><?xml version="1.0" encoding="utf-8"?>
 <p:sld xmlns:a="http://schemas.openxmlformats.org/drawingml/2006/main" xmlns:r="http://schemas.openxmlformats.org/officeDocument/2006/relationships" xmlns:p="http://schemas.openxmlformats.org/presentationml/2006/main">
   <p:cSld>
     <p:spTree>
@@ -12755,7 +12878,7 @@
 </p:sld>
 </file>
 
-<file path=ppt/slides/slide18.xml><?xml version="1.0" encoding="utf-8"?>
+<file path=ppt/slides/slide19.xml><?xml version="1.0" encoding="utf-8"?>
 <p:sld xmlns:a="http://schemas.openxmlformats.org/drawingml/2006/main" xmlns:r="http://schemas.openxmlformats.org/officeDocument/2006/relationships" xmlns:p="http://schemas.openxmlformats.org/presentationml/2006/main">
   <p:cSld>
     <p:spTree>
@@ -13769,127 +13892,6 @@
 </p:sld>
 </file>
 
-<file path=ppt/slides/slide19.xml><?xml version="1.0" encoding="utf-8"?>
-<p:sld xmlns:a="http://schemas.openxmlformats.org/drawingml/2006/main" xmlns:r="http://schemas.openxmlformats.org/officeDocument/2006/relationships" xmlns:p="http://schemas.openxmlformats.org/presentationml/2006/main">
-  <p:cSld>
-    <p:spTree>
-      <p:nvGrpSpPr>
-        <p:cNvPr id="1" name=""/>
-        <p:cNvGrpSpPr/>
-        <p:nvPr/>
-      </p:nvGrpSpPr>
-      <p:grpSpPr>
-        <a:xfrm>
-          <a:off x="0" y="0"/>
-          <a:ext cx="0" cy="0"/>
-          <a:chOff x="0" y="0"/>
-          <a:chExt cx="0" cy="0"/>
-        </a:xfrm>
-      </p:grpSpPr>
-      <p:pic>
-        <p:nvPicPr>
-          <p:cNvPr id="1026" name="Picture 2"/>
-          <p:cNvPicPr>
-            <a:picLocks noChangeAspect="1" noChangeArrowheads="1"/>
-          </p:cNvPicPr>
-          <p:nvPr/>
-        </p:nvPicPr>
-        <p:blipFill>
-          <a:blip r:embed="rId2" cstate="print"/>
-          <a:srcRect/>
-          <a:stretch>
-            <a:fillRect/>
-          </a:stretch>
-        </p:blipFill>
-        <p:spPr bwMode="auto">
-          <a:xfrm>
-            <a:off x="152400" y="152400"/>
-            <a:ext cx="4143375" cy="4429125"/>
-          </a:xfrm>
-          <a:prstGeom prst="rect">
-            <a:avLst/>
-          </a:prstGeom>
-          <a:noFill/>
-          <a:ln w="9525">
-            <a:noFill/>
-            <a:miter lim="800000"/>
-            <a:headEnd/>
-            <a:tailEnd/>
-          </a:ln>
-        </p:spPr>
-      </p:pic>
-      <p:pic>
-        <p:nvPicPr>
-          <p:cNvPr id="1027" name="Picture 3"/>
-          <p:cNvPicPr>
-            <a:picLocks noChangeAspect="1" noChangeArrowheads="1"/>
-          </p:cNvPicPr>
-          <p:nvPr/>
-        </p:nvPicPr>
-        <p:blipFill>
-          <a:blip r:embed="rId3" cstate="print"/>
-          <a:srcRect/>
-          <a:stretch>
-            <a:fillRect/>
-          </a:stretch>
-        </p:blipFill>
-        <p:spPr bwMode="auto">
-          <a:xfrm>
-            <a:off x="428625" y="4495800"/>
-            <a:ext cx="3152775" cy="2158877"/>
-          </a:xfrm>
-          <a:prstGeom prst="rect">
-            <a:avLst/>
-          </a:prstGeom>
-          <a:noFill/>
-          <a:ln w="9525">
-            <a:noFill/>
-            <a:miter lim="800000"/>
-            <a:headEnd/>
-            <a:tailEnd/>
-          </a:ln>
-        </p:spPr>
-      </p:pic>
-      <p:pic>
-        <p:nvPicPr>
-          <p:cNvPr id="1028" name="Picture 4"/>
-          <p:cNvPicPr>
-            <a:picLocks noChangeAspect="1" noChangeArrowheads="1"/>
-          </p:cNvPicPr>
-          <p:nvPr/>
-        </p:nvPicPr>
-        <p:blipFill>
-          <a:blip r:embed="rId4" cstate="print"/>
-          <a:srcRect/>
-          <a:stretch>
-            <a:fillRect/>
-          </a:stretch>
-        </p:blipFill>
-        <p:spPr bwMode="auto">
-          <a:xfrm>
-            <a:off x="4943400" y="76200"/>
-            <a:ext cx="4124400" cy="5334000"/>
-          </a:xfrm>
-          <a:prstGeom prst="rect">
-            <a:avLst/>
-          </a:prstGeom>
-          <a:noFill/>
-          <a:ln w="9525">
-            <a:noFill/>
-            <a:miter lim="800000"/>
-            <a:headEnd/>
-            <a:tailEnd/>
-          </a:ln>
-        </p:spPr>
-      </p:pic>
-    </p:spTree>
-  </p:cSld>
-  <p:clrMapOvr>
-    <a:masterClrMapping/>
-  </p:clrMapOvr>
-</p:sld>
-</file>
-
 <file path=ppt/slides/slide2.xml><?xml version="1.0" encoding="utf-8"?>
 <p:sld xmlns:a="http://schemas.openxmlformats.org/drawingml/2006/main" xmlns:r="http://schemas.openxmlformats.org/officeDocument/2006/relationships" xmlns:p="http://schemas.openxmlformats.org/presentationml/2006/main">
   <p:cSld>
@@ -14027,6 +14029,127 @@
 </file>
 
 <file path=ppt/slides/slide20.xml><?xml version="1.0" encoding="utf-8"?>
+<p:sld xmlns:a="http://schemas.openxmlformats.org/drawingml/2006/main" xmlns:r="http://schemas.openxmlformats.org/officeDocument/2006/relationships" xmlns:p="http://schemas.openxmlformats.org/presentationml/2006/main">
+  <p:cSld>
+    <p:spTree>
+      <p:nvGrpSpPr>
+        <p:cNvPr id="1" name=""/>
+        <p:cNvGrpSpPr/>
+        <p:nvPr/>
+      </p:nvGrpSpPr>
+      <p:grpSpPr>
+        <a:xfrm>
+          <a:off x="0" y="0"/>
+          <a:ext cx="0" cy="0"/>
+          <a:chOff x="0" y="0"/>
+          <a:chExt cx="0" cy="0"/>
+        </a:xfrm>
+      </p:grpSpPr>
+      <p:pic>
+        <p:nvPicPr>
+          <p:cNvPr id="1026" name="Picture 2"/>
+          <p:cNvPicPr>
+            <a:picLocks noChangeAspect="1" noChangeArrowheads="1"/>
+          </p:cNvPicPr>
+          <p:nvPr/>
+        </p:nvPicPr>
+        <p:blipFill>
+          <a:blip r:embed="rId2" cstate="print"/>
+          <a:srcRect/>
+          <a:stretch>
+            <a:fillRect/>
+          </a:stretch>
+        </p:blipFill>
+        <p:spPr bwMode="auto">
+          <a:xfrm>
+            <a:off x="152400" y="152400"/>
+            <a:ext cx="4143375" cy="4429125"/>
+          </a:xfrm>
+          <a:prstGeom prst="rect">
+            <a:avLst/>
+          </a:prstGeom>
+          <a:noFill/>
+          <a:ln w="9525">
+            <a:noFill/>
+            <a:miter lim="800000"/>
+            <a:headEnd/>
+            <a:tailEnd/>
+          </a:ln>
+        </p:spPr>
+      </p:pic>
+      <p:pic>
+        <p:nvPicPr>
+          <p:cNvPr id="1027" name="Picture 3"/>
+          <p:cNvPicPr>
+            <a:picLocks noChangeAspect="1" noChangeArrowheads="1"/>
+          </p:cNvPicPr>
+          <p:nvPr/>
+        </p:nvPicPr>
+        <p:blipFill>
+          <a:blip r:embed="rId3" cstate="print"/>
+          <a:srcRect/>
+          <a:stretch>
+            <a:fillRect/>
+          </a:stretch>
+        </p:blipFill>
+        <p:spPr bwMode="auto">
+          <a:xfrm>
+            <a:off x="428625" y="4495800"/>
+            <a:ext cx="3152775" cy="2158877"/>
+          </a:xfrm>
+          <a:prstGeom prst="rect">
+            <a:avLst/>
+          </a:prstGeom>
+          <a:noFill/>
+          <a:ln w="9525">
+            <a:noFill/>
+            <a:miter lim="800000"/>
+            <a:headEnd/>
+            <a:tailEnd/>
+          </a:ln>
+        </p:spPr>
+      </p:pic>
+      <p:pic>
+        <p:nvPicPr>
+          <p:cNvPr id="1028" name="Picture 4"/>
+          <p:cNvPicPr>
+            <a:picLocks noChangeAspect="1" noChangeArrowheads="1"/>
+          </p:cNvPicPr>
+          <p:nvPr/>
+        </p:nvPicPr>
+        <p:blipFill>
+          <a:blip r:embed="rId4" cstate="print"/>
+          <a:srcRect/>
+          <a:stretch>
+            <a:fillRect/>
+          </a:stretch>
+        </p:blipFill>
+        <p:spPr bwMode="auto">
+          <a:xfrm>
+            <a:off x="4943400" y="76200"/>
+            <a:ext cx="4124400" cy="5334000"/>
+          </a:xfrm>
+          <a:prstGeom prst="rect">
+            <a:avLst/>
+          </a:prstGeom>
+          <a:noFill/>
+          <a:ln w="9525">
+            <a:noFill/>
+            <a:miter lim="800000"/>
+            <a:headEnd/>
+            <a:tailEnd/>
+          </a:ln>
+        </p:spPr>
+      </p:pic>
+    </p:spTree>
+  </p:cSld>
+  <p:clrMapOvr>
+    <a:masterClrMapping/>
+  </p:clrMapOvr>
+</p:sld>
+</file>
+
+<file path=ppt/slides/slide21.xml><?xml version="1.0" encoding="utf-8"?>
 <p:sld xmlns:a="http://schemas.openxmlformats.org/drawingml/2006/main" xmlns:r="http://schemas.openxmlformats.org/officeDocument/2006/relationships" xmlns:p="http://schemas.openxmlformats.org/presentationml/2006/main" show="0">
   <p:cSld>
     <p:spTree>
@@ -14136,7 +14259,7 @@
 </p:sld>
 </file>
 
-<file path=ppt/slides/slide21.xml><?xml version="1.0" encoding="utf-8"?>
+<file path=ppt/slides/slide22.xml><?xml version="1.0" encoding="utf-8"?>
 <p:sld xmlns:a="http://schemas.openxmlformats.org/drawingml/2006/main" xmlns:r="http://schemas.openxmlformats.org/officeDocument/2006/relationships" xmlns:p="http://schemas.openxmlformats.org/presentationml/2006/main">
   <p:cSld>
     <p:spTree>
@@ -14193,7 +14316,7 @@
 </p:sld>
 </file>
 
-<file path=ppt/slides/slide22.xml><?xml version="1.0" encoding="utf-8"?>
+<file path=ppt/slides/slide23.xml><?xml version="1.0" encoding="utf-8"?>
 <p:sld xmlns:a="http://schemas.openxmlformats.org/drawingml/2006/main" xmlns:r="http://schemas.openxmlformats.org/officeDocument/2006/relationships" xmlns:p="http://schemas.openxmlformats.org/presentationml/2006/main">
   <p:cSld>
     <p:spTree>
@@ -14378,6 +14501,639 @@
 </p:sld>
 </file>
 
+<file path=ppt/slides/slide24.xml><?xml version="1.0" encoding="utf-8"?>
+<p:sld xmlns:a="http://schemas.openxmlformats.org/drawingml/2006/main" xmlns:r="http://schemas.openxmlformats.org/officeDocument/2006/relationships" xmlns:p="http://schemas.openxmlformats.org/presentationml/2006/main">
+  <p:cSld>
+    <p:spTree>
+      <p:nvGrpSpPr>
+        <p:cNvPr id="1" name=""/>
+        <p:cNvGrpSpPr/>
+        <p:nvPr/>
+      </p:nvGrpSpPr>
+      <p:grpSpPr>
+        <a:xfrm>
+          <a:off x="0" y="0"/>
+          <a:ext cx="0" cy="0"/>
+          <a:chOff x="0" y="0"/>
+          <a:chExt cx="0" cy="0"/>
+        </a:xfrm>
+      </p:grpSpPr>
+      <p:pic>
+        <p:nvPicPr>
+          <p:cNvPr id="1028" name="Picture 4"/>
+          <p:cNvPicPr>
+            <a:picLocks noChangeAspect="1" noChangeArrowheads="1"/>
+          </p:cNvPicPr>
+          <p:nvPr/>
+        </p:nvPicPr>
+        <p:blipFill>
+          <a:blip r:embed="rId2" cstate="print"/>
+          <a:srcRect/>
+          <a:stretch>
+            <a:fillRect/>
+          </a:stretch>
+        </p:blipFill>
+        <p:spPr bwMode="auto">
+          <a:xfrm>
+            <a:off x="152400" y="152400"/>
+            <a:ext cx="3800475" cy="4124325"/>
+          </a:xfrm>
+          <a:prstGeom prst="rect">
+            <a:avLst/>
+          </a:prstGeom>
+          <a:noFill/>
+          <a:ln w="9525">
+            <a:noFill/>
+            <a:miter lim="800000"/>
+            <a:headEnd/>
+            <a:tailEnd/>
+          </a:ln>
+        </p:spPr>
+      </p:pic>
+      <p:pic>
+        <p:nvPicPr>
+          <p:cNvPr id="1027" name="Picture 3"/>
+          <p:cNvPicPr>
+            <a:picLocks noChangeAspect="1" noChangeArrowheads="1"/>
+          </p:cNvPicPr>
+          <p:nvPr/>
+        </p:nvPicPr>
+        <p:blipFill>
+          <a:blip r:embed="rId3" cstate="print"/>
+          <a:srcRect/>
+          <a:stretch>
+            <a:fillRect/>
+          </a:stretch>
+        </p:blipFill>
+        <p:spPr bwMode="auto">
+          <a:xfrm>
+            <a:off x="801687" y="3819525"/>
+            <a:ext cx="8266113" cy="2962275"/>
+          </a:xfrm>
+          <a:prstGeom prst="rect">
+            <a:avLst/>
+          </a:prstGeom>
+          <a:noFill/>
+          <a:ln w="9525">
+            <a:noFill/>
+            <a:miter lim="800000"/>
+            <a:headEnd/>
+            <a:tailEnd/>
+          </a:ln>
+        </p:spPr>
+      </p:pic>
+      <p:graphicFrame>
+        <p:nvGraphicFramePr>
+          <p:cNvPr id="5" name="Table 4"/>
+          <p:cNvGraphicFramePr>
+            <a:graphicFrameLocks noGrp="1"/>
+          </p:cNvGraphicFramePr>
+          <p:nvPr/>
+        </p:nvGraphicFramePr>
+        <p:xfrm>
+          <a:off x="3657600" y="304800"/>
+          <a:ext cx="4800600" cy="370840"/>
+        </p:xfrm>
+        <a:graphic>
+          <a:graphicData uri="http://schemas.openxmlformats.org/drawingml/2006/table">
+            <a:tbl>
+              <a:tblPr firstRow="1" bandRow="1">
+                <a:tableStyleId>{5940675A-B579-460E-94D1-54222C63F5DA}</a:tableStyleId>
+              </a:tblPr>
+              <a:tblGrid>
+                <a:gridCol w="480060"/>
+                <a:gridCol w="480060"/>
+                <a:gridCol w="480060"/>
+                <a:gridCol w="480060"/>
+                <a:gridCol w="480060"/>
+                <a:gridCol w="480060"/>
+                <a:gridCol w="480060"/>
+                <a:gridCol w="480060"/>
+                <a:gridCol w="480060"/>
+                <a:gridCol w="480060"/>
+              </a:tblGrid>
+              <a:tr h="370840">
+                <a:tc>
+                  <a:txBody>
+                    <a:bodyPr/>
+                    <a:lstStyle/>
+                    <a:p>
+                      <a:endParaRPr lang="en-US" dirty="0"/>
+                    </a:p>
+                  </a:txBody>
+                  <a:tcPr/>
+                </a:tc>
+                <a:tc>
+                  <a:txBody>
+                    <a:bodyPr/>
+                    <a:lstStyle/>
+                    <a:p>
+                      <a:endParaRPr lang="en-US"/>
+                    </a:p>
+                  </a:txBody>
+                  <a:tcPr/>
+                </a:tc>
+                <a:tc>
+                  <a:txBody>
+                    <a:bodyPr/>
+                    <a:lstStyle/>
+                    <a:p>
+                      <a:endParaRPr lang="en-US"/>
+                    </a:p>
+                  </a:txBody>
+                  <a:tcPr/>
+                </a:tc>
+                <a:tc>
+                  <a:txBody>
+                    <a:bodyPr/>
+                    <a:lstStyle/>
+                    <a:p>
+                      <a:endParaRPr lang="en-US" dirty="0"/>
+                    </a:p>
+                  </a:txBody>
+                  <a:tcPr/>
+                </a:tc>
+                <a:tc>
+                  <a:txBody>
+                    <a:bodyPr/>
+                    <a:lstStyle/>
+                    <a:p>
+                      <a:endParaRPr lang="en-US" dirty="0"/>
+                    </a:p>
+                  </a:txBody>
+                  <a:tcPr/>
+                </a:tc>
+                <a:tc>
+                  <a:txBody>
+                    <a:bodyPr/>
+                    <a:lstStyle/>
+                    <a:p>
+                      <a:endParaRPr lang="en-US" dirty="0"/>
+                    </a:p>
+                  </a:txBody>
+                  <a:tcPr/>
+                </a:tc>
+                <a:tc>
+                  <a:txBody>
+                    <a:bodyPr/>
+                    <a:lstStyle/>
+                    <a:p>
+                      <a:endParaRPr lang="en-US"/>
+                    </a:p>
+                  </a:txBody>
+                  <a:tcPr/>
+                </a:tc>
+                <a:tc>
+                  <a:txBody>
+                    <a:bodyPr/>
+                    <a:lstStyle/>
+                    <a:p>
+                      <a:endParaRPr lang="en-US"/>
+                    </a:p>
+                  </a:txBody>
+                  <a:tcPr/>
+                </a:tc>
+                <a:tc>
+                  <a:txBody>
+                    <a:bodyPr/>
+                    <a:lstStyle/>
+                    <a:p>
+                      <a:endParaRPr lang="en-US" dirty="0"/>
+                    </a:p>
+                  </a:txBody>
+                  <a:tcPr/>
+                </a:tc>
+                <a:tc>
+                  <a:txBody>
+                    <a:bodyPr/>
+                    <a:lstStyle/>
+                    <a:p>
+                      <a:endParaRPr lang="en-US" dirty="0"/>
+                    </a:p>
+                  </a:txBody>
+                  <a:tcPr/>
+                </a:tc>
+              </a:tr>
+            </a:tbl>
+          </a:graphicData>
+        </a:graphic>
+      </p:graphicFrame>
+      <p:graphicFrame>
+        <p:nvGraphicFramePr>
+          <p:cNvPr id="6" name="Table 5"/>
+          <p:cNvGraphicFramePr>
+            <a:graphicFrameLocks noGrp="1"/>
+          </p:cNvGraphicFramePr>
+          <p:nvPr/>
+        </p:nvGraphicFramePr>
+        <p:xfrm>
+          <a:off x="3657600" y="848360"/>
+          <a:ext cx="4800600" cy="370840"/>
+        </p:xfrm>
+        <a:graphic>
+          <a:graphicData uri="http://schemas.openxmlformats.org/drawingml/2006/table">
+            <a:tbl>
+              <a:tblPr firstRow="1" bandRow="1">
+                <a:tableStyleId>{5940675A-B579-460E-94D1-54222C63F5DA}</a:tableStyleId>
+              </a:tblPr>
+              <a:tblGrid>
+                <a:gridCol w="480060"/>
+                <a:gridCol w="480060"/>
+                <a:gridCol w="480060"/>
+                <a:gridCol w="480060"/>
+                <a:gridCol w="480060"/>
+                <a:gridCol w="480060"/>
+                <a:gridCol w="480060"/>
+                <a:gridCol w="480060"/>
+                <a:gridCol w="480060"/>
+                <a:gridCol w="480060"/>
+              </a:tblGrid>
+              <a:tr h="370840">
+                <a:tc>
+                  <a:txBody>
+                    <a:bodyPr/>
+                    <a:lstStyle/>
+                    <a:p>
+                      <a:endParaRPr lang="en-US" dirty="0"/>
+                    </a:p>
+                  </a:txBody>
+                  <a:tcPr/>
+                </a:tc>
+                <a:tc>
+                  <a:txBody>
+                    <a:bodyPr/>
+                    <a:lstStyle/>
+                    <a:p>
+                      <a:endParaRPr lang="en-US"/>
+                    </a:p>
+                  </a:txBody>
+                  <a:tcPr/>
+                </a:tc>
+                <a:tc>
+                  <a:txBody>
+                    <a:bodyPr/>
+                    <a:lstStyle/>
+                    <a:p>
+                      <a:endParaRPr lang="en-US"/>
+                    </a:p>
+                  </a:txBody>
+                  <a:tcPr/>
+                </a:tc>
+                <a:tc>
+                  <a:txBody>
+                    <a:bodyPr/>
+                    <a:lstStyle/>
+                    <a:p>
+                      <a:endParaRPr lang="en-US" dirty="0"/>
+                    </a:p>
+                  </a:txBody>
+                  <a:tcPr/>
+                </a:tc>
+                <a:tc>
+                  <a:txBody>
+                    <a:bodyPr/>
+                    <a:lstStyle/>
+                    <a:p>
+                      <a:endParaRPr lang="en-US" dirty="0"/>
+                    </a:p>
+                  </a:txBody>
+                  <a:tcPr/>
+                </a:tc>
+                <a:tc>
+                  <a:txBody>
+                    <a:bodyPr/>
+                    <a:lstStyle/>
+                    <a:p>
+                      <a:endParaRPr lang="en-US"/>
+                    </a:p>
+                  </a:txBody>
+                  <a:tcPr/>
+                </a:tc>
+                <a:tc>
+                  <a:txBody>
+                    <a:bodyPr/>
+                    <a:lstStyle/>
+                    <a:p>
+                      <a:endParaRPr lang="en-US"/>
+                    </a:p>
+                  </a:txBody>
+                  <a:tcPr/>
+                </a:tc>
+                <a:tc>
+                  <a:txBody>
+                    <a:bodyPr/>
+                    <a:lstStyle/>
+                    <a:p>
+                      <a:endParaRPr lang="en-US"/>
+                    </a:p>
+                  </a:txBody>
+                  <a:tcPr/>
+                </a:tc>
+                <a:tc>
+                  <a:txBody>
+                    <a:bodyPr/>
+                    <a:lstStyle/>
+                    <a:p>
+                      <a:endParaRPr lang="en-US" dirty="0"/>
+                    </a:p>
+                  </a:txBody>
+                  <a:tcPr/>
+                </a:tc>
+                <a:tc>
+                  <a:txBody>
+                    <a:bodyPr/>
+                    <a:lstStyle/>
+                    <a:p>
+                      <a:endParaRPr lang="en-US" dirty="0"/>
+                    </a:p>
+                  </a:txBody>
+                  <a:tcPr/>
+                </a:tc>
+              </a:tr>
+            </a:tbl>
+          </a:graphicData>
+        </a:graphic>
+      </p:graphicFrame>
+      <p:graphicFrame>
+        <p:nvGraphicFramePr>
+          <p:cNvPr id="7" name="Table 6"/>
+          <p:cNvGraphicFramePr>
+            <a:graphicFrameLocks noGrp="1"/>
+          </p:cNvGraphicFramePr>
+          <p:nvPr/>
+        </p:nvGraphicFramePr>
+        <p:xfrm>
+          <a:off x="3657600" y="1371600"/>
+          <a:ext cx="4800600" cy="370840"/>
+        </p:xfrm>
+        <a:graphic>
+          <a:graphicData uri="http://schemas.openxmlformats.org/drawingml/2006/table">
+            <a:tbl>
+              <a:tblPr firstRow="1" bandRow="1">
+                <a:tableStyleId>{5940675A-B579-460E-94D1-54222C63F5DA}</a:tableStyleId>
+              </a:tblPr>
+              <a:tblGrid>
+                <a:gridCol w="480060"/>
+                <a:gridCol w="480060"/>
+                <a:gridCol w="480060"/>
+                <a:gridCol w="480060"/>
+                <a:gridCol w="480060"/>
+                <a:gridCol w="480060"/>
+                <a:gridCol w="480060"/>
+                <a:gridCol w="480060"/>
+                <a:gridCol w="480060"/>
+                <a:gridCol w="480060"/>
+              </a:tblGrid>
+              <a:tr h="370840">
+                <a:tc>
+                  <a:txBody>
+                    <a:bodyPr/>
+                    <a:lstStyle/>
+                    <a:p>
+                      <a:endParaRPr lang="en-US" dirty="0"/>
+                    </a:p>
+                  </a:txBody>
+                  <a:tcPr/>
+                </a:tc>
+                <a:tc>
+                  <a:txBody>
+                    <a:bodyPr/>
+                    <a:lstStyle/>
+                    <a:p>
+                      <a:endParaRPr lang="en-US"/>
+                    </a:p>
+                  </a:txBody>
+                  <a:tcPr/>
+                </a:tc>
+                <a:tc>
+                  <a:txBody>
+                    <a:bodyPr/>
+                    <a:lstStyle/>
+                    <a:p>
+                      <a:endParaRPr lang="en-US"/>
+                    </a:p>
+                  </a:txBody>
+                  <a:tcPr/>
+                </a:tc>
+                <a:tc>
+                  <a:txBody>
+                    <a:bodyPr/>
+                    <a:lstStyle/>
+                    <a:p>
+                      <a:endParaRPr lang="en-US" dirty="0"/>
+                    </a:p>
+                  </a:txBody>
+                  <a:tcPr/>
+                </a:tc>
+                <a:tc>
+                  <a:txBody>
+                    <a:bodyPr/>
+                    <a:lstStyle/>
+                    <a:p>
+                      <a:endParaRPr lang="en-US" dirty="0"/>
+                    </a:p>
+                  </a:txBody>
+                  <a:tcPr/>
+                </a:tc>
+                <a:tc>
+                  <a:txBody>
+                    <a:bodyPr/>
+                    <a:lstStyle/>
+                    <a:p>
+                      <a:endParaRPr lang="en-US" dirty="0"/>
+                    </a:p>
+                  </a:txBody>
+                  <a:tcPr/>
+                </a:tc>
+                <a:tc>
+                  <a:txBody>
+                    <a:bodyPr/>
+                    <a:lstStyle/>
+                    <a:p>
+                      <a:endParaRPr lang="en-US"/>
+                    </a:p>
+                  </a:txBody>
+                  <a:tcPr/>
+                </a:tc>
+                <a:tc>
+                  <a:txBody>
+                    <a:bodyPr/>
+                    <a:lstStyle/>
+                    <a:p>
+                      <a:endParaRPr lang="en-US"/>
+                    </a:p>
+                  </a:txBody>
+                  <a:tcPr/>
+                </a:tc>
+                <a:tc>
+                  <a:txBody>
+                    <a:bodyPr/>
+                    <a:lstStyle/>
+                    <a:p>
+                      <a:endParaRPr lang="en-US" dirty="0"/>
+                    </a:p>
+                  </a:txBody>
+                  <a:tcPr/>
+                </a:tc>
+                <a:tc>
+                  <a:txBody>
+                    <a:bodyPr/>
+                    <a:lstStyle/>
+                    <a:p>
+                      <a:endParaRPr lang="en-US" dirty="0"/>
+                    </a:p>
+                  </a:txBody>
+                  <a:tcPr/>
+                </a:tc>
+              </a:tr>
+            </a:tbl>
+          </a:graphicData>
+        </a:graphic>
+      </p:graphicFrame>
+      <p:graphicFrame>
+        <p:nvGraphicFramePr>
+          <p:cNvPr id="8" name="Table 7"/>
+          <p:cNvGraphicFramePr>
+            <a:graphicFrameLocks noGrp="1"/>
+          </p:cNvGraphicFramePr>
+          <p:nvPr/>
+        </p:nvGraphicFramePr>
+        <p:xfrm>
+          <a:off x="3657600" y="1915160"/>
+          <a:ext cx="4800600" cy="370840"/>
+        </p:xfrm>
+        <a:graphic>
+          <a:graphicData uri="http://schemas.openxmlformats.org/drawingml/2006/table">
+            <a:tbl>
+              <a:tblPr firstRow="1" bandRow="1">
+                <a:tableStyleId>{5940675A-B579-460E-94D1-54222C63F5DA}</a:tableStyleId>
+              </a:tblPr>
+              <a:tblGrid>
+                <a:gridCol w="480060"/>
+                <a:gridCol w="480060"/>
+                <a:gridCol w="480060"/>
+                <a:gridCol w="480060"/>
+                <a:gridCol w="480060"/>
+                <a:gridCol w="480060"/>
+                <a:gridCol w="480060"/>
+                <a:gridCol w="480060"/>
+                <a:gridCol w="480060"/>
+                <a:gridCol w="480060"/>
+              </a:tblGrid>
+              <a:tr h="370840">
+                <a:tc>
+                  <a:txBody>
+                    <a:bodyPr/>
+                    <a:lstStyle/>
+                    <a:p>
+                      <a:endParaRPr lang="en-US" dirty="0"/>
+                    </a:p>
+                  </a:txBody>
+                  <a:tcPr/>
+                </a:tc>
+                <a:tc>
+                  <a:txBody>
+                    <a:bodyPr/>
+                    <a:lstStyle/>
+                    <a:p>
+                      <a:endParaRPr lang="en-US"/>
+                    </a:p>
+                  </a:txBody>
+                  <a:tcPr/>
+                </a:tc>
+                <a:tc>
+                  <a:txBody>
+                    <a:bodyPr/>
+                    <a:lstStyle/>
+                    <a:p>
+                      <a:endParaRPr lang="en-US"/>
+                    </a:p>
+                  </a:txBody>
+                  <a:tcPr/>
+                </a:tc>
+                <a:tc>
+                  <a:txBody>
+                    <a:bodyPr/>
+                    <a:lstStyle/>
+                    <a:p>
+                      <a:endParaRPr lang="en-US" dirty="0"/>
+                    </a:p>
+                  </a:txBody>
+                  <a:tcPr/>
+                </a:tc>
+                <a:tc>
+                  <a:txBody>
+                    <a:bodyPr/>
+                    <a:lstStyle/>
+                    <a:p>
+                      <a:endParaRPr lang="en-US" dirty="0"/>
+                    </a:p>
+                  </a:txBody>
+                  <a:tcPr/>
+                </a:tc>
+                <a:tc>
+                  <a:txBody>
+                    <a:bodyPr/>
+                    <a:lstStyle/>
+                    <a:p>
+                      <a:endParaRPr lang="en-US"/>
+                    </a:p>
+                  </a:txBody>
+                  <a:tcPr/>
+                </a:tc>
+                <a:tc>
+                  <a:txBody>
+                    <a:bodyPr/>
+                    <a:lstStyle/>
+                    <a:p>
+                      <a:endParaRPr lang="en-US"/>
+                    </a:p>
+                  </a:txBody>
+                  <a:tcPr/>
+                </a:tc>
+                <a:tc>
+                  <a:txBody>
+                    <a:bodyPr/>
+                    <a:lstStyle/>
+                    <a:p>
+                      <a:endParaRPr lang="en-US"/>
+                    </a:p>
+                  </a:txBody>
+                  <a:tcPr/>
+                </a:tc>
+                <a:tc>
+                  <a:txBody>
+                    <a:bodyPr/>
+                    <a:lstStyle/>
+                    <a:p>
+                      <a:endParaRPr lang="en-US" dirty="0"/>
+                    </a:p>
+                  </a:txBody>
+                  <a:tcPr/>
+                </a:tc>
+                <a:tc>
+                  <a:txBody>
+                    <a:bodyPr/>
+                    <a:lstStyle/>
+                    <a:p>
+                      <a:endParaRPr lang="en-US" dirty="0"/>
+                    </a:p>
+                  </a:txBody>
+                  <a:tcPr/>
+                </a:tc>
+              </a:tr>
+            </a:tbl>
+          </a:graphicData>
+        </a:graphic>
+      </p:graphicFrame>
+    </p:spTree>
+  </p:cSld>
+  <p:clrMapOvr>
+    <a:masterClrMapping/>
+  </p:clrMapOvr>
+</p:sld>
+</file>
+
 <file path=ppt/slides/slide3.xml><?xml version="1.0" encoding="utf-8"?>
 <p:sld xmlns:a="http://schemas.openxmlformats.org/drawingml/2006/main" xmlns:r="http://schemas.openxmlformats.org/officeDocument/2006/relationships" xmlns:p="http://schemas.openxmlformats.org/presentationml/2006/main">
   <p:cSld>
@@ -14484,6 +15240,329 @@
           <a:chExt cx="0" cy="0"/>
         </a:xfrm>
       </p:grpSpPr>
+      <p:grpSp>
+        <p:nvGrpSpPr>
+          <p:cNvPr id="2" name="Group 17"/>
+          <p:cNvGrpSpPr/>
+          <p:nvPr/>
+        </p:nvGrpSpPr>
+        <p:grpSpPr>
+          <a:xfrm>
+            <a:off x="76200" y="1371600"/>
+            <a:ext cx="8991600" cy="5040923"/>
+            <a:chOff x="76200" y="1371600"/>
+            <a:chExt cx="8991600" cy="5040923"/>
+          </a:xfrm>
+        </p:grpSpPr>
+        <p:pic>
+          <p:nvPicPr>
+            <p:cNvPr id="5" name="Picture 2" descr="https://documents.lucidchart.com/documents/836a6f97-a710-4752-935c-6db7beade261/pages/0_0?a=992&amp;x=79&amp;y=1026&amp;w=901&amp;h=418&amp;store=1&amp;accept=image%2F*&amp;auth=LCA%20e8930ca40278b74a7aaad60b7e4283309eb7fc1b-ts%3D1490889624"/>
+            <p:cNvPicPr>
+              <a:picLocks noChangeAspect="1" noChangeArrowheads="1"/>
+            </p:cNvPicPr>
+            <p:nvPr/>
+          </p:nvPicPr>
+          <p:blipFill>
+            <a:blip r:embed="rId2" cstate="print"/>
+            <a:srcRect/>
+            <a:stretch>
+              <a:fillRect/>
+            </a:stretch>
+          </p:blipFill>
+          <p:spPr bwMode="auto">
+            <a:xfrm>
+              <a:off x="2590800" y="4572000"/>
+              <a:ext cx="3962400" cy="1840523"/>
+            </a:xfrm>
+            <a:prstGeom prst="rect">
+              <a:avLst/>
+            </a:prstGeom>
+            <a:noFill/>
+          </p:spPr>
+        </p:pic>
+        <p:grpSp>
+          <p:nvGrpSpPr>
+            <p:cNvPr id="3" name="Group 7"/>
+            <p:cNvGrpSpPr/>
+            <p:nvPr/>
+          </p:nvGrpSpPr>
+          <p:grpSpPr>
+            <a:xfrm>
+              <a:off x="76200" y="2819400"/>
+              <a:ext cx="8991600" cy="1840523"/>
+              <a:chOff x="152400" y="2057400"/>
+              <a:chExt cx="8991600" cy="1840523"/>
+            </a:xfrm>
+          </p:grpSpPr>
+          <p:pic>
+            <p:nvPicPr>
+              <p:cNvPr id="4" name="Picture 2" descr="https://documents.lucidchart.com/documents/836a6f97-a710-4752-935c-6db7beade261/pages/0_0?a=992&amp;x=79&amp;y=1026&amp;w=901&amp;h=418&amp;store=1&amp;accept=image%2F*&amp;auth=LCA%20e8930ca40278b74a7aaad60b7e4283309eb7fc1b-ts%3D1490889624"/>
+              <p:cNvPicPr>
+                <a:picLocks noChangeAspect="1" noChangeArrowheads="1"/>
+              </p:cNvPicPr>
+              <p:nvPr/>
+            </p:nvPicPr>
+            <p:blipFill>
+              <a:blip r:embed="rId2" cstate="print"/>
+              <a:srcRect/>
+              <a:stretch>
+                <a:fillRect/>
+              </a:stretch>
+            </p:blipFill>
+            <p:spPr bwMode="auto">
+              <a:xfrm>
+                <a:off x="5181600" y="2057400"/>
+                <a:ext cx="3962400" cy="1840523"/>
+              </a:xfrm>
+              <a:prstGeom prst="rect">
+                <a:avLst/>
+              </a:prstGeom>
+              <a:noFill/>
+            </p:spPr>
+          </p:pic>
+          <p:pic>
+            <p:nvPicPr>
+              <p:cNvPr id="6" name="Picture 2" descr="https://documents.lucidchart.com/documents/836a6f97-a710-4752-935c-6db7beade261/pages/0_0?a=992&amp;x=79&amp;y=1026&amp;w=901&amp;h=418&amp;store=1&amp;accept=image%2F*&amp;auth=LCA%20e8930ca40278b74a7aaad60b7e4283309eb7fc1b-ts%3D1490889624"/>
+              <p:cNvPicPr>
+                <a:picLocks noChangeAspect="1" noChangeArrowheads="1"/>
+              </p:cNvPicPr>
+              <p:nvPr/>
+            </p:nvPicPr>
+            <p:blipFill>
+              <a:blip r:embed="rId2" cstate="print"/>
+              <a:srcRect/>
+              <a:stretch>
+                <a:fillRect/>
+              </a:stretch>
+            </p:blipFill>
+            <p:spPr bwMode="auto">
+              <a:xfrm>
+                <a:off x="152400" y="2057400"/>
+                <a:ext cx="3962400" cy="1840523"/>
+              </a:xfrm>
+              <a:prstGeom prst="rect">
+                <a:avLst/>
+              </a:prstGeom>
+              <a:noFill/>
+            </p:spPr>
+          </p:pic>
+        </p:grpSp>
+        <p:sp>
+          <p:nvSpPr>
+            <p:cNvPr id="9" name="Oval 8"/>
+            <p:cNvSpPr/>
+            <p:nvPr/>
+          </p:nvSpPr>
+          <p:spPr>
+            <a:xfrm>
+              <a:off x="4343400" y="1371600"/>
+              <a:ext cx="457200" cy="457200"/>
+            </a:xfrm>
+            <a:prstGeom prst="ellipse">
+              <a:avLst/>
+            </a:prstGeom>
+          </p:spPr>
+          <p:style>
+            <a:lnRef idx="2">
+              <a:schemeClr val="accent1"/>
+            </a:lnRef>
+            <a:fillRef idx="1">
+              <a:schemeClr val="lt1"/>
+            </a:fillRef>
+            <a:effectRef idx="0">
+              <a:schemeClr val="accent1"/>
+            </a:effectRef>
+            <a:fontRef idx="minor">
+              <a:schemeClr val="dk1"/>
+            </a:fontRef>
+          </p:style>
+          <p:txBody>
+            <a:bodyPr rtlCol="0" anchor="ctr"/>
+            <a:lstStyle/>
+            <a:p>
+              <a:pPr algn="ctr"/>
+              <a:endParaRPr lang="en-US"/>
+            </a:p>
+          </p:txBody>
+        </p:sp>
+        <p:cxnSp>
+          <p:nvCxnSpPr>
+            <p:cNvPr id="13" name="Shape 12"/>
+            <p:cNvCxnSpPr>
+              <a:stCxn id="9" idx="2"/>
+              <a:endCxn id="6" idx="0"/>
+            </p:cNvCxnSpPr>
+            <p:nvPr/>
+          </p:nvCxnSpPr>
+          <p:spPr>
+            <a:xfrm rot="10800000" flipV="1">
+              <a:off x="2057400" y="1600200"/>
+              <a:ext cx="2286000" cy="1219200"/>
+            </a:xfrm>
+            <a:prstGeom prst="curvedConnector2">
+              <a:avLst/>
+            </a:prstGeom>
+            <a:ln>
+              <a:tailEnd type="arrow"/>
+            </a:ln>
+          </p:spPr>
+          <p:style>
+            <a:lnRef idx="1">
+              <a:schemeClr val="accent1"/>
+            </a:lnRef>
+            <a:fillRef idx="0">
+              <a:schemeClr val="accent1"/>
+            </a:fillRef>
+            <a:effectRef idx="0">
+              <a:schemeClr val="accent1"/>
+            </a:effectRef>
+            <a:fontRef idx="minor">
+              <a:schemeClr val="tx1"/>
+            </a:fontRef>
+          </p:style>
+        </p:cxnSp>
+        <p:cxnSp>
+          <p:nvCxnSpPr>
+            <p:cNvPr id="15" name="Shape 14"/>
+            <p:cNvCxnSpPr>
+              <a:stCxn id="9" idx="6"/>
+              <a:endCxn id="4" idx="0"/>
+            </p:cNvCxnSpPr>
+            <p:nvPr/>
+          </p:nvCxnSpPr>
+          <p:spPr>
+            <a:xfrm>
+              <a:off x="4800600" y="1600200"/>
+              <a:ext cx="2286000" cy="1219200"/>
+            </a:xfrm>
+            <a:prstGeom prst="curvedConnector2">
+              <a:avLst/>
+            </a:prstGeom>
+            <a:ln>
+              <a:tailEnd type="arrow"/>
+            </a:ln>
+          </p:spPr>
+          <p:style>
+            <a:lnRef idx="1">
+              <a:schemeClr val="accent1"/>
+            </a:lnRef>
+            <a:fillRef idx="0">
+              <a:schemeClr val="accent1"/>
+            </a:fillRef>
+            <a:effectRef idx="0">
+              <a:schemeClr val="accent1"/>
+            </a:effectRef>
+            <a:fontRef idx="minor">
+              <a:schemeClr val="tx1"/>
+            </a:fontRef>
+          </p:style>
+        </p:cxnSp>
+        <p:cxnSp>
+          <p:nvCxnSpPr>
+            <p:cNvPr id="17" name="Curved Connector 16"/>
+            <p:cNvCxnSpPr>
+              <a:stCxn id="9" idx="4"/>
+              <a:endCxn id="5" idx="0"/>
+            </p:cNvCxnSpPr>
+            <p:nvPr/>
+          </p:nvCxnSpPr>
+          <p:spPr>
+            <a:xfrm rot="5400000">
+              <a:off x="3200400" y="3200400"/>
+              <a:ext cx="2743200" cy="12700"/>
+            </a:xfrm>
+            <a:prstGeom prst="curvedConnector3">
+              <a:avLst>
+                <a:gd name="adj1" fmla="val 50000"/>
+              </a:avLst>
+            </a:prstGeom>
+            <a:ln>
+              <a:tailEnd type="arrow"/>
+            </a:ln>
+          </p:spPr>
+          <p:style>
+            <a:lnRef idx="1">
+              <a:schemeClr val="accent1"/>
+            </a:lnRef>
+            <a:fillRef idx="0">
+              <a:schemeClr val="accent1"/>
+            </a:fillRef>
+            <a:effectRef idx="0">
+              <a:schemeClr val="accent1"/>
+            </a:effectRef>
+            <a:fontRef idx="minor">
+              <a:schemeClr val="tx1"/>
+            </a:fontRef>
+          </p:style>
+        </p:cxnSp>
+      </p:grpSp>
+      <p:sp>
+        <p:nvSpPr>
+          <p:cNvPr id="11" name="TextBox 10"/>
+          <p:cNvSpPr txBox="1"/>
+          <p:nvPr/>
+        </p:nvSpPr>
+        <p:spPr>
+          <a:xfrm>
+            <a:off x="304800" y="247471"/>
+            <a:ext cx="8392554" cy="923330"/>
+          </a:xfrm>
+          <a:prstGeom prst="rect">
+            <a:avLst/>
+          </a:prstGeom>
+          <a:noFill/>
+        </p:spPr>
+        <p:txBody>
+          <a:bodyPr wrap="none" rtlCol="0">
+            <a:spAutoFit/>
+          </a:bodyPr>
+          <a:lstStyle/>
+          <a:p>
+            <a:r>
+              <a:rPr lang="en-US" dirty="0" smtClean="0"/>
+              <a:t>The capture all permutations algorithm works by visiting all possible combinations of  3 </a:t>
+            </a:r>
+          </a:p>
+          <a:p>
+            <a:r>
+              <a:rPr lang="en-US" dirty="0" smtClean="0"/>
+              <a:t>letters including using the same letter, but skipping those that attempt to use a </a:t>
+            </a:r>
+          </a:p>
+          <a:p>
+            <a:r>
+              <a:rPr lang="en-US" dirty="0" smtClean="0"/>
+              <a:t>repeated letter.</a:t>
+            </a:r>
+            <a:endParaRPr lang="en-US" dirty="0"/>
+          </a:p>
+        </p:txBody>
+      </p:sp>
+    </p:spTree>
+  </p:cSld>
+  <p:clrMapOvr>
+    <a:masterClrMapping/>
+  </p:clrMapOvr>
+</p:sld>
+</file>
+
+<file path=ppt/slides/slide5.xml><?xml version="1.0" encoding="utf-8"?>
+<p:sld xmlns:a="http://schemas.openxmlformats.org/drawingml/2006/main" xmlns:r="http://schemas.openxmlformats.org/officeDocument/2006/relationships" xmlns:p="http://schemas.openxmlformats.org/presentationml/2006/main">
+  <p:cSld>
+    <p:spTree>
+      <p:nvGrpSpPr>
+        <p:cNvPr id="1" name=""/>
+        <p:cNvGrpSpPr/>
+        <p:nvPr/>
+      </p:nvGrpSpPr>
+      <p:grpSpPr>
+        <a:xfrm>
+          <a:off x="0" y="0"/>
+          <a:ext cx="0" cy="0"/>
+          <a:chOff x="0" y="0"/>
+          <a:chExt cx="0" cy="0"/>
+        </a:xfrm>
+      </p:grpSpPr>
       <p:pic>
         <p:nvPicPr>
           <p:cNvPr id="3" name="Picture 2" descr="https://documents.lucidchart.com/documents/6922f9be-4c03-4f21-bc4e-4fe7a488e2d9/pages/0_0?a=544&amp;x=55&amp;y=58&amp;w=990&amp;h=482&amp;store=1&amp;accept=image%2F*&amp;auth=LCA%20b20eac3c7d8387978d71263246976b7aee0e6aae-ts%3D1476135071"/>
@@ -14545,7 +15624,7 @@
 </p:sld>
 </file>
 
-<file path=ppt/slides/slide5.xml><?xml version="1.0" encoding="utf-8"?>
+<file path=ppt/slides/slide6.xml><?xml version="1.0" encoding="utf-8"?>
 <p:sld xmlns:a="http://schemas.openxmlformats.org/drawingml/2006/main" xmlns:r="http://schemas.openxmlformats.org/officeDocument/2006/relationships" xmlns:p="http://schemas.openxmlformats.org/presentationml/2006/main">
   <p:cSld>
     <p:spTree>
@@ -14718,7 +15797,7 @@
 </p:sld>
 </file>
 
-<file path=ppt/slides/slide6.xml><?xml version="1.0" encoding="utf-8"?>
+<file path=ppt/slides/slide7.xml><?xml version="1.0" encoding="utf-8"?>
 <p:sld xmlns:a="http://schemas.openxmlformats.org/drawingml/2006/main" xmlns:r="http://schemas.openxmlformats.org/officeDocument/2006/relationships" xmlns:p="http://schemas.openxmlformats.org/presentationml/2006/main">
   <p:cSld>
     <p:spTree>
@@ -15004,7 +16083,7 @@
 </p:sld>
 </file>
 
-<file path=ppt/slides/slide7.xml><?xml version="1.0" encoding="utf-8"?>
+<file path=ppt/slides/slide8.xml><?xml version="1.0" encoding="utf-8"?>
 <p:sld xmlns:a="http://schemas.openxmlformats.org/drawingml/2006/main" xmlns:r="http://schemas.openxmlformats.org/officeDocument/2006/relationships" xmlns:p="http://schemas.openxmlformats.org/presentationml/2006/main">
   <p:cSld>
     <p:spTree>
@@ -15150,7 +16229,7 @@
 </p:sld>
 </file>
 
-<file path=ppt/slides/slide8.xml><?xml version="1.0" encoding="utf-8"?>
+<file path=ppt/slides/slide9.xml><?xml version="1.0" encoding="utf-8"?>
 <p:sld xmlns:a="http://schemas.openxmlformats.org/drawingml/2006/main" xmlns:r="http://schemas.openxmlformats.org/officeDocument/2006/relationships" xmlns:p="http://schemas.openxmlformats.org/presentationml/2006/main">
   <p:cSld>
     <p:spTree>
@@ -15275,127 +16354,6 @@
           <a:xfrm>
             <a:off x="5200650" y="19050"/>
             <a:ext cx="3867150" cy="5086350"/>
-          </a:xfrm>
-          <a:prstGeom prst="rect">
-            <a:avLst/>
-          </a:prstGeom>
-          <a:noFill/>
-          <a:ln w="9525">
-            <a:noFill/>
-            <a:miter lim="800000"/>
-            <a:headEnd/>
-            <a:tailEnd/>
-          </a:ln>
-        </p:spPr>
-      </p:pic>
-    </p:spTree>
-  </p:cSld>
-  <p:clrMapOvr>
-    <a:masterClrMapping/>
-  </p:clrMapOvr>
-</p:sld>
-</file>
-
-<file path=ppt/slides/slide9.xml><?xml version="1.0" encoding="utf-8"?>
-<p:sld xmlns:a="http://schemas.openxmlformats.org/drawingml/2006/main" xmlns:r="http://schemas.openxmlformats.org/officeDocument/2006/relationships" xmlns:p="http://schemas.openxmlformats.org/presentationml/2006/main">
-  <p:cSld>
-    <p:spTree>
-      <p:nvGrpSpPr>
-        <p:cNvPr id="1" name=""/>
-        <p:cNvGrpSpPr/>
-        <p:nvPr/>
-      </p:nvGrpSpPr>
-      <p:grpSpPr>
-        <a:xfrm>
-          <a:off x="0" y="0"/>
-          <a:ext cx="0" cy="0"/>
-          <a:chOff x="0" y="0"/>
-          <a:chExt cx="0" cy="0"/>
-        </a:xfrm>
-      </p:grpSpPr>
-      <p:pic>
-        <p:nvPicPr>
-          <p:cNvPr id="1026" name="Picture 2"/>
-          <p:cNvPicPr>
-            <a:picLocks noChangeAspect="1" noChangeArrowheads="1"/>
-          </p:cNvPicPr>
-          <p:nvPr/>
-        </p:nvPicPr>
-        <p:blipFill>
-          <a:blip r:embed="rId2" cstate="print"/>
-          <a:srcRect/>
-          <a:stretch>
-            <a:fillRect/>
-          </a:stretch>
-        </p:blipFill>
-        <p:spPr bwMode="auto">
-          <a:xfrm>
-            <a:off x="152400" y="152400"/>
-            <a:ext cx="3676650" cy="4010025"/>
-          </a:xfrm>
-          <a:prstGeom prst="rect">
-            <a:avLst/>
-          </a:prstGeom>
-          <a:noFill/>
-          <a:ln w="9525">
-            <a:noFill/>
-            <a:miter lim="800000"/>
-            <a:headEnd/>
-            <a:tailEnd/>
-          </a:ln>
-        </p:spPr>
-      </p:pic>
-      <p:pic>
-        <p:nvPicPr>
-          <p:cNvPr id="1028" name="Picture 4"/>
-          <p:cNvPicPr>
-            <a:picLocks noChangeAspect="1" noChangeArrowheads="1"/>
-          </p:cNvPicPr>
-          <p:nvPr/>
-        </p:nvPicPr>
-        <p:blipFill>
-          <a:blip r:embed="rId3" cstate="print"/>
-          <a:srcRect/>
-          <a:stretch>
-            <a:fillRect/>
-          </a:stretch>
-        </p:blipFill>
-        <p:spPr bwMode="auto">
-          <a:xfrm>
-            <a:off x="76200" y="4069174"/>
-            <a:ext cx="3886200" cy="2636426"/>
-          </a:xfrm>
-          <a:prstGeom prst="rect">
-            <a:avLst/>
-          </a:prstGeom>
-          <a:noFill/>
-          <a:ln w="9525">
-            <a:noFill/>
-            <a:miter lim="800000"/>
-            <a:headEnd/>
-            <a:tailEnd/>
-          </a:ln>
-        </p:spPr>
-      </p:pic>
-      <p:pic>
-        <p:nvPicPr>
-          <p:cNvPr id="1032" name="Picture 8"/>
-          <p:cNvPicPr>
-            <a:picLocks noChangeAspect="1" noChangeArrowheads="1"/>
-          </p:cNvPicPr>
-          <p:nvPr/>
-        </p:nvPicPr>
-        <p:blipFill>
-          <a:blip r:embed="rId4" cstate="print"/>
-          <a:srcRect/>
-          <a:stretch>
-            <a:fillRect/>
-          </a:stretch>
-        </p:blipFill>
-        <p:spPr bwMode="auto">
-          <a:xfrm>
-            <a:off x="3581400" y="76200"/>
-            <a:ext cx="5486400" cy="4465877"/>
           </a:xfrm>
           <a:prstGeom prst="rect">
             <a:avLst/>

--- a/EBooks/Diagrams.pptx
+++ b/EBooks/Diagrams.pptx
@@ -5,7 +5,7 @@
     <p:sldMasterId id="2147483648" r:id="rId1"/>
   </p:sldMasterIdLst>
   <p:notesMasterIdLst>
-    <p:notesMasterId r:id="rId26"/>
+    <p:notesMasterId r:id="rId34"/>
   </p:notesMasterIdLst>
   <p:sldIdLst>
     <p:sldId id="275" r:id="rId2"/>
@@ -32,6 +32,14 @@
     <p:sldId id="283" r:id="rId23"/>
     <p:sldId id="284" r:id="rId24"/>
     <p:sldId id="285" r:id="rId25"/>
+    <p:sldId id="287" r:id="rId26"/>
+    <p:sldId id="288" r:id="rId27"/>
+    <p:sldId id="289" r:id="rId28"/>
+    <p:sldId id="290" r:id="rId29"/>
+    <p:sldId id="291" r:id="rId30"/>
+    <p:sldId id="292" r:id="rId31"/>
+    <p:sldId id="293" r:id="rId32"/>
+    <p:sldId id="294" r:id="rId33"/>
   </p:sldIdLst>
   <p:sldSz cx="9144000" cy="6858000" type="screen4x3"/>
   <p:notesSz cx="6881813" cy="9296400"/>
@@ -216,7 +224,7 @@
             <a:fld id="{DA103462-62C8-4D37-8F5B-118728760487}" type="datetimeFigureOut">
               <a:rPr lang="en-US" smtClean="0"/>
               <a:pPr/>
-              <a:t>3/30/2017</a:t>
+              <a:t>3/6/2018</a:t>
             </a:fld>
             <a:endParaRPr lang="en-US"/>
           </a:p>
@@ -746,7 +754,7 @@
             <a:fld id="{E16763B4-E773-4657-92E3-F14AA5DD8006}" type="datetimeFigureOut">
               <a:rPr lang="en-US" smtClean="0"/>
               <a:pPr/>
-              <a:t>3/30/2017</a:t>
+              <a:t>3/6/2018</a:t>
             </a:fld>
             <a:endParaRPr lang="en-US"/>
           </a:p>
@@ -913,7 +921,7 @@
             <a:fld id="{E16763B4-E773-4657-92E3-F14AA5DD8006}" type="datetimeFigureOut">
               <a:rPr lang="en-US" smtClean="0"/>
               <a:pPr/>
-              <a:t>3/30/2017</a:t>
+              <a:t>3/6/2018</a:t>
             </a:fld>
             <a:endParaRPr lang="en-US"/>
           </a:p>
@@ -1090,7 +1098,7 @@
             <a:fld id="{E16763B4-E773-4657-92E3-F14AA5DD8006}" type="datetimeFigureOut">
               <a:rPr lang="en-US" smtClean="0"/>
               <a:pPr/>
-              <a:t>3/30/2017</a:t>
+              <a:t>3/6/2018</a:t>
             </a:fld>
             <a:endParaRPr lang="en-US"/>
           </a:p>
@@ -1257,7 +1265,7 @@
             <a:fld id="{E16763B4-E773-4657-92E3-F14AA5DD8006}" type="datetimeFigureOut">
               <a:rPr lang="en-US" smtClean="0"/>
               <a:pPr/>
-              <a:t>3/30/2017</a:t>
+              <a:t>3/6/2018</a:t>
             </a:fld>
             <a:endParaRPr lang="en-US"/>
           </a:p>
@@ -1500,7 +1508,7 @@
             <a:fld id="{E16763B4-E773-4657-92E3-F14AA5DD8006}" type="datetimeFigureOut">
               <a:rPr lang="en-US" smtClean="0"/>
               <a:pPr/>
-              <a:t>3/30/2017</a:t>
+              <a:t>3/6/2018</a:t>
             </a:fld>
             <a:endParaRPr lang="en-US"/>
           </a:p>
@@ -1785,7 +1793,7 @@
             <a:fld id="{E16763B4-E773-4657-92E3-F14AA5DD8006}" type="datetimeFigureOut">
               <a:rPr lang="en-US" smtClean="0"/>
               <a:pPr/>
-              <a:t>3/30/2017</a:t>
+              <a:t>3/6/2018</a:t>
             </a:fld>
             <a:endParaRPr lang="en-US"/>
           </a:p>
@@ -2204,7 +2212,7 @@
             <a:fld id="{E16763B4-E773-4657-92E3-F14AA5DD8006}" type="datetimeFigureOut">
               <a:rPr lang="en-US" smtClean="0"/>
               <a:pPr/>
-              <a:t>3/30/2017</a:t>
+              <a:t>3/6/2018</a:t>
             </a:fld>
             <a:endParaRPr lang="en-US"/>
           </a:p>
@@ -2319,7 +2327,7 @@
             <a:fld id="{E16763B4-E773-4657-92E3-F14AA5DD8006}" type="datetimeFigureOut">
               <a:rPr lang="en-US" smtClean="0"/>
               <a:pPr/>
-              <a:t>3/30/2017</a:t>
+              <a:t>3/6/2018</a:t>
             </a:fld>
             <a:endParaRPr lang="en-US"/>
           </a:p>
@@ -2411,7 +2419,7 @@
             <a:fld id="{E16763B4-E773-4657-92E3-F14AA5DD8006}" type="datetimeFigureOut">
               <a:rPr lang="en-US" smtClean="0"/>
               <a:pPr/>
-              <a:t>3/30/2017</a:t>
+              <a:t>3/6/2018</a:t>
             </a:fld>
             <a:endParaRPr lang="en-US"/>
           </a:p>
@@ -2685,7 +2693,7 @@
             <a:fld id="{E16763B4-E773-4657-92E3-F14AA5DD8006}" type="datetimeFigureOut">
               <a:rPr lang="en-US" smtClean="0"/>
               <a:pPr/>
-              <a:t>3/30/2017</a:t>
+              <a:t>3/6/2018</a:t>
             </a:fld>
             <a:endParaRPr lang="en-US"/>
           </a:p>
@@ -2935,7 +2943,7 @@
             <a:fld id="{E16763B4-E773-4657-92E3-F14AA5DD8006}" type="datetimeFigureOut">
               <a:rPr lang="en-US" smtClean="0"/>
               <a:pPr/>
-              <a:t>3/30/2017</a:t>
+              <a:t>3/6/2018</a:t>
             </a:fld>
             <a:endParaRPr lang="en-US"/>
           </a:p>
@@ -3145,7 +3153,7 @@
             <a:fld id="{E16763B4-E773-4657-92E3-F14AA5DD8006}" type="datetimeFigureOut">
               <a:rPr lang="en-US" smtClean="0"/>
               <a:pPr/>
-              <a:t>3/30/2017</a:t>
+              <a:t>3/6/2018</a:t>
             </a:fld>
             <a:endParaRPr lang="en-US"/>
           </a:p>
@@ -15134,6 +15142,4265 @@
 </p:sld>
 </file>
 
+<file path=ppt/slides/slide25.xml><?xml version="1.0" encoding="utf-8"?>
+<p:sld xmlns:a="http://schemas.openxmlformats.org/drawingml/2006/main" xmlns:r="http://schemas.openxmlformats.org/officeDocument/2006/relationships" xmlns:p="http://schemas.openxmlformats.org/presentationml/2006/main">
+  <p:cSld>
+    <p:spTree>
+      <p:nvGrpSpPr>
+        <p:cNvPr id="1" name=""/>
+        <p:cNvGrpSpPr/>
+        <p:nvPr/>
+      </p:nvGrpSpPr>
+      <p:grpSpPr>
+        <a:xfrm>
+          <a:off x="0" y="0"/>
+          <a:ext cx="0" cy="0"/>
+          <a:chOff x="0" y="0"/>
+          <a:chExt cx="0" cy="0"/>
+        </a:xfrm>
+      </p:grpSpPr>
+      <p:pic>
+        <p:nvPicPr>
+          <p:cNvPr id="2050" name="Picture 2"/>
+          <p:cNvPicPr>
+            <a:picLocks noChangeAspect="1" noChangeArrowheads="1"/>
+          </p:cNvPicPr>
+          <p:nvPr/>
+        </p:nvPicPr>
+        <p:blipFill>
+          <a:blip r:embed="rId2" cstate="print"/>
+          <a:srcRect/>
+          <a:stretch>
+            <a:fillRect/>
+          </a:stretch>
+        </p:blipFill>
+        <p:spPr bwMode="auto">
+          <a:xfrm>
+            <a:off x="6448425" y="152400"/>
+            <a:ext cx="2695575" cy="342900"/>
+          </a:xfrm>
+          <a:prstGeom prst="rect">
+            <a:avLst/>
+          </a:prstGeom>
+          <a:noFill/>
+          <a:ln w="9525">
+            <a:noFill/>
+            <a:miter lim="800000"/>
+            <a:headEnd/>
+            <a:tailEnd/>
+          </a:ln>
+        </p:spPr>
+      </p:pic>
+      <p:pic>
+        <p:nvPicPr>
+          <p:cNvPr id="2052" name="Picture 4"/>
+          <p:cNvPicPr>
+            <a:picLocks noChangeAspect="1" noChangeArrowheads="1"/>
+          </p:cNvPicPr>
+          <p:nvPr/>
+        </p:nvPicPr>
+        <p:blipFill>
+          <a:blip r:embed="rId3" cstate="print"/>
+          <a:srcRect/>
+          <a:stretch>
+            <a:fillRect/>
+          </a:stretch>
+        </p:blipFill>
+        <p:spPr bwMode="auto">
+          <a:xfrm>
+            <a:off x="152400" y="161925"/>
+            <a:ext cx="5191125" cy="4410075"/>
+          </a:xfrm>
+          <a:prstGeom prst="rect">
+            <a:avLst/>
+          </a:prstGeom>
+          <a:noFill/>
+          <a:ln w="9525">
+            <a:noFill/>
+            <a:miter lim="800000"/>
+            <a:headEnd/>
+            <a:tailEnd/>
+          </a:ln>
+        </p:spPr>
+      </p:pic>
+    </p:spTree>
+  </p:cSld>
+  <p:clrMapOvr>
+    <a:masterClrMapping/>
+  </p:clrMapOvr>
+</p:sld>
+</file>
+
+<file path=ppt/slides/slide26.xml><?xml version="1.0" encoding="utf-8"?>
+<p:sld xmlns:a="http://schemas.openxmlformats.org/drawingml/2006/main" xmlns:r="http://schemas.openxmlformats.org/officeDocument/2006/relationships" xmlns:p="http://schemas.openxmlformats.org/presentationml/2006/main">
+  <p:cSld>
+    <p:spTree>
+      <p:nvGrpSpPr>
+        <p:cNvPr id="1" name=""/>
+        <p:cNvGrpSpPr/>
+        <p:nvPr/>
+      </p:nvGrpSpPr>
+      <p:grpSpPr>
+        <a:xfrm>
+          <a:off x="0" y="0"/>
+          <a:ext cx="0" cy="0"/>
+          <a:chOff x="0" y="0"/>
+          <a:chExt cx="0" cy="0"/>
+        </a:xfrm>
+      </p:grpSpPr>
+      <p:pic>
+        <p:nvPicPr>
+          <p:cNvPr id="1028" name="Picture 4"/>
+          <p:cNvPicPr>
+            <a:picLocks noChangeAspect="1" noChangeArrowheads="1"/>
+          </p:cNvPicPr>
+          <p:nvPr/>
+        </p:nvPicPr>
+        <p:blipFill>
+          <a:blip r:embed="rId2" cstate="print"/>
+          <a:srcRect/>
+          <a:stretch>
+            <a:fillRect/>
+          </a:stretch>
+        </p:blipFill>
+        <p:spPr bwMode="auto">
+          <a:xfrm>
+            <a:off x="152400" y="76200"/>
+            <a:ext cx="4743450" cy="4200525"/>
+          </a:xfrm>
+          <a:prstGeom prst="rect">
+            <a:avLst/>
+          </a:prstGeom>
+          <a:noFill/>
+          <a:ln w="9525">
+            <a:noFill/>
+            <a:miter lim="800000"/>
+            <a:headEnd/>
+            <a:tailEnd/>
+          </a:ln>
+        </p:spPr>
+      </p:pic>
+    </p:spTree>
+  </p:cSld>
+  <p:clrMapOvr>
+    <a:masterClrMapping/>
+  </p:clrMapOvr>
+</p:sld>
+</file>
+
+<file path=ppt/slides/slide27.xml><?xml version="1.0" encoding="utf-8"?>
+<p:sld xmlns:a="http://schemas.openxmlformats.org/drawingml/2006/main" xmlns:r="http://schemas.openxmlformats.org/officeDocument/2006/relationships" xmlns:p="http://schemas.openxmlformats.org/presentationml/2006/main">
+  <p:cSld>
+    <p:spTree>
+      <p:nvGrpSpPr>
+        <p:cNvPr id="1" name=""/>
+        <p:cNvGrpSpPr/>
+        <p:nvPr/>
+      </p:nvGrpSpPr>
+      <p:grpSpPr>
+        <a:xfrm>
+          <a:off x="0" y="0"/>
+          <a:ext cx="0" cy="0"/>
+          <a:chOff x="0" y="0"/>
+          <a:chExt cx="0" cy="0"/>
+        </a:xfrm>
+      </p:grpSpPr>
+      <p:pic>
+        <p:nvPicPr>
+          <p:cNvPr id="3074" name="Picture 2"/>
+          <p:cNvPicPr>
+            <a:picLocks noChangeAspect="1" noChangeArrowheads="1"/>
+          </p:cNvPicPr>
+          <p:nvPr/>
+        </p:nvPicPr>
+        <p:blipFill>
+          <a:blip r:embed="rId2" cstate="print"/>
+          <a:srcRect/>
+          <a:stretch>
+            <a:fillRect/>
+          </a:stretch>
+        </p:blipFill>
+        <p:spPr bwMode="auto">
+          <a:xfrm>
+            <a:off x="145551" y="76200"/>
+            <a:ext cx="7855449" cy="6238875"/>
+          </a:xfrm>
+          <a:prstGeom prst="rect">
+            <a:avLst/>
+          </a:prstGeom>
+          <a:noFill/>
+          <a:ln w="9525">
+            <a:noFill/>
+            <a:miter lim="800000"/>
+            <a:headEnd/>
+            <a:tailEnd/>
+          </a:ln>
+        </p:spPr>
+      </p:pic>
+      <p:pic>
+        <p:nvPicPr>
+          <p:cNvPr id="3075" name="Picture 3"/>
+          <p:cNvPicPr>
+            <a:picLocks noChangeAspect="1" noChangeArrowheads="1"/>
+          </p:cNvPicPr>
+          <p:nvPr/>
+        </p:nvPicPr>
+        <p:blipFill>
+          <a:blip r:embed="rId3" cstate="print"/>
+          <a:srcRect/>
+          <a:stretch>
+            <a:fillRect/>
+          </a:stretch>
+        </p:blipFill>
+        <p:spPr bwMode="auto">
+          <a:xfrm>
+            <a:off x="7162800" y="3217606"/>
+            <a:ext cx="1790700" cy="3307019"/>
+          </a:xfrm>
+          <a:prstGeom prst="rect">
+            <a:avLst/>
+          </a:prstGeom>
+          <a:noFill/>
+          <a:ln w="9525">
+            <a:noFill/>
+            <a:miter lim="800000"/>
+            <a:headEnd/>
+            <a:tailEnd/>
+          </a:ln>
+        </p:spPr>
+      </p:pic>
+      <p:pic>
+        <p:nvPicPr>
+          <p:cNvPr id="3076" name="Picture 4"/>
+          <p:cNvPicPr>
+            <a:picLocks noChangeAspect="1" noChangeArrowheads="1"/>
+          </p:cNvPicPr>
+          <p:nvPr/>
+        </p:nvPicPr>
+        <p:blipFill>
+          <a:blip r:embed="rId4" cstate="print"/>
+          <a:srcRect/>
+          <a:stretch>
+            <a:fillRect/>
+          </a:stretch>
+        </p:blipFill>
+        <p:spPr bwMode="auto">
+          <a:xfrm>
+            <a:off x="4953000" y="2438400"/>
+            <a:ext cx="2628900" cy="352425"/>
+          </a:xfrm>
+          <a:prstGeom prst="rect">
+            <a:avLst/>
+          </a:prstGeom>
+          <a:noFill/>
+          <a:ln w="9525">
+            <a:noFill/>
+            <a:miter lim="800000"/>
+            <a:headEnd/>
+            <a:tailEnd/>
+          </a:ln>
+        </p:spPr>
+      </p:pic>
+    </p:spTree>
+  </p:cSld>
+  <p:clrMapOvr>
+    <a:masterClrMapping/>
+  </p:clrMapOvr>
+</p:sld>
+</file>
+
+<file path=ppt/slides/slide28.xml><?xml version="1.0" encoding="utf-8"?>
+<p:sld xmlns:a="http://schemas.openxmlformats.org/drawingml/2006/main" xmlns:r="http://schemas.openxmlformats.org/officeDocument/2006/relationships" xmlns:p="http://schemas.openxmlformats.org/presentationml/2006/main">
+  <p:cSld>
+    <p:spTree>
+      <p:nvGrpSpPr>
+        <p:cNvPr id="1" name=""/>
+        <p:cNvGrpSpPr/>
+        <p:nvPr/>
+      </p:nvGrpSpPr>
+      <p:grpSpPr>
+        <a:xfrm>
+          <a:off x="0" y="0"/>
+          <a:ext cx="0" cy="0"/>
+          <a:chOff x="0" y="0"/>
+          <a:chExt cx="0" cy="0"/>
+        </a:xfrm>
+      </p:grpSpPr>
+      <p:pic>
+        <p:nvPicPr>
+          <p:cNvPr id="4098" name="Picture 2"/>
+          <p:cNvPicPr>
+            <a:picLocks noChangeAspect="1" noChangeArrowheads="1"/>
+          </p:cNvPicPr>
+          <p:nvPr/>
+        </p:nvPicPr>
+        <p:blipFill>
+          <a:blip r:embed="rId2" cstate="print"/>
+          <a:srcRect/>
+          <a:stretch>
+            <a:fillRect/>
+          </a:stretch>
+        </p:blipFill>
+        <p:spPr bwMode="auto">
+          <a:xfrm>
+            <a:off x="76200" y="76200"/>
+            <a:ext cx="6924162" cy="4267200"/>
+          </a:xfrm>
+          <a:prstGeom prst="rect">
+            <a:avLst/>
+          </a:prstGeom>
+          <a:noFill/>
+          <a:ln w="9525">
+            <a:noFill/>
+            <a:miter lim="800000"/>
+            <a:headEnd/>
+            <a:tailEnd/>
+          </a:ln>
+        </p:spPr>
+      </p:pic>
+      <p:pic>
+        <p:nvPicPr>
+          <p:cNvPr id="4100" name="Picture 4"/>
+          <p:cNvPicPr>
+            <a:picLocks noChangeAspect="1" noChangeArrowheads="1"/>
+          </p:cNvPicPr>
+          <p:nvPr/>
+        </p:nvPicPr>
+        <p:blipFill>
+          <a:blip r:embed="rId3" cstate="print"/>
+          <a:srcRect/>
+          <a:stretch>
+            <a:fillRect/>
+          </a:stretch>
+        </p:blipFill>
+        <p:spPr bwMode="auto">
+          <a:xfrm>
+            <a:off x="6553200" y="4495800"/>
+            <a:ext cx="2286000" cy="2083210"/>
+          </a:xfrm>
+          <a:prstGeom prst="rect">
+            <a:avLst/>
+          </a:prstGeom>
+          <a:noFill/>
+          <a:ln w="9525">
+            <a:noFill/>
+            <a:miter lim="800000"/>
+            <a:headEnd/>
+            <a:tailEnd/>
+          </a:ln>
+        </p:spPr>
+      </p:pic>
+    </p:spTree>
+  </p:cSld>
+  <p:clrMapOvr>
+    <a:masterClrMapping/>
+  </p:clrMapOvr>
+</p:sld>
+</file>
+
+<file path=ppt/slides/slide29.xml><?xml version="1.0" encoding="utf-8"?>
+<p:sld xmlns:a="http://schemas.openxmlformats.org/drawingml/2006/main" xmlns:r="http://schemas.openxmlformats.org/officeDocument/2006/relationships" xmlns:p="http://schemas.openxmlformats.org/presentationml/2006/main">
+  <p:cSld>
+    <p:spTree>
+      <p:nvGrpSpPr>
+        <p:cNvPr id="1" name=""/>
+        <p:cNvGrpSpPr/>
+        <p:nvPr/>
+      </p:nvGrpSpPr>
+      <p:grpSpPr>
+        <a:xfrm>
+          <a:off x="0" y="0"/>
+          <a:ext cx="0" cy="0"/>
+          <a:chOff x="0" y="0"/>
+          <a:chExt cx="0" cy="0"/>
+        </a:xfrm>
+      </p:grpSpPr>
+      <p:graphicFrame>
+        <p:nvGraphicFramePr>
+          <p:cNvPr id="7" name="Table 6"/>
+          <p:cNvGraphicFramePr>
+            <a:graphicFrameLocks noGrp="1"/>
+          </p:cNvGraphicFramePr>
+          <p:nvPr/>
+        </p:nvGraphicFramePr>
+        <p:xfrm>
+          <a:off x="5029200" y="5562600"/>
+          <a:ext cx="3797300" cy="952500"/>
+        </p:xfrm>
+        <a:graphic>
+          <a:graphicData uri="http://schemas.openxmlformats.org/drawingml/2006/table">
+            <a:tbl>
+              <a:tblPr/>
+              <a:tblGrid>
+                <a:gridCol w="292100"/>
+                <a:gridCol w="292100"/>
+                <a:gridCol w="292100"/>
+                <a:gridCol w="292100"/>
+                <a:gridCol w="292100"/>
+                <a:gridCol w="292100"/>
+                <a:gridCol w="292100"/>
+                <a:gridCol w="292100"/>
+                <a:gridCol w="292100"/>
+                <a:gridCol w="292100"/>
+                <a:gridCol w="292100"/>
+                <a:gridCol w="292100"/>
+                <a:gridCol w="292100"/>
+              </a:tblGrid>
+              <a:tr h="190500">
+                <a:tc>
+                  <a:txBody>
+                    <a:bodyPr/>
+                    <a:lstStyle/>
+                    <a:p>
+                      <a:pPr algn="l" fontAlgn="b"/>
+                      <a:endParaRPr lang="en-US" sz="1100" b="0" i="0" u="none" strike="noStrike">
+                        <a:solidFill>
+                          <a:srgbClr val="000000"/>
+                        </a:solidFill>
+                        <a:latin typeface="Calibri"/>
+                      </a:endParaRPr>
+                    </a:p>
+                  </a:txBody>
+                  <a:tcPr marL="9525" marR="9525" marT="9525" marB="0" anchor="b">
+                    <a:lnL>
+                      <a:noFill/>
+                    </a:lnL>
+                    <a:lnR w="6350" cap="flat" cmpd="sng" algn="ctr">
+                      <a:solidFill>
+                        <a:srgbClr val="3F3F3F"/>
+                      </a:solidFill>
+                      <a:prstDash val="solid"/>
+                      <a:round/>
+                      <a:headEnd type="none" w="med" len="med"/>
+                      <a:tailEnd type="none" w="med" len="med"/>
+                    </a:lnR>
+                    <a:lnT>
+                      <a:noFill/>
+                    </a:lnT>
+                    <a:lnB w="6350" cap="flat" cmpd="sng" algn="ctr">
+                      <a:solidFill>
+                        <a:srgbClr val="3F3F3F"/>
+                      </a:solidFill>
+                      <a:prstDash val="solid"/>
+                      <a:round/>
+                      <a:headEnd type="none" w="med" len="med"/>
+                      <a:tailEnd type="none" w="med" len="med"/>
+                    </a:lnB>
+                  </a:tcPr>
+                </a:tc>
+                <a:tc>
+                  <a:txBody>
+                    <a:bodyPr/>
+                    <a:lstStyle/>
+                    <a:p>
+                      <a:pPr algn="r" fontAlgn="b"/>
+                      <a:r>
+                        <a:rPr lang="en-US" sz="1100" b="1" i="0" u="none" strike="noStrike">
+                          <a:solidFill>
+                            <a:srgbClr val="3F3F3F"/>
+                          </a:solidFill>
+                          <a:latin typeface="Calibri"/>
+                        </a:rPr>
+                        <a:t>0</a:t>
+                      </a:r>
+                    </a:p>
+                  </a:txBody>
+                  <a:tcPr marL="9525" marR="9525" marT="9525" marB="0" anchor="b">
+                    <a:lnL w="6350" cap="flat" cmpd="sng" algn="ctr">
+                      <a:solidFill>
+                        <a:srgbClr val="3F3F3F"/>
+                      </a:solidFill>
+                      <a:prstDash val="solid"/>
+                      <a:round/>
+                      <a:headEnd type="none" w="med" len="med"/>
+                      <a:tailEnd type="none" w="med" len="med"/>
+                    </a:lnL>
+                    <a:lnR w="6350" cap="flat" cmpd="sng" algn="ctr">
+                      <a:solidFill>
+                        <a:srgbClr val="3F3F3F"/>
+                      </a:solidFill>
+                      <a:prstDash val="solid"/>
+                      <a:round/>
+                      <a:headEnd type="none" w="med" len="med"/>
+                      <a:tailEnd type="none" w="med" len="med"/>
+                    </a:lnR>
+                    <a:lnT w="6350" cap="flat" cmpd="sng" algn="ctr">
+                      <a:solidFill>
+                        <a:srgbClr val="3F3F3F"/>
+                      </a:solidFill>
+                      <a:prstDash val="solid"/>
+                      <a:round/>
+                      <a:headEnd type="none" w="med" len="med"/>
+                      <a:tailEnd type="none" w="med" len="med"/>
+                    </a:lnT>
+                    <a:lnB w="6350" cap="flat" cmpd="sng" algn="ctr">
+                      <a:solidFill>
+                        <a:srgbClr val="000000"/>
+                      </a:solidFill>
+                      <a:prstDash val="solid"/>
+                      <a:round/>
+                      <a:headEnd type="none" w="med" len="med"/>
+                      <a:tailEnd type="none" w="med" len="med"/>
+                    </a:lnB>
+                    <a:solidFill>
+                      <a:srgbClr val="F2F2F2"/>
+                    </a:solidFill>
+                  </a:tcPr>
+                </a:tc>
+                <a:tc>
+                  <a:txBody>
+                    <a:bodyPr/>
+                    <a:lstStyle/>
+                    <a:p>
+                      <a:pPr algn="r" fontAlgn="b"/>
+                      <a:r>
+                        <a:rPr lang="en-US" sz="1100" b="1" i="0" u="none" strike="noStrike">
+                          <a:solidFill>
+                            <a:srgbClr val="3F3F3F"/>
+                          </a:solidFill>
+                          <a:latin typeface="Calibri"/>
+                        </a:rPr>
+                        <a:t>1</a:t>
+                      </a:r>
+                    </a:p>
+                  </a:txBody>
+                  <a:tcPr marL="9525" marR="9525" marT="9525" marB="0" anchor="b">
+                    <a:lnL w="6350" cap="flat" cmpd="sng" algn="ctr">
+                      <a:solidFill>
+                        <a:srgbClr val="3F3F3F"/>
+                      </a:solidFill>
+                      <a:prstDash val="solid"/>
+                      <a:round/>
+                      <a:headEnd type="none" w="med" len="med"/>
+                      <a:tailEnd type="none" w="med" len="med"/>
+                    </a:lnL>
+                    <a:lnR w="6350" cap="flat" cmpd="sng" algn="ctr">
+                      <a:solidFill>
+                        <a:srgbClr val="3F3F3F"/>
+                      </a:solidFill>
+                      <a:prstDash val="solid"/>
+                      <a:round/>
+                      <a:headEnd type="none" w="med" len="med"/>
+                      <a:tailEnd type="none" w="med" len="med"/>
+                    </a:lnR>
+                    <a:lnT w="6350" cap="flat" cmpd="sng" algn="ctr">
+                      <a:solidFill>
+                        <a:srgbClr val="3F3F3F"/>
+                      </a:solidFill>
+                      <a:prstDash val="solid"/>
+                      <a:round/>
+                      <a:headEnd type="none" w="med" len="med"/>
+                      <a:tailEnd type="none" w="med" len="med"/>
+                    </a:lnT>
+                    <a:lnB w="6350" cap="flat" cmpd="sng" algn="ctr">
+                      <a:solidFill>
+                        <a:srgbClr val="000000"/>
+                      </a:solidFill>
+                      <a:prstDash val="solid"/>
+                      <a:round/>
+                      <a:headEnd type="none" w="med" len="med"/>
+                      <a:tailEnd type="none" w="med" len="med"/>
+                    </a:lnB>
+                    <a:solidFill>
+                      <a:srgbClr val="F2F2F2"/>
+                    </a:solidFill>
+                  </a:tcPr>
+                </a:tc>
+                <a:tc>
+                  <a:txBody>
+                    <a:bodyPr/>
+                    <a:lstStyle/>
+                    <a:p>
+                      <a:pPr algn="r" fontAlgn="b"/>
+                      <a:r>
+                        <a:rPr lang="en-US" sz="1100" b="1" i="0" u="none" strike="noStrike">
+                          <a:solidFill>
+                            <a:srgbClr val="3F3F3F"/>
+                          </a:solidFill>
+                          <a:latin typeface="Calibri"/>
+                        </a:rPr>
+                        <a:t>2</a:t>
+                      </a:r>
+                    </a:p>
+                  </a:txBody>
+                  <a:tcPr marL="9525" marR="9525" marT="9525" marB="0" anchor="b">
+                    <a:lnL w="6350" cap="flat" cmpd="sng" algn="ctr">
+                      <a:solidFill>
+                        <a:srgbClr val="3F3F3F"/>
+                      </a:solidFill>
+                      <a:prstDash val="solid"/>
+                      <a:round/>
+                      <a:headEnd type="none" w="med" len="med"/>
+                      <a:tailEnd type="none" w="med" len="med"/>
+                    </a:lnL>
+                    <a:lnR w="6350" cap="flat" cmpd="sng" algn="ctr">
+                      <a:solidFill>
+                        <a:srgbClr val="3F3F3F"/>
+                      </a:solidFill>
+                      <a:prstDash val="solid"/>
+                      <a:round/>
+                      <a:headEnd type="none" w="med" len="med"/>
+                      <a:tailEnd type="none" w="med" len="med"/>
+                    </a:lnR>
+                    <a:lnT w="6350" cap="flat" cmpd="sng" algn="ctr">
+                      <a:solidFill>
+                        <a:srgbClr val="3F3F3F"/>
+                      </a:solidFill>
+                      <a:prstDash val="solid"/>
+                      <a:round/>
+                      <a:headEnd type="none" w="med" len="med"/>
+                      <a:tailEnd type="none" w="med" len="med"/>
+                    </a:lnT>
+                    <a:lnB w="6350" cap="flat" cmpd="sng" algn="ctr">
+                      <a:solidFill>
+                        <a:srgbClr val="000000"/>
+                      </a:solidFill>
+                      <a:prstDash val="solid"/>
+                      <a:round/>
+                      <a:headEnd type="none" w="med" len="med"/>
+                      <a:tailEnd type="none" w="med" len="med"/>
+                    </a:lnB>
+                    <a:solidFill>
+                      <a:srgbClr val="F2F2F2"/>
+                    </a:solidFill>
+                  </a:tcPr>
+                </a:tc>
+                <a:tc>
+                  <a:txBody>
+                    <a:bodyPr/>
+                    <a:lstStyle/>
+                    <a:p>
+                      <a:pPr algn="r" fontAlgn="b"/>
+                      <a:r>
+                        <a:rPr lang="en-US" sz="1100" b="1" i="0" u="none" strike="noStrike">
+                          <a:solidFill>
+                            <a:srgbClr val="3F3F3F"/>
+                          </a:solidFill>
+                          <a:latin typeface="Calibri"/>
+                        </a:rPr>
+                        <a:t>3</a:t>
+                      </a:r>
+                    </a:p>
+                  </a:txBody>
+                  <a:tcPr marL="9525" marR="9525" marT="9525" marB="0" anchor="b">
+                    <a:lnL w="6350" cap="flat" cmpd="sng" algn="ctr">
+                      <a:solidFill>
+                        <a:srgbClr val="3F3F3F"/>
+                      </a:solidFill>
+                      <a:prstDash val="solid"/>
+                      <a:round/>
+                      <a:headEnd type="none" w="med" len="med"/>
+                      <a:tailEnd type="none" w="med" len="med"/>
+                    </a:lnL>
+                    <a:lnR w="6350" cap="flat" cmpd="sng" algn="ctr">
+                      <a:solidFill>
+                        <a:srgbClr val="3F3F3F"/>
+                      </a:solidFill>
+                      <a:prstDash val="solid"/>
+                      <a:round/>
+                      <a:headEnd type="none" w="med" len="med"/>
+                      <a:tailEnd type="none" w="med" len="med"/>
+                    </a:lnR>
+                    <a:lnT w="6350" cap="flat" cmpd="sng" algn="ctr">
+                      <a:solidFill>
+                        <a:srgbClr val="3F3F3F"/>
+                      </a:solidFill>
+                      <a:prstDash val="solid"/>
+                      <a:round/>
+                      <a:headEnd type="none" w="med" len="med"/>
+                      <a:tailEnd type="none" w="med" len="med"/>
+                    </a:lnT>
+                    <a:lnB w="6350" cap="flat" cmpd="sng" algn="ctr">
+                      <a:solidFill>
+                        <a:srgbClr val="000000"/>
+                      </a:solidFill>
+                      <a:prstDash val="solid"/>
+                      <a:round/>
+                      <a:headEnd type="none" w="med" len="med"/>
+                      <a:tailEnd type="none" w="med" len="med"/>
+                    </a:lnB>
+                    <a:solidFill>
+                      <a:srgbClr val="F2F2F2"/>
+                    </a:solidFill>
+                  </a:tcPr>
+                </a:tc>
+                <a:tc>
+                  <a:txBody>
+                    <a:bodyPr/>
+                    <a:lstStyle/>
+                    <a:p>
+                      <a:pPr algn="r" fontAlgn="b"/>
+                      <a:r>
+                        <a:rPr lang="en-US" sz="1100" b="1" i="0" u="none" strike="noStrike">
+                          <a:solidFill>
+                            <a:srgbClr val="3F3F3F"/>
+                          </a:solidFill>
+                          <a:latin typeface="Calibri"/>
+                        </a:rPr>
+                        <a:t>4</a:t>
+                      </a:r>
+                    </a:p>
+                  </a:txBody>
+                  <a:tcPr marL="9525" marR="9525" marT="9525" marB="0" anchor="b">
+                    <a:lnL w="6350" cap="flat" cmpd="sng" algn="ctr">
+                      <a:solidFill>
+                        <a:srgbClr val="3F3F3F"/>
+                      </a:solidFill>
+                      <a:prstDash val="solid"/>
+                      <a:round/>
+                      <a:headEnd type="none" w="med" len="med"/>
+                      <a:tailEnd type="none" w="med" len="med"/>
+                    </a:lnL>
+                    <a:lnR w="6350" cap="flat" cmpd="sng" algn="ctr">
+                      <a:solidFill>
+                        <a:srgbClr val="3F3F3F"/>
+                      </a:solidFill>
+                      <a:prstDash val="solid"/>
+                      <a:round/>
+                      <a:headEnd type="none" w="med" len="med"/>
+                      <a:tailEnd type="none" w="med" len="med"/>
+                    </a:lnR>
+                    <a:lnT w="6350" cap="flat" cmpd="sng" algn="ctr">
+                      <a:solidFill>
+                        <a:srgbClr val="3F3F3F"/>
+                      </a:solidFill>
+                      <a:prstDash val="solid"/>
+                      <a:round/>
+                      <a:headEnd type="none" w="med" len="med"/>
+                      <a:tailEnd type="none" w="med" len="med"/>
+                    </a:lnT>
+                    <a:lnB w="6350" cap="flat" cmpd="sng" algn="ctr">
+                      <a:solidFill>
+                        <a:srgbClr val="000000"/>
+                      </a:solidFill>
+                      <a:prstDash val="solid"/>
+                      <a:round/>
+                      <a:headEnd type="none" w="med" len="med"/>
+                      <a:tailEnd type="none" w="med" len="med"/>
+                    </a:lnB>
+                    <a:solidFill>
+                      <a:srgbClr val="F2F2F2"/>
+                    </a:solidFill>
+                  </a:tcPr>
+                </a:tc>
+                <a:tc>
+                  <a:txBody>
+                    <a:bodyPr/>
+                    <a:lstStyle/>
+                    <a:p>
+                      <a:pPr algn="r" fontAlgn="b"/>
+                      <a:r>
+                        <a:rPr lang="en-US" sz="1100" b="1" i="0" u="none" strike="noStrike">
+                          <a:solidFill>
+                            <a:srgbClr val="3F3F3F"/>
+                          </a:solidFill>
+                          <a:latin typeface="Calibri"/>
+                        </a:rPr>
+                        <a:t>5</a:t>
+                      </a:r>
+                    </a:p>
+                  </a:txBody>
+                  <a:tcPr marL="9525" marR="9525" marT="9525" marB="0" anchor="b">
+                    <a:lnL w="6350" cap="flat" cmpd="sng" algn="ctr">
+                      <a:solidFill>
+                        <a:srgbClr val="3F3F3F"/>
+                      </a:solidFill>
+                      <a:prstDash val="solid"/>
+                      <a:round/>
+                      <a:headEnd type="none" w="med" len="med"/>
+                      <a:tailEnd type="none" w="med" len="med"/>
+                    </a:lnL>
+                    <a:lnR w="6350" cap="flat" cmpd="sng" algn="ctr">
+                      <a:solidFill>
+                        <a:srgbClr val="3F3F3F"/>
+                      </a:solidFill>
+                      <a:prstDash val="solid"/>
+                      <a:round/>
+                      <a:headEnd type="none" w="med" len="med"/>
+                      <a:tailEnd type="none" w="med" len="med"/>
+                    </a:lnR>
+                    <a:lnT w="6350" cap="flat" cmpd="sng" algn="ctr">
+                      <a:solidFill>
+                        <a:srgbClr val="3F3F3F"/>
+                      </a:solidFill>
+                      <a:prstDash val="solid"/>
+                      <a:round/>
+                      <a:headEnd type="none" w="med" len="med"/>
+                      <a:tailEnd type="none" w="med" len="med"/>
+                    </a:lnT>
+                    <a:lnB w="6350" cap="flat" cmpd="sng" algn="ctr">
+                      <a:solidFill>
+                        <a:srgbClr val="000000"/>
+                      </a:solidFill>
+                      <a:prstDash val="solid"/>
+                      <a:round/>
+                      <a:headEnd type="none" w="med" len="med"/>
+                      <a:tailEnd type="none" w="med" len="med"/>
+                    </a:lnB>
+                    <a:solidFill>
+                      <a:srgbClr val="F2F2F2"/>
+                    </a:solidFill>
+                  </a:tcPr>
+                </a:tc>
+                <a:tc>
+                  <a:txBody>
+                    <a:bodyPr/>
+                    <a:lstStyle/>
+                    <a:p>
+                      <a:pPr algn="r" fontAlgn="b"/>
+                      <a:r>
+                        <a:rPr lang="en-US" sz="1100" b="1" i="0" u="none" strike="noStrike">
+                          <a:solidFill>
+                            <a:srgbClr val="3F3F3F"/>
+                          </a:solidFill>
+                          <a:latin typeface="Calibri"/>
+                        </a:rPr>
+                        <a:t>6</a:t>
+                      </a:r>
+                    </a:p>
+                  </a:txBody>
+                  <a:tcPr marL="9525" marR="9525" marT="9525" marB="0" anchor="b">
+                    <a:lnL w="6350" cap="flat" cmpd="sng" algn="ctr">
+                      <a:solidFill>
+                        <a:srgbClr val="3F3F3F"/>
+                      </a:solidFill>
+                      <a:prstDash val="solid"/>
+                      <a:round/>
+                      <a:headEnd type="none" w="med" len="med"/>
+                      <a:tailEnd type="none" w="med" len="med"/>
+                    </a:lnL>
+                    <a:lnR w="6350" cap="flat" cmpd="sng" algn="ctr">
+                      <a:solidFill>
+                        <a:srgbClr val="3F3F3F"/>
+                      </a:solidFill>
+                      <a:prstDash val="solid"/>
+                      <a:round/>
+                      <a:headEnd type="none" w="med" len="med"/>
+                      <a:tailEnd type="none" w="med" len="med"/>
+                    </a:lnR>
+                    <a:lnT w="6350" cap="flat" cmpd="sng" algn="ctr">
+                      <a:solidFill>
+                        <a:srgbClr val="3F3F3F"/>
+                      </a:solidFill>
+                      <a:prstDash val="solid"/>
+                      <a:round/>
+                      <a:headEnd type="none" w="med" len="med"/>
+                      <a:tailEnd type="none" w="med" len="med"/>
+                    </a:lnT>
+                    <a:lnB w="6350" cap="flat" cmpd="sng" algn="ctr">
+                      <a:solidFill>
+                        <a:srgbClr val="000000"/>
+                      </a:solidFill>
+                      <a:prstDash val="solid"/>
+                      <a:round/>
+                      <a:headEnd type="none" w="med" len="med"/>
+                      <a:tailEnd type="none" w="med" len="med"/>
+                    </a:lnB>
+                    <a:solidFill>
+                      <a:srgbClr val="F2F2F2"/>
+                    </a:solidFill>
+                  </a:tcPr>
+                </a:tc>
+                <a:tc>
+                  <a:txBody>
+                    <a:bodyPr/>
+                    <a:lstStyle/>
+                    <a:p>
+                      <a:pPr algn="r" fontAlgn="b"/>
+                      <a:r>
+                        <a:rPr lang="en-US" sz="1100" b="1" i="0" u="none" strike="noStrike">
+                          <a:solidFill>
+                            <a:srgbClr val="3F3F3F"/>
+                          </a:solidFill>
+                          <a:latin typeface="Calibri"/>
+                        </a:rPr>
+                        <a:t>7</a:t>
+                      </a:r>
+                    </a:p>
+                  </a:txBody>
+                  <a:tcPr marL="9525" marR="9525" marT="9525" marB="0" anchor="b">
+                    <a:lnL w="6350" cap="flat" cmpd="sng" algn="ctr">
+                      <a:solidFill>
+                        <a:srgbClr val="3F3F3F"/>
+                      </a:solidFill>
+                      <a:prstDash val="solid"/>
+                      <a:round/>
+                      <a:headEnd type="none" w="med" len="med"/>
+                      <a:tailEnd type="none" w="med" len="med"/>
+                    </a:lnL>
+                    <a:lnR w="6350" cap="flat" cmpd="sng" algn="ctr">
+                      <a:solidFill>
+                        <a:srgbClr val="3F3F3F"/>
+                      </a:solidFill>
+                      <a:prstDash val="solid"/>
+                      <a:round/>
+                      <a:headEnd type="none" w="med" len="med"/>
+                      <a:tailEnd type="none" w="med" len="med"/>
+                    </a:lnR>
+                    <a:lnT w="6350" cap="flat" cmpd="sng" algn="ctr">
+                      <a:solidFill>
+                        <a:srgbClr val="3F3F3F"/>
+                      </a:solidFill>
+                      <a:prstDash val="solid"/>
+                      <a:round/>
+                      <a:headEnd type="none" w="med" len="med"/>
+                      <a:tailEnd type="none" w="med" len="med"/>
+                    </a:lnT>
+                    <a:lnB w="6350" cap="flat" cmpd="sng" algn="ctr">
+                      <a:solidFill>
+                        <a:srgbClr val="000000"/>
+                      </a:solidFill>
+                      <a:prstDash val="solid"/>
+                      <a:round/>
+                      <a:headEnd type="none" w="med" len="med"/>
+                      <a:tailEnd type="none" w="med" len="med"/>
+                    </a:lnB>
+                    <a:solidFill>
+                      <a:srgbClr val="F2F2F2"/>
+                    </a:solidFill>
+                  </a:tcPr>
+                </a:tc>
+                <a:tc>
+                  <a:txBody>
+                    <a:bodyPr/>
+                    <a:lstStyle/>
+                    <a:p>
+                      <a:pPr algn="r" fontAlgn="b"/>
+                      <a:r>
+                        <a:rPr lang="en-US" sz="1100" b="1" i="0" u="none" strike="noStrike">
+                          <a:solidFill>
+                            <a:srgbClr val="3F3F3F"/>
+                          </a:solidFill>
+                          <a:latin typeface="Calibri"/>
+                        </a:rPr>
+                        <a:t>8</a:t>
+                      </a:r>
+                    </a:p>
+                  </a:txBody>
+                  <a:tcPr marL="9525" marR="9525" marT="9525" marB="0" anchor="b">
+                    <a:lnL w="6350" cap="flat" cmpd="sng" algn="ctr">
+                      <a:solidFill>
+                        <a:srgbClr val="3F3F3F"/>
+                      </a:solidFill>
+                      <a:prstDash val="solid"/>
+                      <a:round/>
+                      <a:headEnd type="none" w="med" len="med"/>
+                      <a:tailEnd type="none" w="med" len="med"/>
+                    </a:lnL>
+                    <a:lnR w="6350" cap="flat" cmpd="sng" algn="ctr">
+                      <a:solidFill>
+                        <a:srgbClr val="3F3F3F"/>
+                      </a:solidFill>
+                      <a:prstDash val="solid"/>
+                      <a:round/>
+                      <a:headEnd type="none" w="med" len="med"/>
+                      <a:tailEnd type="none" w="med" len="med"/>
+                    </a:lnR>
+                    <a:lnT w="6350" cap="flat" cmpd="sng" algn="ctr">
+                      <a:solidFill>
+                        <a:srgbClr val="3F3F3F"/>
+                      </a:solidFill>
+                      <a:prstDash val="solid"/>
+                      <a:round/>
+                      <a:headEnd type="none" w="med" len="med"/>
+                      <a:tailEnd type="none" w="med" len="med"/>
+                    </a:lnT>
+                    <a:lnB w="6350" cap="flat" cmpd="sng" algn="ctr">
+                      <a:solidFill>
+                        <a:srgbClr val="000000"/>
+                      </a:solidFill>
+                      <a:prstDash val="solid"/>
+                      <a:round/>
+                      <a:headEnd type="none" w="med" len="med"/>
+                      <a:tailEnd type="none" w="med" len="med"/>
+                    </a:lnB>
+                    <a:solidFill>
+                      <a:srgbClr val="F2F2F2"/>
+                    </a:solidFill>
+                  </a:tcPr>
+                </a:tc>
+                <a:tc>
+                  <a:txBody>
+                    <a:bodyPr/>
+                    <a:lstStyle/>
+                    <a:p>
+                      <a:pPr algn="r" fontAlgn="b"/>
+                      <a:r>
+                        <a:rPr lang="en-US" sz="1100" b="1" i="0" u="none" strike="noStrike">
+                          <a:solidFill>
+                            <a:srgbClr val="3F3F3F"/>
+                          </a:solidFill>
+                          <a:latin typeface="Calibri"/>
+                        </a:rPr>
+                        <a:t>9</a:t>
+                      </a:r>
+                    </a:p>
+                  </a:txBody>
+                  <a:tcPr marL="9525" marR="9525" marT="9525" marB="0" anchor="b">
+                    <a:lnL w="6350" cap="flat" cmpd="sng" algn="ctr">
+                      <a:solidFill>
+                        <a:srgbClr val="3F3F3F"/>
+                      </a:solidFill>
+                      <a:prstDash val="solid"/>
+                      <a:round/>
+                      <a:headEnd type="none" w="med" len="med"/>
+                      <a:tailEnd type="none" w="med" len="med"/>
+                    </a:lnL>
+                    <a:lnR w="6350" cap="flat" cmpd="sng" algn="ctr">
+                      <a:solidFill>
+                        <a:srgbClr val="3F3F3F"/>
+                      </a:solidFill>
+                      <a:prstDash val="solid"/>
+                      <a:round/>
+                      <a:headEnd type="none" w="med" len="med"/>
+                      <a:tailEnd type="none" w="med" len="med"/>
+                    </a:lnR>
+                    <a:lnT w="6350" cap="flat" cmpd="sng" algn="ctr">
+                      <a:solidFill>
+                        <a:srgbClr val="3F3F3F"/>
+                      </a:solidFill>
+                      <a:prstDash val="solid"/>
+                      <a:round/>
+                      <a:headEnd type="none" w="med" len="med"/>
+                      <a:tailEnd type="none" w="med" len="med"/>
+                    </a:lnT>
+                    <a:lnB w="6350" cap="flat" cmpd="sng" algn="ctr">
+                      <a:solidFill>
+                        <a:srgbClr val="000000"/>
+                      </a:solidFill>
+                      <a:prstDash val="solid"/>
+                      <a:round/>
+                      <a:headEnd type="none" w="med" len="med"/>
+                      <a:tailEnd type="none" w="med" len="med"/>
+                    </a:lnB>
+                    <a:solidFill>
+                      <a:srgbClr val="F2F2F2"/>
+                    </a:solidFill>
+                  </a:tcPr>
+                </a:tc>
+                <a:tc>
+                  <a:txBody>
+                    <a:bodyPr/>
+                    <a:lstStyle/>
+                    <a:p>
+                      <a:pPr algn="r" fontAlgn="b"/>
+                      <a:r>
+                        <a:rPr lang="en-US" sz="1100" b="1" i="0" u="none" strike="noStrike">
+                          <a:solidFill>
+                            <a:srgbClr val="3F3F3F"/>
+                          </a:solidFill>
+                          <a:latin typeface="Calibri"/>
+                        </a:rPr>
+                        <a:t>10</a:t>
+                      </a:r>
+                    </a:p>
+                  </a:txBody>
+                  <a:tcPr marL="9525" marR="9525" marT="9525" marB="0" anchor="b">
+                    <a:lnL w="6350" cap="flat" cmpd="sng" algn="ctr">
+                      <a:solidFill>
+                        <a:srgbClr val="3F3F3F"/>
+                      </a:solidFill>
+                      <a:prstDash val="solid"/>
+                      <a:round/>
+                      <a:headEnd type="none" w="med" len="med"/>
+                      <a:tailEnd type="none" w="med" len="med"/>
+                    </a:lnL>
+                    <a:lnR w="6350" cap="flat" cmpd="sng" algn="ctr">
+                      <a:solidFill>
+                        <a:srgbClr val="3F3F3F"/>
+                      </a:solidFill>
+                      <a:prstDash val="solid"/>
+                      <a:round/>
+                      <a:headEnd type="none" w="med" len="med"/>
+                      <a:tailEnd type="none" w="med" len="med"/>
+                    </a:lnR>
+                    <a:lnT w="6350" cap="flat" cmpd="sng" algn="ctr">
+                      <a:solidFill>
+                        <a:srgbClr val="3F3F3F"/>
+                      </a:solidFill>
+                      <a:prstDash val="solid"/>
+                      <a:round/>
+                      <a:headEnd type="none" w="med" len="med"/>
+                      <a:tailEnd type="none" w="med" len="med"/>
+                    </a:lnT>
+                    <a:lnB w="6350" cap="flat" cmpd="sng" algn="ctr">
+                      <a:solidFill>
+                        <a:srgbClr val="000000"/>
+                      </a:solidFill>
+                      <a:prstDash val="solid"/>
+                      <a:round/>
+                      <a:headEnd type="none" w="med" len="med"/>
+                      <a:tailEnd type="none" w="med" len="med"/>
+                    </a:lnB>
+                    <a:solidFill>
+                      <a:srgbClr val="F2F2F2"/>
+                    </a:solidFill>
+                  </a:tcPr>
+                </a:tc>
+                <a:tc>
+                  <a:txBody>
+                    <a:bodyPr/>
+                    <a:lstStyle/>
+                    <a:p>
+                      <a:pPr algn="r" fontAlgn="b"/>
+                      <a:r>
+                        <a:rPr lang="en-US" sz="1100" b="1" i="0" u="none" strike="noStrike">
+                          <a:solidFill>
+                            <a:srgbClr val="3F3F3F"/>
+                          </a:solidFill>
+                          <a:latin typeface="Calibri"/>
+                        </a:rPr>
+                        <a:t>11</a:t>
+                      </a:r>
+                    </a:p>
+                  </a:txBody>
+                  <a:tcPr marL="9525" marR="9525" marT="9525" marB="0" anchor="b">
+                    <a:lnL w="6350" cap="flat" cmpd="sng" algn="ctr">
+                      <a:solidFill>
+                        <a:srgbClr val="3F3F3F"/>
+                      </a:solidFill>
+                      <a:prstDash val="solid"/>
+                      <a:round/>
+                      <a:headEnd type="none" w="med" len="med"/>
+                      <a:tailEnd type="none" w="med" len="med"/>
+                    </a:lnL>
+                    <a:lnR w="6350" cap="flat" cmpd="sng" algn="ctr">
+                      <a:solidFill>
+                        <a:srgbClr val="3F3F3F"/>
+                      </a:solidFill>
+                      <a:prstDash val="solid"/>
+                      <a:round/>
+                      <a:headEnd type="none" w="med" len="med"/>
+                      <a:tailEnd type="none" w="med" len="med"/>
+                    </a:lnR>
+                    <a:lnT w="6350" cap="flat" cmpd="sng" algn="ctr">
+                      <a:solidFill>
+                        <a:srgbClr val="3F3F3F"/>
+                      </a:solidFill>
+                      <a:prstDash val="solid"/>
+                      <a:round/>
+                      <a:headEnd type="none" w="med" len="med"/>
+                      <a:tailEnd type="none" w="med" len="med"/>
+                    </a:lnT>
+                    <a:lnB w="6350" cap="flat" cmpd="sng" algn="ctr">
+                      <a:solidFill>
+                        <a:srgbClr val="000000"/>
+                      </a:solidFill>
+                      <a:prstDash val="solid"/>
+                      <a:round/>
+                      <a:headEnd type="none" w="med" len="med"/>
+                      <a:tailEnd type="none" w="med" len="med"/>
+                    </a:lnB>
+                    <a:solidFill>
+                      <a:srgbClr val="F2F2F2"/>
+                    </a:solidFill>
+                  </a:tcPr>
+                </a:tc>
+              </a:tr>
+              <a:tr h="190500">
+                <a:tc>
+                  <a:txBody>
+                    <a:bodyPr/>
+                    <a:lstStyle/>
+                    <a:p>
+                      <a:pPr algn="r" fontAlgn="b"/>
+                      <a:r>
+                        <a:rPr lang="en-US" sz="1100" b="1" i="0" u="none" strike="noStrike">
+                          <a:solidFill>
+                            <a:srgbClr val="3F3F3F"/>
+                          </a:solidFill>
+                          <a:latin typeface="Calibri"/>
+                        </a:rPr>
+                        <a:t>1</a:t>
+                      </a:r>
+                    </a:p>
+                  </a:txBody>
+                  <a:tcPr marL="9525" marR="9525" marT="9525" marB="0" anchor="b">
+                    <a:lnL w="6350" cap="flat" cmpd="sng" algn="ctr">
+                      <a:solidFill>
+                        <a:srgbClr val="3F3F3F"/>
+                      </a:solidFill>
+                      <a:prstDash val="solid"/>
+                      <a:round/>
+                      <a:headEnd type="none" w="med" len="med"/>
+                      <a:tailEnd type="none" w="med" len="med"/>
+                    </a:lnL>
+                    <a:lnR w="6350" cap="flat" cmpd="sng" algn="ctr">
+                      <a:solidFill>
+                        <a:srgbClr val="000000"/>
+                      </a:solidFill>
+                      <a:prstDash val="solid"/>
+                      <a:round/>
+                      <a:headEnd type="none" w="med" len="med"/>
+                      <a:tailEnd type="none" w="med" len="med"/>
+                    </a:lnR>
+                    <a:lnT w="6350" cap="flat" cmpd="sng" algn="ctr">
+                      <a:solidFill>
+                        <a:srgbClr val="3F3F3F"/>
+                      </a:solidFill>
+                      <a:prstDash val="solid"/>
+                      <a:round/>
+                      <a:headEnd type="none" w="med" len="med"/>
+                      <a:tailEnd type="none" w="med" len="med"/>
+                    </a:lnT>
+                    <a:lnB w="6350" cap="flat" cmpd="sng" algn="ctr">
+                      <a:solidFill>
+                        <a:srgbClr val="3F3F3F"/>
+                      </a:solidFill>
+                      <a:prstDash val="solid"/>
+                      <a:round/>
+                      <a:headEnd type="none" w="med" len="med"/>
+                      <a:tailEnd type="none" w="med" len="med"/>
+                    </a:lnB>
+                    <a:solidFill>
+                      <a:srgbClr val="F2F2F2"/>
+                    </a:solidFill>
+                  </a:tcPr>
+                </a:tc>
+                <a:tc>
+                  <a:txBody>
+                    <a:bodyPr/>
+                    <a:lstStyle/>
+                    <a:p>
+                      <a:pPr algn="r" fontAlgn="b"/>
+                      <a:r>
+                        <a:rPr lang="en-US" sz="1100" b="0" i="0" u="none" strike="noStrike">
+                          <a:solidFill>
+                            <a:srgbClr val="000000"/>
+                          </a:solidFill>
+                          <a:latin typeface="Calibri"/>
+                        </a:rPr>
+                        <a:t>0</a:t>
+                      </a:r>
+                    </a:p>
+                  </a:txBody>
+                  <a:tcPr marL="9525" marR="9525" marT="9525" marB="0" anchor="b">
+                    <a:lnL w="6350" cap="flat" cmpd="sng" algn="ctr">
+                      <a:solidFill>
+                        <a:srgbClr val="000000"/>
+                      </a:solidFill>
+                      <a:prstDash val="solid"/>
+                      <a:round/>
+                      <a:headEnd type="none" w="med" len="med"/>
+                      <a:tailEnd type="none" w="med" len="med"/>
+                    </a:lnL>
+                    <a:lnR w="6350" cap="flat" cmpd="sng" algn="ctr">
+                      <a:solidFill>
+                        <a:srgbClr val="000000"/>
+                      </a:solidFill>
+                      <a:prstDash val="solid"/>
+                      <a:round/>
+                      <a:headEnd type="none" w="med" len="med"/>
+                      <a:tailEnd type="none" w="med" len="med"/>
+                    </a:lnR>
+                    <a:lnT w="6350" cap="flat" cmpd="sng" algn="ctr">
+                      <a:solidFill>
+                        <a:srgbClr val="000000"/>
+                      </a:solidFill>
+                      <a:prstDash val="solid"/>
+                      <a:round/>
+                      <a:headEnd type="none" w="med" len="med"/>
+                      <a:tailEnd type="none" w="med" len="med"/>
+                    </a:lnT>
+                    <a:lnB w="6350" cap="flat" cmpd="sng" algn="ctr">
+                      <a:solidFill>
+                        <a:srgbClr val="000000"/>
+                      </a:solidFill>
+                      <a:prstDash val="solid"/>
+                      <a:round/>
+                      <a:headEnd type="none" w="med" len="med"/>
+                      <a:tailEnd type="none" w="med" len="med"/>
+                    </a:lnB>
+                  </a:tcPr>
+                </a:tc>
+                <a:tc>
+                  <a:txBody>
+                    <a:bodyPr/>
+                    <a:lstStyle/>
+                    <a:p>
+                      <a:pPr algn="r" fontAlgn="b"/>
+                      <a:r>
+                        <a:rPr lang="en-US" sz="1100" b="0" i="0" u="none" strike="noStrike">
+                          <a:solidFill>
+                            <a:srgbClr val="000000"/>
+                          </a:solidFill>
+                          <a:latin typeface="Calibri"/>
+                        </a:rPr>
+                        <a:t>1</a:t>
+                      </a:r>
+                    </a:p>
+                  </a:txBody>
+                  <a:tcPr marL="9525" marR="9525" marT="9525" marB="0" anchor="b">
+                    <a:lnL w="6350" cap="flat" cmpd="sng" algn="ctr">
+                      <a:solidFill>
+                        <a:srgbClr val="000000"/>
+                      </a:solidFill>
+                      <a:prstDash val="solid"/>
+                      <a:round/>
+                      <a:headEnd type="none" w="med" len="med"/>
+                      <a:tailEnd type="none" w="med" len="med"/>
+                    </a:lnL>
+                    <a:lnR w="6350" cap="flat" cmpd="sng" algn="ctr">
+                      <a:solidFill>
+                        <a:srgbClr val="000000"/>
+                      </a:solidFill>
+                      <a:prstDash val="solid"/>
+                      <a:round/>
+                      <a:headEnd type="none" w="med" len="med"/>
+                      <a:tailEnd type="none" w="med" len="med"/>
+                    </a:lnR>
+                    <a:lnT w="6350" cap="flat" cmpd="sng" algn="ctr">
+                      <a:solidFill>
+                        <a:srgbClr val="000000"/>
+                      </a:solidFill>
+                      <a:prstDash val="solid"/>
+                      <a:round/>
+                      <a:headEnd type="none" w="med" len="med"/>
+                      <a:tailEnd type="none" w="med" len="med"/>
+                    </a:lnT>
+                    <a:lnB w="6350" cap="flat" cmpd="sng" algn="ctr">
+                      <a:solidFill>
+                        <a:srgbClr val="000000"/>
+                      </a:solidFill>
+                      <a:prstDash val="solid"/>
+                      <a:round/>
+                      <a:headEnd type="none" w="med" len="med"/>
+                      <a:tailEnd type="none" w="med" len="med"/>
+                    </a:lnB>
+                  </a:tcPr>
+                </a:tc>
+                <a:tc>
+                  <a:txBody>
+                    <a:bodyPr/>
+                    <a:lstStyle/>
+                    <a:p>
+                      <a:pPr algn="r" fontAlgn="b"/>
+                      <a:r>
+                        <a:rPr lang="en-US" sz="1100" b="0" i="0" u="none" strike="noStrike">
+                          <a:solidFill>
+                            <a:srgbClr val="000000"/>
+                          </a:solidFill>
+                          <a:latin typeface="Calibri"/>
+                        </a:rPr>
+                        <a:t>2</a:t>
+                      </a:r>
+                    </a:p>
+                  </a:txBody>
+                  <a:tcPr marL="9525" marR="9525" marT="9525" marB="0" anchor="b">
+                    <a:lnL w="6350" cap="flat" cmpd="sng" algn="ctr">
+                      <a:solidFill>
+                        <a:srgbClr val="000000"/>
+                      </a:solidFill>
+                      <a:prstDash val="solid"/>
+                      <a:round/>
+                      <a:headEnd type="none" w="med" len="med"/>
+                      <a:tailEnd type="none" w="med" len="med"/>
+                    </a:lnL>
+                    <a:lnR w="6350" cap="flat" cmpd="sng" algn="ctr">
+                      <a:solidFill>
+                        <a:srgbClr val="000000"/>
+                      </a:solidFill>
+                      <a:prstDash val="solid"/>
+                      <a:round/>
+                      <a:headEnd type="none" w="med" len="med"/>
+                      <a:tailEnd type="none" w="med" len="med"/>
+                    </a:lnR>
+                    <a:lnT w="6350" cap="flat" cmpd="sng" algn="ctr">
+                      <a:solidFill>
+                        <a:srgbClr val="000000"/>
+                      </a:solidFill>
+                      <a:prstDash val="solid"/>
+                      <a:round/>
+                      <a:headEnd type="none" w="med" len="med"/>
+                      <a:tailEnd type="none" w="med" len="med"/>
+                    </a:lnT>
+                    <a:lnB w="6350" cap="flat" cmpd="sng" algn="ctr">
+                      <a:solidFill>
+                        <a:srgbClr val="000000"/>
+                      </a:solidFill>
+                      <a:prstDash val="solid"/>
+                      <a:round/>
+                      <a:headEnd type="none" w="med" len="med"/>
+                      <a:tailEnd type="none" w="med" len="med"/>
+                    </a:lnB>
+                  </a:tcPr>
+                </a:tc>
+                <a:tc>
+                  <a:txBody>
+                    <a:bodyPr/>
+                    <a:lstStyle/>
+                    <a:p>
+                      <a:pPr algn="r" fontAlgn="b"/>
+                      <a:r>
+                        <a:rPr lang="en-US" sz="1100" b="0" i="0" u="none" strike="noStrike">
+                          <a:solidFill>
+                            <a:srgbClr val="000000"/>
+                          </a:solidFill>
+                          <a:latin typeface="Calibri"/>
+                        </a:rPr>
+                        <a:t>3</a:t>
+                      </a:r>
+                    </a:p>
+                  </a:txBody>
+                  <a:tcPr marL="9525" marR="9525" marT="9525" marB="0" anchor="b">
+                    <a:lnL w="6350" cap="flat" cmpd="sng" algn="ctr">
+                      <a:solidFill>
+                        <a:srgbClr val="000000"/>
+                      </a:solidFill>
+                      <a:prstDash val="solid"/>
+                      <a:round/>
+                      <a:headEnd type="none" w="med" len="med"/>
+                      <a:tailEnd type="none" w="med" len="med"/>
+                    </a:lnL>
+                    <a:lnR w="6350" cap="flat" cmpd="sng" algn="ctr">
+                      <a:solidFill>
+                        <a:srgbClr val="000000"/>
+                      </a:solidFill>
+                      <a:prstDash val="solid"/>
+                      <a:round/>
+                      <a:headEnd type="none" w="med" len="med"/>
+                      <a:tailEnd type="none" w="med" len="med"/>
+                    </a:lnR>
+                    <a:lnT w="6350" cap="flat" cmpd="sng" algn="ctr">
+                      <a:solidFill>
+                        <a:srgbClr val="000000"/>
+                      </a:solidFill>
+                      <a:prstDash val="solid"/>
+                      <a:round/>
+                      <a:headEnd type="none" w="med" len="med"/>
+                      <a:tailEnd type="none" w="med" len="med"/>
+                    </a:lnT>
+                    <a:lnB w="6350" cap="flat" cmpd="sng" algn="ctr">
+                      <a:solidFill>
+                        <a:srgbClr val="000000"/>
+                      </a:solidFill>
+                      <a:prstDash val="solid"/>
+                      <a:round/>
+                      <a:headEnd type="none" w="med" len="med"/>
+                      <a:tailEnd type="none" w="med" len="med"/>
+                    </a:lnB>
+                  </a:tcPr>
+                </a:tc>
+                <a:tc>
+                  <a:txBody>
+                    <a:bodyPr/>
+                    <a:lstStyle/>
+                    <a:p>
+                      <a:pPr algn="r" fontAlgn="b"/>
+                      <a:r>
+                        <a:rPr lang="en-US" sz="1100" b="0" i="0" u="none" strike="noStrike">
+                          <a:solidFill>
+                            <a:srgbClr val="000000"/>
+                          </a:solidFill>
+                          <a:latin typeface="Calibri"/>
+                        </a:rPr>
+                        <a:t>4</a:t>
+                      </a:r>
+                    </a:p>
+                  </a:txBody>
+                  <a:tcPr marL="9525" marR="9525" marT="9525" marB="0" anchor="b">
+                    <a:lnL w="6350" cap="flat" cmpd="sng" algn="ctr">
+                      <a:solidFill>
+                        <a:srgbClr val="000000"/>
+                      </a:solidFill>
+                      <a:prstDash val="solid"/>
+                      <a:round/>
+                      <a:headEnd type="none" w="med" len="med"/>
+                      <a:tailEnd type="none" w="med" len="med"/>
+                    </a:lnL>
+                    <a:lnR w="6350" cap="flat" cmpd="sng" algn="ctr">
+                      <a:solidFill>
+                        <a:srgbClr val="000000"/>
+                      </a:solidFill>
+                      <a:prstDash val="solid"/>
+                      <a:round/>
+                      <a:headEnd type="none" w="med" len="med"/>
+                      <a:tailEnd type="none" w="med" len="med"/>
+                    </a:lnR>
+                    <a:lnT w="6350" cap="flat" cmpd="sng" algn="ctr">
+                      <a:solidFill>
+                        <a:srgbClr val="000000"/>
+                      </a:solidFill>
+                      <a:prstDash val="solid"/>
+                      <a:round/>
+                      <a:headEnd type="none" w="med" len="med"/>
+                      <a:tailEnd type="none" w="med" len="med"/>
+                    </a:lnT>
+                    <a:lnB w="6350" cap="flat" cmpd="sng" algn="ctr">
+                      <a:solidFill>
+                        <a:srgbClr val="000000"/>
+                      </a:solidFill>
+                      <a:prstDash val="solid"/>
+                      <a:round/>
+                      <a:headEnd type="none" w="med" len="med"/>
+                      <a:tailEnd type="none" w="med" len="med"/>
+                    </a:lnB>
+                  </a:tcPr>
+                </a:tc>
+                <a:tc>
+                  <a:txBody>
+                    <a:bodyPr/>
+                    <a:lstStyle/>
+                    <a:p>
+                      <a:pPr algn="r" fontAlgn="b"/>
+                      <a:r>
+                        <a:rPr lang="en-US" sz="1100" b="0" i="0" u="none" strike="noStrike">
+                          <a:solidFill>
+                            <a:srgbClr val="000000"/>
+                          </a:solidFill>
+                          <a:latin typeface="Calibri"/>
+                        </a:rPr>
+                        <a:t>5</a:t>
+                      </a:r>
+                    </a:p>
+                  </a:txBody>
+                  <a:tcPr marL="9525" marR="9525" marT="9525" marB="0" anchor="b">
+                    <a:lnL w="6350" cap="flat" cmpd="sng" algn="ctr">
+                      <a:solidFill>
+                        <a:srgbClr val="000000"/>
+                      </a:solidFill>
+                      <a:prstDash val="solid"/>
+                      <a:round/>
+                      <a:headEnd type="none" w="med" len="med"/>
+                      <a:tailEnd type="none" w="med" len="med"/>
+                    </a:lnL>
+                    <a:lnR w="6350" cap="flat" cmpd="sng" algn="ctr">
+                      <a:solidFill>
+                        <a:srgbClr val="000000"/>
+                      </a:solidFill>
+                      <a:prstDash val="solid"/>
+                      <a:round/>
+                      <a:headEnd type="none" w="med" len="med"/>
+                      <a:tailEnd type="none" w="med" len="med"/>
+                    </a:lnR>
+                    <a:lnT w="6350" cap="flat" cmpd="sng" algn="ctr">
+                      <a:solidFill>
+                        <a:srgbClr val="000000"/>
+                      </a:solidFill>
+                      <a:prstDash val="solid"/>
+                      <a:round/>
+                      <a:headEnd type="none" w="med" len="med"/>
+                      <a:tailEnd type="none" w="med" len="med"/>
+                    </a:lnT>
+                    <a:lnB w="6350" cap="flat" cmpd="sng" algn="ctr">
+                      <a:solidFill>
+                        <a:srgbClr val="000000"/>
+                      </a:solidFill>
+                      <a:prstDash val="solid"/>
+                      <a:round/>
+                      <a:headEnd type="none" w="med" len="med"/>
+                      <a:tailEnd type="none" w="med" len="med"/>
+                    </a:lnB>
+                  </a:tcPr>
+                </a:tc>
+                <a:tc>
+                  <a:txBody>
+                    <a:bodyPr/>
+                    <a:lstStyle/>
+                    <a:p>
+                      <a:pPr algn="r" fontAlgn="b"/>
+                      <a:r>
+                        <a:rPr lang="en-US" sz="1100" b="0" i="0" u="none" strike="noStrike">
+                          <a:solidFill>
+                            <a:srgbClr val="000000"/>
+                          </a:solidFill>
+                          <a:latin typeface="Calibri"/>
+                        </a:rPr>
+                        <a:t>6</a:t>
+                      </a:r>
+                    </a:p>
+                  </a:txBody>
+                  <a:tcPr marL="9525" marR="9525" marT="9525" marB="0" anchor="b">
+                    <a:lnL w="6350" cap="flat" cmpd="sng" algn="ctr">
+                      <a:solidFill>
+                        <a:srgbClr val="000000"/>
+                      </a:solidFill>
+                      <a:prstDash val="solid"/>
+                      <a:round/>
+                      <a:headEnd type="none" w="med" len="med"/>
+                      <a:tailEnd type="none" w="med" len="med"/>
+                    </a:lnL>
+                    <a:lnR w="6350" cap="flat" cmpd="sng" algn="ctr">
+                      <a:solidFill>
+                        <a:srgbClr val="000000"/>
+                      </a:solidFill>
+                      <a:prstDash val="solid"/>
+                      <a:round/>
+                      <a:headEnd type="none" w="med" len="med"/>
+                      <a:tailEnd type="none" w="med" len="med"/>
+                    </a:lnR>
+                    <a:lnT w="6350" cap="flat" cmpd="sng" algn="ctr">
+                      <a:solidFill>
+                        <a:srgbClr val="000000"/>
+                      </a:solidFill>
+                      <a:prstDash val="solid"/>
+                      <a:round/>
+                      <a:headEnd type="none" w="med" len="med"/>
+                      <a:tailEnd type="none" w="med" len="med"/>
+                    </a:lnT>
+                    <a:lnB w="6350" cap="flat" cmpd="sng" algn="ctr">
+                      <a:solidFill>
+                        <a:srgbClr val="000000"/>
+                      </a:solidFill>
+                      <a:prstDash val="solid"/>
+                      <a:round/>
+                      <a:headEnd type="none" w="med" len="med"/>
+                      <a:tailEnd type="none" w="med" len="med"/>
+                    </a:lnB>
+                  </a:tcPr>
+                </a:tc>
+                <a:tc>
+                  <a:txBody>
+                    <a:bodyPr/>
+                    <a:lstStyle/>
+                    <a:p>
+                      <a:pPr algn="r" fontAlgn="b"/>
+                      <a:r>
+                        <a:rPr lang="en-US" sz="1100" b="0" i="0" u="none" strike="noStrike">
+                          <a:solidFill>
+                            <a:srgbClr val="000000"/>
+                          </a:solidFill>
+                          <a:latin typeface="Calibri"/>
+                        </a:rPr>
+                        <a:t>7</a:t>
+                      </a:r>
+                    </a:p>
+                  </a:txBody>
+                  <a:tcPr marL="9525" marR="9525" marT="9525" marB="0" anchor="b">
+                    <a:lnL w="6350" cap="flat" cmpd="sng" algn="ctr">
+                      <a:solidFill>
+                        <a:srgbClr val="000000"/>
+                      </a:solidFill>
+                      <a:prstDash val="solid"/>
+                      <a:round/>
+                      <a:headEnd type="none" w="med" len="med"/>
+                      <a:tailEnd type="none" w="med" len="med"/>
+                    </a:lnL>
+                    <a:lnR w="6350" cap="flat" cmpd="sng" algn="ctr">
+                      <a:solidFill>
+                        <a:srgbClr val="000000"/>
+                      </a:solidFill>
+                      <a:prstDash val="solid"/>
+                      <a:round/>
+                      <a:headEnd type="none" w="med" len="med"/>
+                      <a:tailEnd type="none" w="med" len="med"/>
+                    </a:lnR>
+                    <a:lnT w="6350" cap="flat" cmpd="sng" algn="ctr">
+                      <a:solidFill>
+                        <a:srgbClr val="000000"/>
+                      </a:solidFill>
+                      <a:prstDash val="solid"/>
+                      <a:round/>
+                      <a:headEnd type="none" w="med" len="med"/>
+                      <a:tailEnd type="none" w="med" len="med"/>
+                    </a:lnT>
+                    <a:lnB w="6350" cap="flat" cmpd="sng" algn="ctr">
+                      <a:solidFill>
+                        <a:srgbClr val="000000"/>
+                      </a:solidFill>
+                      <a:prstDash val="solid"/>
+                      <a:round/>
+                      <a:headEnd type="none" w="med" len="med"/>
+                      <a:tailEnd type="none" w="med" len="med"/>
+                    </a:lnB>
+                  </a:tcPr>
+                </a:tc>
+                <a:tc>
+                  <a:txBody>
+                    <a:bodyPr/>
+                    <a:lstStyle/>
+                    <a:p>
+                      <a:pPr algn="r" fontAlgn="b"/>
+                      <a:r>
+                        <a:rPr lang="en-US" sz="1100" b="0" i="0" u="none" strike="noStrike">
+                          <a:solidFill>
+                            <a:srgbClr val="000000"/>
+                          </a:solidFill>
+                          <a:latin typeface="Calibri"/>
+                        </a:rPr>
+                        <a:t>8</a:t>
+                      </a:r>
+                    </a:p>
+                  </a:txBody>
+                  <a:tcPr marL="9525" marR="9525" marT="9525" marB="0" anchor="b">
+                    <a:lnL w="6350" cap="flat" cmpd="sng" algn="ctr">
+                      <a:solidFill>
+                        <a:srgbClr val="000000"/>
+                      </a:solidFill>
+                      <a:prstDash val="solid"/>
+                      <a:round/>
+                      <a:headEnd type="none" w="med" len="med"/>
+                      <a:tailEnd type="none" w="med" len="med"/>
+                    </a:lnL>
+                    <a:lnR w="6350" cap="flat" cmpd="sng" algn="ctr">
+                      <a:solidFill>
+                        <a:srgbClr val="000000"/>
+                      </a:solidFill>
+                      <a:prstDash val="solid"/>
+                      <a:round/>
+                      <a:headEnd type="none" w="med" len="med"/>
+                      <a:tailEnd type="none" w="med" len="med"/>
+                    </a:lnR>
+                    <a:lnT w="6350" cap="flat" cmpd="sng" algn="ctr">
+                      <a:solidFill>
+                        <a:srgbClr val="000000"/>
+                      </a:solidFill>
+                      <a:prstDash val="solid"/>
+                      <a:round/>
+                      <a:headEnd type="none" w="med" len="med"/>
+                      <a:tailEnd type="none" w="med" len="med"/>
+                    </a:lnT>
+                    <a:lnB w="6350" cap="flat" cmpd="sng" algn="ctr">
+                      <a:solidFill>
+                        <a:srgbClr val="000000"/>
+                      </a:solidFill>
+                      <a:prstDash val="solid"/>
+                      <a:round/>
+                      <a:headEnd type="none" w="med" len="med"/>
+                      <a:tailEnd type="none" w="med" len="med"/>
+                    </a:lnB>
+                  </a:tcPr>
+                </a:tc>
+                <a:tc>
+                  <a:txBody>
+                    <a:bodyPr/>
+                    <a:lstStyle/>
+                    <a:p>
+                      <a:pPr algn="r" fontAlgn="b"/>
+                      <a:r>
+                        <a:rPr lang="en-US" sz="1100" b="0" i="0" u="none" strike="noStrike">
+                          <a:solidFill>
+                            <a:srgbClr val="000000"/>
+                          </a:solidFill>
+                          <a:latin typeface="Calibri"/>
+                        </a:rPr>
+                        <a:t>9</a:t>
+                      </a:r>
+                    </a:p>
+                  </a:txBody>
+                  <a:tcPr marL="9525" marR="9525" marT="9525" marB="0" anchor="b">
+                    <a:lnL w="6350" cap="flat" cmpd="sng" algn="ctr">
+                      <a:solidFill>
+                        <a:srgbClr val="000000"/>
+                      </a:solidFill>
+                      <a:prstDash val="solid"/>
+                      <a:round/>
+                      <a:headEnd type="none" w="med" len="med"/>
+                      <a:tailEnd type="none" w="med" len="med"/>
+                    </a:lnL>
+                    <a:lnR w="6350" cap="flat" cmpd="sng" algn="ctr">
+                      <a:solidFill>
+                        <a:srgbClr val="000000"/>
+                      </a:solidFill>
+                      <a:prstDash val="solid"/>
+                      <a:round/>
+                      <a:headEnd type="none" w="med" len="med"/>
+                      <a:tailEnd type="none" w="med" len="med"/>
+                    </a:lnR>
+                    <a:lnT w="6350" cap="flat" cmpd="sng" algn="ctr">
+                      <a:solidFill>
+                        <a:srgbClr val="000000"/>
+                      </a:solidFill>
+                      <a:prstDash val="solid"/>
+                      <a:round/>
+                      <a:headEnd type="none" w="med" len="med"/>
+                      <a:tailEnd type="none" w="med" len="med"/>
+                    </a:lnT>
+                    <a:lnB w="6350" cap="flat" cmpd="sng" algn="ctr">
+                      <a:solidFill>
+                        <a:srgbClr val="000000"/>
+                      </a:solidFill>
+                      <a:prstDash val="solid"/>
+                      <a:round/>
+                      <a:headEnd type="none" w="med" len="med"/>
+                      <a:tailEnd type="none" w="med" len="med"/>
+                    </a:lnB>
+                  </a:tcPr>
+                </a:tc>
+                <a:tc>
+                  <a:txBody>
+                    <a:bodyPr/>
+                    <a:lstStyle/>
+                    <a:p>
+                      <a:pPr algn="r" fontAlgn="b"/>
+                      <a:r>
+                        <a:rPr lang="en-US" sz="1100" b="0" i="0" u="none" strike="noStrike">
+                          <a:solidFill>
+                            <a:srgbClr val="000000"/>
+                          </a:solidFill>
+                          <a:latin typeface="Calibri"/>
+                        </a:rPr>
+                        <a:t>10</a:t>
+                      </a:r>
+                    </a:p>
+                  </a:txBody>
+                  <a:tcPr marL="9525" marR="9525" marT="9525" marB="0" anchor="b">
+                    <a:lnL w="6350" cap="flat" cmpd="sng" algn="ctr">
+                      <a:solidFill>
+                        <a:srgbClr val="000000"/>
+                      </a:solidFill>
+                      <a:prstDash val="solid"/>
+                      <a:round/>
+                      <a:headEnd type="none" w="med" len="med"/>
+                      <a:tailEnd type="none" w="med" len="med"/>
+                    </a:lnL>
+                    <a:lnR w="6350" cap="flat" cmpd="sng" algn="ctr">
+                      <a:solidFill>
+                        <a:srgbClr val="000000"/>
+                      </a:solidFill>
+                      <a:prstDash val="solid"/>
+                      <a:round/>
+                      <a:headEnd type="none" w="med" len="med"/>
+                      <a:tailEnd type="none" w="med" len="med"/>
+                    </a:lnR>
+                    <a:lnT w="6350" cap="flat" cmpd="sng" algn="ctr">
+                      <a:solidFill>
+                        <a:srgbClr val="000000"/>
+                      </a:solidFill>
+                      <a:prstDash val="solid"/>
+                      <a:round/>
+                      <a:headEnd type="none" w="med" len="med"/>
+                      <a:tailEnd type="none" w="med" len="med"/>
+                    </a:lnT>
+                    <a:lnB w="6350" cap="flat" cmpd="sng" algn="ctr">
+                      <a:solidFill>
+                        <a:srgbClr val="000000"/>
+                      </a:solidFill>
+                      <a:prstDash val="solid"/>
+                      <a:round/>
+                      <a:headEnd type="none" w="med" len="med"/>
+                      <a:tailEnd type="none" w="med" len="med"/>
+                    </a:lnB>
+                  </a:tcPr>
+                </a:tc>
+                <a:tc>
+                  <a:txBody>
+                    <a:bodyPr/>
+                    <a:lstStyle/>
+                    <a:p>
+                      <a:pPr algn="r" fontAlgn="b"/>
+                      <a:r>
+                        <a:rPr lang="en-US" sz="1100" b="0" i="0" u="none" strike="noStrike">
+                          <a:solidFill>
+                            <a:srgbClr val="000000"/>
+                          </a:solidFill>
+                          <a:latin typeface="Calibri"/>
+                        </a:rPr>
+                        <a:t>11</a:t>
+                      </a:r>
+                    </a:p>
+                  </a:txBody>
+                  <a:tcPr marL="9525" marR="9525" marT="9525" marB="0" anchor="b">
+                    <a:lnL w="6350" cap="flat" cmpd="sng" algn="ctr">
+                      <a:solidFill>
+                        <a:srgbClr val="000000"/>
+                      </a:solidFill>
+                      <a:prstDash val="solid"/>
+                      <a:round/>
+                      <a:headEnd type="none" w="med" len="med"/>
+                      <a:tailEnd type="none" w="med" len="med"/>
+                    </a:lnL>
+                    <a:lnR w="6350" cap="flat" cmpd="sng" algn="ctr">
+                      <a:solidFill>
+                        <a:srgbClr val="000000"/>
+                      </a:solidFill>
+                      <a:prstDash val="solid"/>
+                      <a:round/>
+                      <a:headEnd type="none" w="med" len="med"/>
+                      <a:tailEnd type="none" w="med" len="med"/>
+                    </a:lnR>
+                    <a:lnT w="6350" cap="flat" cmpd="sng" algn="ctr">
+                      <a:solidFill>
+                        <a:srgbClr val="000000"/>
+                      </a:solidFill>
+                      <a:prstDash val="solid"/>
+                      <a:round/>
+                      <a:headEnd type="none" w="med" len="med"/>
+                      <a:tailEnd type="none" w="med" len="med"/>
+                    </a:lnT>
+                    <a:lnB w="6350" cap="flat" cmpd="sng" algn="ctr">
+                      <a:solidFill>
+                        <a:srgbClr val="000000"/>
+                      </a:solidFill>
+                      <a:prstDash val="solid"/>
+                      <a:round/>
+                      <a:headEnd type="none" w="med" len="med"/>
+                      <a:tailEnd type="none" w="med" len="med"/>
+                    </a:lnB>
+                  </a:tcPr>
+                </a:tc>
+              </a:tr>
+              <a:tr h="190500">
+                <a:tc>
+                  <a:txBody>
+                    <a:bodyPr/>
+                    <a:lstStyle/>
+                    <a:p>
+                      <a:pPr algn="r" fontAlgn="b"/>
+                      <a:r>
+                        <a:rPr lang="en-US" sz="1100" b="1" i="0" u="none" strike="noStrike">
+                          <a:solidFill>
+                            <a:srgbClr val="3F3F3F"/>
+                          </a:solidFill>
+                          <a:latin typeface="Calibri"/>
+                        </a:rPr>
+                        <a:t>5</a:t>
+                      </a:r>
+                    </a:p>
+                  </a:txBody>
+                  <a:tcPr marL="9525" marR="9525" marT="9525" marB="0" anchor="b">
+                    <a:lnL w="6350" cap="flat" cmpd="sng" algn="ctr">
+                      <a:solidFill>
+                        <a:srgbClr val="3F3F3F"/>
+                      </a:solidFill>
+                      <a:prstDash val="solid"/>
+                      <a:round/>
+                      <a:headEnd type="none" w="med" len="med"/>
+                      <a:tailEnd type="none" w="med" len="med"/>
+                    </a:lnL>
+                    <a:lnR w="6350" cap="flat" cmpd="sng" algn="ctr">
+                      <a:solidFill>
+                        <a:srgbClr val="000000"/>
+                      </a:solidFill>
+                      <a:prstDash val="solid"/>
+                      <a:round/>
+                      <a:headEnd type="none" w="med" len="med"/>
+                      <a:tailEnd type="none" w="med" len="med"/>
+                    </a:lnR>
+                    <a:lnT w="6350" cap="flat" cmpd="sng" algn="ctr">
+                      <a:solidFill>
+                        <a:srgbClr val="3F3F3F"/>
+                      </a:solidFill>
+                      <a:prstDash val="solid"/>
+                      <a:round/>
+                      <a:headEnd type="none" w="med" len="med"/>
+                      <a:tailEnd type="none" w="med" len="med"/>
+                    </a:lnT>
+                    <a:lnB w="6350" cap="flat" cmpd="sng" algn="ctr">
+                      <a:solidFill>
+                        <a:srgbClr val="3F3F3F"/>
+                      </a:solidFill>
+                      <a:prstDash val="solid"/>
+                      <a:round/>
+                      <a:headEnd type="none" w="med" len="med"/>
+                      <a:tailEnd type="none" w="med" len="med"/>
+                    </a:lnB>
+                    <a:solidFill>
+                      <a:srgbClr val="F2F2F2"/>
+                    </a:solidFill>
+                  </a:tcPr>
+                </a:tc>
+                <a:tc>
+                  <a:txBody>
+                    <a:bodyPr/>
+                    <a:lstStyle/>
+                    <a:p>
+                      <a:pPr algn="r" fontAlgn="b"/>
+                      <a:r>
+                        <a:rPr lang="en-US" sz="1100" b="0" i="0" u="none" strike="noStrike">
+                          <a:solidFill>
+                            <a:srgbClr val="000000"/>
+                          </a:solidFill>
+                          <a:latin typeface="Calibri"/>
+                        </a:rPr>
+                        <a:t>0</a:t>
+                      </a:r>
+                    </a:p>
+                  </a:txBody>
+                  <a:tcPr marL="9525" marR="9525" marT="9525" marB="0" anchor="b">
+                    <a:lnL w="6350" cap="flat" cmpd="sng" algn="ctr">
+                      <a:solidFill>
+                        <a:srgbClr val="000000"/>
+                      </a:solidFill>
+                      <a:prstDash val="solid"/>
+                      <a:round/>
+                      <a:headEnd type="none" w="med" len="med"/>
+                      <a:tailEnd type="none" w="med" len="med"/>
+                    </a:lnL>
+                    <a:lnR w="6350" cap="flat" cmpd="sng" algn="ctr">
+                      <a:solidFill>
+                        <a:srgbClr val="000000"/>
+                      </a:solidFill>
+                      <a:prstDash val="solid"/>
+                      <a:round/>
+                      <a:headEnd type="none" w="med" len="med"/>
+                      <a:tailEnd type="none" w="med" len="med"/>
+                    </a:lnR>
+                    <a:lnT w="6350" cap="flat" cmpd="sng" algn="ctr">
+                      <a:solidFill>
+                        <a:srgbClr val="000000"/>
+                      </a:solidFill>
+                      <a:prstDash val="solid"/>
+                      <a:round/>
+                      <a:headEnd type="none" w="med" len="med"/>
+                      <a:tailEnd type="none" w="med" len="med"/>
+                    </a:lnT>
+                    <a:lnB w="6350" cap="flat" cmpd="sng" algn="ctr">
+                      <a:solidFill>
+                        <a:srgbClr val="000000"/>
+                      </a:solidFill>
+                      <a:prstDash val="solid"/>
+                      <a:round/>
+                      <a:headEnd type="none" w="med" len="med"/>
+                      <a:tailEnd type="none" w="med" len="med"/>
+                    </a:lnB>
+                  </a:tcPr>
+                </a:tc>
+                <a:tc>
+                  <a:txBody>
+                    <a:bodyPr/>
+                    <a:lstStyle/>
+                    <a:p>
+                      <a:pPr algn="r" fontAlgn="b"/>
+                      <a:r>
+                        <a:rPr lang="en-US" sz="1100" b="0" i="0" u="none" strike="noStrike">
+                          <a:solidFill>
+                            <a:srgbClr val="000000"/>
+                          </a:solidFill>
+                          <a:latin typeface="Calibri"/>
+                        </a:rPr>
+                        <a:t>1</a:t>
+                      </a:r>
+                    </a:p>
+                  </a:txBody>
+                  <a:tcPr marL="9525" marR="9525" marT="9525" marB="0" anchor="b">
+                    <a:lnL w="6350" cap="flat" cmpd="sng" algn="ctr">
+                      <a:solidFill>
+                        <a:srgbClr val="000000"/>
+                      </a:solidFill>
+                      <a:prstDash val="solid"/>
+                      <a:round/>
+                      <a:headEnd type="none" w="med" len="med"/>
+                      <a:tailEnd type="none" w="med" len="med"/>
+                    </a:lnL>
+                    <a:lnR w="6350" cap="flat" cmpd="sng" algn="ctr">
+                      <a:solidFill>
+                        <a:srgbClr val="000000"/>
+                      </a:solidFill>
+                      <a:prstDash val="solid"/>
+                      <a:round/>
+                      <a:headEnd type="none" w="med" len="med"/>
+                      <a:tailEnd type="none" w="med" len="med"/>
+                    </a:lnR>
+                    <a:lnT w="6350" cap="flat" cmpd="sng" algn="ctr">
+                      <a:solidFill>
+                        <a:srgbClr val="000000"/>
+                      </a:solidFill>
+                      <a:prstDash val="solid"/>
+                      <a:round/>
+                      <a:headEnd type="none" w="med" len="med"/>
+                      <a:tailEnd type="none" w="med" len="med"/>
+                    </a:lnT>
+                    <a:lnB w="6350" cap="flat" cmpd="sng" algn="ctr">
+                      <a:solidFill>
+                        <a:srgbClr val="000000"/>
+                      </a:solidFill>
+                      <a:prstDash val="solid"/>
+                      <a:round/>
+                      <a:headEnd type="none" w="med" len="med"/>
+                      <a:tailEnd type="none" w="med" len="med"/>
+                    </a:lnB>
+                  </a:tcPr>
+                </a:tc>
+                <a:tc>
+                  <a:txBody>
+                    <a:bodyPr/>
+                    <a:lstStyle/>
+                    <a:p>
+                      <a:pPr algn="r" fontAlgn="b"/>
+                      <a:r>
+                        <a:rPr lang="en-US" sz="1100" b="0" i="0" u="none" strike="noStrike">
+                          <a:solidFill>
+                            <a:srgbClr val="000000"/>
+                          </a:solidFill>
+                          <a:latin typeface="Calibri"/>
+                        </a:rPr>
+                        <a:t>2</a:t>
+                      </a:r>
+                    </a:p>
+                  </a:txBody>
+                  <a:tcPr marL="9525" marR="9525" marT="9525" marB="0" anchor="b">
+                    <a:lnL w="6350" cap="flat" cmpd="sng" algn="ctr">
+                      <a:solidFill>
+                        <a:srgbClr val="000000"/>
+                      </a:solidFill>
+                      <a:prstDash val="solid"/>
+                      <a:round/>
+                      <a:headEnd type="none" w="med" len="med"/>
+                      <a:tailEnd type="none" w="med" len="med"/>
+                    </a:lnL>
+                    <a:lnR w="6350" cap="flat" cmpd="sng" algn="ctr">
+                      <a:solidFill>
+                        <a:srgbClr val="000000"/>
+                      </a:solidFill>
+                      <a:prstDash val="solid"/>
+                      <a:round/>
+                      <a:headEnd type="none" w="med" len="med"/>
+                      <a:tailEnd type="none" w="med" len="med"/>
+                    </a:lnR>
+                    <a:lnT w="6350" cap="flat" cmpd="sng" algn="ctr">
+                      <a:solidFill>
+                        <a:srgbClr val="000000"/>
+                      </a:solidFill>
+                      <a:prstDash val="solid"/>
+                      <a:round/>
+                      <a:headEnd type="none" w="med" len="med"/>
+                      <a:tailEnd type="none" w="med" len="med"/>
+                    </a:lnT>
+                    <a:lnB w="6350" cap="flat" cmpd="sng" algn="ctr">
+                      <a:solidFill>
+                        <a:srgbClr val="000000"/>
+                      </a:solidFill>
+                      <a:prstDash val="solid"/>
+                      <a:round/>
+                      <a:headEnd type="none" w="med" len="med"/>
+                      <a:tailEnd type="none" w="med" len="med"/>
+                    </a:lnB>
+                  </a:tcPr>
+                </a:tc>
+                <a:tc>
+                  <a:txBody>
+                    <a:bodyPr/>
+                    <a:lstStyle/>
+                    <a:p>
+                      <a:pPr algn="r" fontAlgn="b"/>
+                      <a:r>
+                        <a:rPr lang="en-US" sz="1100" b="0" i="0" u="none" strike="noStrike">
+                          <a:solidFill>
+                            <a:srgbClr val="000000"/>
+                          </a:solidFill>
+                          <a:latin typeface="Calibri"/>
+                        </a:rPr>
+                        <a:t>3</a:t>
+                      </a:r>
+                    </a:p>
+                  </a:txBody>
+                  <a:tcPr marL="9525" marR="9525" marT="9525" marB="0" anchor="b">
+                    <a:lnL w="6350" cap="flat" cmpd="sng" algn="ctr">
+                      <a:solidFill>
+                        <a:srgbClr val="000000"/>
+                      </a:solidFill>
+                      <a:prstDash val="solid"/>
+                      <a:round/>
+                      <a:headEnd type="none" w="med" len="med"/>
+                      <a:tailEnd type="none" w="med" len="med"/>
+                    </a:lnL>
+                    <a:lnR w="6350" cap="flat" cmpd="sng" algn="ctr">
+                      <a:solidFill>
+                        <a:srgbClr val="000000"/>
+                      </a:solidFill>
+                      <a:prstDash val="solid"/>
+                      <a:round/>
+                      <a:headEnd type="none" w="med" len="med"/>
+                      <a:tailEnd type="none" w="med" len="med"/>
+                    </a:lnR>
+                    <a:lnT w="6350" cap="flat" cmpd="sng" algn="ctr">
+                      <a:solidFill>
+                        <a:srgbClr val="000000"/>
+                      </a:solidFill>
+                      <a:prstDash val="solid"/>
+                      <a:round/>
+                      <a:headEnd type="none" w="med" len="med"/>
+                      <a:tailEnd type="none" w="med" len="med"/>
+                    </a:lnT>
+                    <a:lnB w="6350" cap="flat" cmpd="sng" algn="ctr">
+                      <a:solidFill>
+                        <a:srgbClr val="000000"/>
+                      </a:solidFill>
+                      <a:prstDash val="solid"/>
+                      <a:round/>
+                      <a:headEnd type="none" w="med" len="med"/>
+                      <a:tailEnd type="none" w="med" len="med"/>
+                    </a:lnB>
+                  </a:tcPr>
+                </a:tc>
+                <a:tc>
+                  <a:txBody>
+                    <a:bodyPr/>
+                    <a:lstStyle/>
+                    <a:p>
+                      <a:pPr algn="r" fontAlgn="b"/>
+                      <a:r>
+                        <a:rPr lang="en-US" sz="1100" b="0" i="0" u="none" strike="noStrike">
+                          <a:solidFill>
+                            <a:srgbClr val="000000"/>
+                          </a:solidFill>
+                          <a:latin typeface="Calibri"/>
+                        </a:rPr>
+                        <a:t>4</a:t>
+                      </a:r>
+                    </a:p>
+                  </a:txBody>
+                  <a:tcPr marL="9525" marR="9525" marT="9525" marB="0" anchor="b">
+                    <a:lnL w="6350" cap="flat" cmpd="sng" algn="ctr">
+                      <a:solidFill>
+                        <a:srgbClr val="000000"/>
+                      </a:solidFill>
+                      <a:prstDash val="solid"/>
+                      <a:round/>
+                      <a:headEnd type="none" w="med" len="med"/>
+                      <a:tailEnd type="none" w="med" len="med"/>
+                    </a:lnL>
+                    <a:lnR w="6350" cap="flat" cmpd="sng" algn="ctr">
+                      <a:solidFill>
+                        <a:srgbClr val="000000"/>
+                      </a:solidFill>
+                      <a:prstDash val="solid"/>
+                      <a:round/>
+                      <a:headEnd type="none" w="med" len="med"/>
+                      <a:tailEnd type="none" w="med" len="med"/>
+                    </a:lnR>
+                    <a:lnT w="6350" cap="flat" cmpd="sng" algn="ctr">
+                      <a:solidFill>
+                        <a:srgbClr val="000000"/>
+                      </a:solidFill>
+                      <a:prstDash val="solid"/>
+                      <a:round/>
+                      <a:headEnd type="none" w="med" len="med"/>
+                      <a:tailEnd type="none" w="med" len="med"/>
+                    </a:lnT>
+                    <a:lnB w="6350" cap="flat" cmpd="sng" algn="ctr">
+                      <a:solidFill>
+                        <a:srgbClr val="000000"/>
+                      </a:solidFill>
+                      <a:prstDash val="solid"/>
+                      <a:round/>
+                      <a:headEnd type="none" w="med" len="med"/>
+                      <a:tailEnd type="none" w="med" len="med"/>
+                    </a:lnB>
+                  </a:tcPr>
+                </a:tc>
+                <a:tc>
+                  <a:txBody>
+                    <a:bodyPr/>
+                    <a:lstStyle/>
+                    <a:p>
+                      <a:pPr algn="r" fontAlgn="b"/>
+                      <a:r>
+                        <a:rPr lang="en-US" sz="1100" b="0" i="0" u="none" strike="noStrike">
+                          <a:solidFill>
+                            <a:srgbClr val="000000"/>
+                          </a:solidFill>
+                          <a:latin typeface="Calibri"/>
+                        </a:rPr>
+                        <a:t>1</a:t>
+                      </a:r>
+                    </a:p>
+                  </a:txBody>
+                  <a:tcPr marL="9525" marR="9525" marT="9525" marB="0" anchor="b">
+                    <a:lnL w="6350" cap="flat" cmpd="sng" algn="ctr">
+                      <a:solidFill>
+                        <a:srgbClr val="000000"/>
+                      </a:solidFill>
+                      <a:prstDash val="solid"/>
+                      <a:round/>
+                      <a:headEnd type="none" w="med" len="med"/>
+                      <a:tailEnd type="none" w="med" len="med"/>
+                    </a:lnL>
+                    <a:lnR w="6350" cap="flat" cmpd="sng" algn="ctr">
+                      <a:solidFill>
+                        <a:srgbClr val="000000"/>
+                      </a:solidFill>
+                      <a:prstDash val="solid"/>
+                      <a:round/>
+                      <a:headEnd type="none" w="med" len="med"/>
+                      <a:tailEnd type="none" w="med" len="med"/>
+                    </a:lnR>
+                    <a:lnT w="6350" cap="flat" cmpd="sng" algn="ctr">
+                      <a:solidFill>
+                        <a:srgbClr val="000000"/>
+                      </a:solidFill>
+                      <a:prstDash val="solid"/>
+                      <a:round/>
+                      <a:headEnd type="none" w="med" len="med"/>
+                      <a:tailEnd type="none" w="med" len="med"/>
+                    </a:lnT>
+                    <a:lnB w="6350" cap="flat" cmpd="sng" algn="ctr">
+                      <a:solidFill>
+                        <a:srgbClr val="000000"/>
+                      </a:solidFill>
+                      <a:prstDash val="solid"/>
+                      <a:round/>
+                      <a:headEnd type="none" w="med" len="med"/>
+                      <a:tailEnd type="none" w="med" len="med"/>
+                    </a:lnB>
+                  </a:tcPr>
+                </a:tc>
+                <a:tc>
+                  <a:txBody>
+                    <a:bodyPr/>
+                    <a:lstStyle/>
+                    <a:p>
+                      <a:pPr algn="r" fontAlgn="b"/>
+                      <a:r>
+                        <a:rPr lang="en-US" sz="1100" b="0" i="0" u="none" strike="noStrike">
+                          <a:solidFill>
+                            <a:srgbClr val="000000"/>
+                          </a:solidFill>
+                          <a:latin typeface="Calibri"/>
+                        </a:rPr>
+                        <a:t>2</a:t>
+                      </a:r>
+                    </a:p>
+                  </a:txBody>
+                  <a:tcPr marL="9525" marR="9525" marT="9525" marB="0" anchor="b">
+                    <a:lnL w="6350" cap="flat" cmpd="sng" algn="ctr">
+                      <a:solidFill>
+                        <a:srgbClr val="000000"/>
+                      </a:solidFill>
+                      <a:prstDash val="solid"/>
+                      <a:round/>
+                      <a:headEnd type="none" w="med" len="med"/>
+                      <a:tailEnd type="none" w="med" len="med"/>
+                    </a:lnL>
+                    <a:lnR w="6350" cap="flat" cmpd="sng" algn="ctr">
+                      <a:solidFill>
+                        <a:srgbClr val="000000"/>
+                      </a:solidFill>
+                      <a:prstDash val="solid"/>
+                      <a:round/>
+                      <a:headEnd type="none" w="med" len="med"/>
+                      <a:tailEnd type="none" w="med" len="med"/>
+                    </a:lnR>
+                    <a:lnT w="6350" cap="flat" cmpd="sng" algn="ctr">
+                      <a:solidFill>
+                        <a:srgbClr val="000000"/>
+                      </a:solidFill>
+                      <a:prstDash val="solid"/>
+                      <a:round/>
+                      <a:headEnd type="none" w="med" len="med"/>
+                      <a:tailEnd type="none" w="med" len="med"/>
+                    </a:lnT>
+                    <a:lnB w="6350" cap="flat" cmpd="sng" algn="ctr">
+                      <a:solidFill>
+                        <a:srgbClr val="000000"/>
+                      </a:solidFill>
+                      <a:prstDash val="solid"/>
+                      <a:round/>
+                      <a:headEnd type="none" w="med" len="med"/>
+                      <a:tailEnd type="none" w="med" len="med"/>
+                    </a:lnB>
+                  </a:tcPr>
+                </a:tc>
+                <a:tc>
+                  <a:txBody>
+                    <a:bodyPr/>
+                    <a:lstStyle/>
+                    <a:p>
+                      <a:pPr algn="r" fontAlgn="b"/>
+                      <a:r>
+                        <a:rPr lang="en-US" sz="1100" b="0" i="0" u="none" strike="noStrike">
+                          <a:solidFill>
+                            <a:srgbClr val="000000"/>
+                          </a:solidFill>
+                          <a:latin typeface="Calibri"/>
+                        </a:rPr>
+                        <a:t>3</a:t>
+                      </a:r>
+                    </a:p>
+                  </a:txBody>
+                  <a:tcPr marL="9525" marR="9525" marT="9525" marB="0" anchor="b">
+                    <a:lnL w="6350" cap="flat" cmpd="sng" algn="ctr">
+                      <a:solidFill>
+                        <a:srgbClr val="000000"/>
+                      </a:solidFill>
+                      <a:prstDash val="solid"/>
+                      <a:round/>
+                      <a:headEnd type="none" w="med" len="med"/>
+                      <a:tailEnd type="none" w="med" len="med"/>
+                    </a:lnL>
+                    <a:lnR w="6350" cap="flat" cmpd="sng" algn="ctr">
+                      <a:solidFill>
+                        <a:srgbClr val="000000"/>
+                      </a:solidFill>
+                      <a:prstDash val="solid"/>
+                      <a:round/>
+                      <a:headEnd type="none" w="med" len="med"/>
+                      <a:tailEnd type="none" w="med" len="med"/>
+                    </a:lnR>
+                    <a:lnT w="6350" cap="flat" cmpd="sng" algn="ctr">
+                      <a:solidFill>
+                        <a:srgbClr val="000000"/>
+                      </a:solidFill>
+                      <a:prstDash val="solid"/>
+                      <a:round/>
+                      <a:headEnd type="none" w="med" len="med"/>
+                      <a:tailEnd type="none" w="med" len="med"/>
+                    </a:lnT>
+                    <a:lnB w="6350" cap="flat" cmpd="sng" algn="ctr">
+                      <a:solidFill>
+                        <a:srgbClr val="000000"/>
+                      </a:solidFill>
+                      <a:prstDash val="solid"/>
+                      <a:round/>
+                      <a:headEnd type="none" w="med" len="med"/>
+                      <a:tailEnd type="none" w="med" len="med"/>
+                    </a:lnB>
+                  </a:tcPr>
+                </a:tc>
+                <a:tc>
+                  <a:txBody>
+                    <a:bodyPr/>
+                    <a:lstStyle/>
+                    <a:p>
+                      <a:pPr algn="r" fontAlgn="b"/>
+                      <a:r>
+                        <a:rPr lang="en-US" sz="1100" b="0" i="0" u="none" strike="noStrike">
+                          <a:solidFill>
+                            <a:srgbClr val="000000"/>
+                          </a:solidFill>
+                          <a:latin typeface="Calibri"/>
+                        </a:rPr>
+                        <a:t>4</a:t>
+                      </a:r>
+                    </a:p>
+                  </a:txBody>
+                  <a:tcPr marL="9525" marR="9525" marT="9525" marB="0" anchor="b">
+                    <a:lnL w="6350" cap="flat" cmpd="sng" algn="ctr">
+                      <a:solidFill>
+                        <a:srgbClr val="000000"/>
+                      </a:solidFill>
+                      <a:prstDash val="solid"/>
+                      <a:round/>
+                      <a:headEnd type="none" w="med" len="med"/>
+                      <a:tailEnd type="none" w="med" len="med"/>
+                    </a:lnL>
+                    <a:lnR w="6350" cap="flat" cmpd="sng" algn="ctr">
+                      <a:solidFill>
+                        <a:srgbClr val="000000"/>
+                      </a:solidFill>
+                      <a:prstDash val="solid"/>
+                      <a:round/>
+                      <a:headEnd type="none" w="med" len="med"/>
+                      <a:tailEnd type="none" w="med" len="med"/>
+                    </a:lnR>
+                    <a:lnT w="6350" cap="flat" cmpd="sng" algn="ctr">
+                      <a:solidFill>
+                        <a:srgbClr val="000000"/>
+                      </a:solidFill>
+                      <a:prstDash val="solid"/>
+                      <a:round/>
+                      <a:headEnd type="none" w="med" len="med"/>
+                      <a:tailEnd type="none" w="med" len="med"/>
+                    </a:lnT>
+                    <a:lnB w="6350" cap="flat" cmpd="sng" algn="ctr">
+                      <a:solidFill>
+                        <a:srgbClr val="000000"/>
+                      </a:solidFill>
+                      <a:prstDash val="solid"/>
+                      <a:round/>
+                      <a:headEnd type="none" w="med" len="med"/>
+                      <a:tailEnd type="none" w="med" len="med"/>
+                    </a:lnB>
+                  </a:tcPr>
+                </a:tc>
+                <a:tc>
+                  <a:txBody>
+                    <a:bodyPr/>
+                    <a:lstStyle/>
+                    <a:p>
+                      <a:pPr algn="r" fontAlgn="b"/>
+                      <a:r>
+                        <a:rPr lang="en-US" sz="1100" b="0" i="0" u="none" strike="noStrike">
+                          <a:solidFill>
+                            <a:srgbClr val="000000"/>
+                          </a:solidFill>
+                          <a:latin typeface="Calibri"/>
+                        </a:rPr>
+                        <a:t>5</a:t>
+                      </a:r>
+                    </a:p>
+                  </a:txBody>
+                  <a:tcPr marL="9525" marR="9525" marT="9525" marB="0" anchor="b">
+                    <a:lnL w="6350" cap="flat" cmpd="sng" algn="ctr">
+                      <a:solidFill>
+                        <a:srgbClr val="000000"/>
+                      </a:solidFill>
+                      <a:prstDash val="solid"/>
+                      <a:round/>
+                      <a:headEnd type="none" w="med" len="med"/>
+                      <a:tailEnd type="none" w="med" len="med"/>
+                    </a:lnL>
+                    <a:lnR w="6350" cap="flat" cmpd="sng" algn="ctr">
+                      <a:solidFill>
+                        <a:srgbClr val="000000"/>
+                      </a:solidFill>
+                      <a:prstDash val="solid"/>
+                      <a:round/>
+                      <a:headEnd type="none" w="med" len="med"/>
+                      <a:tailEnd type="none" w="med" len="med"/>
+                    </a:lnR>
+                    <a:lnT w="6350" cap="flat" cmpd="sng" algn="ctr">
+                      <a:solidFill>
+                        <a:srgbClr val="000000"/>
+                      </a:solidFill>
+                      <a:prstDash val="solid"/>
+                      <a:round/>
+                      <a:headEnd type="none" w="med" len="med"/>
+                      <a:tailEnd type="none" w="med" len="med"/>
+                    </a:lnT>
+                    <a:lnB w="6350" cap="flat" cmpd="sng" algn="ctr">
+                      <a:solidFill>
+                        <a:srgbClr val="000000"/>
+                      </a:solidFill>
+                      <a:prstDash val="solid"/>
+                      <a:round/>
+                      <a:headEnd type="none" w="med" len="med"/>
+                      <a:tailEnd type="none" w="med" len="med"/>
+                    </a:lnB>
+                  </a:tcPr>
+                </a:tc>
+                <a:tc>
+                  <a:txBody>
+                    <a:bodyPr/>
+                    <a:lstStyle/>
+                    <a:p>
+                      <a:pPr algn="r" fontAlgn="b"/>
+                      <a:r>
+                        <a:rPr lang="en-US" sz="1100" b="0" i="0" u="none" strike="noStrike">
+                          <a:solidFill>
+                            <a:srgbClr val="000000"/>
+                          </a:solidFill>
+                          <a:latin typeface="Calibri"/>
+                        </a:rPr>
+                        <a:t>2</a:t>
+                      </a:r>
+                    </a:p>
+                  </a:txBody>
+                  <a:tcPr marL="9525" marR="9525" marT="9525" marB="0" anchor="b">
+                    <a:lnL w="6350" cap="flat" cmpd="sng" algn="ctr">
+                      <a:solidFill>
+                        <a:srgbClr val="000000"/>
+                      </a:solidFill>
+                      <a:prstDash val="solid"/>
+                      <a:round/>
+                      <a:headEnd type="none" w="med" len="med"/>
+                      <a:tailEnd type="none" w="med" len="med"/>
+                    </a:lnL>
+                    <a:lnR w="6350" cap="flat" cmpd="sng" algn="ctr">
+                      <a:solidFill>
+                        <a:srgbClr val="000000"/>
+                      </a:solidFill>
+                      <a:prstDash val="solid"/>
+                      <a:round/>
+                      <a:headEnd type="none" w="med" len="med"/>
+                      <a:tailEnd type="none" w="med" len="med"/>
+                    </a:lnR>
+                    <a:lnT w="6350" cap="flat" cmpd="sng" algn="ctr">
+                      <a:solidFill>
+                        <a:srgbClr val="000000"/>
+                      </a:solidFill>
+                      <a:prstDash val="solid"/>
+                      <a:round/>
+                      <a:headEnd type="none" w="med" len="med"/>
+                      <a:tailEnd type="none" w="med" len="med"/>
+                    </a:lnT>
+                    <a:lnB w="6350" cap="flat" cmpd="sng" algn="ctr">
+                      <a:solidFill>
+                        <a:srgbClr val="000000"/>
+                      </a:solidFill>
+                      <a:prstDash val="solid"/>
+                      <a:round/>
+                      <a:headEnd type="none" w="med" len="med"/>
+                      <a:tailEnd type="none" w="med" len="med"/>
+                    </a:lnB>
+                  </a:tcPr>
+                </a:tc>
+                <a:tc>
+                  <a:txBody>
+                    <a:bodyPr/>
+                    <a:lstStyle/>
+                    <a:p>
+                      <a:pPr algn="r" fontAlgn="b"/>
+                      <a:r>
+                        <a:rPr lang="en-US" sz="1100" b="0" i="0" u="none" strike="noStrike">
+                          <a:solidFill>
+                            <a:srgbClr val="000000"/>
+                          </a:solidFill>
+                          <a:latin typeface="Calibri"/>
+                        </a:rPr>
+                        <a:t>3</a:t>
+                      </a:r>
+                    </a:p>
+                  </a:txBody>
+                  <a:tcPr marL="9525" marR="9525" marT="9525" marB="0" anchor="b">
+                    <a:lnL w="6350" cap="flat" cmpd="sng" algn="ctr">
+                      <a:solidFill>
+                        <a:srgbClr val="000000"/>
+                      </a:solidFill>
+                      <a:prstDash val="solid"/>
+                      <a:round/>
+                      <a:headEnd type="none" w="med" len="med"/>
+                      <a:tailEnd type="none" w="med" len="med"/>
+                    </a:lnL>
+                    <a:lnR w="6350" cap="flat" cmpd="sng" algn="ctr">
+                      <a:solidFill>
+                        <a:srgbClr val="000000"/>
+                      </a:solidFill>
+                      <a:prstDash val="solid"/>
+                      <a:round/>
+                      <a:headEnd type="none" w="med" len="med"/>
+                      <a:tailEnd type="none" w="med" len="med"/>
+                    </a:lnR>
+                    <a:lnT w="6350" cap="flat" cmpd="sng" algn="ctr">
+                      <a:solidFill>
+                        <a:srgbClr val="000000"/>
+                      </a:solidFill>
+                      <a:prstDash val="solid"/>
+                      <a:round/>
+                      <a:headEnd type="none" w="med" len="med"/>
+                      <a:tailEnd type="none" w="med" len="med"/>
+                    </a:lnT>
+                    <a:lnB w="6350" cap="flat" cmpd="sng" algn="ctr">
+                      <a:solidFill>
+                        <a:srgbClr val="000000"/>
+                      </a:solidFill>
+                      <a:prstDash val="solid"/>
+                      <a:round/>
+                      <a:headEnd type="none" w="med" len="med"/>
+                      <a:tailEnd type="none" w="med" len="med"/>
+                    </a:lnB>
+                  </a:tcPr>
+                </a:tc>
+              </a:tr>
+              <a:tr h="190500">
+                <a:tc>
+                  <a:txBody>
+                    <a:bodyPr/>
+                    <a:lstStyle/>
+                    <a:p>
+                      <a:pPr algn="r" fontAlgn="b"/>
+                      <a:r>
+                        <a:rPr lang="en-US" sz="1100" b="1" i="0" u="none" strike="noStrike">
+                          <a:solidFill>
+                            <a:srgbClr val="3F3F3F"/>
+                          </a:solidFill>
+                          <a:latin typeface="Calibri"/>
+                        </a:rPr>
+                        <a:t>6</a:t>
+                      </a:r>
+                    </a:p>
+                  </a:txBody>
+                  <a:tcPr marL="9525" marR="9525" marT="9525" marB="0" anchor="b">
+                    <a:lnL w="6350" cap="flat" cmpd="sng" algn="ctr">
+                      <a:solidFill>
+                        <a:srgbClr val="3F3F3F"/>
+                      </a:solidFill>
+                      <a:prstDash val="solid"/>
+                      <a:round/>
+                      <a:headEnd type="none" w="med" len="med"/>
+                      <a:tailEnd type="none" w="med" len="med"/>
+                    </a:lnL>
+                    <a:lnR w="6350" cap="flat" cmpd="sng" algn="ctr">
+                      <a:solidFill>
+                        <a:srgbClr val="000000"/>
+                      </a:solidFill>
+                      <a:prstDash val="solid"/>
+                      <a:round/>
+                      <a:headEnd type="none" w="med" len="med"/>
+                      <a:tailEnd type="none" w="med" len="med"/>
+                    </a:lnR>
+                    <a:lnT w="6350" cap="flat" cmpd="sng" algn="ctr">
+                      <a:solidFill>
+                        <a:srgbClr val="3F3F3F"/>
+                      </a:solidFill>
+                      <a:prstDash val="solid"/>
+                      <a:round/>
+                      <a:headEnd type="none" w="med" len="med"/>
+                      <a:tailEnd type="none" w="med" len="med"/>
+                    </a:lnT>
+                    <a:lnB w="6350" cap="flat" cmpd="sng" algn="ctr">
+                      <a:solidFill>
+                        <a:srgbClr val="3F3F3F"/>
+                      </a:solidFill>
+                      <a:prstDash val="solid"/>
+                      <a:round/>
+                      <a:headEnd type="none" w="med" len="med"/>
+                      <a:tailEnd type="none" w="med" len="med"/>
+                    </a:lnB>
+                    <a:solidFill>
+                      <a:srgbClr val="F2F2F2"/>
+                    </a:solidFill>
+                  </a:tcPr>
+                </a:tc>
+                <a:tc>
+                  <a:txBody>
+                    <a:bodyPr/>
+                    <a:lstStyle/>
+                    <a:p>
+                      <a:pPr algn="r" fontAlgn="b"/>
+                      <a:r>
+                        <a:rPr lang="en-US" sz="1100" b="0" i="0" u="none" strike="noStrike">
+                          <a:solidFill>
+                            <a:srgbClr val="000000"/>
+                          </a:solidFill>
+                          <a:latin typeface="Calibri"/>
+                        </a:rPr>
+                        <a:t>0</a:t>
+                      </a:r>
+                    </a:p>
+                  </a:txBody>
+                  <a:tcPr marL="9525" marR="9525" marT="9525" marB="0" anchor="b">
+                    <a:lnL w="6350" cap="flat" cmpd="sng" algn="ctr">
+                      <a:solidFill>
+                        <a:srgbClr val="000000"/>
+                      </a:solidFill>
+                      <a:prstDash val="solid"/>
+                      <a:round/>
+                      <a:headEnd type="none" w="med" len="med"/>
+                      <a:tailEnd type="none" w="med" len="med"/>
+                    </a:lnL>
+                    <a:lnR w="6350" cap="flat" cmpd="sng" algn="ctr">
+                      <a:solidFill>
+                        <a:srgbClr val="000000"/>
+                      </a:solidFill>
+                      <a:prstDash val="solid"/>
+                      <a:round/>
+                      <a:headEnd type="none" w="med" len="med"/>
+                      <a:tailEnd type="none" w="med" len="med"/>
+                    </a:lnR>
+                    <a:lnT w="6350" cap="flat" cmpd="sng" algn="ctr">
+                      <a:solidFill>
+                        <a:srgbClr val="000000"/>
+                      </a:solidFill>
+                      <a:prstDash val="solid"/>
+                      <a:round/>
+                      <a:headEnd type="none" w="med" len="med"/>
+                      <a:tailEnd type="none" w="med" len="med"/>
+                    </a:lnT>
+                    <a:lnB w="6350" cap="flat" cmpd="sng" algn="ctr">
+                      <a:solidFill>
+                        <a:srgbClr val="000000"/>
+                      </a:solidFill>
+                      <a:prstDash val="solid"/>
+                      <a:round/>
+                      <a:headEnd type="none" w="med" len="med"/>
+                      <a:tailEnd type="none" w="med" len="med"/>
+                    </a:lnB>
+                  </a:tcPr>
+                </a:tc>
+                <a:tc>
+                  <a:txBody>
+                    <a:bodyPr/>
+                    <a:lstStyle/>
+                    <a:p>
+                      <a:pPr algn="r" fontAlgn="b"/>
+                      <a:r>
+                        <a:rPr lang="en-US" sz="1100" b="0" i="0" u="none" strike="noStrike">
+                          <a:solidFill>
+                            <a:srgbClr val="000000"/>
+                          </a:solidFill>
+                          <a:latin typeface="Calibri"/>
+                        </a:rPr>
+                        <a:t>1</a:t>
+                      </a:r>
+                    </a:p>
+                  </a:txBody>
+                  <a:tcPr marL="9525" marR="9525" marT="9525" marB="0" anchor="b">
+                    <a:lnL w="6350" cap="flat" cmpd="sng" algn="ctr">
+                      <a:solidFill>
+                        <a:srgbClr val="000000"/>
+                      </a:solidFill>
+                      <a:prstDash val="solid"/>
+                      <a:round/>
+                      <a:headEnd type="none" w="med" len="med"/>
+                      <a:tailEnd type="none" w="med" len="med"/>
+                    </a:lnL>
+                    <a:lnR w="6350" cap="flat" cmpd="sng" algn="ctr">
+                      <a:solidFill>
+                        <a:srgbClr val="000000"/>
+                      </a:solidFill>
+                      <a:prstDash val="solid"/>
+                      <a:round/>
+                      <a:headEnd type="none" w="med" len="med"/>
+                      <a:tailEnd type="none" w="med" len="med"/>
+                    </a:lnR>
+                    <a:lnT w="6350" cap="flat" cmpd="sng" algn="ctr">
+                      <a:solidFill>
+                        <a:srgbClr val="000000"/>
+                      </a:solidFill>
+                      <a:prstDash val="solid"/>
+                      <a:round/>
+                      <a:headEnd type="none" w="med" len="med"/>
+                      <a:tailEnd type="none" w="med" len="med"/>
+                    </a:lnT>
+                    <a:lnB w="6350" cap="flat" cmpd="sng" algn="ctr">
+                      <a:solidFill>
+                        <a:srgbClr val="000000"/>
+                      </a:solidFill>
+                      <a:prstDash val="solid"/>
+                      <a:round/>
+                      <a:headEnd type="none" w="med" len="med"/>
+                      <a:tailEnd type="none" w="med" len="med"/>
+                    </a:lnB>
+                  </a:tcPr>
+                </a:tc>
+                <a:tc>
+                  <a:txBody>
+                    <a:bodyPr/>
+                    <a:lstStyle/>
+                    <a:p>
+                      <a:pPr algn="r" fontAlgn="b"/>
+                      <a:r>
+                        <a:rPr lang="en-US" sz="1100" b="0" i="0" u="none" strike="noStrike">
+                          <a:solidFill>
+                            <a:srgbClr val="000000"/>
+                          </a:solidFill>
+                          <a:latin typeface="Calibri"/>
+                        </a:rPr>
+                        <a:t>2</a:t>
+                      </a:r>
+                    </a:p>
+                  </a:txBody>
+                  <a:tcPr marL="9525" marR="9525" marT="9525" marB="0" anchor="b">
+                    <a:lnL w="6350" cap="flat" cmpd="sng" algn="ctr">
+                      <a:solidFill>
+                        <a:srgbClr val="000000"/>
+                      </a:solidFill>
+                      <a:prstDash val="solid"/>
+                      <a:round/>
+                      <a:headEnd type="none" w="med" len="med"/>
+                      <a:tailEnd type="none" w="med" len="med"/>
+                    </a:lnL>
+                    <a:lnR w="6350" cap="flat" cmpd="sng" algn="ctr">
+                      <a:solidFill>
+                        <a:srgbClr val="000000"/>
+                      </a:solidFill>
+                      <a:prstDash val="solid"/>
+                      <a:round/>
+                      <a:headEnd type="none" w="med" len="med"/>
+                      <a:tailEnd type="none" w="med" len="med"/>
+                    </a:lnR>
+                    <a:lnT w="6350" cap="flat" cmpd="sng" algn="ctr">
+                      <a:solidFill>
+                        <a:srgbClr val="000000"/>
+                      </a:solidFill>
+                      <a:prstDash val="solid"/>
+                      <a:round/>
+                      <a:headEnd type="none" w="med" len="med"/>
+                      <a:tailEnd type="none" w="med" len="med"/>
+                    </a:lnT>
+                    <a:lnB w="6350" cap="flat" cmpd="sng" algn="ctr">
+                      <a:solidFill>
+                        <a:srgbClr val="000000"/>
+                      </a:solidFill>
+                      <a:prstDash val="solid"/>
+                      <a:round/>
+                      <a:headEnd type="none" w="med" len="med"/>
+                      <a:tailEnd type="none" w="med" len="med"/>
+                    </a:lnB>
+                  </a:tcPr>
+                </a:tc>
+                <a:tc>
+                  <a:txBody>
+                    <a:bodyPr/>
+                    <a:lstStyle/>
+                    <a:p>
+                      <a:pPr algn="r" fontAlgn="b"/>
+                      <a:r>
+                        <a:rPr lang="en-US" sz="1100" b="0" i="0" u="none" strike="noStrike">
+                          <a:solidFill>
+                            <a:srgbClr val="000000"/>
+                          </a:solidFill>
+                          <a:latin typeface="Calibri"/>
+                        </a:rPr>
+                        <a:t>3</a:t>
+                      </a:r>
+                    </a:p>
+                  </a:txBody>
+                  <a:tcPr marL="9525" marR="9525" marT="9525" marB="0" anchor="b">
+                    <a:lnL w="6350" cap="flat" cmpd="sng" algn="ctr">
+                      <a:solidFill>
+                        <a:srgbClr val="000000"/>
+                      </a:solidFill>
+                      <a:prstDash val="solid"/>
+                      <a:round/>
+                      <a:headEnd type="none" w="med" len="med"/>
+                      <a:tailEnd type="none" w="med" len="med"/>
+                    </a:lnL>
+                    <a:lnR w="6350" cap="flat" cmpd="sng" algn="ctr">
+                      <a:solidFill>
+                        <a:srgbClr val="000000"/>
+                      </a:solidFill>
+                      <a:prstDash val="solid"/>
+                      <a:round/>
+                      <a:headEnd type="none" w="med" len="med"/>
+                      <a:tailEnd type="none" w="med" len="med"/>
+                    </a:lnR>
+                    <a:lnT w="6350" cap="flat" cmpd="sng" algn="ctr">
+                      <a:solidFill>
+                        <a:srgbClr val="000000"/>
+                      </a:solidFill>
+                      <a:prstDash val="solid"/>
+                      <a:round/>
+                      <a:headEnd type="none" w="med" len="med"/>
+                      <a:tailEnd type="none" w="med" len="med"/>
+                    </a:lnT>
+                    <a:lnB w="6350" cap="flat" cmpd="sng" algn="ctr">
+                      <a:solidFill>
+                        <a:srgbClr val="000000"/>
+                      </a:solidFill>
+                      <a:prstDash val="solid"/>
+                      <a:round/>
+                      <a:headEnd type="none" w="med" len="med"/>
+                      <a:tailEnd type="none" w="med" len="med"/>
+                    </a:lnB>
+                  </a:tcPr>
+                </a:tc>
+                <a:tc>
+                  <a:txBody>
+                    <a:bodyPr/>
+                    <a:lstStyle/>
+                    <a:p>
+                      <a:pPr algn="r" fontAlgn="b"/>
+                      <a:r>
+                        <a:rPr lang="en-US" sz="1100" b="0" i="0" u="none" strike="noStrike">
+                          <a:solidFill>
+                            <a:srgbClr val="000000"/>
+                          </a:solidFill>
+                          <a:latin typeface="Calibri"/>
+                        </a:rPr>
+                        <a:t>4</a:t>
+                      </a:r>
+                    </a:p>
+                  </a:txBody>
+                  <a:tcPr marL="9525" marR="9525" marT="9525" marB="0" anchor="b">
+                    <a:lnL w="6350" cap="flat" cmpd="sng" algn="ctr">
+                      <a:solidFill>
+                        <a:srgbClr val="000000"/>
+                      </a:solidFill>
+                      <a:prstDash val="solid"/>
+                      <a:round/>
+                      <a:headEnd type="none" w="med" len="med"/>
+                      <a:tailEnd type="none" w="med" len="med"/>
+                    </a:lnL>
+                    <a:lnR w="6350" cap="flat" cmpd="sng" algn="ctr">
+                      <a:solidFill>
+                        <a:srgbClr val="000000"/>
+                      </a:solidFill>
+                      <a:prstDash val="solid"/>
+                      <a:round/>
+                      <a:headEnd type="none" w="med" len="med"/>
+                      <a:tailEnd type="none" w="med" len="med"/>
+                    </a:lnR>
+                    <a:lnT w="6350" cap="flat" cmpd="sng" algn="ctr">
+                      <a:solidFill>
+                        <a:srgbClr val="000000"/>
+                      </a:solidFill>
+                      <a:prstDash val="solid"/>
+                      <a:round/>
+                      <a:headEnd type="none" w="med" len="med"/>
+                      <a:tailEnd type="none" w="med" len="med"/>
+                    </a:lnT>
+                    <a:lnB w="6350" cap="flat" cmpd="sng" algn="ctr">
+                      <a:solidFill>
+                        <a:srgbClr val="000000"/>
+                      </a:solidFill>
+                      <a:prstDash val="solid"/>
+                      <a:round/>
+                      <a:headEnd type="none" w="med" len="med"/>
+                      <a:tailEnd type="none" w="med" len="med"/>
+                    </a:lnB>
+                  </a:tcPr>
+                </a:tc>
+                <a:tc>
+                  <a:txBody>
+                    <a:bodyPr/>
+                    <a:lstStyle/>
+                    <a:p>
+                      <a:pPr algn="r" fontAlgn="b"/>
+                      <a:r>
+                        <a:rPr lang="en-US" sz="1100" b="0" i="0" u="none" strike="noStrike">
+                          <a:solidFill>
+                            <a:srgbClr val="000000"/>
+                          </a:solidFill>
+                          <a:latin typeface="Calibri"/>
+                        </a:rPr>
+                        <a:t>1</a:t>
+                      </a:r>
+                    </a:p>
+                  </a:txBody>
+                  <a:tcPr marL="9525" marR="9525" marT="9525" marB="0" anchor="b">
+                    <a:lnL w="6350" cap="flat" cmpd="sng" algn="ctr">
+                      <a:solidFill>
+                        <a:srgbClr val="000000"/>
+                      </a:solidFill>
+                      <a:prstDash val="solid"/>
+                      <a:round/>
+                      <a:headEnd type="none" w="med" len="med"/>
+                      <a:tailEnd type="none" w="med" len="med"/>
+                    </a:lnL>
+                    <a:lnR w="6350" cap="flat" cmpd="sng" algn="ctr">
+                      <a:solidFill>
+                        <a:srgbClr val="000000"/>
+                      </a:solidFill>
+                      <a:prstDash val="solid"/>
+                      <a:round/>
+                      <a:headEnd type="none" w="med" len="med"/>
+                      <a:tailEnd type="none" w="med" len="med"/>
+                    </a:lnR>
+                    <a:lnT w="6350" cap="flat" cmpd="sng" algn="ctr">
+                      <a:solidFill>
+                        <a:srgbClr val="000000"/>
+                      </a:solidFill>
+                      <a:prstDash val="solid"/>
+                      <a:round/>
+                      <a:headEnd type="none" w="med" len="med"/>
+                      <a:tailEnd type="none" w="med" len="med"/>
+                    </a:lnT>
+                    <a:lnB w="6350" cap="flat" cmpd="sng" algn="ctr">
+                      <a:solidFill>
+                        <a:srgbClr val="000000"/>
+                      </a:solidFill>
+                      <a:prstDash val="solid"/>
+                      <a:round/>
+                      <a:headEnd type="none" w="med" len="med"/>
+                      <a:tailEnd type="none" w="med" len="med"/>
+                    </a:lnB>
+                  </a:tcPr>
+                </a:tc>
+                <a:tc>
+                  <a:txBody>
+                    <a:bodyPr/>
+                    <a:lstStyle/>
+                    <a:p>
+                      <a:pPr algn="r" fontAlgn="b"/>
+                      <a:r>
+                        <a:rPr lang="en-US" sz="1100" b="0" i="0" u="none" strike="noStrike">
+                          <a:solidFill>
+                            <a:srgbClr val="000000"/>
+                          </a:solidFill>
+                          <a:latin typeface="Calibri"/>
+                        </a:rPr>
+                        <a:t>1</a:t>
+                      </a:r>
+                    </a:p>
+                  </a:txBody>
+                  <a:tcPr marL="9525" marR="9525" marT="9525" marB="0" anchor="b">
+                    <a:lnL w="6350" cap="flat" cmpd="sng" algn="ctr">
+                      <a:solidFill>
+                        <a:srgbClr val="000000"/>
+                      </a:solidFill>
+                      <a:prstDash val="solid"/>
+                      <a:round/>
+                      <a:headEnd type="none" w="med" len="med"/>
+                      <a:tailEnd type="none" w="med" len="med"/>
+                    </a:lnL>
+                    <a:lnR w="6350" cap="flat" cmpd="sng" algn="ctr">
+                      <a:solidFill>
+                        <a:srgbClr val="000000"/>
+                      </a:solidFill>
+                      <a:prstDash val="solid"/>
+                      <a:round/>
+                      <a:headEnd type="none" w="med" len="med"/>
+                      <a:tailEnd type="none" w="med" len="med"/>
+                    </a:lnR>
+                    <a:lnT w="6350" cap="flat" cmpd="sng" algn="ctr">
+                      <a:solidFill>
+                        <a:srgbClr val="000000"/>
+                      </a:solidFill>
+                      <a:prstDash val="solid"/>
+                      <a:round/>
+                      <a:headEnd type="none" w="med" len="med"/>
+                      <a:tailEnd type="none" w="med" len="med"/>
+                    </a:lnT>
+                    <a:lnB w="6350" cap="flat" cmpd="sng" algn="ctr">
+                      <a:solidFill>
+                        <a:srgbClr val="000000"/>
+                      </a:solidFill>
+                      <a:prstDash val="solid"/>
+                      <a:round/>
+                      <a:headEnd type="none" w="med" len="med"/>
+                      <a:tailEnd type="none" w="med" len="med"/>
+                    </a:lnB>
+                  </a:tcPr>
+                </a:tc>
+                <a:tc>
+                  <a:txBody>
+                    <a:bodyPr/>
+                    <a:lstStyle/>
+                    <a:p>
+                      <a:pPr algn="r" fontAlgn="b"/>
+                      <a:r>
+                        <a:rPr lang="en-US" sz="1100" b="0" i="0" u="none" strike="noStrike">
+                          <a:solidFill>
+                            <a:srgbClr val="000000"/>
+                          </a:solidFill>
+                          <a:latin typeface="Calibri"/>
+                        </a:rPr>
+                        <a:t>2</a:t>
+                      </a:r>
+                    </a:p>
+                  </a:txBody>
+                  <a:tcPr marL="9525" marR="9525" marT="9525" marB="0" anchor="b">
+                    <a:lnL w="6350" cap="flat" cmpd="sng" algn="ctr">
+                      <a:solidFill>
+                        <a:srgbClr val="000000"/>
+                      </a:solidFill>
+                      <a:prstDash val="solid"/>
+                      <a:round/>
+                      <a:headEnd type="none" w="med" len="med"/>
+                      <a:tailEnd type="none" w="med" len="med"/>
+                    </a:lnL>
+                    <a:lnR w="6350" cap="flat" cmpd="sng" algn="ctr">
+                      <a:solidFill>
+                        <a:srgbClr val="000000"/>
+                      </a:solidFill>
+                      <a:prstDash val="solid"/>
+                      <a:round/>
+                      <a:headEnd type="none" w="med" len="med"/>
+                      <a:tailEnd type="none" w="med" len="med"/>
+                    </a:lnR>
+                    <a:lnT w="6350" cap="flat" cmpd="sng" algn="ctr">
+                      <a:solidFill>
+                        <a:srgbClr val="000000"/>
+                      </a:solidFill>
+                      <a:prstDash val="solid"/>
+                      <a:round/>
+                      <a:headEnd type="none" w="med" len="med"/>
+                      <a:tailEnd type="none" w="med" len="med"/>
+                    </a:lnT>
+                    <a:lnB w="6350" cap="flat" cmpd="sng" algn="ctr">
+                      <a:solidFill>
+                        <a:srgbClr val="000000"/>
+                      </a:solidFill>
+                      <a:prstDash val="solid"/>
+                      <a:round/>
+                      <a:headEnd type="none" w="med" len="med"/>
+                      <a:tailEnd type="none" w="med" len="med"/>
+                    </a:lnB>
+                  </a:tcPr>
+                </a:tc>
+                <a:tc>
+                  <a:txBody>
+                    <a:bodyPr/>
+                    <a:lstStyle/>
+                    <a:p>
+                      <a:pPr algn="r" fontAlgn="b"/>
+                      <a:r>
+                        <a:rPr lang="en-US" sz="1100" b="0" i="0" u="none" strike="noStrike">
+                          <a:solidFill>
+                            <a:srgbClr val="000000"/>
+                          </a:solidFill>
+                          <a:latin typeface="Calibri"/>
+                        </a:rPr>
+                        <a:t>3</a:t>
+                      </a:r>
+                    </a:p>
+                  </a:txBody>
+                  <a:tcPr marL="9525" marR="9525" marT="9525" marB="0" anchor="b">
+                    <a:lnL w="6350" cap="flat" cmpd="sng" algn="ctr">
+                      <a:solidFill>
+                        <a:srgbClr val="000000"/>
+                      </a:solidFill>
+                      <a:prstDash val="solid"/>
+                      <a:round/>
+                      <a:headEnd type="none" w="med" len="med"/>
+                      <a:tailEnd type="none" w="med" len="med"/>
+                    </a:lnL>
+                    <a:lnR w="6350" cap="flat" cmpd="sng" algn="ctr">
+                      <a:solidFill>
+                        <a:srgbClr val="000000"/>
+                      </a:solidFill>
+                      <a:prstDash val="solid"/>
+                      <a:round/>
+                      <a:headEnd type="none" w="med" len="med"/>
+                      <a:tailEnd type="none" w="med" len="med"/>
+                    </a:lnR>
+                    <a:lnT w="6350" cap="flat" cmpd="sng" algn="ctr">
+                      <a:solidFill>
+                        <a:srgbClr val="000000"/>
+                      </a:solidFill>
+                      <a:prstDash val="solid"/>
+                      <a:round/>
+                      <a:headEnd type="none" w="med" len="med"/>
+                      <a:tailEnd type="none" w="med" len="med"/>
+                    </a:lnT>
+                    <a:lnB w="6350" cap="flat" cmpd="sng" algn="ctr">
+                      <a:solidFill>
+                        <a:srgbClr val="000000"/>
+                      </a:solidFill>
+                      <a:prstDash val="solid"/>
+                      <a:round/>
+                      <a:headEnd type="none" w="med" len="med"/>
+                      <a:tailEnd type="none" w="med" len="med"/>
+                    </a:lnB>
+                  </a:tcPr>
+                </a:tc>
+                <a:tc>
+                  <a:txBody>
+                    <a:bodyPr/>
+                    <a:lstStyle/>
+                    <a:p>
+                      <a:pPr algn="r" fontAlgn="b"/>
+                      <a:r>
+                        <a:rPr lang="en-US" sz="1100" b="0" i="0" u="none" strike="noStrike">
+                          <a:solidFill>
+                            <a:srgbClr val="000000"/>
+                          </a:solidFill>
+                          <a:latin typeface="Calibri"/>
+                        </a:rPr>
+                        <a:t>4</a:t>
+                      </a:r>
+                    </a:p>
+                  </a:txBody>
+                  <a:tcPr marL="9525" marR="9525" marT="9525" marB="0" anchor="b">
+                    <a:lnL w="6350" cap="flat" cmpd="sng" algn="ctr">
+                      <a:solidFill>
+                        <a:srgbClr val="000000"/>
+                      </a:solidFill>
+                      <a:prstDash val="solid"/>
+                      <a:round/>
+                      <a:headEnd type="none" w="med" len="med"/>
+                      <a:tailEnd type="none" w="med" len="med"/>
+                    </a:lnL>
+                    <a:lnR w="6350" cap="flat" cmpd="sng" algn="ctr">
+                      <a:solidFill>
+                        <a:srgbClr val="000000"/>
+                      </a:solidFill>
+                      <a:prstDash val="solid"/>
+                      <a:round/>
+                      <a:headEnd type="none" w="med" len="med"/>
+                      <a:tailEnd type="none" w="med" len="med"/>
+                    </a:lnR>
+                    <a:lnT w="6350" cap="flat" cmpd="sng" algn="ctr">
+                      <a:solidFill>
+                        <a:srgbClr val="000000"/>
+                      </a:solidFill>
+                      <a:prstDash val="solid"/>
+                      <a:round/>
+                      <a:headEnd type="none" w="med" len="med"/>
+                      <a:tailEnd type="none" w="med" len="med"/>
+                    </a:lnT>
+                    <a:lnB w="6350" cap="flat" cmpd="sng" algn="ctr">
+                      <a:solidFill>
+                        <a:srgbClr val="000000"/>
+                      </a:solidFill>
+                      <a:prstDash val="solid"/>
+                      <a:round/>
+                      <a:headEnd type="none" w="med" len="med"/>
+                      <a:tailEnd type="none" w="med" len="med"/>
+                    </a:lnB>
+                  </a:tcPr>
+                </a:tc>
+                <a:tc>
+                  <a:txBody>
+                    <a:bodyPr/>
+                    <a:lstStyle/>
+                    <a:p>
+                      <a:pPr algn="r" fontAlgn="b"/>
+                      <a:r>
+                        <a:rPr lang="en-US" sz="1100" b="0" i="0" u="none" strike="noStrike">
+                          <a:solidFill>
+                            <a:srgbClr val="000000"/>
+                          </a:solidFill>
+                          <a:latin typeface="Calibri"/>
+                        </a:rPr>
+                        <a:t>2</a:t>
+                      </a:r>
+                    </a:p>
+                  </a:txBody>
+                  <a:tcPr marL="9525" marR="9525" marT="9525" marB="0" anchor="b">
+                    <a:lnL w="6350" cap="flat" cmpd="sng" algn="ctr">
+                      <a:solidFill>
+                        <a:srgbClr val="000000"/>
+                      </a:solidFill>
+                      <a:prstDash val="solid"/>
+                      <a:round/>
+                      <a:headEnd type="none" w="med" len="med"/>
+                      <a:tailEnd type="none" w="med" len="med"/>
+                    </a:lnL>
+                    <a:lnR w="6350" cap="flat" cmpd="sng" algn="ctr">
+                      <a:solidFill>
+                        <a:srgbClr val="000000"/>
+                      </a:solidFill>
+                      <a:prstDash val="solid"/>
+                      <a:round/>
+                      <a:headEnd type="none" w="med" len="med"/>
+                      <a:tailEnd type="none" w="med" len="med"/>
+                    </a:lnR>
+                    <a:lnT w="6350" cap="flat" cmpd="sng" algn="ctr">
+                      <a:solidFill>
+                        <a:srgbClr val="000000"/>
+                      </a:solidFill>
+                      <a:prstDash val="solid"/>
+                      <a:round/>
+                      <a:headEnd type="none" w="med" len="med"/>
+                      <a:tailEnd type="none" w="med" len="med"/>
+                    </a:lnT>
+                    <a:lnB w="6350" cap="flat" cmpd="sng" algn="ctr">
+                      <a:solidFill>
+                        <a:srgbClr val="000000"/>
+                      </a:solidFill>
+                      <a:prstDash val="solid"/>
+                      <a:round/>
+                      <a:headEnd type="none" w="med" len="med"/>
+                      <a:tailEnd type="none" w="med" len="med"/>
+                    </a:lnB>
+                  </a:tcPr>
+                </a:tc>
+                <a:tc>
+                  <a:txBody>
+                    <a:bodyPr/>
+                    <a:lstStyle/>
+                    <a:p>
+                      <a:pPr algn="r" fontAlgn="b"/>
+                      <a:r>
+                        <a:rPr lang="en-US" sz="1100" b="0" i="0" u="none" strike="noStrike">
+                          <a:solidFill>
+                            <a:srgbClr val="000000"/>
+                          </a:solidFill>
+                          <a:latin typeface="Calibri"/>
+                        </a:rPr>
+                        <a:t>2</a:t>
+                      </a:r>
+                    </a:p>
+                  </a:txBody>
+                  <a:tcPr marL="9525" marR="9525" marT="9525" marB="0" anchor="b">
+                    <a:lnL w="6350" cap="flat" cmpd="sng" algn="ctr">
+                      <a:solidFill>
+                        <a:srgbClr val="000000"/>
+                      </a:solidFill>
+                      <a:prstDash val="solid"/>
+                      <a:round/>
+                      <a:headEnd type="none" w="med" len="med"/>
+                      <a:tailEnd type="none" w="med" len="med"/>
+                    </a:lnL>
+                    <a:lnR w="6350" cap="flat" cmpd="sng" algn="ctr">
+                      <a:solidFill>
+                        <a:srgbClr val="000000"/>
+                      </a:solidFill>
+                      <a:prstDash val="solid"/>
+                      <a:round/>
+                      <a:headEnd type="none" w="med" len="med"/>
+                      <a:tailEnd type="none" w="med" len="med"/>
+                    </a:lnR>
+                    <a:lnT w="6350" cap="flat" cmpd="sng" algn="ctr">
+                      <a:solidFill>
+                        <a:srgbClr val="000000"/>
+                      </a:solidFill>
+                      <a:prstDash val="solid"/>
+                      <a:round/>
+                      <a:headEnd type="none" w="med" len="med"/>
+                      <a:tailEnd type="none" w="med" len="med"/>
+                    </a:lnT>
+                    <a:lnB w="6350" cap="flat" cmpd="sng" algn="ctr">
+                      <a:solidFill>
+                        <a:srgbClr val="000000"/>
+                      </a:solidFill>
+                      <a:prstDash val="solid"/>
+                      <a:round/>
+                      <a:headEnd type="none" w="med" len="med"/>
+                      <a:tailEnd type="none" w="med" len="med"/>
+                    </a:lnB>
+                  </a:tcPr>
+                </a:tc>
+              </a:tr>
+              <a:tr h="190500">
+                <a:tc>
+                  <a:txBody>
+                    <a:bodyPr/>
+                    <a:lstStyle/>
+                    <a:p>
+                      <a:pPr algn="r" fontAlgn="b"/>
+                      <a:r>
+                        <a:rPr lang="en-US" sz="1100" b="1" i="0" u="none" strike="noStrike">
+                          <a:solidFill>
+                            <a:srgbClr val="3F3F3F"/>
+                          </a:solidFill>
+                          <a:latin typeface="Calibri"/>
+                        </a:rPr>
+                        <a:t>8</a:t>
+                      </a:r>
+                    </a:p>
+                  </a:txBody>
+                  <a:tcPr marL="9525" marR="9525" marT="9525" marB="0" anchor="b">
+                    <a:lnL w="6350" cap="flat" cmpd="sng" algn="ctr">
+                      <a:solidFill>
+                        <a:srgbClr val="3F3F3F"/>
+                      </a:solidFill>
+                      <a:prstDash val="solid"/>
+                      <a:round/>
+                      <a:headEnd type="none" w="med" len="med"/>
+                      <a:tailEnd type="none" w="med" len="med"/>
+                    </a:lnL>
+                    <a:lnR w="6350" cap="flat" cmpd="sng" algn="ctr">
+                      <a:solidFill>
+                        <a:srgbClr val="000000"/>
+                      </a:solidFill>
+                      <a:prstDash val="solid"/>
+                      <a:round/>
+                      <a:headEnd type="none" w="med" len="med"/>
+                      <a:tailEnd type="none" w="med" len="med"/>
+                    </a:lnR>
+                    <a:lnT w="6350" cap="flat" cmpd="sng" algn="ctr">
+                      <a:solidFill>
+                        <a:srgbClr val="3F3F3F"/>
+                      </a:solidFill>
+                      <a:prstDash val="solid"/>
+                      <a:round/>
+                      <a:headEnd type="none" w="med" len="med"/>
+                      <a:tailEnd type="none" w="med" len="med"/>
+                    </a:lnT>
+                    <a:lnB w="6350" cap="flat" cmpd="sng" algn="ctr">
+                      <a:solidFill>
+                        <a:srgbClr val="3F3F3F"/>
+                      </a:solidFill>
+                      <a:prstDash val="solid"/>
+                      <a:round/>
+                      <a:headEnd type="none" w="med" len="med"/>
+                      <a:tailEnd type="none" w="med" len="med"/>
+                    </a:lnB>
+                    <a:solidFill>
+                      <a:srgbClr val="F2F2F2"/>
+                    </a:solidFill>
+                  </a:tcPr>
+                </a:tc>
+                <a:tc>
+                  <a:txBody>
+                    <a:bodyPr/>
+                    <a:lstStyle/>
+                    <a:p>
+                      <a:pPr algn="r" fontAlgn="b"/>
+                      <a:r>
+                        <a:rPr lang="en-US" sz="1100" b="0" i="0" u="none" strike="noStrike">
+                          <a:solidFill>
+                            <a:srgbClr val="000000"/>
+                          </a:solidFill>
+                          <a:latin typeface="Calibri"/>
+                        </a:rPr>
+                        <a:t>0</a:t>
+                      </a:r>
+                    </a:p>
+                  </a:txBody>
+                  <a:tcPr marL="9525" marR="9525" marT="9525" marB="0" anchor="b">
+                    <a:lnL w="6350" cap="flat" cmpd="sng" algn="ctr">
+                      <a:solidFill>
+                        <a:srgbClr val="000000"/>
+                      </a:solidFill>
+                      <a:prstDash val="solid"/>
+                      <a:round/>
+                      <a:headEnd type="none" w="med" len="med"/>
+                      <a:tailEnd type="none" w="med" len="med"/>
+                    </a:lnL>
+                    <a:lnR w="6350" cap="flat" cmpd="sng" algn="ctr">
+                      <a:solidFill>
+                        <a:srgbClr val="000000"/>
+                      </a:solidFill>
+                      <a:prstDash val="solid"/>
+                      <a:round/>
+                      <a:headEnd type="none" w="med" len="med"/>
+                      <a:tailEnd type="none" w="med" len="med"/>
+                    </a:lnR>
+                    <a:lnT w="6350" cap="flat" cmpd="sng" algn="ctr">
+                      <a:solidFill>
+                        <a:srgbClr val="000000"/>
+                      </a:solidFill>
+                      <a:prstDash val="solid"/>
+                      <a:round/>
+                      <a:headEnd type="none" w="med" len="med"/>
+                      <a:tailEnd type="none" w="med" len="med"/>
+                    </a:lnT>
+                    <a:lnB w="6350" cap="flat" cmpd="sng" algn="ctr">
+                      <a:solidFill>
+                        <a:srgbClr val="000000"/>
+                      </a:solidFill>
+                      <a:prstDash val="solid"/>
+                      <a:round/>
+                      <a:headEnd type="none" w="med" len="med"/>
+                      <a:tailEnd type="none" w="med" len="med"/>
+                    </a:lnB>
+                  </a:tcPr>
+                </a:tc>
+                <a:tc>
+                  <a:txBody>
+                    <a:bodyPr/>
+                    <a:lstStyle/>
+                    <a:p>
+                      <a:pPr algn="r" fontAlgn="b"/>
+                      <a:r>
+                        <a:rPr lang="en-US" sz="1100" b="0" i="0" u="none" strike="noStrike">
+                          <a:solidFill>
+                            <a:srgbClr val="000000"/>
+                          </a:solidFill>
+                          <a:latin typeface="Calibri"/>
+                        </a:rPr>
+                        <a:t>1</a:t>
+                      </a:r>
+                    </a:p>
+                  </a:txBody>
+                  <a:tcPr marL="9525" marR="9525" marT="9525" marB="0" anchor="b">
+                    <a:lnL w="6350" cap="flat" cmpd="sng" algn="ctr">
+                      <a:solidFill>
+                        <a:srgbClr val="000000"/>
+                      </a:solidFill>
+                      <a:prstDash val="solid"/>
+                      <a:round/>
+                      <a:headEnd type="none" w="med" len="med"/>
+                      <a:tailEnd type="none" w="med" len="med"/>
+                    </a:lnL>
+                    <a:lnR w="6350" cap="flat" cmpd="sng" algn="ctr">
+                      <a:solidFill>
+                        <a:srgbClr val="000000"/>
+                      </a:solidFill>
+                      <a:prstDash val="solid"/>
+                      <a:round/>
+                      <a:headEnd type="none" w="med" len="med"/>
+                      <a:tailEnd type="none" w="med" len="med"/>
+                    </a:lnR>
+                    <a:lnT w="6350" cap="flat" cmpd="sng" algn="ctr">
+                      <a:solidFill>
+                        <a:srgbClr val="000000"/>
+                      </a:solidFill>
+                      <a:prstDash val="solid"/>
+                      <a:round/>
+                      <a:headEnd type="none" w="med" len="med"/>
+                      <a:tailEnd type="none" w="med" len="med"/>
+                    </a:lnT>
+                    <a:lnB w="6350" cap="flat" cmpd="sng" algn="ctr">
+                      <a:solidFill>
+                        <a:srgbClr val="000000"/>
+                      </a:solidFill>
+                      <a:prstDash val="solid"/>
+                      <a:round/>
+                      <a:headEnd type="none" w="med" len="med"/>
+                      <a:tailEnd type="none" w="med" len="med"/>
+                    </a:lnB>
+                  </a:tcPr>
+                </a:tc>
+                <a:tc>
+                  <a:txBody>
+                    <a:bodyPr/>
+                    <a:lstStyle/>
+                    <a:p>
+                      <a:pPr algn="r" fontAlgn="b"/>
+                      <a:r>
+                        <a:rPr lang="en-US" sz="1100" b="0" i="0" u="none" strike="noStrike">
+                          <a:solidFill>
+                            <a:srgbClr val="000000"/>
+                          </a:solidFill>
+                          <a:latin typeface="Calibri"/>
+                        </a:rPr>
+                        <a:t>2</a:t>
+                      </a:r>
+                    </a:p>
+                  </a:txBody>
+                  <a:tcPr marL="9525" marR="9525" marT="9525" marB="0" anchor="b">
+                    <a:lnL w="6350" cap="flat" cmpd="sng" algn="ctr">
+                      <a:solidFill>
+                        <a:srgbClr val="000000"/>
+                      </a:solidFill>
+                      <a:prstDash val="solid"/>
+                      <a:round/>
+                      <a:headEnd type="none" w="med" len="med"/>
+                      <a:tailEnd type="none" w="med" len="med"/>
+                    </a:lnL>
+                    <a:lnR w="6350" cap="flat" cmpd="sng" algn="ctr">
+                      <a:solidFill>
+                        <a:srgbClr val="000000"/>
+                      </a:solidFill>
+                      <a:prstDash val="solid"/>
+                      <a:round/>
+                      <a:headEnd type="none" w="med" len="med"/>
+                      <a:tailEnd type="none" w="med" len="med"/>
+                    </a:lnR>
+                    <a:lnT w="6350" cap="flat" cmpd="sng" algn="ctr">
+                      <a:solidFill>
+                        <a:srgbClr val="000000"/>
+                      </a:solidFill>
+                      <a:prstDash val="solid"/>
+                      <a:round/>
+                      <a:headEnd type="none" w="med" len="med"/>
+                      <a:tailEnd type="none" w="med" len="med"/>
+                    </a:lnT>
+                    <a:lnB w="6350" cap="flat" cmpd="sng" algn="ctr">
+                      <a:solidFill>
+                        <a:srgbClr val="000000"/>
+                      </a:solidFill>
+                      <a:prstDash val="solid"/>
+                      <a:round/>
+                      <a:headEnd type="none" w="med" len="med"/>
+                      <a:tailEnd type="none" w="med" len="med"/>
+                    </a:lnB>
+                  </a:tcPr>
+                </a:tc>
+                <a:tc>
+                  <a:txBody>
+                    <a:bodyPr/>
+                    <a:lstStyle/>
+                    <a:p>
+                      <a:pPr algn="r" fontAlgn="b"/>
+                      <a:r>
+                        <a:rPr lang="en-US" sz="1100" b="0" i="0" u="none" strike="noStrike">
+                          <a:solidFill>
+                            <a:srgbClr val="000000"/>
+                          </a:solidFill>
+                          <a:latin typeface="Calibri"/>
+                        </a:rPr>
+                        <a:t>3</a:t>
+                      </a:r>
+                    </a:p>
+                  </a:txBody>
+                  <a:tcPr marL="9525" marR="9525" marT="9525" marB="0" anchor="b">
+                    <a:lnL w="6350" cap="flat" cmpd="sng" algn="ctr">
+                      <a:solidFill>
+                        <a:srgbClr val="000000"/>
+                      </a:solidFill>
+                      <a:prstDash val="solid"/>
+                      <a:round/>
+                      <a:headEnd type="none" w="med" len="med"/>
+                      <a:tailEnd type="none" w="med" len="med"/>
+                    </a:lnL>
+                    <a:lnR w="6350" cap="flat" cmpd="sng" algn="ctr">
+                      <a:solidFill>
+                        <a:srgbClr val="000000"/>
+                      </a:solidFill>
+                      <a:prstDash val="solid"/>
+                      <a:round/>
+                      <a:headEnd type="none" w="med" len="med"/>
+                      <a:tailEnd type="none" w="med" len="med"/>
+                    </a:lnR>
+                    <a:lnT w="6350" cap="flat" cmpd="sng" algn="ctr">
+                      <a:solidFill>
+                        <a:srgbClr val="000000"/>
+                      </a:solidFill>
+                      <a:prstDash val="solid"/>
+                      <a:round/>
+                      <a:headEnd type="none" w="med" len="med"/>
+                      <a:tailEnd type="none" w="med" len="med"/>
+                    </a:lnT>
+                    <a:lnB w="6350" cap="flat" cmpd="sng" algn="ctr">
+                      <a:solidFill>
+                        <a:srgbClr val="000000"/>
+                      </a:solidFill>
+                      <a:prstDash val="solid"/>
+                      <a:round/>
+                      <a:headEnd type="none" w="med" len="med"/>
+                      <a:tailEnd type="none" w="med" len="med"/>
+                    </a:lnB>
+                  </a:tcPr>
+                </a:tc>
+                <a:tc>
+                  <a:txBody>
+                    <a:bodyPr/>
+                    <a:lstStyle/>
+                    <a:p>
+                      <a:pPr algn="r" fontAlgn="b"/>
+                      <a:r>
+                        <a:rPr lang="en-US" sz="1100" b="0" i="0" u="none" strike="noStrike">
+                          <a:solidFill>
+                            <a:srgbClr val="000000"/>
+                          </a:solidFill>
+                          <a:latin typeface="Calibri"/>
+                        </a:rPr>
+                        <a:t>4</a:t>
+                      </a:r>
+                    </a:p>
+                  </a:txBody>
+                  <a:tcPr marL="9525" marR="9525" marT="9525" marB="0" anchor="b">
+                    <a:lnL w="6350" cap="flat" cmpd="sng" algn="ctr">
+                      <a:solidFill>
+                        <a:srgbClr val="000000"/>
+                      </a:solidFill>
+                      <a:prstDash val="solid"/>
+                      <a:round/>
+                      <a:headEnd type="none" w="med" len="med"/>
+                      <a:tailEnd type="none" w="med" len="med"/>
+                    </a:lnL>
+                    <a:lnR w="6350" cap="flat" cmpd="sng" algn="ctr">
+                      <a:solidFill>
+                        <a:srgbClr val="000000"/>
+                      </a:solidFill>
+                      <a:prstDash val="solid"/>
+                      <a:round/>
+                      <a:headEnd type="none" w="med" len="med"/>
+                      <a:tailEnd type="none" w="med" len="med"/>
+                    </a:lnR>
+                    <a:lnT w="6350" cap="flat" cmpd="sng" algn="ctr">
+                      <a:solidFill>
+                        <a:srgbClr val="000000"/>
+                      </a:solidFill>
+                      <a:prstDash val="solid"/>
+                      <a:round/>
+                      <a:headEnd type="none" w="med" len="med"/>
+                      <a:tailEnd type="none" w="med" len="med"/>
+                    </a:lnT>
+                    <a:lnB w="6350" cap="flat" cmpd="sng" algn="ctr">
+                      <a:solidFill>
+                        <a:srgbClr val="000000"/>
+                      </a:solidFill>
+                      <a:prstDash val="solid"/>
+                      <a:round/>
+                      <a:headEnd type="none" w="med" len="med"/>
+                      <a:tailEnd type="none" w="med" len="med"/>
+                    </a:lnB>
+                  </a:tcPr>
+                </a:tc>
+                <a:tc>
+                  <a:txBody>
+                    <a:bodyPr/>
+                    <a:lstStyle/>
+                    <a:p>
+                      <a:pPr algn="r" fontAlgn="b"/>
+                      <a:r>
+                        <a:rPr lang="en-US" sz="1100" b="0" i="0" u="none" strike="noStrike">
+                          <a:solidFill>
+                            <a:srgbClr val="000000"/>
+                          </a:solidFill>
+                          <a:latin typeface="Calibri"/>
+                        </a:rPr>
+                        <a:t>1</a:t>
+                      </a:r>
+                    </a:p>
+                  </a:txBody>
+                  <a:tcPr marL="9525" marR="9525" marT="9525" marB="0" anchor="b">
+                    <a:lnL w="6350" cap="flat" cmpd="sng" algn="ctr">
+                      <a:solidFill>
+                        <a:srgbClr val="000000"/>
+                      </a:solidFill>
+                      <a:prstDash val="solid"/>
+                      <a:round/>
+                      <a:headEnd type="none" w="med" len="med"/>
+                      <a:tailEnd type="none" w="med" len="med"/>
+                    </a:lnL>
+                    <a:lnR w="6350" cap="flat" cmpd="sng" algn="ctr">
+                      <a:solidFill>
+                        <a:srgbClr val="000000"/>
+                      </a:solidFill>
+                      <a:prstDash val="solid"/>
+                      <a:round/>
+                      <a:headEnd type="none" w="med" len="med"/>
+                      <a:tailEnd type="none" w="med" len="med"/>
+                    </a:lnR>
+                    <a:lnT w="6350" cap="flat" cmpd="sng" algn="ctr">
+                      <a:solidFill>
+                        <a:srgbClr val="000000"/>
+                      </a:solidFill>
+                      <a:prstDash val="solid"/>
+                      <a:round/>
+                      <a:headEnd type="none" w="med" len="med"/>
+                      <a:tailEnd type="none" w="med" len="med"/>
+                    </a:lnT>
+                    <a:lnB w="6350" cap="flat" cmpd="sng" algn="ctr">
+                      <a:solidFill>
+                        <a:srgbClr val="000000"/>
+                      </a:solidFill>
+                      <a:prstDash val="solid"/>
+                      <a:round/>
+                      <a:headEnd type="none" w="med" len="med"/>
+                      <a:tailEnd type="none" w="med" len="med"/>
+                    </a:lnB>
+                  </a:tcPr>
+                </a:tc>
+                <a:tc>
+                  <a:txBody>
+                    <a:bodyPr/>
+                    <a:lstStyle/>
+                    <a:p>
+                      <a:pPr algn="r" fontAlgn="b"/>
+                      <a:r>
+                        <a:rPr lang="en-US" sz="1100" b="0" i="0" u="none" strike="noStrike">
+                          <a:solidFill>
+                            <a:srgbClr val="000000"/>
+                          </a:solidFill>
+                          <a:latin typeface="Calibri"/>
+                        </a:rPr>
+                        <a:t>1</a:t>
+                      </a:r>
+                    </a:p>
+                  </a:txBody>
+                  <a:tcPr marL="9525" marR="9525" marT="9525" marB="0" anchor="b">
+                    <a:lnL w="6350" cap="flat" cmpd="sng" algn="ctr">
+                      <a:solidFill>
+                        <a:srgbClr val="000000"/>
+                      </a:solidFill>
+                      <a:prstDash val="solid"/>
+                      <a:round/>
+                      <a:headEnd type="none" w="med" len="med"/>
+                      <a:tailEnd type="none" w="med" len="med"/>
+                    </a:lnL>
+                    <a:lnR w="6350" cap="flat" cmpd="sng" algn="ctr">
+                      <a:solidFill>
+                        <a:srgbClr val="000000"/>
+                      </a:solidFill>
+                      <a:prstDash val="solid"/>
+                      <a:round/>
+                      <a:headEnd type="none" w="med" len="med"/>
+                      <a:tailEnd type="none" w="med" len="med"/>
+                    </a:lnR>
+                    <a:lnT w="6350" cap="flat" cmpd="sng" algn="ctr">
+                      <a:solidFill>
+                        <a:srgbClr val="000000"/>
+                      </a:solidFill>
+                      <a:prstDash val="solid"/>
+                      <a:round/>
+                      <a:headEnd type="none" w="med" len="med"/>
+                      <a:tailEnd type="none" w="med" len="med"/>
+                    </a:lnT>
+                    <a:lnB w="6350" cap="flat" cmpd="sng" algn="ctr">
+                      <a:solidFill>
+                        <a:srgbClr val="000000"/>
+                      </a:solidFill>
+                      <a:prstDash val="solid"/>
+                      <a:round/>
+                      <a:headEnd type="none" w="med" len="med"/>
+                      <a:tailEnd type="none" w="med" len="med"/>
+                    </a:lnB>
+                  </a:tcPr>
+                </a:tc>
+                <a:tc>
+                  <a:txBody>
+                    <a:bodyPr/>
+                    <a:lstStyle/>
+                    <a:p>
+                      <a:pPr algn="r" fontAlgn="b"/>
+                      <a:r>
+                        <a:rPr lang="en-US" sz="1100" b="0" i="0" u="none" strike="noStrike">
+                          <a:solidFill>
+                            <a:srgbClr val="000000"/>
+                          </a:solidFill>
+                          <a:latin typeface="Calibri"/>
+                        </a:rPr>
+                        <a:t>2</a:t>
+                      </a:r>
+                    </a:p>
+                  </a:txBody>
+                  <a:tcPr marL="9525" marR="9525" marT="9525" marB="0" anchor="b">
+                    <a:lnL w="6350" cap="flat" cmpd="sng" algn="ctr">
+                      <a:solidFill>
+                        <a:srgbClr val="000000"/>
+                      </a:solidFill>
+                      <a:prstDash val="solid"/>
+                      <a:round/>
+                      <a:headEnd type="none" w="med" len="med"/>
+                      <a:tailEnd type="none" w="med" len="med"/>
+                    </a:lnL>
+                    <a:lnR w="6350" cap="flat" cmpd="sng" algn="ctr">
+                      <a:solidFill>
+                        <a:srgbClr val="000000"/>
+                      </a:solidFill>
+                      <a:prstDash val="solid"/>
+                      <a:round/>
+                      <a:headEnd type="none" w="med" len="med"/>
+                      <a:tailEnd type="none" w="med" len="med"/>
+                    </a:lnR>
+                    <a:lnT w="6350" cap="flat" cmpd="sng" algn="ctr">
+                      <a:solidFill>
+                        <a:srgbClr val="000000"/>
+                      </a:solidFill>
+                      <a:prstDash val="solid"/>
+                      <a:round/>
+                      <a:headEnd type="none" w="med" len="med"/>
+                      <a:tailEnd type="none" w="med" len="med"/>
+                    </a:lnT>
+                    <a:lnB w="6350" cap="flat" cmpd="sng" algn="ctr">
+                      <a:solidFill>
+                        <a:srgbClr val="000000"/>
+                      </a:solidFill>
+                      <a:prstDash val="solid"/>
+                      <a:round/>
+                      <a:headEnd type="none" w="med" len="med"/>
+                      <a:tailEnd type="none" w="med" len="med"/>
+                    </a:lnB>
+                  </a:tcPr>
+                </a:tc>
+                <a:tc>
+                  <a:txBody>
+                    <a:bodyPr/>
+                    <a:lstStyle/>
+                    <a:p>
+                      <a:pPr algn="r" fontAlgn="b"/>
+                      <a:r>
+                        <a:rPr lang="en-US" sz="1100" b="0" i="0" u="none" strike="noStrike">
+                          <a:solidFill>
+                            <a:srgbClr val="000000"/>
+                          </a:solidFill>
+                          <a:latin typeface="Calibri"/>
+                        </a:rPr>
+                        <a:t>1</a:t>
+                      </a:r>
+                    </a:p>
+                  </a:txBody>
+                  <a:tcPr marL="9525" marR="9525" marT="9525" marB="0" anchor="b">
+                    <a:lnL w="6350" cap="flat" cmpd="sng" algn="ctr">
+                      <a:solidFill>
+                        <a:srgbClr val="000000"/>
+                      </a:solidFill>
+                      <a:prstDash val="solid"/>
+                      <a:round/>
+                      <a:headEnd type="none" w="med" len="med"/>
+                      <a:tailEnd type="none" w="med" len="med"/>
+                    </a:lnL>
+                    <a:lnR w="6350" cap="flat" cmpd="sng" algn="ctr">
+                      <a:solidFill>
+                        <a:srgbClr val="000000"/>
+                      </a:solidFill>
+                      <a:prstDash val="solid"/>
+                      <a:round/>
+                      <a:headEnd type="none" w="med" len="med"/>
+                      <a:tailEnd type="none" w="med" len="med"/>
+                    </a:lnR>
+                    <a:lnT w="6350" cap="flat" cmpd="sng" algn="ctr">
+                      <a:solidFill>
+                        <a:srgbClr val="000000"/>
+                      </a:solidFill>
+                      <a:prstDash val="solid"/>
+                      <a:round/>
+                      <a:headEnd type="none" w="med" len="med"/>
+                      <a:tailEnd type="none" w="med" len="med"/>
+                    </a:lnT>
+                    <a:lnB w="6350" cap="flat" cmpd="sng" algn="ctr">
+                      <a:solidFill>
+                        <a:srgbClr val="000000"/>
+                      </a:solidFill>
+                      <a:prstDash val="solid"/>
+                      <a:round/>
+                      <a:headEnd type="none" w="med" len="med"/>
+                      <a:tailEnd type="none" w="med" len="med"/>
+                    </a:lnB>
+                  </a:tcPr>
+                </a:tc>
+                <a:tc>
+                  <a:txBody>
+                    <a:bodyPr/>
+                    <a:lstStyle/>
+                    <a:p>
+                      <a:pPr algn="r" fontAlgn="b"/>
+                      <a:r>
+                        <a:rPr lang="en-US" sz="1100" b="0" i="0" u="none" strike="noStrike">
+                          <a:solidFill>
+                            <a:srgbClr val="000000"/>
+                          </a:solidFill>
+                          <a:latin typeface="Calibri"/>
+                        </a:rPr>
+                        <a:t>2</a:t>
+                      </a:r>
+                    </a:p>
+                  </a:txBody>
+                  <a:tcPr marL="9525" marR="9525" marT="9525" marB="0" anchor="b">
+                    <a:lnL w="6350" cap="flat" cmpd="sng" algn="ctr">
+                      <a:solidFill>
+                        <a:srgbClr val="000000"/>
+                      </a:solidFill>
+                      <a:prstDash val="solid"/>
+                      <a:round/>
+                      <a:headEnd type="none" w="med" len="med"/>
+                      <a:tailEnd type="none" w="med" len="med"/>
+                    </a:lnL>
+                    <a:lnR w="6350" cap="flat" cmpd="sng" algn="ctr">
+                      <a:solidFill>
+                        <a:srgbClr val="000000"/>
+                      </a:solidFill>
+                      <a:prstDash val="solid"/>
+                      <a:round/>
+                      <a:headEnd type="none" w="med" len="med"/>
+                      <a:tailEnd type="none" w="med" len="med"/>
+                    </a:lnR>
+                    <a:lnT w="6350" cap="flat" cmpd="sng" algn="ctr">
+                      <a:solidFill>
+                        <a:srgbClr val="000000"/>
+                      </a:solidFill>
+                      <a:prstDash val="solid"/>
+                      <a:round/>
+                      <a:headEnd type="none" w="med" len="med"/>
+                      <a:tailEnd type="none" w="med" len="med"/>
+                    </a:lnT>
+                    <a:lnB w="6350" cap="flat" cmpd="sng" algn="ctr">
+                      <a:solidFill>
+                        <a:srgbClr val="000000"/>
+                      </a:solidFill>
+                      <a:prstDash val="solid"/>
+                      <a:round/>
+                      <a:headEnd type="none" w="med" len="med"/>
+                      <a:tailEnd type="none" w="med" len="med"/>
+                    </a:lnB>
+                  </a:tcPr>
+                </a:tc>
+                <a:tc>
+                  <a:txBody>
+                    <a:bodyPr/>
+                    <a:lstStyle/>
+                    <a:p>
+                      <a:pPr algn="r" fontAlgn="b"/>
+                      <a:r>
+                        <a:rPr lang="en-US" sz="1100" b="0" i="0" u="none" strike="noStrike">
+                          <a:solidFill>
+                            <a:srgbClr val="000000"/>
+                          </a:solidFill>
+                          <a:latin typeface="Calibri"/>
+                        </a:rPr>
+                        <a:t>2</a:t>
+                      </a:r>
+                    </a:p>
+                  </a:txBody>
+                  <a:tcPr marL="9525" marR="9525" marT="9525" marB="0" anchor="b">
+                    <a:lnL w="6350" cap="flat" cmpd="sng" algn="ctr">
+                      <a:solidFill>
+                        <a:srgbClr val="000000"/>
+                      </a:solidFill>
+                      <a:prstDash val="solid"/>
+                      <a:round/>
+                      <a:headEnd type="none" w="med" len="med"/>
+                      <a:tailEnd type="none" w="med" len="med"/>
+                    </a:lnL>
+                    <a:lnR w="6350" cap="flat" cmpd="sng" algn="ctr">
+                      <a:solidFill>
+                        <a:srgbClr val="000000"/>
+                      </a:solidFill>
+                      <a:prstDash val="solid"/>
+                      <a:round/>
+                      <a:headEnd type="none" w="med" len="med"/>
+                      <a:tailEnd type="none" w="med" len="med"/>
+                    </a:lnR>
+                    <a:lnT w="6350" cap="flat" cmpd="sng" algn="ctr">
+                      <a:solidFill>
+                        <a:srgbClr val="000000"/>
+                      </a:solidFill>
+                      <a:prstDash val="solid"/>
+                      <a:round/>
+                      <a:headEnd type="none" w="med" len="med"/>
+                      <a:tailEnd type="none" w="med" len="med"/>
+                    </a:lnT>
+                    <a:lnB w="6350" cap="flat" cmpd="sng" algn="ctr">
+                      <a:solidFill>
+                        <a:srgbClr val="000000"/>
+                      </a:solidFill>
+                      <a:prstDash val="solid"/>
+                      <a:round/>
+                      <a:headEnd type="none" w="med" len="med"/>
+                      <a:tailEnd type="none" w="med" len="med"/>
+                    </a:lnB>
+                  </a:tcPr>
+                </a:tc>
+                <a:tc>
+                  <a:txBody>
+                    <a:bodyPr/>
+                    <a:lstStyle/>
+                    <a:p>
+                      <a:pPr algn="r" fontAlgn="b"/>
+                      <a:r>
+                        <a:rPr lang="en-US" sz="1100" b="0" i="0" u="none" strike="noStrike" dirty="0">
+                          <a:solidFill>
+                            <a:srgbClr val="000000"/>
+                          </a:solidFill>
+                          <a:latin typeface="Calibri"/>
+                        </a:rPr>
+                        <a:t>2</a:t>
+                      </a:r>
+                    </a:p>
+                  </a:txBody>
+                  <a:tcPr marL="9525" marR="9525" marT="9525" marB="0" anchor="b">
+                    <a:lnL w="6350" cap="flat" cmpd="sng" algn="ctr">
+                      <a:solidFill>
+                        <a:srgbClr val="000000"/>
+                      </a:solidFill>
+                      <a:prstDash val="solid"/>
+                      <a:round/>
+                      <a:headEnd type="none" w="med" len="med"/>
+                      <a:tailEnd type="none" w="med" len="med"/>
+                    </a:lnL>
+                    <a:lnR w="6350" cap="flat" cmpd="sng" algn="ctr">
+                      <a:solidFill>
+                        <a:srgbClr val="000000"/>
+                      </a:solidFill>
+                      <a:prstDash val="solid"/>
+                      <a:round/>
+                      <a:headEnd type="none" w="med" len="med"/>
+                      <a:tailEnd type="none" w="med" len="med"/>
+                    </a:lnR>
+                    <a:lnT w="6350" cap="flat" cmpd="sng" algn="ctr">
+                      <a:solidFill>
+                        <a:srgbClr val="000000"/>
+                      </a:solidFill>
+                      <a:prstDash val="solid"/>
+                      <a:round/>
+                      <a:headEnd type="none" w="med" len="med"/>
+                      <a:tailEnd type="none" w="med" len="med"/>
+                    </a:lnT>
+                    <a:lnB w="6350" cap="flat" cmpd="sng" algn="ctr">
+                      <a:solidFill>
+                        <a:srgbClr val="000000"/>
+                      </a:solidFill>
+                      <a:prstDash val="solid"/>
+                      <a:round/>
+                      <a:headEnd type="none" w="med" len="med"/>
+                      <a:tailEnd type="none" w="med" len="med"/>
+                    </a:lnB>
+                  </a:tcPr>
+                </a:tc>
+              </a:tr>
+            </a:tbl>
+          </a:graphicData>
+        </a:graphic>
+      </p:graphicFrame>
+      <p:pic>
+        <p:nvPicPr>
+          <p:cNvPr id="1029" name="Picture 5"/>
+          <p:cNvPicPr>
+            <a:picLocks noChangeAspect="1" noChangeArrowheads="1"/>
+          </p:cNvPicPr>
+          <p:nvPr/>
+        </p:nvPicPr>
+        <p:blipFill>
+          <a:blip r:embed="rId2" cstate="print"/>
+          <a:srcRect/>
+          <a:stretch>
+            <a:fillRect/>
+          </a:stretch>
+        </p:blipFill>
+        <p:spPr bwMode="auto">
+          <a:xfrm>
+            <a:off x="238847" y="228600"/>
+            <a:ext cx="4409353" cy="3733800"/>
+          </a:xfrm>
+          <a:prstGeom prst="rect">
+            <a:avLst/>
+          </a:prstGeom>
+          <a:noFill/>
+          <a:ln w="9525">
+            <a:noFill/>
+            <a:miter lim="800000"/>
+            <a:headEnd/>
+            <a:tailEnd/>
+          </a:ln>
+        </p:spPr>
+      </p:pic>
+      <p:pic>
+        <p:nvPicPr>
+          <p:cNvPr id="1030" name="Picture 6"/>
+          <p:cNvPicPr>
+            <a:picLocks noChangeAspect="1" noChangeArrowheads="1"/>
+          </p:cNvPicPr>
+          <p:nvPr/>
+        </p:nvPicPr>
+        <p:blipFill>
+          <a:blip r:embed="rId3" cstate="print"/>
+          <a:srcRect/>
+          <a:stretch>
+            <a:fillRect/>
+          </a:stretch>
+        </p:blipFill>
+        <p:spPr bwMode="auto">
+          <a:xfrm>
+            <a:off x="4724400" y="228600"/>
+            <a:ext cx="4153525" cy="2133600"/>
+          </a:xfrm>
+          <a:prstGeom prst="rect">
+            <a:avLst/>
+          </a:prstGeom>
+          <a:noFill/>
+          <a:ln w="9525">
+            <a:noFill/>
+            <a:miter lim="800000"/>
+            <a:headEnd/>
+            <a:tailEnd/>
+          </a:ln>
+        </p:spPr>
+      </p:pic>
+      <p:pic>
+        <p:nvPicPr>
+          <p:cNvPr id="1031" name="Picture 7"/>
+          <p:cNvPicPr>
+            <a:picLocks noChangeAspect="1" noChangeArrowheads="1"/>
+          </p:cNvPicPr>
+          <p:nvPr/>
+        </p:nvPicPr>
+        <p:blipFill>
+          <a:blip r:embed="rId4" cstate="print"/>
+          <a:srcRect/>
+          <a:stretch>
+            <a:fillRect/>
+          </a:stretch>
+        </p:blipFill>
+        <p:spPr bwMode="auto">
+          <a:xfrm>
+            <a:off x="152400" y="4419600"/>
+            <a:ext cx="5067300" cy="1219200"/>
+          </a:xfrm>
+          <a:prstGeom prst="rect">
+            <a:avLst/>
+          </a:prstGeom>
+          <a:noFill/>
+          <a:ln w="9525">
+            <a:noFill/>
+            <a:miter lim="800000"/>
+            <a:headEnd/>
+            <a:tailEnd/>
+          </a:ln>
+        </p:spPr>
+      </p:pic>
+      <p:pic>
+        <p:nvPicPr>
+          <p:cNvPr id="4098" name="Picture 2"/>
+          <p:cNvPicPr>
+            <a:picLocks noChangeAspect="1" noChangeArrowheads="1"/>
+          </p:cNvPicPr>
+          <p:nvPr/>
+        </p:nvPicPr>
+        <p:blipFill>
+          <a:blip r:embed="rId5" cstate="print"/>
+          <a:srcRect/>
+          <a:stretch>
+            <a:fillRect/>
+          </a:stretch>
+        </p:blipFill>
+        <p:spPr bwMode="auto">
+          <a:xfrm>
+            <a:off x="4038600" y="2524125"/>
+            <a:ext cx="4762500" cy="828675"/>
+          </a:xfrm>
+          <a:prstGeom prst="rect">
+            <a:avLst/>
+          </a:prstGeom>
+          <a:noFill/>
+          <a:ln w="9525">
+            <a:noFill/>
+            <a:miter lim="800000"/>
+            <a:headEnd/>
+            <a:tailEnd/>
+          </a:ln>
+        </p:spPr>
+      </p:pic>
+      <p:pic>
+        <p:nvPicPr>
+          <p:cNvPr id="4099" name="Picture 3"/>
+          <p:cNvPicPr>
+            <a:picLocks noChangeAspect="1" noChangeArrowheads="1"/>
+          </p:cNvPicPr>
+          <p:nvPr/>
+        </p:nvPicPr>
+        <p:blipFill>
+          <a:blip r:embed="rId6" cstate="print"/>
+          <a:srcRect/>
+          <a:stretch>
+            <a:fillRect/>
+          </a:stretch>
+        </p:blipFill>
+        <p:spPr bwMode="auto">
+          <a:xfrm>
+            <a:off x="4038600" y="3667125"/>
+            <a:ext cx="4810125" cy="828675"/>
+          </a:xfrm>
+          <a:prstGeom prst="rect">
+            <a:avLst/>
+          </a:prstGeom>
+          <a:noFill/>
+          <a:ln w="9525">
+            <a:noFill/>
+            <a:miter lim="800000"/>
+            <a:headEnd/>
+            <a:tailEnd/>
+          </a:ln>
+        </p:spPr>
+      </p:pic>
+    </p:spTree>
+  </p:cSld>
+  <p:clrMapOvr>
+    <a:masterClrMapping/>
+  </p:clrMapOvr>
+</p:sld>
+</file>
+
 <file path=ppt/slides/slide3.xml><?xml version="1.0" encoding="utf-8"?>
 <p:sld xmlns:a="http://schemas.openxmlformats.org/drawingml/2006/main" xmlns:r="http://schemas.openxmlformats.org/officeDocument/2006/relationships" xmlns:p="http://schemas.openxmlformats.org/presentationml/2006/main">
   <p:cSld>
@@ -15202,6 +19469,337 @@
           <a:xfrm rot="16200000">
             <a:off x="-323849" y="3600450"/>
             <a:ext cx="3590925" cy="2638425"/>
+          </a:xfrm>
+          <a:prstGeom prst="rect">
+            <a:avLst/>
+          </a:prstGeom>
+          <a:noFill/>
+          <a:ln w="9525">
+            <a:noFill/>
+            <a:miter lim="800000"/>
+            <a:headEnd/>
+            <a:tailEnd/>
+          </a:ln>
+        </p:spPr>
+      </p:pic>
+    </p:spTree>
+  </p:cSld>
+  <p:clrMapOvr>
+    <a:masterClrMapping/>
+  </p:clrMapOvr>
+</p:sld>
+</file>
+
+<file path=ppt/slides/slide30.xml><?xml version="1.0" encoding="utf-8"?>
+<p:sld xmlns:a="http://schemas.openxmlformats.org/drawingml/2006/main" xmlns:r="http://schemas.openxmlformats.org/officeDocument/2006/relationships" xmlns:p="http://schemas.openxmlformats.org/presentationml/2006/main">
+  <p:cSld>
+    <p:spTree>
+      <p:nvGrpSpPr>
+        <p:cNvPr id="1" name=""/>
+        <p:cNvGrpSpPr/>
+        <p:nvPr/>
+      </p:nvGrpSpPr>
+      <p:grpSpPr>
+        <a:xfrm>
+          <a:off x="0" y="0"/>
+          <a:ext cx="0" cy="0"/>
+          <a:chOff x="0" y="0"/>
+          <a:chExt cx="0" cy="0"/>
+        </a:xfrm>
+      </p:grpSpPr>
+      <p:pic>
+        <p:nvPicPr>
+          <p:cNvPr id="3074" name="Picture 2"/>
+          <p:cNvPicPr>
+            <a:picLocks noChangeAspect="1" noChangeArrowheads="1"/>
+          </p:cNvPicPr>
+          <p:nvPr/>
+        </p:nvPicPr>
+        <p:blipFill>
+          <a:blip r:embed="rId2" cstate="print"/>
+          <a:srcRect/>
+          <a:stretch>
+            <a:fillRect/>
+          </a:stretch>
+        </p:blipFill>
+        <p:spPr bwMode="auto">
+          <a:xfrm>
+            <a:off x="228600" y="152400"/>
+            <a:ext cx="6799263" cy="3971925"/>
+          </a:xfrm>
+          <a:prstGeom prst="rect">
+            <a:avLst/>
+          </a:prstGeom>
+          <a:noFill/>
+          <a:ln w="9525">
+            <a:noFill/>
+            <a:miter lim="800000"/>
+            <a:headEnd/>
+            <a:tailEnd/>
+          </a:ln>
+        </p:spPr>
+      </p:pic>
+      <p:pic>
+        <p:nvPicPr>
+          <p:cNvPr id="45062" name="Picture 6"/>
+          <p:cNvPicPr>
+            <a:picLocks noChangeAspect="1" noChangeArrowheads="1"/>
+          </p:cNvPicPr>
+          <p:nvPr/>
+        </p:nvPicPr>
+        <p:blipFill>
+          <a:blip r:embed="rId3" cstate="print"/>
+          <a:srcRect/>
+          <a:stretch>
+            <a:fillRect/>
+          </a:stretch>
+        </p:blipFill>
+        <p:spPr bwMode="auto">
+          <a:xfrm>
+            <a:off x="6781800" y="3655454"/>
+            <a:ext cx="2190750" cy="2992996"/>
+          </a:xfrm>
+          <a:prstGeom prst="rect">
+            <a:avLst/>
+          </a:prstGeom>
+          <a:noFill/>
+          <a:ln w="9525">
+            <a:noFill/>
+            <a:miter lim="800000"/>
+            <a:headEnd/>
+            <a:tailEnd/>
+          </a:ln>
+        </p:spPr>
+      </p:pic>
+    </p:spTree>
+  </p:cSld>
+  <p:clrMapOvr>
+    <a:masterClrMapping/>
+  </p:clrMapOvr>
+</p:sld>
+</file>
+
+<file path=ppt/slides/slide31.xml><?xml version="1.0" encoding="utf-8"?>
+<p:sld xmlns:a="http://schemas.openxmlformats.org/drawingml/2006/main" xmlns:r="http://schemas.openxmlformats.org/officeDocument/2006/relationships" xmlns:p="http://schemas.openxmlformats.org/presentationml/2006/main">
+  <p:cSld>
+    <p:spTree>
+      <p:nvGrpSpPr>
+        <p:cNvPr id="1" name=""/>
+        <p:cNvGrpSpPr/>
+        <p:nvPr/>
+      </p:nvGrpSpPr>
+      <p:grpSpPr>
+        <a:xfrm>
+          <a:off x="0" y="0"/>
+          <a:ext cx="0" cy="0"/>
+          <a:chOff x="0" y="0"/>
+          <a:chExt cx="0" cy="0"/>
+        </a:xfrm>
+      </p:grpSpPr>
+      <p:pic>
+        <p:nvPicPr>
+          <p:cNvPr id="1026" name="Picture 2"/>
+          <p:cNvPicPr>
+            <a:picLocks noChangeAspect="1" noChangeArrowheads="1"/>
+          </p:cNvPicPr>
+          <p:nvPr/>
+        </p:nvPicPr>
+        <p:blipFill>
+          <a:blip r:embed="rId2" cstate="print"/>
+          <a:srcRect/>
+          <a:stretch>
+            <a:fillRect/>
+          </a:stretch>
+        </p:blipFill>
+        <p:spPr bwMode="auto">
+          <a:xfrm>
+            <a:off x="152400" y="228600"/>
+            <a:ext cx="5600700" cy="3095625"/>
+          </a:xfrm>
+          <a:prstGeom prst="rect">
+            <a:avLst/>
+          </a:prstGeom>
+          <a:noFill/>
+          <a:ln w="9525">
+            <a:noFill/>
+            <a:miter lim="800000"/>
+            <a:headEnd/>
+            <a:tailEnd/>
+          </a:ln>
+        </p:spPr>
+      </p:pic>
+      <p:pic>
+        <p:nvPicPr>
+          <p:cNvPr id="1028" name="Picture 4"/>
+          <p:cNvPicPr>
+            <a:picLocks noChangeAspect="1" noChangeArrowheads="1"/>
+          </p:cNvPicPr>
+          <p:nvPr/>
+        </p:nvPicPr>
+        <p:blipFill>
+          <a:blip r:embed="rId3" cstate="print"/>
+          <a:srcRect/>
+          <a:stretch>
+            <a:fillRect/>
+          </a:stretch>
+        </p:blipFill>
+        <p:spPr bwMode="auto">
+          <a:xfrm>
+            <a:off x="7490178" y="228600"/>
+            <a:ext cx="1425222" cy="4191000"/>
+          </a:xfrm>
+          <a:prstGeom prst="rect">
+            <a:avLst/>
+          </a:prstGeom>
+          <a:noFill/>
+          <a:ln w="9525">
+            <a:noFill/>
+            <a:miter lim="800000"/>
+            <a:headEnd/>
+            <a:tailEnd/>
+          </a:ln>
+        </p:spPr>
+      </p:pic>
+      <p:pic>
+        <p:nvPicPr>
+          <p:cNvPr id="5" name="Picture 5"/>
+          <p:cNvPicPr>
+            <a:picLocks noChangeAspect="1" noChangeArrowheads="1"/>
+          </p:cNvPicPr>
+          <p:nvPr/>
+        </p:nvPicPr>
+        <p:blipFill>
+          <a:blip r:embed="rId4" cstate="print"/>
+          <a:srcRect/>
+          <a:stretch>
+            <a:fillRect/>
+          </a:stretch>
+        </p:blipFill>
+        <p:spPr bwMode="auto">
+          <a:xfrm>
+            <a:off x="1676400" y="2819400"/>
+            <a:ext cx="2628900" cy="352425"/>
+          </a:xfrm>
+          <a:prstGeom prst="rect">
+            <a:avLst/>
+          </a:prstGeom>
+          <a:noFill/>
+          <a:ln w="9525">
+            <a:noFill/>
+            <a:miter lim="800000"/>
+            <a:headEnd/>
+            <a:tailEnd/>
+          </a:ln>
+        </p:spPr>
+      </p:pic>
+    </p:spTree>
+  </p:cSld>
+  <p:clrMapOvr>
+    <a:masterClrMapping/>
+  </p:clrMapOvr>
+</p:sld>
+</file>
+
+<file path=ppt/slides/slide32.xml><?xml version="1.0" encoding="utf-8"?>
+<p:sld xmlns:a="http://schemas.openxmlformats.org/drawingml/2006/main" xmlns:r="http://schemas.openxmlformats.org/officeDocument/2006/relationships" xmlns:p="http://schemas.openxmlformats.org/presentationml/2006/main">
+  <p:cSld>
+    <p:spTree>
+      <p:nvGrpSpPr>
+        <p:cNvPr id="1" name=""/>
+        <p:cNvGrpSpPr/>
+        <p:nvPr/>
+      </p:nvGrpSpPr>
+      <p:grpSpPr>
+        <a:xfrm>
+          <a:off x="0" y="0"/>
+          <a:ext cx="0" cy="0"/>
+          <a:chOff x="0" y="0"/>
+          <a:chExt cx="0" cy="0"/>
+        </a:xfrm>
+      </p:grpSpPr>
+      <p:pic>
+        <p:nvPicPr>
+          <p:cNvPr id="2051" name="Picture 3"/>
+          <p:cNvPicPr>
+            <a:picLocks noChangeAspect="1" noChangeArrowheads="1"/>
+          </p:cNvPicPr>
+          <p:nvPr/>
+        </p:nvPicPr>
+        <p:blipFill>
+          <a:blip r:embed="rId2" cstate="print"/>
+          <a:srcRect/>
+          <a:stretch>
+            <a:fillRect/>
+          </a:stretch>
+        </p:blipFill>
+        <p:spPr bwMode="auto">
+          <a:xfrm>
+            <a:off x="228600" y="170330"/>
+            <a:ext cx="7686078" cy="3810000"/>
+          </a:xfrm>
+          <a:prstGeom prst="rect">
+            <a:avLst/>
+          </a:prstGeom>
+          <a:noFill/>
+          <a:ln w="9525">
+            <a:noFill/>
+            <a:miter lim="800000"/>
+            <a:headEnd/>
+            <a:tailEnd/>
+          </a:ln>
+        </p:spPr>
+      </p:pic>
+      <p:pic>
+        <p:nvPicPr>
+          <p:cNvPr id="2050" name="Picture 2"/>
+          <p:cNvPicPr>
+            <a:picLocks noChangeAspect="1" noChangeArrowheads="1"/>
+          </p:cNvPicPr>
+          <p:nvPr/>
+        </p:nvPicPr>
+        <p:blipFill>
+          <a:blip r:embed="rId3" cstate="print"/>
+          <a:srcRect/>
+          <a:stretch>
+            <a:fillRect/>
+          </a:stretch>
+        </p:blipFill>
+        <p:spPr bwMode="auto">
+          <a:xfrm>
+            <a:off x="6664461" y="3733800"/>
+            <a:ext cx="2327139" cy="2895600"/>
+          </a:xfrm>
+          <a:prstGeom prst="rect">
+            <a:avLst/>
+          </a:prstGeom>
+          <a:noFill/>
+          <a:ln w="9525">
+            <a:noFill/>
+            <a:miter lim="800000"/>
+            <a:headEnd/>
+            <a:tailEnd/>
+          </a:ln>
+        </p:spPr>
+      </p:pic>
+      <p:pic>
+        <p:nvPicPr>
+          <p:cNvPr id="2052" name="Picture 4"/>
+          <p:cNvPicPr>
+            <a:picLocks noChangeAspect="1" noChangeArrowheads="1"/>
+          </p:cNvPicPr>
+          <p:nvPr/>
+        </p:nvPicPr>
+        <p:blipFill>
+          <a:blip r:embed="rId4" cstate="print"/>
+          <a:srcRect/>
+          <a:stretch>
+            <a:fillRect/>
+          </a:stretch>
+        </p:blipFill>
+        <p:spPr bwMode="auto">
+          <a:xfrm>
+            <a:off x="6477000" y="228600"/>
+            <a:ext cx="2392680" cy="1066800"/>
           </a:xfrm>
           <a:prstGeom prst="rect">
             <a:avLst/>

--- a/EBooks/Diagrams.pptx
+++ b/EBooks/Diagrams.pptx
@@ -3647,7 +3647,7 @@
       </p:grpSpPr>
       <p:pic>
         <p:nvPicPr>
-          <p:cNvPr id="1026" name="Picture 2"/>
+          <p:cNvPr id="24584" name="Picture 8" descr="https://documents.lucidchart.com/documents/b22fed2a-8de3-4da3-87e2-44be1432b360/pages/7bxiNxcws7Ud?a=1199&amp;x=548&amp;y=83&amp;w=788&amp;h=827&amp;store=1&amp;accept=image%2F*&amp;auth=LCA%20cb3f1b74c20abd87697158bbddde8836311520eb-ts%3D1520376928"/>
           <p:cNvPicPr>
             <a:picLocks noChangeAspect="1" noChangeArrowheads="1"/>
           </p:cNvPicPr>
@@ -3662,8 +3662,34 @@
         </p:blipFill>
         <p:spPr bwMode="auto">
           <a:xfrm>
-            <a:off x="152400" y="152400"/>
-            <a:ext cx="3676650" cy="4010025"/>
+            <a:off x="5090785" y="0"/>
+            <a:ext cx="4053215" cy="4253819"/>
+          </a:xfrm>
+          <a:prstGeom prst="rect">
+            <a:avLst/>
+          </a:prstGeom>
+          <a:noFill/>
+        </p:spPr>
+      </p:pic>
+      <p:pic>
+        <p:nvPicPr>
+          <p:cNvPr id="24588" name="Picture 12"/>
+          <p:cNvPicPr>
+            <a:picLocks noChangeAspect="1" noChangeArrowheads="1"/>
+          </p:cNvPicPr>
+          <p:nvPr/>
+        </p:nvPicPr>
+        <p:blipFill>
+          <a:blip r:embed="rId3" cstate="print"/>
+          <a:srcRect/>
+          <a:stretch>
+            <a:fillRect/>
+          </a:stretch>
+        </p:blipFill>
+        <p:spPr bwMode="auto">
+          <a:xfrm>
+            <a:off x="0" y="76200"/>
+            <a:ext cx="3241905" cy="1840000"/>
           </a:xfrm>
           <a:prstGeom prst="rect">
             <a:avLst/>
@@ -3679,14 +3705,14 @@
       </p:pic>
       <p:pic>
         <p:nvPicPr>
-          <p:cNvPr id="1028" name="Picture 4"/>
+          <p:cNvPr id="24590" name="Picture 14"/>
           <p:cNvPicPr>
             <a:picLocks noChangeAspect="1" noChangeArrowheads="1"/>
           </p:cNvPicPr>
           <p:nvPr/>
         </p:nvPicPr>
         <p:blipFill>
-          <a:blip r:embed="rId3" cstate="print"/>
+          <a:blip r:embed="rId4" cstate="print"/>
           <a:srcRect/>
           <a:stretch>
             <a:fillRect/>
@@ -3694,8 +3720,8 @@
         </p:blipFill>
         <p:spPr bwMode="auto">
           <a:xfrm>
-            <a:off x="76200" y="4069174"/>
-            <a:ext cx="3886200" cy="2636426"/>
+            <a:off x="0" y="1981200"/>
+            <a:ext cx="5344762" cy="1848762"/>
           </a:xfrm>
           <a:prstGeom prst="rect">
             <a:avLst/>
@@ -3711,14 +3737,14 @@
       </p:pic>
       <p:pic>
         <p:nvPicPr>
-          <p:cNvPr id="1032" name="Picture 8"/>
+          <p:cNvPr id="24585" name="Picture 9"/>
           <p:cNvPicPr>
             <a:picLocks noChangeAspect="1" noChangeArrowheads="1"/>
           </p:cNvPicPr>
           <p:nvPr/>
         </p:nvPicPr>
         <p:blipFill>
-          <a:blip r:embed="rId4" cstate="print"/>
+          <a:blip r:embed="rId5" cstate="print"/>
           <a:srcRect/>
           <a:stretch>
             <a:fillRect/>
@@ -3726,8 +3752,8 @@
         </p:blipFill>
         <p:spPr bwMode="auto">
           <a:xfrm>
-            <a:off x="3581400" y="76200"/>
-            <a:ext cx="5486400" cy="4465877"/>
+            <a:off x="228600" y="3790371"/>
+            <a:ext cx="4285715" cy="2991429"/>
           </a:xfrm>
           <a:prstGeom prst="rect">
             <a:avLst/>

--- a/EBooks/Diagrams.pptx
+++ b/EBooks/Diagrams.pptx
@@ -224,7 +224,7 @@
             <a:fld id="{DA103462-62C8-4D37-8F5B-118728760487}" type="datetimeFigureOut">
               <a:rPr lang="en-US" smtClean="0"/>
               <a:pPr/>
-              <a:t>3/6/2018</a:t>
+              <a:t>4/9/2018</a:t>
             </a:fld>
             <a:endParaRPr lang="en-US"/>
           </a:p>
@@ -754,7 +754,7 @@
             <a:fld id="{E16763B4-E773-4657-92E3-F14AA5DD8006}" type="datetimeFigureOut">
               <a:rPr lang="en-US" smtClean="0"/>
               <a:pPr/>
-              <a:t>3/6/2018</a:t>
+              <a:t>4/9/2018</a:t>
             </a:fld>
             <a:endParaRPr lang="en-US"/>
           </a:p>
@@ -921,7 +921,7 @@
             <a:fld id="{E16763B4-E773-4657-92E3-F14AA5DD8006}" type="datetimeFigureOut">
               <a:rPr lang="en-US" smtClean="0"/>
               <a:pPr/>
-              <a:t>3/6/2018</a:t>
+              <a:t>4/9/2018</a:t>
             </a:fld>
             <a:endParaRPr lang="en-US"/>
           </a:p>
@@ -1098,7 +1098,7 @@
             <a:fld id="{E16763B4-E773-4657-92E3-F14AA5DD8006}" type="datetimeFigureOut">
               <a:rPr lang="en-US" smtClean="0"/>
               <a:pPr/>
-              <a:t>3/6/2018</a:t>
+              <a:t>4/9/2018</a:t>
             </a:fld>
             <a:endParaRPr lang="en-US"/>
           </a:p>
@@ -1265,7 +1265,7 @@
             <a:fld id="{E16763B4-E773-4657-92E3-F14AA5DD8006}" type="datetimeFigureOut">
               <a:rPr lang="en-US" smtClean="0"/>
               <a:pPr/>
-              <a:t>3/6/2018</a:t>
+              <a:t>4/9/2018</a:t>
             </a:fld>
             <a:endParaRPr lang="en-US"/>
           </a:p>
@@ -1508,7 +1508,7 @@
             <a:fld id="{E16763B4-E773-4657-92E3-F14AA5DD8006}" type="datetimeFigureOut">
               <a:rPr lang="en-US" smtClean="0"/>
               <a:pPr/>
-              <a:t>3/6/2018</a:t>
+              <a:t>4/9/2018</a:t>
             </a:fld>
             <a:endParaRPr lang="en-US"/>
           </a:p>
@@ -1793,7 +1793,7 @@
             <a:fld id="{E16763B4-E773-4657-92E3-F14AA5DD8006}" type="datetimeFigureOut">
               <a:rPr lang="en-US" smtClean="0"/>
               <a:pPr/>
-              <a:t>3/6/2018</a:t>
+              <a:t>4/9/2018</a:t>
             </a:fld>
             <a:endParaRPr lang="en-US"/>
           </a:p>
@@ -2212,7 +2212,7 @@
             <a:fld id="{E16763B4-E773-4657-92E3-F14AA5DD8006}" type="datetimeFigureOut">
               <a:rPr lang="en-US" smtClean="0"/>
               <a:pPr/>
-              <a:t>3/6/2018</a:t>
+              <a:t>4/9/2018</a:t>
             </a:fld>
             <a:endParaRPr lang="en-US"/>
           </a:p>
@@ -2327,7 +2327,7 @@
             <a:fld id="{E16763B4-E773-4657-92E3-F14AA5DD8006}" type="datetimeFigureOut">
               <a:rPr lang="en-US" smtClean="0"/>
               <a:pPr/>
-              <a:t>3/6/2018</a:t>
+              <a:t>4/9/2018</a:t>
             </a:fld>
             <a:endParaRPr lang="en-US"/>
           </a:p>
@@ -2419,7 +2419,7 @@
             <a:fld id="{E16763B4-E773-4657-92E3-F14AA5DD8006}" type="datetimeFigureOut">
               <a:rPr lang="en-US" smtClean="0"/>
               <a:pPr/>
-              <a:t>3/6/2018</a:t>
+              <a:t>4/9/2018</a:t>
             </a:fld>
             <a:endParaRPr lang="en-US"/>
           </a:p>
@@ -2693,7 +2693,7 @@
             <a:fld id="{E16763B4-E773-4657-92E3-F14AA5DD8006}" type="datetimeFigureOut">
               <a:rPr lang="en-US" smtClean="0"/>
               <a:pPr/>
-              <a:t>3/6/2018</a:t>
+              <a:t>4/9/2018</a:t>
             </a:fld>
             <a:endParaRPr lang="en-US"/>
           </a:p>
@@ -2943,7 +2943,7 @@
             <a:fld id="{E16763B4-E773-4657-92E3-F14AA5DD8006}" type="datetimeFigureOut">
               <a:rPr lang="en-US" smtClean="0"/>
               <a:pPr/>
-              <a:t>3/6/2018</a:t>
+              <a:t>4/9/2018</a:t>
             </a:fld>
             <a:endParaRPr lang="en-US"/>
           </a:p>
@@ -3153,7 +3153,7 @@
             <a:fld id="{E16763B4-E773-4657-92E3-F14AA5DD8006}" type="datetimeFigureOut">
               <a:rPr lang="en-US" smtClean="0"/>
               <a:pPr/>
-              <a:t>3/6/2018</a:t>
+              <a:t>4/9/2018</a:t>
             </a:fld>
             <a:endParaRPr lang="en-US"/>
           </a:p>
@@ -19584,6 +19584,38 @@
           <a:xfrm>
             <a:off x="6781800" y="3655454"/>
             <a:ext cx="2190750" cy="2992996"/>
+          </a:xfrm>
+          <a:prstGeom prst="rect">
+            <a:avLst/>
+          </a:prstGeom>
+          <a:noFill/>
+          <a:ln w="9525">
+            <a:noFill/>
+            <a:miter lim="800000"/>
+            <a:headEnd/>
+            <a:tailEnd/>
+          </a:ln>
+        </p:spPr>
+      </p:pic>
+      <p:pic>
+        <p:nvPicPr>
+          <p:cNvPr id="1026" name="Picture 2"/>
+          <p:cNvPicPr>
+            <a:picLocks noChangeAspect="1" noChangeArrowheads="1"/>
+          </p:cNvPicPr>
+          <p:nvPr/>
+        </p:nvPicPr>
+        <p:blipFill>
+          <a:blip r:embed="rId4" cstate="print"/>
+          <a:srcRect/>
+          <a:stretch>
+            <a:fillRect/>
+          </a:stretch>
+        </p:blipFill>
+        <p:spPr bwMode="auto">
+          <a:xfrm>
+            <a:off x="47625" y="4343400"/>
+            <a:ext cx="3457575" cy="1428750"/>
           </a:xfrm>
           <a:prstGeom prst="rect">
             <a:avLst/>

--- a/EBooks/Diagrams.pptx
+++ b/EBooks/Diagrams.pptx
@@ -224,7 +224,7 @@
             <a:fld id="{DA103462-62C8-4D37-8F5B-118728760487}" type="datetimeFigureOut">
               <a:rPr lang="en-US" smtClean="0"/>
               <a:pPr/>
-              <a:t>4/9/2018</a:t>
+              <a:t>5/1/2018</a:t>
             </a:fld>
             <a:endParaRPr lang="en-US"/>
           </a:p>
@@ -754,7 +754,7 @@
             <a:fld id="{E16763B4-E773-4657-92E3-F14AA5DD8006}" type="datetimeFigureOut">
               <a:rPr lang="en-US" smtClean="0"/>
               <a:pPr/>
-              <a:t>4/9/2018</a:t>
+              <a:t>5/1/2018</a:t>
             </a:fld>
             <a:endParaRPr lang="en-US"/>
           </a:p>
@@ -921,7 +921,7 @@
             <a:fld id="{E16763B4-E773-4657-92E3-F14AA5DD8006}" type="datetimeFigureOut">
               <a:rPr lang="en-US" smtClean="0"/>
               <a:pPr/>
-              <a:t>4/9/2018</a:t>
+              <a:t>5/1/2018</a:t>
             </a:fld>
             <a:endParaRPr lang="en-US"/>
           </a:p>
@@ -1098,7 +1098,7 @@
             <a:fld id="{E16763B4-E773-4657-92E3-F14AA5DD8006}" type="datetimeFigureOut">
               <a:rPr lang="en-US" smtClean="0"/>
               <a:pPr/>
-              <a:t>4/9/2018</a:t>
+              <a:t>5/1/2018</a:t>
             </a:fld>
             <a:endParaRPr lang="en-US"/>
           </a:p>
@@ -1265,7 +1265,7 @@
             <a:fld id="{E16763B4-E773-4657-92E3-F14AA5DD8006}" type="datetimeFigureOut">
               <a:rPr lang="en-US" smtClean="0"/>
               <a:pPr/>
-              <a:t>4/9/2018</a:t>
+              <a:t>5/1/2018</a:t>
             </a:fld>
             <a:endParaRPr lang="en-US"/>
           </a:p>
@@ -1508,7 +1508,7 @@
             <a:fld id="{E16763B4-E773-4657-92E3-F14AA5DD8006}" type="datetimeFigureOut">
               <a:rPr lang="en-US" smtClean="0"/>
               <a:pPr/>
-              <a:t>4/9/2018</a:t>
+              <a:t>5/1/2018</a:t>
             </a:fld>
             <a:endParaRPr lang="en-US"/>
           </a:p>
@@ -1793,7 +1793,7 @@
             <a:fld id="{E16763B4-E773-4657-92E3-F14AA5DD8006}" type="datetimeFigureOut">
               <a:rPr lang="en-US" smtClean="0"/>
               <a:pPr/>
-              <a:t>4/9/2018</a:t>
+              <a:t>5/1/2018</a:t>
             </a:fld>
             <a:endParaRPr lang="en-US"/>
           </a:p>
@@ -2212,7 +2212,7 @@
             <a:fld id="{E16763B4-E773-4657-92E3-F14AA5DD8006}" type="datetimeFigureOut">
               <a:rPr lang="en-US" smtClean="0"/>
               <a:pPr/>
-              <a:t>4/9/2018</a:t>
+              <a:t>5/1/2018</a:t>
             </a:fld>
             <a:endParaRPr lang="en-US"/>
           </a:p>
@@ -2327,7 +2327,7 @@
             <a:fld id="{E16763B4-E773-4657-92E3-F14AA5DD8006}" type="datetimeFigureOut">
               <a:rPr lang="en-US" smtClean="0"/>
               <a:pPr/>
-              <a:t>4/9/2018</a:t>
+              <a:t>5/1/2018</a:t>
             </a:fld>
             <a:endParaRPr lang="en-US"/>
           </a:p>
@@ -2419,7 +2419,7 @@
             <a:fld id="{E16763B4-E773-4657-92E3-F14AA5DD8006}" type="datetimeFigureOut">
               <a:rPr lang="en-US" smtClean="0"/>
               <a:pPr/>
-              <a:t>4/9/2018</a:t>
+              <a:t>5/1/2018</a:t>
             </a:fld>
             <a:endParaRPr lang="en-US"/>
           </a:p>
@@ -2693,7 +2693,7 @@
             <a:fld id="{E16763B4-E773-4657-92E3-F14AA5DD8006}" type="datetimeFigureOut">
               <a:rPr lang="en-US" smtClean="0"/>
               <a:pPr/>
-              <a:t>4/9/2018</a:t>
+              <a:t>5/1/2018</a:t>
             </a:fld>
             <a:endParaRPr lang="en-US"/>
           </a:p>
@@ -2943,7 +2943,7 @@
             <a:fld id="{E16763B4-E773-4657-92E3-F14AA5DD8006}" type="datetimeFigureOut">
               <a:rPr lang="en-US" smtClean="0"/>
               <a:pPr/>
-              <a:t>4/9/2018</a:t>
+              <a:t>5/1/2018</a:t>
             </a:fld>
             <a:endParaRPr lang="en-US"/>
           </a:p>
@@ -3153,7 +3153,7 @@
             <a:fld id="{E16763B4-E773-4657-92E3-F14AA5DD8006}" type="datetimeFigureOut">
               <a:rPr lang="en-US" smtClean="0"/>
               <a:pPr/>
-              <a:t>4/9/2018</a:t>
+              <a:t>5/1/2018</a:t>
             </a:fld>
             <a:endParaRPr lang="en-US"/>
           </a:p>
@@ -15427,6 +15427,39 @@
           </a:ln>
         </p:spPr>
       </p:pic>
+      <p:sp>
+        <p:nvSpPr>
+          <p:cNvPr id="5" name="Rectangle 4"/>
+          <p:cNvSpPr/>
+          <p:nvPr/>
+        </p:nvSpPr>
+        <p:spPr>
+          <a:xfrm>
+            <a:off x="6273702" y="76200"/>
+            <a:ext cx="2794098" cy="276999"/>
+          </a:xfrm>
+          <a:prstGeom prst="rect">
+            <a:avLst/>
+          </a:prstGeom>
+        </p:spPr>
+        <p:txBody>
+          <a:bodyPr wrap="none">
+            <a:spAutoFit/>
+          </a:bodyPr>
+          <a:lstStyle/>
+          <a:p>
+            <a:r>
+              <a:rPr lang="en-US" sz="1200" dirty="0" smtClean="0"/>
+              <a:t>Dynamic Programming (DP): </a:t>
+            </a:r>
+            <a:r>
+              <a:rPr lang="en-US" sz="1200" dirty="0" smtClean="0"/>
+              <a:t>Edit Distance</a:t>
+            </a:r>
+            <a:endParaRPr lang="en-US" sz="1200" dirty="0"/>
+          </a:p>
+        </p:txBody>
+      </p:sp>
     </p:spTree>
   </p:cSld>
   <p:clrMapOvr>
@@ -15516,6 +15549,39 @@
           </a:ln>
         </p:spPr>
       </p:pic>
+      <p:sp>
+        <p:nvSpPr>
+          <p:cNvPr id="4" name="Rectangle 3"/>
+          <p:cNvSpPr/>
+          <p:nvPr/>
+        </p:nvSpPr>
+        <p:spPr>
+          <a:xfrm>
+            <a:off x="6273702" y="76200"/>
+            <a:ext cx="2794098" cy="276999"/>
+          </a:xfrm>
+          <a:prstGeom prst="rect">
+            <a:avLst/>
+          </a:prstGeom>
+        </p:spPr>
+        <p:txBody>
+          <a:bodyPr wrap="none">
+            <a:spAutoFit/>
+          </a:bodyPr>
+          <a:lstStyle/>
+          <a:p>
+            <a:r>
+              <a:rPr lang="en-US" sz="1200" dirty="0" smtClean="0"/>
+              <a:t>Dynamic Programming (DP): </a:t>
+            </a:r>
+            <a:r>
+              <a:rPr lang="en-US" sz="1200" dirty="0" smtClean="0"/>
+              <a:t>Edit Distance</a:t>
+            </a:r>
+            <a:endParaRPr lang="en-US" sz="1200" dirty="0"/>
+          </a:p>
+        </p:txBody>
+      </p:sp>
     </p:spTree>
   </p:cSld>
   <p:clrMapOvr>
@@ -19419,6 +19485,41 @@
           </a:ln>
         </p:spPr>
       </p:pic>
+      <p:sp>
+        <p:nvSpPr>
+          <p:cNvPr id="8" name="Rectangle 7"/>
+          <p:cNvSpPr>
+            <a:spLocks noChangeAspect="1"/>
+          </p:cNvSpPr>
+          <p:nvPr/>
+        </p:nvSpPr>
+        <p:spPr>
+          <a:xfrm>
+            <a:off x="139521" y="6428601"/>
+            <a:ext cx="3518079" cy="276999"/>
+          </a:xfrm>
+          <a:prstGeom prst="rect">
+            <a:avLst/>
+          </a:prstGeom>
+        </p:spPr>
+        <p:txBody>
+          <a:bodyPr wrap="none">
+            <a:spAutoFit/>
+          </a:bodyPr>
+          <a:lstStyle/>
+          <a:p>
+            <a:r>
+              <a:rPr lang="en-US" sz="1200" dirty="0" smtClean="0"/>
+              <a:t>Dynamic Programming (DP): </a:t>
+            </a:r>
+            <a:r>
+              <a:rPr lang="en-US" sz="1200" dirty="0" smtClean="0"/>
+              <a:t>Coin Changing Minimum</a:t>
+            </a:r>
+            <a:endParaRPr lang="en-US" sz="1200" dirty="0"/>
+          </a:p>
+        </p:txBody>
+      </p:sp>
     </p:spTree>
   </p:cSld>
   <p:clrMapOvr>
@@ -19629,6 +19730,40 @@
           </a:ln>
         </p:spPr>
       </p:pic>
+      <p:sp>
+        <p:nvSpPr>
+          <p:cNvPr id="5" name="TextBox 4"/>
+          <p:cNvSpPr txBox="1"/>
+          <p:nvPr/>
+        </p:nvSpPr>
+        <p:spPr>
+          <a:xfrm>
+            <a:off x="6174034" y="76200"/>
+            <a:ext cx="2817566" cy="276999"/>
+          </a:xfrm>
+          <a:prstGeom prst="rect">
+            <a:avLst/>
+          </a:prstGeom>
+          <a:noFill/>
+        </p:spPr>
+        <p:txBody>
+          <a:bodyPr wrap="none" rtlCol="0">
+            <a:spAutoFit/>
+          </a:bodyPr>
+          <a:lstStyle/>
+          <a:p>
+            <a:r>
+              <a:rPr lang="en-US" sz="1200" dirty="0" smtClean="0"/>
+              <a:t>Dynamic Programming (DP): </a:t>
+            </a:r>
+            <a:r>
+              <a:rPr lang="en-US" sz="1200" dirty="0" smtClean="0"/>
+              <a:t>0/1 Knapsack</a:t>
+            </a:r>
+            <a:endParaRPr lang="en-US" sz="1200" dirty="0"/>
+          </a:p>
+        </p:txBody>
+      </p:sp>
     </p:spTree>
   </p:cSld>
   <p:clrMapOvr>
@@ -19750,6 +19885,36 @@
           </a:ln>
         </p:spPr>
       </p:pic>
+      <p:sp>
+        <p:nvSpPr>
+          <p:cNvPr id="6" name="TextBox 5"/>
+          <p:cNvSpPr txBox="1"/>
+          <p:nvPr/>
+        </p:nvSpPr>
+        <p:spPr>
+          <a:xfrm>
+            <a:off x="3617718" y="6336268"/>
+            <a:ext cx="3691716" cy="276999"/>
+          </a:xfrm>
+          <a:prstGeom prst="rect">
+            <a:avLst/>
+          </a:prstGeom>
+          <a:noFill/>
+        </p:spPr>
+        <p:txBody>
+          <a:bodyPr wrap="none" rtlCol="0">
+            <a:spAutoFit/>
+          </a:bodyPr>
+          <a:lstStyle/>
+          <a:p>
+            <a:r>
+              <a:rPr lang="en-US" sz="1200" dirty="0" smtClean="0"/>
+              <a:t>Dynamic Programming (DP): Longest common sequence</a:t>
+            </a:r>
+            <a:endParaRPr lang="en-US" sz="1200" dirty="0"/>
+          </a:p>
+        </p:txBody>
+      </p:sp>
     </p:spTree>
   </p:cSld>
   <p:clrMapOvr>
@@ -19871,6 +20036,36 @@
           </a:ln>
         </p:spPr>
       </p:pic>
+      <p:sp>
+        <p:nvSpPr>
+          <p:cNvPr id="5" name="TextBox 4"/>
+          <p:cNvSpPr txBox="1"/>
+          <p:nvPr/>
+        </p:nvSpPr>
+        <p:spPr>
+          <a:xfrm>
+            <a:off x="112518" y="6412468"/>
+            <a:ext cx="2902398" cy="276999"/>
+          </a:xfrm>
+          <a:prstGeom prst="rect">
+            <a:avLst/>
+          </a:prstGeom>
+          <a:noFill/>
+        </p:spPr>
+        <p:txBody>
+          <a:bodyPr wrap="none" rtlCol="0">
+            <a:spAutoFit/>
+          </a:bodyPr>
+          <a:lstStyle/>
+          <a:p>
+            <a:r>
+              <a:rPr lang="en-US" sz="1200" dirty="0" smtClean="0"/>
+              <a:t>Dynamic Programming (DP): Minimum Cost</a:t>
+            </a:r>
+            <a:endParaRPr lang="en-US" sz="1200" dirty="0"/>
+          </a:p>
+        </p:txBody>
+      </p:sp>
     </p:spTree>
   </p:cSld>
   <p:clrMapOvr>

--- a/EBooks/Diagrams.pptx
+++ b/EBooks/Diagrams.pptx
@@ -5,41 +5,43 @@
     <p:sldMasterId id="2147483648" r:id="rId1"/>
   </p:sldMasterIdLst>
   <p:notesMasterIdLst>
-    <p:notesMasterId r:id="rId34"/>
+    <p:notesMasterId r:id="rId36"/>
   </p:notesMasterIdLst>
   <p:sldIdLst>
     <p:sldId id="275" r:id="rId2"/>
     <p:sldId id="277" r:id="rId3"/>
     <p:sldId id="276" r:id="rId4"/>
-    <p:sldId id="286" r:id="rId5"/>
-    <p:sldId id="274" r:id="rId6"/>
-    <p:sldId id="273" r:id="rId7"/>
-    <p:sldId id="270" r:id="rId8"/>
-    <p:sldId id="269" r:id="rId9"/>
-    <p:sldId id="271" r:id="rId10"/>
-    <p:sldId id="265" r:id="rId11"/>
-    <p:sldId id="263" r:id="rId12"/>
-    <p:sldId id="262" r:id="rId13"/>
-    <p:sldId id="264" r:id="rId14"/>
-    <p:sldId id="261" r:id="rId15"/>
-    <p:sldId id="260" r:id="rId16"/>
-    <p:sldId id="257" r:id="rId17"/>
-    <p:sldId id="259" r:id="rId18"/>
-    <p:sldId id="281" r:id="rId19"/>
-    <p:sldId id="282" r:id="rId20"/>
-    <p:sldId id="278" r:id="rId21"/>
-    <p:sldId id="279" r:id="rId22"/>
-    <p:sldId id="283" r:id="rId23"/>
-    <p:sldId id="284" r:id="rId24"/>
-    <p:sldId id="285" r:id="rId25"/>
-    <p:sldId id="287" r:id="rId26"/>
-    <p:sldId id="288" r:id="rId27"/>
-    <p:sldId id="289" r:id="rId28"/>
-    <p:sldId id="290" r:id="rId29"/>
-    <p:sldId id="291" r:id="rId30"/>
-    <p:sldId id="292" r:id="rId31"/>
-    <p:sldId id="293" r:id="rId32"/>
-    <p:sldId id="294" r:id="rId33"/>
+    <p:sldId id="296" r:id="rId5"/>
+    <p:sldId id="286" r:id="rId6"/>
+    <p:sldId id="274" r:id="rId7"/>
+    <p:sldId id="273" r:id="rId8"/>
+    <p:sldId id="270" r:id="rId9"/>
+    <p:sldId id="269" r:id="rId10"/>
+    <p:sldId id="271" r:id="rId11"/>
+    <p:sldId id="265" r:id="rId12"/>
+    <p:sldId id="263" r:id="rId13"/>
+    <p:sldId id="262" r:id="rId14"/>
+    <p:sldId id="264" r:id="rId15"/>
+    <p:sldId id="261" r:id="rId16"/>
+    <p:sldId id="260" r:id="rId17"/>
+    <p:sldId id="257" r:id="rId18"/>
+    <p:sldId id="259" r:id="rId19"/>
+    <p:sldId id="281" r:id="rId20"/>
+    <p:sldId id="282" r:id="rId21"/>
+    <p:sldId id="278" r:id="rId22"/>
+    <p:sldId id="279" r:id="rId23"/>
+    <p:sldId id="283" r:id="rId24"/>
+    <p:sldId id="284" r:id="rId25"/>
+    <p:sldId id="285" r:id="rId26"/>
+    <p:sldId id="287" r:id="rId27"/>
+    <p:sldId id="288" r:id="rId28"/>
+    <p:sldId id="289" r:id="rId29"/>
+    <p:sldId id="290" r:id="rId30"/>
+    <p:sldId id="291" r:id="rId31"/>
+    <p:sldId id="292" r:id="rId32"/>
+    <p:sldId id="293" r:id="rId33"/>
+    <p:sldId id="294" r:id="rId34"/>
+    <p:sldId id="295" r:id="rId35"/>
   </p:sldIdLst>
   <p:sldSz cx="9144000" cy="6858000" type="screen4x3"/>
   <p:notesSz cx="6881813" cy="9296400"/>
@@ -224,7 +226,7 @@
             <a:fld id="{DA103462-62C8-4D37-8F5B-118728760487}" type="datetimeFigureOut">
               <a:rPr lang="en-US" smtClean="0"/>
               <a:pPr/>
-              <a:t>5/1/2018</a:t>
+              <a:t>5/10/2018</a:t>
             </a:fld>
             <a:endParaRPr lang="en-US"/>
           </a:p>
@@ -558,7 +560,7 @@
             <a:fld id="{567AA99F-ECF6-4184-8659-A74ADBB8BEE7}" type="slidenum">
               <a:rPr lang="en-US" smtClean="0"/>
               <a:pPr/>
-              <a:t>12</a:t>
+              <a:t>13</a:t>
             </a:fld>
             <a:endParaRPr lang="en-US"/>
           </a:p>
@@ -754,7 +756,7 @@
             <a:fld id="{E16763B4-E773-4657-92E3-F14AA5DD8006}" type="datetimeFigureOut">
               <a:rPr lang="en-US" smtClean="0"/>
               <a:pPr/>
-              <a:t>5/1/2018</a:t>
+              <a:t>5/10/2018</a:t>
             </a:fld>
             <a:endParaRPr lang="en-US"/>
           </a:p>
@@ -921,7 +923,7 @@
             <a:fld id="{E16763B4-E773-4657-92E3-F14AA5DD8006}" type="datetimeFigureOut">
               <a:rPr lang="en-US" smtClean="0"/>
               <a:pPr/>
-              <a:t>5/1/2018</a:t>
+              <a:t>5/10/2018</a:t>
             </a:fld>
             <a:endParaRPr lang="en-US"/>
           </a:p>
@@ -1098,7 +1100,7 @@
             <a:fld id="{E16763B4-E773-4657-92E3-F14AA5DD8006}" type="datetimeFigureOut">
               <a:rPr lang="en-US" smtClean="0"/>
               <a:pPr/>
-              <a:t>5/1/2018</a:t>
+              <a:t>5/10/2018</a:t>
             </a:fld>
             <a:endParaRPr lang="en-US"/>
           </a:p>
@@ -1265,7 +1267,7 @@
             <a:fld id="{E16763B4-E773-4657-92E3-F14AA5DD8006}" type="datetimeFigureOut">
               <a:rPr lang="en-US" smtClean="0"/>
               <a:pPr/>
-              <a:t>5/1/2018</a:t>
+              <a:t>5/10/2018</a:t>
             </a:fld>
             <a:endParaRPr lang="en-US"/>
           </a:p>
@@ -1508,7 +1510,7 @@
             <a:fld id="{E16763B4-E773-4657-92E3-F14AA5DD8006}" type="datetimeFigureOut">
               <a:rPr lang="en-US" smtClean="0"/>
               <a:pPr/>
-              <a:t>5/1/2018</a:t>
+              <a:t>5/10/2018</a:t>
             </a:fld>
             <a:endParaRPr lang="en-US"/>
           </a:p>
@@ -1793,7 +1795,7 @@
             <a:fld id="{E16763B4-E773-4657-92E3-F14AA5DD8006}" type="datetimeFigureOut">
               <a:rPr lang="en-US" smtClean="0"/>
               <a:pPr/>
-              <a:t>5/1/2018</a:t>
+              <a:t>5/10/2018</a:t>
             </a:fld>
             <a:endParaRPr lang="en-US"/>
           </a:p>
@@ -2212,7 +2214,7 @@
             <a:fld id="{E16763B4-E773-4657-92E3-F14AA5DD8006}" type="datetimeFigureOut">
               <a:rPr lang="en-US" smtClean="0"/>
               <a:pPr/>
-              <a:t>5/1/2018</a:t>
+              <a:t>5/10/2018</a:t>
             </a:fld>
             <a:endParaRPr lang="en-US"/>
           </a:p>
@@ -2327,7 +2329,7 @@
             <a:fld id="{E16763B4-E773-4657-92E3-F14AA5DD8006}" type="datetimeFigureOut">
               <a:rPr lang="en-US" smtClean="0"/>
               <a:pPr/>
-              <a:t>5/1/2018</a:t>
+              <a:t>5/10/2018</a:t>
             </a:fld>
             <a:endParaRPr lang="en-US"/>
           </a:p>
@@ -2419,7 +2421,7 @@
             <a:fld id="{E16763B4-E773-4657-92E3-F14AA5DD8006}" type="datetimeFigureOut">
               <a:rPr lang="en-US" smtClean="0"/>
               <a:pPr/>
-              <a:t>5/1/2018</a:t>
+              <a:t>5/10/2018</a:t>
             </a:fld>
             <a:endParaRPr lang="en-US"/>
           </a:p>
@@ -2693,7 +2695,7 @@
             <a:fld id="{E16763B4-E773-4657-92E3-F14AA5DD8006}" type="datetimeFigureOut">
               <a:rPr lang="en-US" smtClean="0"/>
               <a:pPr/>
-              <a:t>5/1/2018</a:t>
+              <a:t>5/10/2018</a:t>
             </a:fld>
             <a:endParaRPr lang="en-US"/>
           </a:p>
@@ -2943,7 +2945,7 @@
             <a:fld id="{E16763B4-E773-4657-92E3-F14AA5DD8006}" type="datetimeFigureOut">
               <a:rPr lang="en-US" smtClean="0"/>
               <a:pPr/>
-              <a:t>5/1/2018</a:t>
+              <a:t>5/10/2018</a:t>
             </a:fld>
             <a:endParaRPr lang="en-US"/>
           </a:p>
@@ -3153,7 +3155,7 @@
             <a:fld id="{E16763B4-E773-4657-92E3-F14AA5DD8006}" type="datetimeFigureOut">
               <a:rPr lang="en-US" smtClean="0"/>
               <a:pPr/>
-              <a:t>5/1/2018</a:t>
+              <a:t>5/10/2018</a:t>
             </a:fld>
             <a:endParaRPr lang="en-US"/>
           </a:p>
@@ -3647,6 +3649,152 @@
       </p:grpSpPr>
       <p:pic>
         <p:nvPicPr>
+          <p:cNvPr id="2" name="Picture 4" descr="https://documents.lucidchart.com/documents/dfc3c2ca-e536-4306-a9f8-3dbc98030bd9/pages/0_0?a=464&amp;x=71&amp;y=45&amp;w=617&amp;h=164&amp;store=1&amp;accept=image%2F*&amp;auth=LCA%20f9928d6348a38a990ac5d913eced5b3a1cbd63a8-ts%3D1474064470"/>
+          <p:cNvPicPr>
+            <a:picLocks noChangeAspect="1" noChangeArrowheads="1"/>
+          </p:cNvPicPr>
+          <p:nvPr/>
+        </p:nvPicPr>
+        <p:blipFill>
+          <a:blip r:embed="rId2" cstate="print"/>
+          <a:srcRect/>
+          <a:stretch>
+            <a:fillRect/>
+          </a:stretch>
+        </p:blipFill>
+        <p:spPr bwMode="auto">
+          <a:xfrm>
+            <a:off x="304801" y="152401"/>
+            <a:ext cx="3810000" cy="1012160"/>
+          </a:xfrm>
+          <a:prstGeom prst="rect">
+            <a:avLst/>
+          </a:prstGeom>
+          <a:noFill/>
+        </p:spPr>
+      </p:pic>
+      <p:pic>
+        <p:nvPicPr>
+          <p:cNvPr id="2050" name="Picture 2"/>
+          <p:cNvPicPr>
+            <a:picLocks noChangeAspect="1" noChangeArrowheads="1"/>
+          </p:cNvPicPr>
+          <p:nvPr/>
+        </p:nvPicPr>
+        <p:blipFill>
+          <a:blip r:embed="rId3" cstate="print"/>
+          <a:srcRect/>
+          <a:stretch>
+            <a:fillRect/>
+          </a:stretch>
+        </p:blipFill>
+        <p:spPr bwMode="auto">
+          <a:xfrm>
+            <a:off x="152400" y="1795114"/>
+            <a:ext cx="2160000" cy="4834286"/>
+          </a:xfrm>
+          <a:prstGeom prst="rect">
+            <a:avLst/>
+          </a:prstGeom>
+          <a:noFill/>
+          <a:ln w="9525">
+            <a:noFill/>
+            <a:miter lim="800000"/>
+            <a:headEnd/>
+            <a:tailEnd/>
+          </a:ln>
+        </p:spPr>
+      </p:pic>
+      <p:pic>
+        <p:nvPicPr>
+          <p:cNvPr id="2051" name="Picture 3"/>
+          <p:cNvPicPr>
+            <a:picLocks noChangeAspect="1" noChangeArrowheads="1"/>
+          </p:cNvPicPr>
+          <p:nvPr/>
+        </p:nvPicPr>
+        <p:blipFill>
+          <a:blip r:embed="rId4" cstate="print"/>
+          <a:stretch>
+            <a:fillRect/>
+          </a:stretch>
+        </p:blipFill>
+        <p:spPr bwMode="auto">
+          <a:xfrm>
+            <a:off x="2321485" y="1648371"/>
+            <a:ext cx="1945715" cy="4371429"/>
+          </a:xfrm>
+          <a:prstGeom prst="rect">
+            <a:avLst/>
+          </a:prstGeom>
+          <a:noFill/>
+          <a:ln w="9525">
+            <a:noFill/>
+            <a:miter lim="800000"/>
+            <a:headEnd/>
+            <a:tailEnd/>
+          </a:ln>
+        </p:spPr>
+      </p:pic>
+      <p:pic>
+        <p:nvPicPr>
+          <p:cNvPr id="3075" name="Picture 3"/>
+          <p:cNvPicPr>
+            <a:picLocks noChangeAspect="1" noChangeArrowheads="1"/>
+          </p:cNvPicPr>
+          <p:nvPr/>
+        </p:nvPicPr>
+        <p:blipFill>
+          <a:blip r:embed="rId5" cstate="print"/>
+          <a:srcRect/>
+          <a:stretch>
+            <a:fillRect/>
+          </a:stretch>
+        </p:blipFill>
+        <p:spPr bwMode="auto">
+          <a:xfrm>
+            <a:off x="5200650" y="19050"/>
+            <a:ext cx="3867150" cy="5086350"/>
+          </a:xfrm>
+          <a:prstGeom prst="rect">
+            <a:avLst/>
+          </a:prstGeom>
+          <a:noFill/>
+          <a:ln w="9525">
+            <a:noFill/>
+            <a:miter lim="800000"/>
+            <a:headEnd/>
+            <a:tailEnd/>
+          </a:ln>
+        </p:spPr>
+      </p:pic>
+    </p:spTree>
+  </p:cSld>
+  <p:clrMapOvr>
+    <a:masterClrMapping/>
+  </p:clrMapOvr>
+</p:sld>
+</file>
+
+<file path=ppt/slides/slide11.xml><?xml version="1.0" encoding="utf-8"?>
+<p:sld xmlns:a="http://schemas.openxmlformats.org/drawingml/2006/main" xmlns:r="http://schemas.openxmlformats.org/officeDocument/2006/relationships" xmlns:p="http://schemas.openxmlformats.org/presentationml/2006/main">
+  <p:cSld>
+    <p:spTree>
+      <p:nvGrpSpPr>
+        <p:cNvPr id="1" name=""/>
+        <p:cNvGrpSpPr/>
+        <p:nvPr/>
+      </p:nvGrpSpPr>
+      <p:grpSpPr>
+        <a:xfrm>
+          <a:off x="0" y="0"/>
+          <a:ext cx="0" cy="0"/>
+          <a:chOff x="0" y="0"/>
+          <a:chExt cx="0" cy="0"/>
+        </a:xfrm>
+      </p:grpSpPr>
+      <p:pic>
+        <p:nvPicPr>
           <p:cNvPr id="24584" name="Picture 8" descr="https://documents.lucidchart.com/documents/b22fed2a-8de3-4da3-87e2-44be1432b360/pages/7bxiNxcws7Ud?a=1199&amp;x=548&amp;y=83&amp;w=788&amp;h=827&amp;store=1&amp;accept=image%2F*&amp;auth=LCA%20cb3f1b74c20abd87697158bbddde8836311520eb-ts%3D1520376928"/>
           <p:cNvPicPr>
             <a:picLocks noChangeAspect="1" noChangeArrowheads="1"/>
@@ -3775,7 +3923,7 @@
 </p:sld>
 </file>
 
-<file path=ppt/slides/slide11.xml><?xml version="1.0" encoding="utf-8"?>
+<file path=ppt/slides/slide12.xml><?xml version="1.0" encoding="utf-8"?>
 <p:sld xmlns:a="http://schemas.openxmlformats.org/drawingml/2006/main" xmlns:r="http://schemas.openxmlformats.org/officeDocument/2006/relationships" xmlns:p="http://schemas.openxmlformats.org/presentationml/2006/main">
   <p:cSld>
     <p:spTree>
@@ -4008,7 +4156,7 @@
 </p:sld>
 </file>
 
-<file path=ppt/slides/slide12.xml><?xml version="1.0" encoding="utf-8"?>
+<file path=ppt/slides/slide13.xml><?xml version="1.0" encoding="utf-8"?>
 <p:sld xmlns:a="http://schemas.openxmlformats.org/drawingml/2006/main" xmlns:r="http://schemas.openxmlformats.org/officeDocument/2006/relationships" xmlns:p="http://schemas.openxmlformats.org/presentationml/2006/main">
   <p:cSld>
     <p:spTree>
@@ -4123,7 +4271,7 @@
 </p:sld>
 </file>
 
-<file path=ppt/slides/slide13.xml><?xml version="1.0" encoding="utf-8"?>
+<file path=ppt/slides/slide14.xml><?xml version="1.0" encoding="utf-8"?>
 <p:sld xmlns:a="http://schemas.openxmlformats.org/drawingml/2006/main" xmlns:r="http://schemas.openxmlformats.org/officeDocument/2006/relationships" xmlns:p="http://schemas.openxmlformats.org/presentationml/2006/main">
   <p:cSld>
     <p:spTree>
@@ -11490,7 +11638,7 @@
 </p:sld>
 </file>
 
-<file path=ppt/slides/slide14.xml><?xml version="1.0" encoding="utf-8"?>
+<file path=ppt/slides/slide15.xml><?xml version="1.0" encoding="utf-8"?>
 <p:sld xmlns:a="http://schemas.openxmlformats.org/drawingml/2006/main" xmlns:r="http://schemas.openxmlformats.org/officeDocument/2006/relationships" xmlns:p="http://schemas.openxmlformats.org/presentationml/2006/main">
   <p:cSld>
     <p:spTree>
@@ -11579,7 +11727,7 @@
 </p:sld>
 </file>
 
-<file path=ppt/slides/slide15.xml><?xml version="1.0" encoding="utf-8"?>
+<file path=ppt/slides/slide16.xml><?xml version="1.0" encoding="utf-8"?>
 <p:sld xmlns:a="http://schemas.openxmlformats.org/drawingml/2006/main" xmlns:r="http://schemas.openxmlformats.org/officeDocument/2006/relationships" xmlns:p="http://schemas.openxmlformats.org/presentationml/2006/main">
   <p:cSld>
     <p:spTree>
@@ -11668,7 +11816,7 @@
 </p:sld>
 </file>
 
-<file path=ppt/slides/slide16.xml><?xml version="1.0" encoding="utf-8"?>
+<file path=ppt/slides/slide17.xml><?xml version="1.0" encoding="utf-8"?>
 <p:sld xmlns:a="http://schemas.openxmlformats.org/drawingml/2006/main" xmlns:r="http://schemas.openxmlformats.org/officeDocument/2006/relationships" xmlns:p="http://schemas.openxmlformats.org/presentationml/2006/main">
   <p:cSld>
     <p:spTree>
@@ -11783,7 +11931,7 @@
 </p:sld>
 </file>
 
-<file path=ppt/slides/slide17.xml><?xml version="1.0" encoding="utf-8"?>
+<file path=ppt/slides/slide18.xml><?xml version="1.0" encoding="utf-8"?>
 <p:sld xmlns:a="http://schemas.openxmlformats.org/drawingml/2006/main" xmlns:r="http://schemas.openxmlformats.org/officeDocument/2006/relationships" xmlns:p="http://schemas.openxmlformats.org/presentationml/2006/main">
   <p:cSld>
     <p:spTree>
@@ -11898,7 +12046,7 @@
 </p:sld>
 </file>
 
-<file path=ppt/slides/slide18.xml><?xml version="1.0" encoding="utf-8"?>
+<file path=ppt/slides/slide19.xml><?xml version="1.0" encoding="utf-8"?>
 <p:sld xmlns:a="http://schemas.openxmlformats.org/drawingml/2006/main" xmlns:r="http://schemas.openxmlformats.org/officeDocument/2006/relationships" xmlns:p="http://schemas.openxmlformats.org/presentationml/2006/main">
   <p:cSld>
     <p:spTree>
@@ -12912,7 +13060,143 @@
 </p:sld>
 </file>
 
-<file path=ppt/slides/slide19.xml><?xml version="1.0" encoding="utf-8"?>
+<file path=ppt/slides/slide2.xml><?xml version="1.0" encoding="utf-8"?>
+<p:sld xmlns:a="http://schemas.openxmlformats.org/drawingml/2006/main" xmlns:r="http://schemas.openxmlformats.org/officeDocument/2006/relationships" xmlns:p="http://schemas.openxmlformats.org/presentationml/2006/main">
+  <p:cSld>
+    <p:spTree>
+      <p:nvGrpSpPr>
+        <p:cNvPr id="1" name=""/>
+        <p:cNvGrpSpPr/>
+        <p:nvPr/>
+      </p:nvGrpSpPr>
+      <p:grpSpPr>
+        <a:xfrm>
+          <a:off x="0" y="0"/>
+          <a:ext cx="0" cy="0"/>
+          <a:chOff x="0" y="0"/>
+          <a:chExt cx="0" cy="0"/>
+        </a:xfrm>
+      </p:grpSpPr>
+      <p:grpSp>
+        <p:nvGrpSpPr>
+          <p:cNvPr id="4" name="Group 3"/>
+          <p:cNvGrpSpPr/>
+          <p:nvPr/>
+        </p:nvGrpSpPr>
+        <p:grpSpPr>
+          <a:xfrm>
+            <a:off x="180975" y="3733800"/>
+            <a:ext cx="8353425" cy="2971800"/>
+            <a:chOff x="38100" y="3733801"/>
+            <a:chExt cx="8353425" cy="2971800"/>
+          </a:xfrm>
+        </p:grpSpPr>
+        <p:pic>
+          <p:nvPicPr>
+            <p:cNvPr id="1026" name="Picture 2"/>
+            <p:cNvPicPr>
+              <a:picLocks noChangeAspect="1" noChangeArrowheads="1"/>
+            </p:cNvPicPr>
+            <p:nvPr/>
+          </p:nvPicPr>
+          <p:blipFill>
+            <a:blip r:embed="rId2" cstate="print"/>
+            <a:srcRect/>
+            <a:stretch>
+              <a:fillRect/>
+            </a:stretch>
+          </p:blipFill>
+          <p:spPr bwMode="auto">
+            <a:xfrm rot="16200000">
+              <a:off x="2662237" y="1366837"/>
+              <a:ext cx="2714625" cy="7962900"/>
+            </a:xfrm>
+            <a:prstGeom prst="rect">
+              <a:avLst/>
+            </a:prstGeom>
+            <a:noFill/>
+            <a:ln w="9525">
+              <a:noFill/>
+              <a:miter lim="800000"/>
+              <a:headEnd/>
+              <a:tailEnd/>
+            </a:ln>
+          </p:spPr>
+        </p:pic>
+        <p:pic>
+          <p:nvPicPr>
+            <p:cNvPr id="1027" name="Picture 3"/>
+            <p:cNvPicPr>
+              <a:picLocks noChangeAspect="1" noChangeArrowheads="1"/>
+            </p:cNvPicPr>
+            <p:nvPr/>
+          </p:nvPicPr>
+          <p:blipFill>
+            <a:blip r:embed="rId3" cstate="print"/>
+            <a:srcRect/>
+            <a:stretch>
+              <a:fillRect/>
+            </a:stretch>
+          </p:blipFill>
+          <p:spPr bwMode="auto">
+            <a:xfrm rot="16200000">
+              <a:off x="6443663" y="4757738"/>
+              <a:ext cx="2971800" cy="923925"/>
+            </a:xfrm>
+            <a:prstGeom prst="rect">
+              <a:avLst/>
+            </a:prstGeom>
+            <a:noFill/>
+            <a:ln w="9525">
+              <a:noFill/>
+              <a:miter lim="800000"/>
+              <a:headEnd/>
+              <a:tailEnd/>
+            </a:ln>
+          </p:spPr>
+        </p:pic>
+      </p:grpSp>
+      <p:pic>
+        <p:nvPicPr>
+          <p:cNvPr id="6" name="Picture 2"/>
+          <p:cNvPicPr>
+            <a:picLocks noChangeAspect="1" noChangeArrowheads="1"/>
+          </p:cNvPicPr>
+          <p:nvPr/>
+        </p:nvPicPr>
+        <p:blipFill>
+          <a:blip r:embed="rId4" cstate="print"/>
+          <a:srcRect/>
+          <a:stretch>
+            <a:fillRect/>
+          </a:stretch>
+        </p:blipFill>
+        <p:spPr bwMode="auto">
+          <a:xfrm rot="16200000">
+            <a:off x="404812" y="-500062"/>
+            <a:ext cx="4352925" cy="4895850"/>
+          </a:xfrm>
+          <a:prstGeom prst="rect">
+            <a:avLst/>
+          </a:prstGeom>
+          <a:noFill/>
+          <a:ln w="9525">
+            <a:noFill/>
+            <a:miter lim="800000"/>
+            <a:headEnd/>
+            <a:tailEnd/>
+          </a:ln>
+        </p:spPr>
+      </p:pic>
+    </p:spTree>
+  </p:cSld>
+  <p:clrMapOvr>
+    <a:masterClrMapping/>
+  </p:clrMapOvr>
+</p:sld>
+</file>
+
+<file path=ppt/slides/slide20.xml><?xml version="1.0" encoding="utf-8"?>
 <p:sld xmlns:a="http://schemas.openxmlformats.org/drawingml/2006/main" xmlns:r="http://schemas.openxmlformats.org/officeDocument/2006/relationships" xmlns:p="http://schemas.openxmlformats.org/presentationml/2006/main">
   <p:cSld>
     <p:spTree>
@@ -13926,143 +14210,7 @@
 </p:sld>
 </file>
 
-<file path=ppt/slides/slide2.xml><?xml version="1.0" encoding="utf-8"?>
-<p:sld xmlns:a="http://schemas.openxmlformats.org/drawingml/2006/main" xmlns:r="http://schemas.openxmlformats.org/officeDocument/2006/relationships" xmlns:p="http://schemas.openxmlformats.org/presentationml/2006/main">
-  <p:cSld>
-    <p:spTree>
-      <p:nvGrpSpPr>
-        <p:cNvPr id="1" name=""/>
-        <p:cNvGrpSpPr/>
-        <p:nvPr/>
-      </p:nvGrpSpPr>
-      <p:grpSpPr>
-        <a:xfrm>
-          <a:off x="0" y="0"/>
-          <a:ext cx="0" cy="0"/>
-          <a:chOff x="0" y="0"/>
-          <a:chExt cx="0" cy="0"/>
-        </a:xfrm>
-      </p:grpSpPr>
-      <p:grpSp>
-        <p:nvGrpSpPr>
-          <p:cNvPr id="4" name="Group 3"/>
-          <p:cNvGrpSpPr/>
-          <p:nvPr/>
-        </p:nvGrpSpPr>
-        <p:grpSpPr>
-          <a:xfrm>
-            <a:off x="180975" y="3733800"/>
-            <a:ext cx="8353425" cy="2971800"/>
-            <a:chOff x="38100" y="3733801"/>
-            <a:chExt cx="8353425" cy="2971800"/>
-          </a:xfrm>
-        </p:grpSpPr>
-        <p:pic>
-          <p:nvPicPr>
-            <p:cNvPr id="1026" name="Picture 2"/>
-            <p:cNvPicPr>
-              <a:picLocks noChangeAspect="1" noChangeArrowheads="1"/>
-            </p:cNvPicPr>
-            <p:nvPr/>
-          </p:nvPicPr>
-          <p:blipFill>
-            <a:blip r:embed="rId2" cstate="print"/>
-            <a:srcRect/>
-            <a:stretch>
-              <a:fillRect/>
-            </a:stretch>
-          </p:blipFill>
-          <p:spPr bwMode="auto">
-            <a:xfrm rot="16200000">
-              <a:off x="2662237" y="1366837"/>
-              <a:ext cx="2714625" cy="7962900"/>
-            </a:xfrm>
-            <a:prstGeom prst="rect">
-              <a:avLst/>
-            </a:prstGeom>
-            <a:noFill/>
-            <a:ln w="9525">
-              <a:noFill/>
-              <a:miter lim="800000"/>
-              <a:headEnd/>
-              <a:tailEnd/>
-            </a:ln>
-          </p:spPr>
-        </p:pic>
-        <p:pic>
-          <p:nvPicPr>
-            <p:cNvPr id="1027" name="Picture 3"/>
-            <p:cNvPicPr>
-              <a:picLocks noChangeAspect="1" noChangeArrowheads="1"/>
-            </p:cNvPicPr>
-            <p:nvPr/>
-          </p:nvPicPr>
-          <p:blipFill>
-            <a:blip r:embed="rId3" cstate="print"/>
-            <a:srcRect/>
-            <a:stretch>
-              <a:fillRect/>
-            </a:stretch>
-          </p:blipFill>
-          <p:spPr bwMode="auto">
-            <a:xfrm rot="16200000">
-              <a:off x="6443663" y="4757738"/>
-              <a:ext cx="2971800" cy="923925"/>
-            </a:xfrm>
-            <a:prstGeom prst="rect">
-              <a:avLst/>
-            </a:prstGeom>
-            <a:noFill/>
-            <a:ln w="9525">
-              <a:noFill/>
-              <a:miter lim="800000"/>
-              <a:headEnd/>
-              <a:tailEnd/>
-            </a:ln>
-          </p:spPr>
-        </p:pic>
-      </p:grpSp>
-      <p:pic>
-        <p:nvPicPr>
-          <p:cNvPr id="6" name="Picture 2"/>
-          <p:cNvPicPr>
-            <a:picLocks noChangeAspect="1" noChangeArrowheads="1"/>
-          </p:cNvPicPr>
-          <p:nvPr/>
-        </p:nvPicPr>
-        <p:blipFill>
-          <a:blip r:embed="rId4" cstate="print"/>
-          <a:srcRect/>
-          <a:stretch>
-            <a:fillRect/>
-          </a:stretch>
-        </p:blipFill>
-        <p:spPr bwMode="auto">
-          <a:xfrm rot="16200000">
-            <a:off x="404812" y="-500062"/>
-            <a:ext cx="4352925" cy="4895850"/>
-          </a:xfrm>
-          <a:prstGeom prst="rect">
-            <a:avLst/>
-          </a:prstGeom>
-          <a:noFill/>
-          <a:ln w="9525">
-            <a:noFill/>
-            <a:miter lim="800000"/>
-            <a:headEnd/>
-            <a:tailEnd/>
-          </a:ln>
-        </p:spPr>
-      </p:pic>
-    </p:spTree>
-  </p:cSld>
-  <p:clrMapOvr>
-    <a:masterClrMapping/>
-  </p:clrMapOvr>
-</p:sld>
-</file>
-
-<file path=ppt/slides/slide20.xml><?xml version="1.0" encoding="utf-8"?>
+<file path=ppt/slides/slide21.xml><?xml version="1.0" encoding="utf-8"?>
 <p:sld xmlns:a="http://schemas.openxmlformats.org/drawingml/2006/main" xmlns:r="http://schemas.openxmlformats.org/officeDocument/2006/relationships" xmlns:p="http://schemas.openxmlformats.org/presentationml/2006/main">
   <p:cSld>
     <p:spTree>
@@ -14183,7 +14331,7 @@
 </p:sld>
 </file>
 
-<file path=ppt/slides/slide21.xml><?xml version="1.0" encoding="utf-8"?>
+<file path=ppt/slides/slide22.xml><?xml version="1.0" encoding="utf-8"?>
 <p:sld xmlns:a="http://schemas.openxmlformats.org/drawingml/2006/main" xmlns:r="http://schemas.openxmlformats.org/officeDocument/2006/relationships" xmlns:p="http://schemas.openxmlformats.org/presentationml/2006/main" show="0">
   <p:cSld>
     <p:spTree>
@@ -14293,7 +14441,7 @@
 </p:sld>
 </file>
 
-<file path=ppt/slides/slide22.xml><?xml version="1.0" encoding="utf-8"?>
+<file path=ppt/slides/slide23.xml><?xml version="1.0" encoding="utf-8"?>
 <p:sld xmlns:a="http://schemas.openxmlformats.org/drawingml/2006/main" xmlns:r="http://schemas.openxmlformats.org/officeDocument/2006/relationships" xmlns:p="http://schemas.openxmlformats.org/presentationml/2006/main">
   <p:cSld>
     <p:spTree>
@@ -14350,7 +14498,7 @@
 </p:sld>
 </file>
 
-<file path=ppt/slides/slide23.xml><?xml version="1.0" encoding="utf-8"?>
+<file path=ppt/slides/slide24.xml><?xml version="1.0" encoding="utf-8"?>
 <p:sld xmlns:a="http://schemas.openxmlformats.org/drawingml/2006/main" xmlns:r="http://schemas.openxmlformats.org/officeDocument/2006/relationships" xmlns:p="http://schemas.openxmlformats.org/presentationml/2006/main">
   <p:cSld>
     <p:spTree>
@@ -14535,7 +14683,7 @@
 </p:sld>
 </file>
 
-<file path=ppt/slides/slide24.xml><?xml version="1.0" encoding="utf-8"?>
+<file path=ppt/slides/slide25.xml><?xml version="1.0" encoding="utf-8"?>
 <p:sld xmlns:a="http://schemas.openxmlformats.org/drawingml/2006/main" xmlns:r="http://schemas.openxmlformats.org/officeDocument/2006/relationships" xmlns:p="http://schemas.openxmlformats.org/presentationml/2006/main">
   <p:cSld>
     <p:spTree>
@@ -15168,7 +15316,7 @@
 </p:sld>
 </file>
 
-<file path=ppt/slides/slide25.xml><?xml version="1.0" encoding="utf-8"?>
+<file path=ppt/slides/slide26.xml><?xml version="1.0" encoding="utf-8"?>
 <p:sld xmlns:a="http://schemas.openxmlformats.org/drawingml/2006/main" xmlns:r="http://schemas.openxmlformats.org/officeDocument/2006/relationships" xmlns:p="http://schemas.openxmlformats.org/presentationml/2006/main">
   <p:cSld>
     <p:spTree>
@@ -15257,7 +15405,7 @@
 </p:sld>
 </file>
 
-<file path=ppt/slides/slide26.xml><?xml version="1.0" encoding="utf-8"?>
+<file path=ppt/slides/slide27.xml><?xml version="1.0" encoding="utf-8"?>
 <p:sld xmlns:a="http://schemas.openxmlformats.org/drawingml/2006/main" xmlns:r="http://schemas.openxmlformats.org/officeDocument/2006/relationships" xmlns:p="http://schemas.openxmlformats.org/presentationml/2006/main">
   <p:cSld>
     <p:spTree>
@@ -15314,7 +15462,7 @@
 </p:sld>
 </file>
 
-<file path=ppt/slides/slide27.xml><?xml version="1.0" encoding="utf-8"?>
+<file path=ppt/slides/slide28.xml><?xml version="1.0" encoding="utf-8"?>
 <p:sld xmlns:a="http://schemas.openxmlformats.org/drawingml/2006/main" xmlns:r="http://schemas.openxmlformats.org/officeDocument/2006/relationships" xmlns:p="http://schemas.openxmlformats.org/presentationml/2006/main">
   <p:cSld>
     <p:spTree>
@@ -15450,11 +15598,7 @@
           <a:p>
             <a:r>
               <a:rPr lang="en-US" sz="1200" dirty="0" smtClean="0"/>
-              <a:t>Dynamic Programming (DP): </a:t>
-            </a:r>
-            <a:r>
-              <a:rPr lang="en-US" sz="1200" dirty="0" smtClean="0"/>
-              <a:t>Edit Distance</a:t>
+              <a:t>Dynamic Programming (DP): Edit Distance</a:t>
             </a:r>
             <a:endParaRPr lang="en-US" sz="1200" dirty="0"/>
           </a:p>
@@ -15468,7 +15612,7 @@
 </p:sld>
 </file>
 
-<file path=ppt/slides/slide28.xml><?xml version="1.0" encoding="utf-8"?>
+<file path=ppt/slides/slide29.xml><?xml version="1.0" encoding="utf-8"?>
 <p:sld xmlns:a="http://schemas.openxmlformats.org/drawingml/2006/main" xmlns:r="http://schemas.openxmlformats.org/officeDocument/2006/relationships" xmlns:p="http://schemas.openxmlformats.org/presentationml/2006/main">
   <p:cSld>
     <p:spTree>
@@ -15572,11 +15716,7 @@
           <a:p>
             <a:r>
               <a:rPr lang="en-US" sz="1200" dirty="0" smtClean="0"/>
-              <a:t>Dynamic Programming (DP): </a:t>
-            </a:r>
-            <a:r>
-              <a:rPr lang="en-US" sz="1200" dirty="0" smtClean="0"/>
-              <a:t>Edit Distance</a:t>
+              <a:t>Dynamic Programming (DP): Edit Distance</a:t>
             </a:r>
             <a:endParaRPr lang="en-US" sz="1200" dirty="0"/>
           </a:p>
@@ -15590,7 +15730,96 @@
 </p:sld>
 </file>
 
-<file path=ppt/slides/slide29.xml><?xml version="1.0" encoding="utf-8"?>
+<file path=ppt/slides/slide3.xml><?xml version="1.0" encoding="utf-8"?>
+<p:sld xmlns:a="http://schemas.openxmlformats.org/drawingml/2006/main" xmlns:r="http://schemas.openxmlformats.org/officeDocument/2006/relationships" xmlns:p="http://schemas.openxmlformats.org/presentationml/2006/main">
+  <p:cSld>
+    <p:spTree>
+      <p:nvGrpSpPr>
+        <p:cNvPr id="1" name=""/>
+        <p:cNvGrpSpPr/>
+        <p:nvPr/>
+      </p:nvGrpSpPr>
+      <p:grpSpPr>
+        <a:xfrm>
+          <a:off x="0" y="0"/>
+          <a:ext cx="0" cy="0"/>
+          <a:chOff x="0" y="0"/>
+          <a:chExt cx="0" cy="0"/>
+        </a:xfrm>
+      </p:grpSpPr>
+      <p:pic>
+        <p:nvPicPr>
+          <p:cNvPr id="1027" name="Picture 3"/>
+          <p:cNvPicPr>
+            <a:picLocks noChangeAspect="1" noChangeArrowheads="1"/>
+          </p:cNvPicPr>
+          <p:nvPr/>
+        </p:nvPicPr>
+        <p:blipFill>
+          <a:blip r:embed="rId2" cstate="print"/>
+          <a:srcRect/>
+          <a:stretch>
+            <a:fillRect/>
+          </a:stretch>
+        </p:blipFill>
+        <p:spPr bwMode="auto">
+          <a:xfrm rot="16200000">
+            <a:off x="4591051" y="2200275"/>
+            <a:ext cx="2962275" cy="6048375"/>
+          </a:xfrm>
+          <a:prstGeom prst="rect">
+            <a:avLst/>
+          </a:prstGeom>
+          <a:noFill/>
+          <a:ln w="9525">
+            <a:noFill/>
+            <a:miter lim="800000"/>
+            <a:headEnd/>
+            <a:tailEnd/>
+          </a:ln>
+        </p:spPr>
+      </p:pic>
+      <p:pic>
+        <p:nvPicPr>
+          <p:cNvPr id="1028" name="Picture 4"/>
+          <p:cNvPicPr>
+            <a:picLocks noChangeAspect="1" noChangeArrowheads="1"/>
+          </p:cNvPicPr>
+          <p:nvPr/>
+        </p:nvPicPr>
+        <p:blipFill>
+          <a:blip r:embed="rId3" cstate="print"/>
+          <a:srcRect/>
+          <a:stretch>
+            <a:fillRect/>
+          </a:stretch>
+        </p:blipFill>
+        <p:spPr bwMode="auto">
+          <a:xfrm rot="16200000">
+            <a:off x="-323849" y="3600450"/>
+            <a:ext cx="3590925" cy="2638425"/>
+          </a:xfrm>
+          <a:prstGeom prst="rect">
+            <a:avLst/>
+          </a:prstGeom>
+          <a:noFill/>
+          <a:ln w="9525">
+            <a:noFill/>
+            <a:miter lim="800000"/>
+            <a:headEnd/>
+            <a:tailEnd/>
+          </a:ln>
+        </p:spPr>
+      </p:pic>
+    </p:spTree>
+  </p:cSld>
+  <p:clrMapOvr>
+    <a:masterClrMapping/>
+  </p:clrMapOvr>
+</p:sld>
+</file>
+
+<file path=ppt/slides/slide30.xml><?xml version="1.0" encoding="utf-8"?>
 <p:sld xmlns:a="http://schemas.openxmlformats.org/drawingml/2006/main" xmlns:r="http://schemas.openxmlformats.org/officeDocument/2006/relationships" xmlns:p="http://schemas.openxmlformats.org/presentationml/2006/main">
   <p:cSld>
     <p:spTree>
@@ -19510,11 +19739,7 @@
           <a:p>
             <a:r>
               <a:rPr lang="en-US" sz="1200" dirty="0" smtClean="0"/>
-              <a:t>Dynamic Programming (DP): </a:t>
-            </a:r>
-            <a:r>
-              <a:rPr lang="en-US" sz="1200" dirty="0" smtClean="0"/>
-              <a:t>Coin Changing Minimum</a:t>
+              <a:t>Dynamic Programming (DP): Coin Changing Minimum</a:t>
             </a:r>
             <a:endParaRPr lang="en-US" sz="1200" dirty="0"/>
           </a:p>
@@ -19528,96 +19753,7 @@
 </p:sld>
 </file>
 
-<file path=ppt/slides/slide3.xml><?xml version="1.0" encoding="utf-8"?>
-<p:sld xmlns:a="http://schemas.openxmlformats.org/drawingml/2006/main" xmlns:r="http://schemas.openxmlformats.org/officeDocument/2006/relationships" xmlns:p="http://schemas.openxmlformats.org/presentationml/2006/main">
-  <p:cSld>
-    <p:spTree>
-      <p:nvGrpSpPr>
-        <p:cNvPr id="1" name=""/>
-        <p:cNvGrpSpPr/>
-        <p:nvPr/>
-      </p:nvGrpSpPr>
-      <p:grpSpPr>
-        <a:xfrm>
-          <a:off x="0" y="0"/>
-          <a:ext cx="0" cy="0"/>
-          <a:chOff x="0" y="0"/>
-          <a:chExt cx="0" cy="0"/>
-        </a:xfrm>
-      </p:grpSpPr>
-      <p:pic>
-        <p:nvPicPr>
-          <p:cNvPr id="1027" name="Picture 3"/>
-          <p:cNvPicPr>
-            <a:picLocks noChangeAspect="1" noChangeArrowheads="1"/>
-          </p:cNvPicPr>
-          <p:nvPr/>
-        </p:nvPicPr>
-        <p:blipFill>
-          <a:blip r:embed="rId2" cstate="print"/>
-          <a:srcRect/>
-          <a:stretch>
-            <a:fillRect/>
-          </a:stretch>
-        </p:blipFill>
-        <p:spPr bwMode="auto">
-          <a:xfrm rot="16200000">
-            <a:off x="4591051" y="2200275"/>
-            <a:ext cx="2962275" cy="6048375"/>
-          </a:xfrm>
-          <a:prstGeom prst="rect">
-            <a:avLst/>
-          </a:prstGeom>
-          <a:noFill/>
-          <a:ln w="9525">
-            <a:noFill/>
-            <a:miter lim="800000"/>
-            <a:headEnd/>
-            <a:tailEnd/>
-          </a:ln>
-        </p:spPr>
-      </p:pic>
-      <p:pic>
-        <p:nvPicPr>
-          <p:cNvPr id="1028" name="Picture 4"/>
-          <p:cNvPicPr>
-            <a:picLocks noChangeAspect="1" noChangeArrowheads="1"/>
-          </p:cNvPicPr>
-          <p:nvPr/>
-        </p:nvPicPr>
-        <p:blipFill>
-          <a:blip r:embed="rId3" cstate="print"/>
-          <a:srcRect/>
-          <a:stretch>
-            <a:fillRect/>
-          </a:stretch>
-        </p:blipFill>
-        <p:spPr bwMode="auto">
-          <a:xfrm rot="16200000">
-            <a:off x="-323849" y="3600450"/>
-            <a:ext cx="3590925" cy="2638425"/>
-          </a:xfrm>
-          <a:prstGeom prst="rect">
-            <a:avLst/>
-          </a:prstGeom>
-          <a:noFill/>
-          <a:ln w="9525">
-            <a:noFill/>
-            <a:miter lim="800000"/>
-            <a:headEnd/>
-            <a:tailEnd/>
-          </a:ln>
-        </p:spPr>
-      </p:pic>
-    </p:spTree>
-  </p:cSld>
-  <p:clrMapOvr>
-    <a:masterClrMapping/>
-  </p:clrMapOvr>
-</p:sld>
-</file>
-
-<file path=ppt/slides/slide30.xml><?xml version="1.0" encoding="utf-8"?>
+<file path=ppt/slides/slide31.xml><?xml version="1.0" encoding="utf-8"?>
 <p:sld xmlns:a="http://schemas.openxmlformats.org/drawingml/2006/main" xmlns:r="http://schemas.openxmlformats.org/officeDocument/2006/relationships" xmlns:p="http://schemas.openxmlformats.org/presentationml/2006/main">
   <p:cSld>
     <p:spTree>
@@ -19754,11 +19890,7 @@
           <a:p>
             <a:r>
               <a:rPr lang="en-US" sz="1200" dirty="0" smtClean="0"/>
-              <a:t>Dynamic Programming (DP): </a:t>
-            </a:r>
-            <a:r>
-              <a:rPr lang="en-US" sz="1200" dirty="0" smtClean="0"/>
-              <a:t>0/1 Knapsack</a:t>
+              <a:t>Dynamic Programming (DP): 0/1 Knapsack</a:t>
             </a:r>
             <a:endParaRPr lang="en-US" sz="1200" dirty="0"/>
           </a:p>
@@ -19772,7 +19904,7 @@
 </p:sld>
 </file>
 
-<file path=ppt/slides/slide31.xml><?xml version="1.0" encoding="utf-8"?>
+<file path=ppt/slides/slide32.xml><?xml version="1.0" encoding="utf-8"?>
 <p:sld xmlns:a="http://schemas.openxmlformats.org/drawingml/2006/main" xmlns:r="http://schemas.openxmlformats.org/officeDocument/2006/relationships" xmlns:p="http://schemas.openxmlformats.org/presentationml/2006/main">
   <p:cSld>
     <p:spTree>
@@ -19823,7 +19955,7 @@
       </p:pic>
       <p:pic>
         <p:nvPicPr>
-          <p:cNvPr id="1028" name="Picture 4"/>
+          <p:cNvPr id="5" name="Picture 5"/>
           <p:cNvPicPr>
             <a:picLocks noChangeAspect="1" noChangeArrowheads="1"/>
           </p:cNvPicPr>
@@ -19831,38 +19963,6 @@
         </p:nvPicPr>
         <p:blipFill>
           <a:blip r:embed="rId3" cstate="print"/>
-          <a:srcRect/>
-          <a:stretch>
-            <a:fillRect/>
-          </a:stretch>
-        </p:blipFill>
-        <p:spPr bwMode="auto">
-          <a:xfrm>
-            <a:off x="7490178" y="228600"/>
-            <a:ext cx="1425222" cy="4191000"/>
-          </a:xfrm>
-          <a:prstGeom prst="rect">
-            <a:avLst/>
-          </a:prstGeom>
-          <a:noFill/>
-          <a:ln w="9525">
-            <a:noFill/>
-            <a:miter lim="800000"/>
-            <a:headEnd/>
-            <a:tailEnd/>
-          </a:ln>
-        </p:spPr>
-      </p:pic>
-      <p:pic>
-        <p:nvPicPr>
-          <p:cNvPr id="5" name="Picture 5"/>
-          <p:cNvPicPr>
-            <a:picLocks noChangeAspect="1" noChangeArrowheads="1"/>
-          </p:cNvPicPr>
-          <p:nvPr/>
-        </p:nvPicPr>
-        <p:blipFill>
-          <a:blip r:embed="rId4" cstate="print"/>
           <a:srcRect/>
           <a:stretch>
             <a:fillRect/>
@@ -19915,6 +20015,38 @@
           </a:p>
         </p:txBody>
       </p:sp>
+      <p:pic>
+        <p:nvPicPr>
+          <p:cNvPr id="3074" name="Picture 2"/>
+          <p:cNvPicPr>
+            <a:picLocks noChangeAspect="1" noChangeArrowheads="1"/>
+          </p:cNvPicPr>
+          <p:nvPr/>
+        </p:nvPicPr>
+        <p:blipFill>
+          <a:blip r:embed="rId4" cstate="print"/>
+          <a:srcRect/>
+          <a:stretch>
+            <a:fillRect/>
+          </a:stretch>
+        </p:blipFill>
+        <p:spPr bwMode="auto">
+          <a:xfrm>
+            <a:off x="7077075" y="228600"/>
+            <a:ext cx="1762125" cy="3508656"/>
+          </a:xfrm>
+          <a:prstGeom prst="rect">
+            <a:avLst/>
+          </a:prstGeom>
+          <a:noFill/>
+          <a:ln w="9525">
+            <a:noFill/>
+            <a:miter lim="800000"/>
+            <a:headEnd/>
+            <a:tailEnd/>
+          </a:ln>
+        </p:spPr>
+      </p:pic>
     </p:spTree>
   </p:cSld>
   <p:clrMapOvr>
@@ -19923,7 +20055,7 @@
 </p:sld>
 </file>
 
-<file path=ppt/slides/slide32.xml><?xml version="1.0" encoding="utf-8"?>
+<file path=ppt/slides/slide33.xml><?xml version="1.0" encoding="utf-8"?>
 <p:sld xmlns:a="http://schemas.openxmlformats.org/drawingml/2006/main" xmlns:r="http://schemas.openxmlformats.org/officeDocument/2006/relationships" xmlns:p="http://schemas.openxmlformats.org/presentationml/2006/main">
   <p:cSld>
     <p:spTree>
@@ -20074,7 +20206,354 @@
 </p:sld>
 </file>
 
+<file path=ppt/slides/slide34.xml><?xml version="1.0" encoding="utf-8"?>
+<p:sld xmlns:a="http://schemas.openxmlformats.org/drawingml/2006/main" xmlns:r="http://schemas.openxmlformats.org/officeDocument/2006/relationships" xmlns:p="http://schemas.openxmlformats.org/presentationml/2006/main">
+  <p:cSld>
+    <p:spTree>
+      <p:nvGrpSpPr>
+        <p:cNvPr id="1" name=""/>
+        <p:cNvGrpSpPr/>
+        <p:nvPr/>
+      </p:nvGrpSpPr>
+      <p:grpSpPr>
+        <a:xfrm>
+          <a:off x="0" y="0"/>
+          <a:ext cx="0" cy="0"/>
+          <a:chOff x="0" y="0"/>
+          <a:chExt cx="0" cy="0"/>
+        </a:xfrm>
+      </p:grpSpPr>
+      <p:grpSp>
+        <p:nvGrpSpPr>
+          <p:cNvPr id="16" name="Group 15"/>
+          <p:cNvGrpSpPr/>
+          <p:nvPr/>
+        </p:nvGrpSpPr>
+        <p:grpSpPr>
+          <a:xfrm>
+            <a:off x="152400" y="342900"/>
+            <a:ext cx="8839200" cy="6172200"/>
+            <a:chOff x="152400" y="152400"/>
+            <a:chExt cx="8839200" cy="6172200"/>
+          </a:xfrm>
+        </p:grpSpPr>
+        <p:grpSp>
+          <p:nvGrpSpPr>
+            <p:cNvPr id="15" name="Group 14"/>
+            <p:cNvGrpSpPr/>
+            <p:nvPr/>
+          </p:nvGrpSpPr>
+          <p:grpSpPr>
+            <a:xfrm>
+              <a:off x="152400" y="152400"/>
+              <a:ext cx="8839200" cy="3048000"/>
+              <a:chOff x="152400" y="152400"/>
+              <a:chExt cx="8839200" cy="3048000"/>
+            </a:xfrm>
+          </p:grpSpPr>
+          <p:pic>
+            <p:nvPicPr>
+              <p:cNvPr id="1026" name="Picture 2" descr="https://documents.lucidchart.com/documents/14fd326f-785e-4357-a295-dcf50f379366/pages/YGcM5DNywbTK?a=1046&amp;x=29&amp;y=29&amp;w=662&amp;h=662&amp;store=1&amp;accept=image%2F*&amp;auth=LCA%2045508821ee7b3be5614effb5c9016ed99afe184a-ts%3D1525820511"/>
+              <p:cNvPicPr>
+                <a:picLocks noChangeAspect="1" noChangeArrowheads="1"/>
+              </p:cNvPicPr>
+              <p:nvPr/>
+            </p:nvPicPr>
+            <p:blipFill>
+              <a:blip r:embed="rId2" cstate="print"/>
+              <a:srcRect/>
+              <a:stretch>
+                <a:fillRect/>
+              </a:stretch>
+            </p:blipFill>
+            <p:spPr bwMode="auto">
+              <a:xfrm>
+                <a:off x="152400" y="152400"/>
+                <a:ext cx="3048000" cy="3048000"/>
+              </a:xfrm>
+              <a:prstGeom prst="rect">
+                <a:avLst/>
+              </a:prstGeom>
+              <a:noFill/>
+            </p:spPr>
+          </p:pic>
+          <p:pic>
+            <p:nvPicPr>
+              <p:cNvPr id="4" name="Picture 2" descr="https://documents.lucidchart.com/documents/14fd326f-785e-4357-a295-dcf50f379366/pages/YGcM5DNywbTK?a=1046&amp;x=29&amp;y=29&amp;w=662&amp;h=662&amp;store=1&amp;accept=image%2F*&amp;auth=LCA%2045508821ee7b3be5614effb5c9016ed99afe184a-ts%3D1525820511"/>
+              <p:cNvPicPr>
+                <a:picLocks noChangeAspect="1" noChangeArrowheads="1"/>
+              </p:cNvPicPr>
+              <p:nvPr/>
+            </p:nvPicPr>
+            <p:blipFill>
+              <a:blip r:embed="rId2" cstate="print"/>
+              <a:srcRect/>
+              <a:stretch>
+                <a:fillRect/>
+              </a:stretch>
+            </p:blipFill>
+            <p:spPr bwMode="auto">
+              <a:xfrm>
+                <a:off x="3048000" y="152400"/>
+                <a:ext cx="3048000" cy="3048000"/>
+              </a:xfrm>
+              <a:prstGeom prst="rect">
+                <a:avLst/>
+              </a:prstGeom>
+              <a:noFill/>
+            </p:spPr>
+          </p:pic>
+          <p:pic>
+            <p:nvPicPr>
+              <p:cNvPr id="9" name="Picture 2" descr="https://documents.lucidchart.com/documents/14fd326f-785e-4357-a295-dcf50f379366/pages/YGcM5DNywbTK?a=1046&amp;x=29&amp;y=29&amp;w=662&amp;h=662&amp;store=1&amp;accept=image%2F*&amp;auth=LCA%2045508821ee7b3be5614effb5c9016ed99afe184a-ts%3D1525820511"/>
+              <p:cNvPicPr>
+                <a:picLocks noChangeAspect="1" noChangeArrowheads="1"/>
+              </p:cNvPicPr>
+              <p:nvPr/>
+            </p:nvPicPr>
+            <p:blipFill>
+              <a:blip r:embed="rId2" cstate="print"/>
+              <a:srcRect/>
+              <a:stretch>
+                <a:fillRect/>
+              </a:stretch>
+            </p:blipFill>
+            <p:spPr bwMode="auto">
+              <a:xfrm>
+                <a:off x="5943600" y="152400"/>
+                <a:ext cx="3048000" cy="3048000"/>
+              </a:xfrm>
+              <a:prstGeom prst="rect">
+                <a:avLst/>
+              </a:prstGeom>
+              <a:noFill/>
+            </p:spPr>
+          </p:pic>
+        </p:grpSp>
+        <p:grpSp>
+          <p:nvGrpSpPr>
+            <p:cNvPr id="14" name="Group 13"/>
+            <p:cNvGrpSpPr/>
+            <p:nvPr/>
+          </p:nvGrpSpPr>
+          <p:grpSpPr>
+            <a:xfrm>
+              <a:off x="152400" y="3276600"/>
+              <a:ext cx="8839200" cy="3048000"/>
+              <a:chOff x="152400" y="3276600"/>
+              <a:chExt cx="8839200" cy="3048000"/>
+            </a:xfrm>
+          </p:grpSpPr>
+          <p:pic>
+            <p:nvPicPr>
+              <p:cNvPr id="11" name="Picture 2" descr="https://documents.lucidchart.com/documents/14fd326f-785e-4357-a295-dcf50f379366/pages/YGcM5DNywbTK?a=1046&amp;x=29&amp;y=29&amp;w=662&amp;h=662&amp;store=1&amp;accept=image%2F*&amp;auth=LCA%2045508821ee7b3be5614effb5c9016ed99afe184a-ts%3D1525820511"/>
+              <p:cNvPicPr>
+                <a:picLocks noChangeAspect="1" noChangeArrowheads="1"/>
+              </p:cNvPicPr>
+              <p:nvPr/>
+            </p:nvPicPr>
+            <p:blipFill>
+              <a:blip r:embed="rId2" cstate="print"/>
+              <a:srcRect/>
+              <a:stretch>
+                <a:fillRect/>
+              </a:stretch>
+            </p:blipFill>
+            <p:spPr bwMode="auto">
+              <a:xfrm>
+                <a:off x="152400" y="3276600"/>
+                <a:ext cx="3048000" cy="3048000"/>
+              </a:xfrm>
+              <a:prstGeom prst="rect">
+                <a:avLst/>
+              </a:prstGeom>
+              <a:noFill/>
+            </p:spPr>
+          </p:pic>
+          <p:pic>
+            <p:nvPicPr>
+              <p:cNvPr id="12" name="Picture 2" descr="https://documents.lucidchart.com/documents/14fd326f-785e-4357-a295-dcf50f379366/pages/YGcM5DNywbTK?a=1046&amp;x=29&amp;y=29&amp;w=662&amp;h=662&amp;store=1&amp;accept=image%2F*&amp;auth=LCA%2045508821ee7b3be5614effb5c9016ed99afe184a-ts%3D1525820511"/>
+              <p:cNvPicPr>
+                <a:picLocks noChangeAspect="1" noChangeArrowheads="1"/>
+              </p:cNvPicPr>
+              <p:nvPr/>
+            </p:nvPicPr>
+            <p:blipFill>
+              <a:blip r:embed="rId2" cstate="print"/>
+              <a:srcRect/>
+              <a:stretch>
+                <a:fillRect/>
+              </a:stretch>
+            </p:blipFill>
+            <p:spPr bwMode="auto">
+              <a:xfrm>
+                <a:off x="3048000" y="3276600"/>
+                <a:ext cx="3048000" cy="3048000"/>
+              </a:xfrm>
+              <a:prstGeom prst="rect">
+                <a:avLst/>
+              </a:prstGeom>
+              <a:noFill/>
+            </p:spPr>
+          </p:pic>
+          <p:pic>
+            <p:nvPicPr>
+              <p:cNvPr id="13" name="Picture 2" descr="https://documents.lucidchart.com/documents/14fd326f-785e-4357-a295-dcf50f379366/pages/YGcM5DNywbTK?a=1046&amp;x=29&amp;y=29&amp;w=662&amp;h=662&amp;store=1&amp;accept=image%2F*&amp;auth=LCA%2045508821ee7b3be5614effb5c9016ed99afe184a-ts%3D1525820511"/>
+              <p:cNvPicPr>
+                <a:picLocks noChangeAspect="1" noChangeArrowheads="1"/>
+              </p:cNvPicPr>
+              <p:nvPr/>
+            </p:nvPicPr>
+            <p:blipFill>
+              <a:blip r:embed="rId2" cstate="print"/>
+              <a:srcRect/>
+              <a:stretch>
+                <a:fillRect/>
+              </a:stretch>
+            </p:blipFill>
+            <p:spPr bwMode="auto">
+              <a:xfrm>
+                <a:off x="5943600" y="3276600"/>
+                <a:ext cx="3048000" cy="3048000"/>
+              </a:xfrm>
+              <a:prstGeom prst="rect">
+                <a:avLst/>
+              </a:prstGeom>
+              <a:noFill/>
+            </p:spPr>
+          </p:pic>
+        </p:grpSp>
+      </p:grpSp>
+    </p:spTree>
+  </p:cSld>
+  <p:clrMapOvr>
+    <a:masterClrMapping/>
+  </p:clrMapOvr>
+</p:sld>
+</file>
+
 <file path=ppt/slides/slide4.xml><?xml version="1.0" encoding="utf-8"?>
+<p:sld xmlns:a="http://schemas.openxmlformats.org/drawingml/2006/main" xmlns:r="http://schemas.openxmlformats.org/officeDocument/2006/relationships" xmlns:p="http://schemas.openxmlformats.org/presentationml/2006/main">
+  <p:cSld>
+    <p:spTree>
+      <p:nvGrpSpPr>
+        <p:cNvPr id="1" name=""/>
+        <p:cNvGrpSpPr/>
+        <p:nvPr/>
+      </p:nvGrpSpPr>
+      <p:grpSpPr>
+        <a:xfrm>
+          <a:off x="0" y="0"/>
+          <a:ext cx="0" cy="0"/>
+          <a:chOff x="0" y="0"/>
+          <a:chExt cx="0" cy="0"/>
+        </a:xfrm>
+      </p:grpSpPr>
+      <p:pic>
+        <p:nvPicPr>
+          <p:cNvPr id="1026" name="Picture 2"/>
+          <p:cNvPicPr>
+            <a:picLocks noChangeAspect="1" noChangeArrowheads="1"/>
+          </p:cNvPicPr>
+          <p:nvPr/>
+        </p:nvPicPr>
+        <p:blipFill>
+          <a:blip r:embed="rId2" cstate="print"/>
+          <a:srcRect/>
+          <a:stretch>
+            <a:fillRect/>
+          </a:stretch>
+        </p:blipFill>
+        <p:spPr bwMode="auto">
+          <a:xfrm>
+            <a:off x="228600" y="152400"/>
+            <a:ext cx="3724275" cy="4305300"/>
+          </a:xfrm>
+          <a:prstGeom prst="rect">
+            <a:avLst/>
+          </a:prstGeom>
+          <a:noFill/>
+          <a:ln w="9525">
+            <a:noFill/>
+            <a:miter lim="800000"/>
+            <a:headEnd/>
+            <a:tailEnd/>
+          </a:ln>
+        </p:spPr>
+      </p:pic>
+      <p:pic>
+        <p:nvPicPr>
+          <p:cNvPr id="1027" name="Picture 3"/>
+          <p:cNvPicPr>
+            <a:picLocks noChangeAspect="1" noChangeArrowheads="1"/>
+          </p:cNvPicPr>
+          <p:nvPr/>
+        </p:nvPicPr>
+        <p:blipFill>
+          <a:blip r:embed="rId3" cstate="print"/>
+          <a:srcRect/>
+          <a:stretch>
+            <a:fillRect/>
+          </a:stretch>
+        </p:blipFill>
+        <p:spPr bwMode="auto">
+          <a:xfrm>
+            <a:off x="8382000" y="152400"/>
+            <a:ext cx="409524" cy="1104762"/>
+          </a:xfrm>
+          <a:prstGeom prst="rect">
+            <a:avLst/>
+          </a:prstGeom>
+          <a:noFill/>
+          <a:ln w="9525">
+            <a:noFill/>
+            <a:miter lim="800000"/>
+            <a:headEnd/>
+            <a:tailEnd/>
+          </a:ln>
+        </p:spPr>
+      </p:pic>
+      <p:pic>
+        <p:nvPicPr>
+          <p:cNvPr id="1030" name="Picture 6"/>
+          <p:cNvPicPr>
+            <a:picLocks noChangeAspect="1" noChangeArrowheads="1"/>
+          </p:cNvPicPr>
+          <p:nvPr/>
+        </p:nvPicPr>
+        <p:blipFill>
+          <a:blip r:embed="rId4" cstate="print"/>
+          <a:srcRect/>
+          <a:stretch>
+            <a:fillRect/>
+          </a:stretch>
+        </p:blipFill>
+        <p:spPr bwMode="auto">
+          <a:xfrm>
+            <a:off x="7848600" y="152400"/>
+            <a:ext cx="428625" cy="2228850"/>
+          </a:xfrm>
+          <a:prstGeom prst="rect">
+            <a:avLst/>
+          </a:prstGeom>
+          <a:noFill/>
+          <a:ln w="9525">
+            <a:noFill/>
+            <a:miter lim="800000"/>
+            <a:headEnd/>
+            <a:tailEnd/>
+          </a:ln>
+        </p:spPr>
+      </p:pic>
+    </p:spTree>
+  </p:cSld>
+  <p:clrMapOvr>
+    <a:masterClrMapping/>
+  </p:clrMapOvr>
+</p:sld>
+</file>
+
+<file path=ppt/slides/slide5.xml><?xml version="1.0" encoding="utf-8"?>
 <p:sld xmlns:a="http://schemas.openxmlformats.org/drawingml/2006/main" xmlns:r="http://schemas.openxmlformats.org/officeDocument/2006/relationships" xmlns:p="http://schemas.openxmlformats.org/presentationml/2006/main">
   <p:cSld>
     <p:spTree>
@@ -20397,7 +20876,7 @@
 </p:sld>
 </file>
 
-<file path=ppt/slides/slide5.xml><?xml version="1.0" encoding="utf-8"?>
+<file path=ppt/slides/slide6.xml><?xml version="1.0" encoding="utf-8"?>
 <p:sld xmlns:a="http://schemas.openxmlformats.org/drawingml/2006/main" xmlns:r="http://schemas.openxmlformats.org/officeDocument/2006/relationships" xmlns:p="http://schemas.openxmlformats.org/presentationml/2006/main">
   <p:cSld>
     <p:spTree>
@@ -20475,7 +20954,7 @@
 </p:sld>
 </file>
 
-<file path=ppt/slides/slide6.xml><?xml version="1.0" encoding="utf-8"?>
+<file path=ppt/slides/slide7.xml><?xml version="1.0" encoding="utf-8"?>
 <p:sld xmlns:a="http://schemas.openxmlformats.org/drawingml/2006/main" xmlns:r="http://schemas.openxmlformats.org/officeDocument/2006/relationships" xmlns:p="http://schemas.openxmlformats.org/presentationml/2006/main">
   <p:cSld>
     <p:spTree>
@@ -20648,7 +21127,7 @@
 </p:sld>
 </file>
 
-<file path=ppt/slides/slide7.xml><?xml version="1.0" encoding="utf-8"?>
+<file path=ppt/slides/slide8.xml><?xml version="1.0" encoding="utf-8"?>
 <p:sld xmlns:a="http://schemas.openxmlformats.org/drawingml/2006/main" xmlns:r="http://schemas.openxmlformats.org/officeDocument/2006/relationships" xmlns:p="http://schemas.openxmlformats.org/presentationml/2006/main">
   <p:cSld>
     <p:spTree>
@@ -20934,7 +21413,7 @@
 </p:sld>
 </file>
 
-<file path=ppt/slides/slide8.xml><?xml version="1.0" encoding="utf-8"?>
+<file path=ppt/slides/slide9.xml><?xml version="1.0" encoding="utf-8"?>
 <p:sld xmlns:a="http://schemas.openxmlformats.org/drawingml/2006/main" xmlns:r="http://schemas.openxmlformats.org/officeDocument/2006/relationships" xmlns:p="http://schemas.openxmlformats.org/presentationml/2006/main">
   <p:cSld>
     <p:spTree>
@@ -21059,152 +21538,6 @@
           <a:xfrm>
             <a:off x="4419600" y="219075"/>
             <a:ext cx="4714875" cy="5876925"/>
-          </a:xfrm>
-          <a:prstGeom prst="rect">
-            <a:avLst/>
-          </a:prstGeom>
-          <a:noFill/>
-          <a:ln w="9525">
-            <a:noFill/>
-            <a:miter lim="800000"/>
-            <a:headEnd/>
-            <a:tailEnd/>
-          </a:ln>
-        </p:spPr>
-      </p:pic>
-    </p:spTree>
-  </p:cSld>
-  <p:clrMapOvr>
-    <a:masterClrMapping/>
-  </p:clrMapOvr>
-</p:sld>
-</file>
-
-<file path=ppt/slides/slide9.xml><?xml version="1.0" encoding="utf-8"?>
-<p:sld xmlns:a="http://schemas.openxmlformats.org/drawingml/2006/main" xmlns:r="http://schemas.openxmlformats.org/officeDocument/2006/relationships" xmlns:p="http://schemas.openxmlformats.org/presentationml/2006/main">
-  <p:cSld>
-    <p:spTree>
-      <p:nvGrpSpPr>
-        <p:cNvPr id="1" name=""/>
-        <p:cNvGrpSpPr/>
-        <p:nvPr/>
-      </p:nvGrpSpPr>
-      <p:grpSpPr>
-        <a:xfrm>
-          <a:off x="0" y="0"/>
-          <a:ext cx="0" cy="0"/>
-          <a:chOff x="0" y="0"/>
-          <a:chExt cx="0" cy="0"/>
-        </a:xfrm>
-      </p:grpSpPr>
-      <p:pic>
-        <p:nvPicPr>
-          <p:cNvPr id="2" name="Picture 4" descr="https://documents.lucidchart.com/documents/dfc3c2ca-e536-4306-a9f8-3dbc98030bd9/pages/0_0?a=464&amp;x=71&amp;y=45&amp;w=617&amp;h=164&amp;store=1&amp;accept=image%2F*&amp;auth=LCA%20f9928d6348a38a990ac5d913eced5b3a1cbd63a8-ts%3D1474064470"/>
-          <p:cNvPicPr>
-            <a:picLocks noChangeAspect="1" noChangeArrowheads="1"/>
-          </p:cNvPicPr>
-          <p:nvPr/>
-        </p:nvPicPr>
-        <p:blipFill>
-          <a:blip r:embed="rId2" cstate="print"/>
-          <a:srcRect/>
-          <a:stretch>
-            <a:fillRect/>
-          </a:stretch>
-        </p:blipFill>
-        <p:spPr bwMode="auto">
-          <a:xfrm>
-            <a:off x="304801" y="152401"/>
-            <a:ext cx="3810000" cy="1012160"/>
-          </a:xfrm>
-          <a:prstGeom prst="rect">
-            <a:avLst/>
-          </a:prstGeom>
-          <a:noFill/>
-        </p:spPr>
-      </p:pic>
-      <p:pic>
-        <p:nvPicPr>
-          <p:cNvPr id="2050" name="Picture 2"/>
-          <p:cNvPicPr>
-            <a:picLocks noChangeAspect="1" noChangeArrowheads="1"/>
-          </p:cNvPicPr>
-          <p:nvPr/>
-        </p:nvPicPr>
-        <p:blipFill>
-          <a:blip r:embed="rId3" cstate="print"/>
-          <a:srcRect/>
-          <a:stretch>
-            <a:fillRect/>
-          </a:stretch>
-        </p:blipFill>
-        <p:spPr bwMode="auto">
-          <a:xfrm>
-            <a:off x="152400" y="1795114"/>
-            <a:ext cx="2160000" cy="4834286"/>
-          </a:xfrm>
-          <a:prstGeom prst="rect">
-            <a:avLst/>
-          </a:prstGeom>
-          <a:noFill/>
-          <a:ln w="9525">
-            <a:noFill/>
-            <a:miter lim="800000"/>
-            <a:headEnd/>
-            <a:tailEnd/>
-          </a:ln>
-        </p:spPr>
-      </p:pic>
-      <p:pic>
-        <p:nvPicPr>
-          <p:cNvPr id="2051" name="Picture 3"/>
-          <p:cNvPicPr>
-            <a:picLocks noChangeAspect="1" noChangeArrowheads="1"/>
-          </p:cNvPicPr>
-          <p:nvPr/>
-        </p:nvPicPr>
-        <p:blipFill>
-          <a:blip r:embed="rId4" cstate="print"/>
-          <a:stretch>
-            <a:fillRect/>
-          </a:stretch>
-        </p:blipFill>
-        <p:spPr bwMode="auto">
-          <a:xfrm>
-            <a:off x="2321485" y="1648371"/>
-            <a:ext cx="1945715" cy="4371429"/>
-          </a:xfrm>
-          <a:prstGeom prst="rect">
-            <a:avLst/>
-          </a:prstGeom>
-          <a:noFill/>
-          <a:ln w="9525">
-            <a:noFill/>
-            <a:miter lim="800000"/>
-            <a:headEnd/>
-            <a:tailEnd/>
-          </a:ln>
-        </p:spPr>
-      </p:pic>
-      <p:pic>
-        <p:nvPicPr>
-          <p:cNvPr id="3075" name="Picture 3"/>
-          <p:cNvPicPr>
-            <a:picLocks noChangeAspect="1" noChangeArrowheads="1"/>
-          </p:cNvPicPr>
-          <p:nvPr/>
-        </p:nvPicPr>
-        <p:blipFill>
-          <a:blip r:embed="rId5" cstate="print"/>
-          <a:srcRect/>
-          <a:stretch>
-            <a:fillRect/>
-          </a:stretch>
-        </p:blipFill>
-        <p:spPr bwMode="auto">
-          <a:xfrm>
-            <a:off x="5200650" y="19050"/>
-            <a:ext cx="3867150" cy="5086350"/>
           </a:xfrm>
           <a:prstGeom prst="rect">
             <a:avLst/>

--- a/EBooks/Diagrams.pptx
+++ b/EBooks/Diagrams.pptx
@@ -20481,70 +20481,164 @@
           </a:ln>
         </p:spPr>
       </p:pic>
-      <p:pic>
-        <p:nvPicPr>
-          <p:cNvPr id="1027" name="Picture 3"/>
-          <p:cNvPicPr>
-            <a:picLocks noChangeAspect="1" noChangeArrowheads="1"/>
-          </p:cNvPicPr>
+      <p:grpSp>
+        <p:nvGrpSpPr>
+          <p:cNvPr id="12" name="Group 11"/>
+          <p:cNvGrpSpPr/>
           <p:nvPr/>
-        </p:nvPicPr>
-        <p:blipFill>
-          <a:blip r:embed="rId3" cstate="print"/>
-          <a:srcRect/>
-          <a:stretch>
-            <a:fillRect/>
-          </a:stretch>
-        </p:blipFill>
-        <p:spPr bwMode="auto">
+        </p:nvGrpSpPr>
+        <p:grpSpPr>
           <a:xfrm>
-            <a:off x="8382000" y="152400"/>
-            <a:ext cx="409524" cy="1104762"/>
+            <a:off x="6572250" y="304800"/>
+            <a:ext cx="1628775" cy="4533900"/>
+            <a:chOff x="6572250" y="304800"/>
+            <a:chExt cx="1628775" cy="4533900"/>
           </a:xfrm>
-          <a:prstGeom prst="rect">
-            <a:avLst/>
-          </a:prstGeom>
-          <a:noFill/>
-          <a:ln w="9525">
+        </p:grpSpPr>
+        <p:pic>
+          <p:nvPicPr>
+            <p:cNvPr id="1034" name="Picture 10"/>
+            <p:cNvPicPr>
+              <a:picLocks noChangeAspect="1" noChangeArrowheads="1"/>
+            </p:cNvPicPr>
+            <p:nvPr/>
+          </p:nvPicPr>
+          <p:blipFill>
+            <a:blip r:embed="rId3" cstate="print"/>
+            <a:srcRect/>
+            <a:stretch>
+              <a:fillRect/>
+            </a:stretch>
+          </p:blipFill>
+          <p:spPr bwMode="auto">
+            <a:xfrm>
+              <a:off x="6572250" y="304800"/>
+              <a:ext cx="1428750" cy="4533900"/>
+            </a:xfrm>
+            <a:prstGeom prst="rect">
+              <a:avLst/>
+            </a:prstGeom>
             <a:noFill/>
-            <a:miter lim="800000"/>
-            <a:headEnd/>
-            <a:tailEnd/>
-          </a:ln>
-        </p:spPr>
-      </p:pic>
-      <p:pic>
-        <p:nvPicPr>
-          <p:cNvPr id="1030" name="Picture 6"/>
-          <p:cNvPicPr>
-            <a:picLocks noChangeAspect="1" noChangeArrowheads="1"/>
-          </p:cNvPicPr>
+            <a:ln w="9525">
+              <a:noFill/>
+              <a:miter lim="800000"/>
+              <a:headEnd/>
+              <a:tailEnd/>
+            </a:ln>
+          </p:spPr>
+        </p:pic>
+        <p:pic>
+          <p:nvPicPr>
+            <p:cNvPr id="1030" name="Picture 6"/>
+            <p:cNvPicPr>
+              <a:picLocks noChangeAspect="1" noChangeArrowheads="1"/>
+            </p:cNvPicPr>
+            <p:nvPr/>
+          </p:nvPicPr>
+          <p:blipFill>
+            <a:blip r:embed="rId4" cstate="print"/>
+            <a:srcRect/>
+            <a:stretch>
+              <a:fillRect/>
+            </a:stretch>
+          </p:blipFill>
+          <p:spPr bwMode="auto">
+            <a:xfrm>
+              <a:off x="7772400" y="304800"/>
+              <a:ext cx="428625" cy="2228850"/>
+            </a:xfrm>
+            <a:prstGeom prst="rect">
+              <a:avLst/>
+            </a:prstGeom>
+            <a:noFill/>
+            <a:ln w="9525">
+              <a:noFill/>
+              <a:miter lim="800000"/>
+              <a:headEnd/>
+              <a:tailEnd/>
+            </a:ln>
+          </p:spPr>
+        </p:pic>
+      </p:grpSp>
+      <p:grpSp>
+        <p:nvGrpSpPr>
+          <p:cNvPr id="11" name="Group 10"/>
+          <p:cNvGrpSpPr/>
           <p:nvPr/>
-        </p:nvPicPr>
-        <p:blipFill>
-          <a:blip r:embed="rId4" cstate="print"/>
-          <a:srcRect/>
-          <a:stretch>
-            <a:fillRect/>
-          </a:stretch>
-        </p:blipFill>
-        <p:spPr bwMode="auto">
+        </p:nvGrpSpPr>
+        <p:grpSpPr>
           <a:xfrm>
-            <a:off x="7848600" y="152400"/>
-            <a:ext cx="428625" cy="2228850"/>
+            <a:off x="4191000" y="304800"/>
+            <a:ext cx="1552524" cy="2324100"/>
+            <a:chOff x="4191000" y="304800"/>
+            <a:chExt cx="1552524" cy="2324100"/>
           </a:xfrm>
-          <a:prstGeom prst="rect">
-            <a:avLst/>
-          </a:prstGeom>
-          <a:noFill/>
-          <a:ln w="9525">
+        </p:grpSpPr>
+        <p:pic>
+          <p:nvPicPr>
+            <p:cNvPr id="1027" name="Picture 3"/>
+            <p:cNvPicPr>
+              <a:picLocks noChangeAspect="1" noChangeArrowheads="1"/>
+            </p:cNvPicPr>
+            <p:nvPr/>
+          </p:nvPicPr>
+          <p:blipFill>
+            <a:blip r:embed="rId5" cstate="print"/>
+            <a:srcRect/>
+            <a:stretch>
+              <a:fillRect/>
+            </a:stretch>
+          </p:blipFill>
+          <p:spPr bwMode="auto">
+            <a:xfrm>
+              <a:off x="5334000" y="304800"/>
+              <a:ext cx="409524" cy="1104762"/>
+            </a:xfrm>
+            <a:prstGeom prst="rect">
+              <a:avLst/>
+            </a:prstGeom>
             <a:noFill/>
-            <a:miter lim="800000"/>
-            <a:headEnd/>
-            <a:tailEnd/>
-          </a:ln>
-        </p:spPr>
-      </p:pic>
+            <a:ln w="9525">
+              <a:noFill/>
+              <a:miter lim="800000"/>
+              <a:headEnd/>
+              <a:tailEnd/>
+            </a:ln>
+          </p:spPr>
+        </p:pic>
+        <p:pic>
+          <p:nvPicPr>
+            <p:cNvPr id="1032" name="Picture 8"/>
+            <p:cNvPicPr>
+              <a:picLocks noChangeAspect="1" noChangeArrowheads="1"/>
+            </p:cNvPicPr>
+            <p:nvPr/>
+          </p:nvPicPr>
+          <p:blipFill>
+            <a:blip r:embed="rId6" cstate="print"/>
+            <a:srcRect/>
+            <a:stretch>
+              <a:fillRect/>
+            </a:stretch>
+          </p:blipFill>
+          <p:spPr bwMode="auto">
+            <a:xfrm>
+              <a:off x="4191000" y="304800"/>
+              <a:ext cx="1104900" cy="2324100"/>
+            </a:xfrm>
+            <a:prstGeom prst="rect">
+              <a:avLst/>
+            </a:prstGeom>
+            <a:noFill/>
+            <a:ln w="9525">
+              <a:noFill/>
+              <a:miter lim="800000"/>
+              <a:headEnd/>
+              <a:tailEnd/>
+            </a:ln>
+          </p:spPr>
+        </p:pic>
+      </p:grpSp>
     </p:spTree>
   </p:cSld>
   <p:clrMapOvr>

--- a/EBooks/Diagrams.pptx
+++ b/EBooks/Diagrams.pptx
@@ -5,7 +5,7 @@
     <p:sldMasterId id="2147483648" r:id="rId1"/>
   </p:sldMasterIdLst>
   <p:notesMasterIdLst>
-    <p:notesMasterId r:id="rId36"/>
+    <p:notesMasterId r:id="rId42"/>
   </p:notesMasterIdLst>
   <p:sldIdLst>
     <p:sldId id="275" r:id="rId2"/>
@@ -42,6 +42,12 @@
     <p:sldId id="293" r:id="rId33"/>
     <p:sldId id="294" r:id="rId34"/>
     <p:sldId id="295" r:id="rId35"/>
+    <p:sldId id="298" r:id="rId36"/>
+    <p:sldId id="297" r:id="rId37"/>
+    <p:sldId id="299" r:id="rId38"/>
+    <p:sldId id="301" r:id="rId39"/>
+    <p:sldId id="300" r:id="rId40"/>
+    <p:sldId id="302" r:id="rId41"/>
   </p:sldIdLst>
   <p:sldSz cx="9144000" cy="6858000" type="screen4x3"/>
   <p:notesSz cx="6881813" cy="9296400"/>
@@ -226,7 +232,7 @@
             <a:fld id="{DA103462-62C8-4D37-8F5B-118728760487}" type="datetimeFigureOut">
               <a:rPr lang="en-US" smtClean="0"/>
               <a:pPr/>
-              <a:t>5/10/2018</a:t>
+              <a:t>5/15/2018</a:t>
             </a:fld>
             <a:endParaRPr lang="en-US"/>
           </a:p>
@@ -756,7 +762,7 @@
             <a:fld id="{E16763B4-E773-4657-92E3-F14AA5DD8006}" type="datetimeFigureOut">
               <a:rPr lang="en-US" smtClean="0"/>
               <a:pPr/>
-              <a:t>5/10/2018</a:t>
+              <a:t>5/15/2018</a:t>
             </a:fld>
             <a:endParaRPr lang="en-US"/>
           </a:p>
@@ -923,7 +929,7 @@
             <a:fld id="{E16763B4-E773-4657-92E3-F14AA5DD8006}" type="datetimeFigureOut">
               <a:rPr lang="en-US" smtClean="0"/>
               <a:pPr/>
-              <a:t>5/10/2018</a:t>
+              <a:t>5/15/2018</a:t>
             </a:fld>
             <a:endParaRPr lang="en-US"/>
           </a:p>
@@ -1100,7 +1106,7 @@
             <a:fld id="{E16763B4-E773-4657-92E3-F14AA5DD8006}" type="datetimeFigureOut">
               <a:rPr lang="en-US" smtClean="0"/>
               <a:pPr/>
-              <a:t>5/10/2018</a:t>
+              <a:t>5/15/2018</a:t>
             </a:fld>
             <a:endParaRPr lang="en-US"/>
           </a:p>
@@ -1267,7 +1273,7 @@
             <a:fld id="{E16763B4-E773-4657-92E3-F14AA5DD8006}" type="datetimeFigureOut">
               <a:rPr lang="en-US" smtClean="0"/>
               <a:pPr/>
-              <a:t>5/10/2018</a:t>
+              <a:t>5/15/2018</a:t>
             </a:fld>
             <a:endParaRPr lang="en-US"/>
           </a:p>
@@ -1510,7 +1516,7 @@
             <a:fld id="{E16763B4-E773-4657-92E3-F14AA5DD8006}" type="datetimeFigureOut">
               <a:rPr lang="en-US" smtClean="0"/>
               <a:pPr/>
-              <a:t>5/10/2018</a:t>
+              <a:t>5/15/2018</a:t>
             </a:fld>
             <a:endParaRPr lang="en-US"/>
           </a:p>
@@ -1795,7 +1801,7 @@
             <a:fld id="{E16763B4-E773-4657-92E3-F14AA5DD8006}" type="datetimeFigureOut">
               <a:rPr lang="en-US" smtClean="0"/>
               <a:pPr/>
-              <a:t>5/10/2018</a:t>
+              <a:t>5/15/2018</a:t>
             </a:fld>
             <a:endParaRPr lang="en-US"/>
           </a:p>
@@ -2214,7 +2220,7 @@
             <a:fld id="{E16763B4-E773-4657-92E3-F14AA5DD8006}" type="datetimeFigureOut">
               <a:rPr lang="en-US" smtClean="0"/>
               <a:pPr/>
-              <a:t>5/10/2018</a:t>
+              <a:t>5/15/2018</a:t>
             </a:fld>
             <a:endParaRPr lang="en-US"/>
           </a:p>
@@ -2329,7 +2335,7 @@
             <a:fld id="{E16763B4-E773-4657-92E3-F14AA5DD8006}" type="datetimeFigureOut">
               <a:rPr lang="en-US" smtClean="0"/>
               <a:pPr/>
-              <a:t>5/10/2018</a:t>
+              <a:t>5/15/2018</a:t>
             </a:fld>
             <a:endParaRPr lang="en-US"/>
           </a:p>
@@ -2421,7 +2427,7 @@
             <a:fld id="{E16763B4-E773-4657-92E3-F14AA5DD8006}" type="datetimeFigureOut">
               <a:rPr lang="en-US" smtClean="0"/>
               <a:pPr/>
-              <a:t>5/10/2018</a:t>
+              <a:t>5/15/2018</a:t>
             </a:fld>
             <a:endParaRPr lang="en-US"/>
           </a:p>
@@ -2695,7 +2701,7 @@
             <a:fld id="{E16763B4-E773-4657-92E3-F14AA5DD8006}" type="datetimeFigureOut">
               <a:rPr lang="en-US" smtClean="0"/>
               <a:pPr/>
-              <a:t>5/10/2018</a:t>
+              <a:t>5/15/2018</a:t>
             </a:fld>
             <a:endParaRPr lang="en-US"/>
           </a:p>
@@ -2945,7 +2951,7 @@
             <a:fld id="{E16763B4-E773-4657-92E3-F14AA5DD8006}" type="datetimeFigureOut">
               <a:rPr lang="en-US" smtClean="0"/>
               <a:pPr/>
-              <a:t>5/10/2018</a:t>
+              <a:t>5/15/2018</a:t>
             </a:fld>
             <a:endParaRPr lang="en-US"/>
           </a:p>
@@ -3155,7 +3161,7 @@
             <a:fld id="{E16763B4-E773-4657-92E3-F14AA5DD8006}" type="datetimeFigureOut">
               <a:rPr lang="en-US" smtClean="0"/>
               <a:pPr/>
-              <a:t>5/10/2018</a:t>
+              <a:t>5/15/2018</a:t>
             </a:fld>
             <a:endParaRPr lang="en-US"/>
           </a:p>
@@ -14400,38 +14406,6 @@
           <a:noFill/>
         </p:spPr>
       </p:pic>
-      <p:pic>
-        <p:nvPicPr>
-          <p:cNvPr id="1027" name="Picture 3"/>
-          <p:cNvPicPr>
-            <a:picLocks noChangeAspect="1" noChangeArrowheads="1"/>
-          </p:cNvPicPr>
-          <p:nvPr/>
-        </p:nvPicPr>
-        <p:blipFill>
-          <a:blip r:embed="rId4" cstate="print"/>
-          <a:srcRect/>
-          <a:stretch>
-            <a:fillRect/>
-          </a:stretch>
-        </p:blipFill>
-        <p:spPr bwMode="auto">
-          <a:xfrm>
-            <a:off x="3962400" y="304800"/>
-            <a:ext cx="1162050" cy="981075"/>
-          </a:xfrm>
-          <a:prstGeom prst="rect">
-            <a:avLst/>
-          </a:prstGeom>
-          <a:noFill/>
-          <a:ln w="9525">
-            <a:noFill/>
-            <a:miter lim="800000"/>
-            <a:headEnd/>
-            <a:tailEnd/>
-          </a:ln>
-        </p:spPr>
-      </p:pic>
     </p:spTree>
   </p:cSld>
   <p:clrMapOvr>
@@ -14565,7 +14539,7 @@
         <p:spPr bwMode="auto">
           <a:xfrm>
             <a:off x="134937" y="3657600"/>
-            <a:ext cx="8780463" cy="3143250"/>
+            <a:ext cx="8247063" cy="2952302"/>
           </a:xfrm>
           <a:prstGeom prst="rect">
             <a:avLst/>
@@ -14630,38 +14604,6 @@
           <a:xfrm>
             <a:off x="228600" y="152400"/>
             <a:ext cx="2517913" cy="1524000"/>
-          </a:xfrm>
-          <a:prstGeom prst="rect">
-            <a:avLst/>
-          </a:prstGeom>
-          <a:noFill/>
-          <a:ln w="9525">
-            <a:noFill/>
-            <a:miter lim="800000"/>
-            <a:headEnd/>
-            <a:tailEnd/>
-          </a:ln>
-        </p:spPr>
-      </p:pic>
-      <p:pic>
-        <p:nvPicPr>
-          <p:cNvPr id="1032" name="Picture 8"/>
-          <p:cNvPicPr>
-            <a:picLocks noChangeAspect="1" noChangeArrowheads="1"/>
-          </p:cNvPicPr>
-          <p:nvPr/>
-        </p:nvPicPr>
-        <p:blipFill>
-          <a:blip r:embed="rId6" cstate="print"/>
-          <a:srcRect/>
-          <a:stretch>
-            <a:fillRect/>
-          </a:stretch>
-        </p:blipFill>
-        <p:spPr bwMode="auto">
-          <a:xfrm>
-            <a:off x="3581400" y="1752600"/>
-            <a:ext cx="2891270" cy="1600200"/>
           </a:xfrm>
           <a:prstGeom prst="rect">
             <a:avLst/>
@@ -20432,6 +20374,558 @@
 </p:sld>
 </file>
 
+<file path=ppt/slides/slide35.xml><?xml version="1.0" encoding="utf-8"?>
+<p:sld xmlns:a="http://schemas.openxmlformats.org/drawingml/2006/main" xmlns:r="http://schemas.openxmlformats.org/officeDocument/2006/relationships" xmlns:p="http://schemas.openxmlformats.org/presentationml/2006/main">
+  <p:cSld>
+    <p:spTree>
+      <p:nvGrpSpPr>
+        <p:cNvPr id="1" name=""/>
+        <p:cNvGrpSpPr/>
+        <p:nvPr/>
+      </p:nvGrpSpPr>
+      <p:grpSpPr>
+        <a:xfrm>
+          <a:off x="0" y="0"/>
+          <a:ext cx="0" cy="0"/>
+          <a:chOff x="0" y="0"/>
+          <a:chExt cx="0" cy="0"/>
+        </a:xfrm>
+      </p:grpSpPr>
+      <p:pic>
+        <p:nvPicPr>
+          <p:cNvPr id="2050" name="Picture 2" descr="https://documents.lucidchart.com/documents/ad9db0c5-22e6-4122-84c3-9d1671aa17b7/pages/0_0?a=552&amp;x=-11&amp;y=62&amp;w=1562&amp;h=836&amp;store=1&amp;accept=image%2F*&amp;auth=LCA%200e9698c60a64d16193eeace887d2597e0c6911f0-ts%3D1526419192"/>
+          <p:cNvPicPr>
+            <a:picLocks noChangeAspect="1" noChangeArrowheads="1"/>
+          </p:cNvPicPr>
+          <p:nvPr/>
+        </p:nvPicPr>
+        <p:blipFill>
+          <a:blip r:embed="rId2" cstate="print"/>
+          <a:srcRect/>
+          <a:stretch>
+            <a:fillRect/>
+          </a:stretch>
+        </p:blipFill>
+        <p:spPr bwMode="auto">
+          <a:xfrm>
+            <a:off x="152400" y="838200"/>
+            <a:ext cx="7549025" cy="4038600"/>
+          </a:xfrm>
+          <a:prstGeom prst="rect">
+            <a:avLst/>
+          </a:prstGeom>
+          <a:noFill/>
+        </p:spPr>
+      </p:pic>
+    </p:spTree>
+  </p:cSld>
+  <p:clrMapOvr>
+    <a:masterClrMapping/>
+  </p:clrMapOvr>
+</p:sld>
+</file>
+
+<file path=ppt/slides/slide36.xml><?xml version="1.0" encoding="utf-8"?>
+<p:sld xmlns:a="http://schemas.openxmlformats.org/drawingml/2006/main" xmlns:r="http://schemas.openxmlformats.org/officeDocument/2006/relationships" xmlns:p="http://schemas.openxmlformats.org/presentationml/2006/main">
+  <p:cSld>
+    <p:spTree>
+      <p:nvGrpSpPr>
+        <p:cNvPr id="1" name=""/>
+        <p:cNvGrpSpPr/>
+        <p:nvPr/>
+      </p:nvGrpSpPr>
+      <p:grpSpPr>
+        <a:xfrm>
+          <a:off x="0" y="0"/>
+          <a:ext cx="0" cy="0"/>
+          <a:chOff x="0" y="0"/>
+          <a:chExt cx="0" cy="0"/>
+        </a:xfrm>
+      </p:grpSpPr>
+      <p:pic>
+        <p:nvPicPr>
+          <p:cNvPr id="1028" name="Picture 4" descr="https://documents.lucidchart.com/documents/ad9db0c5-22e6-4122-84c3-9d1671aa17b7/pages/YQxDY4ywf8W8?a=803&amp;x=38&amp;y=316&amp;w=924&amp;h=277&amp;store=1&amp;accept=image%2F*&amp;auth=LCA%2092d63f3eb173a7cefbf746f2ca53f636df71f619-ts%3D1526419192"/>
+          <p:cNvPicPr>
+            <a:picLocks noChangeAspect="1" noChangeArrowheads="1"/>
+          </p:cNvPicPr>
+          <p:nvPr/>
+        </p:nvPicPr>
+        <p:blipFill>
+          <a:blip r:embed="rId2" cstate="print"/>
+          <a:srcRect/>
+          <a:stretch>
+            <a:fillRect/>
+          </a:stretch>
+        </p:blipFill>
+        <p:spPr bwMode="auto">
+          <a:xfrm>
+            <a:off x="0" y="2819400"/>
+            <a:ext cx="3126459" cy="1447800"/>
+          </a:xfrm>
+          <a:prstGeom prst="rect">
+            <a:avLst/>
+          </a:prstGeom>
+          <a:noFill/>
+        </p:spPr>
+      </p:pic>
+      <p:pic>
+        <p:nvPicPr>
+          <p:cNvPr id="1029" name="Picture 5"/>
+          <p:cNvPicPr>
+            <a:picLocks noChangeAspect="1" noChangeArrowheads="1"/>
+          </p:cNvPicPr>
+          <p:nvPr/>
+        </p:nvPicPr>
+        <p:blipFill>
+          <a:blip r:embed="rId3" cstate="print"/>
+          <a:srcRect/>
+          <a:stretch>
+            <a:fillRect/>
+          </a:stretch>
+        </p:blipFill>
+        <p:spPr bwMode="auto">
+          <a:xfrm>
+            <a:off x="3525960" y="1447800"/>
+            <a:ext cx="4932240" cy="5334000"/>
+          </a:xfrm>
+          <a:prstGeom prst="rect">
+            <a:avLst/>
+          </a:prstGeom>
+          <a:noFill/>
+          <a:ln w="9525">
+            <a:noFill/>
+            <a:miter lim="800000"/>
+            <a:headEnd/>
+            <a:tailEnd/>
+          </a:ln>
+        </p:spPr>
+      </p:pic>
+      <p:pic>
+        <p:nvPicPr>
+          <p:cNvPr id="1030" name="Picture 6"/>
+          <p:cNvPicPr>
+            <a:picLocks noChangeAspect="1" noChangeArrowheads="1"/>
+          </p:cNvPicPr>
+          <p:nvPr/>
+        </p:nvPicPr>
+        <p:blipFill>
+          <a:blip r:embed="rId4" cstate="print"/>
+          <a:srcRect/>
+          <a:stretch>
+            <a:fillRect/>
+          </a:stretch>
+        </p:blipFill>
+        <p:spPr bwMode="auto">
+          <a:xfrm>
+            <a:off x="6629400" y="19286"/>
+            <a:ext cx="2434286" cy="1885714"/>
+          </a:xfrm>
+          <a:prstGeom prst="rect">
+            <a:avLst/>
+          </a:prstGeom>
+          <a:noFill/>
+          <a:ln w="9525">
+            <a:noFill/>
+            <a:miter lim="800000"/>
+            <a:headEnd/>
+            <a:tailEnd/>
+          </a:ln>
+        </p:spPr>
+      </p:pic>
+      <p:pic>
+        <p:nvPicPr>
+          <p:cNvPr id="1031" name="Picture 7"/>
+          <p:cNvPicPr>
+            <a:picLocks noChangeAspect="1" noChangeArrowheads="1"/>
+          </p:cNvPicPr>
+          <p:nvPr/>
+        </p:nvPicPr>
+        <p:blipFill>
+          <a:blip r:embed="rId5" cstate="print"/>
+          <a:srcRect/>
+          <a:stretch>
+            <a:fillRect/>
+          </a:stretch>
+        </p:blipFill>
+        <p:spPr bwMode="auto">
+          <a:xfrm>
+            <a:off x="152400" y="137486"/>
+            <a:ext cx="2171429" cy="2605714"/>
+          </a:xfrm>
+          <a:prstGeom prst="rect">
+            <a:avLst/>
+          </a:prstGeom>
+          <a:noFill/>
+          <a:ln w="9525">
+            <a:noFill/>
+            <a:miter lim="800000"/>
+            <a:headEnd/>
+            <a:tailEnd/>
+          </a:ln>
+        </p:spPr>
+      </p:pic>
+      <p:pic>
+        <p:nvPicPr>
+          <p:cNvPr id="1032" name="Picture 8"/>
+          <p:cNvPicPr>
+            <a:picLocks noChangeAspect="1" noChangeArrowheads="1"/>
+          </p:cNvPicPr>
+          <p:nvPr/>
+        </p:nvPicPr>
+        <p:blipFill>
+          <a:blip r:embed="rId6" cstate="print"/>
+          <a:srcRect/>
+          <a:stretch>
+            <a:fillRect/>
+          </a:stretch>
+        </p:blipFill>
+        <p:spPr bwMode="auto">
+          <a:xfrm>
+            <a:off x="2392942" y="137486"/>
+            <a:ext cx="2102858" cy="1249524"/>
+          </a:xfrm>
+          <a:prstGeom prst="rect">
+            <a:avLst/>
+          </a:prstGeom>
+          <a:noFill/>
+          <a:ln w="9525">
+            <a:noFill/>
+            <a:miter lim="800000"/>
+            <a:headEnd/>
+            <a:tailEnd/>
+          </a:ln>
+        </p:spPr>
+      </p:pic>
+    </p:spTree>
+  </p:cSld>
+  <p:clrMapOvr>
+    <a:masterClrMapping/>
+  </p:clrMapOvr>
+</p:sld>
+</file>
+
+<file path=ppt/slides/slide37.xml><?xml version="1.0" encoding="utf-8"?>
+<p:sld xmlns:a="http://schemas.openxmlformats.org/drawingml/2006/main" xmlns:r="http://schemas.openxmlformats.org/officeDocument/2006/relationships" xmlns:p="http://schemas.openxmlformats.org/presentationml/2006/main">
+  <p:cSld>
+    <p:spTree>
+      <p:nvGrpSpPr>
+        <p:cNvPr id="1" name=""/>
+        <p:cNvGrpSpPr/>
+        <p:nvPr/>
+      </p:nvGrpSpPr>
+      <p:grpSpPr>
+        <a:xfrm>
+          <a:off x="0" y="0"/>
+          <a:ext cx="0" cy="0"/>
+          <a:chOff x="0" y="0"/>
+          <a:chExt cx="0" cy="0"/>
+        </a:xfrm>
+      </p:grpSpPr>
+      <p:pic>
+        <p:nvPicPr>
+          <p:cNvPr id="5" name="Picture 7"/>
+          <p:cNvPicPr>
+            <a:picLocks noChangeAspect="1" noChangeArrowheads="1"/>
+          </p:cNvPicPr>
+          <p:nvPr/>
+        </p:nvPicPr>
+        <p:blipFill>
+          <a:blip r:embed="rId2" cstate="print"/>
+          <a:srcRect/>
+          <a:stretch>
+            <a:fillRect/>
+          </a:stretch>
+        </p:blipFill>
+        <p:spPr bwMode="auto">
+          <a:xfrm>
+            <a:off x="2324371" y="137486"/>
+            <a:ext cx="2171429" cy="2605714"/>
+          </a:xfrm>
+          <a:prstGeom prst="rect">
+            <a:avLst/>
+          </a:prstGeom>
+          <a:noFill/>
+          <a:ln w="9525">
+            <a:noFill/>
+            <a:miter lim="800000"/>
+            <a:headEnd/>
+            <a:tailEnd/>
+          </a:ln>
+        </p:spPr>
+      </p:pic>
+      <p:pic>
+        <p:nvPicPr>
+          <p:cNvPr id="6" name="Picture 8"/>
+          <p:cNvPicPr>
+            <a:picLocks noChangeAspect="1" noChangeArrowheads="1"/>
+          </p:cNvPicPr>
+          <p:nvPr/>
+        </p:nvPicPr>
+        <p:blipFill>
+          <a:blip r:embed="rId3" cstate="print"/>
+          <a:srcRect/>
+          <a:stretch>
+            <a:fillRect/>
+          </a:stretch>
+        </p:blipFill>
+        <p:spPr bwMode="auto">
+          <a:xfrm>
+            <a:off x="114571" y="152400"/>
+            <a:ext cx="2102858" cy="1249524"/>
+          </a:xfrm>
+          <a:prstGeom prst="rect">
+            <a:avLst/>
+          </a:prstGeom>
+          <a:noFill/>
+          <a:ln w="9525">
+            <a:noFill/>
+            <a:miter lim="800000"/>
+            <a:headEnd/>
+            <a:tailEnd/>
+          </a:ln>
+        </p:spPr>
+      </p:pic>
+      <p:pic>
+        <p:nvPicPr>
+          <p:cNvPr id="52229" name="Picture 5"/>
+          <p:cNvPicPr>
+            <a:picLocks noChangeAspect="1" noChangeArrowheads="1"/>
+          </p:cNvPicPr>
+          <p:nvPr/>
+        </p:nvPicPr>
+        <p:blipFill>
+          <a:blip r:embed="rId4" cstate="print"/>
+          <a:srcRect/>
+          <a:stretch>
+            <a:fillRect/>
+          </a:stretch>
+        </p:blipFill>
+        <p:spPr bwMode="auto">
+          <a:xfrm>
+            <a:off x="4564657" y="137486"/>
+            <a:ext cx="2217143" cy="5318096"/>
+          </a:xfrm>
+          <a:prstGeom prst="rect">
+            <a:avLst/>
+          </a:prstGeom>
+          <a:noFill/>
+          <a:ln w="9525">
+            <a:noFill/>
+            <a:miter lim="800000"/>
+            <a:headEnd/>
+            <a:tailEnd/>
+          </a:ln>
+        </p:spPr>
+      </p:pic>
+      <p:pic>
+        <p:nvPicPr>
+          <p:cNvPr id="52230" name="Picture 6"/>
+          <p:cNvPicPr>
+            <a:picLocks noChangeAspect="1" noChangeArrowheads="1"/>
+          </p:cNvPicPr>
+          <p:nvPr/>
+        </p:nvPicPr>
+        <p:blipFill>
+          <a:blip r:embed="rId5" cstate="print"/>
+          <a:srcRect/>
+          <a:stretch>
+            <a:fillRect/>
+          </a:stretch>
+        </p:blipFill>
+        <p:spPr bwMode="auto">
+          <a:xfrm>
+            <a:off x="114571" y="4777981"/>
+            <a:ext cx="2415238" cy="1927619"/>
+          </a:xfrm>
+          <a:prstGeom prst="rect">
+            <a:avLst/>
+          </a:prstGeom>
+          <a:noFill/>
+          <a:ln w="9525">
+            <a:noFill/>
+            <a:miter lim="800000"/>
+            <a:headEnd/>
+            <a:tailEnd/>
+          </a:ln>
+        </p:spPr>
+      </p:pic>
+    </p:spTree>
+  </p:cSld>
+  <p:clrMapOvr>
+    <a:masterClrMapping/>
+  </p:clrMapOvr>
+</p:sld>
+</file>
+
+<file path=ppt/slides/slide38.xml><?xml version="1.0" encoding="utf-8"?>
+<p:sld xmlns:a="http://schemas.openxmlformats.org/drawingml/2006/main" xmlns:r="http://schemas.openxmlformats.org/officeDocument/2006/relationships" xmlns:p="http://schemas.openxmlformats.org/presentationml/2006/main">
+  <p:cSld>
+    <p:spTree>
+      <p:nvGrpSpPr>
+        <p:cNvPr id="1" name=""/>
+        <p:cNvGrpSpPr/>
+        <p:nvPr/>
+      </p:nvGrpSpPr>
+      <p:grpSpPr>
+        <a:xfrm>
+          <a:off x="0" y="0"/>
+          <a:ext cx="0" cy="0"/>
+          <a:chOff x="0" y="0"/>
+          <a:chExt cx="0" cy="0"/>
+        </a:xfrm>
+      </p:grpSpPr>
+      <p:pic>
+        <p:nvPicPr>
+          <p:cNvPr id="54274" name="Picture 2" descr="https://documents.lucidchart.com/documents/ad9db0c5-22e6-4122-84c3-9d1671aa17b7/pages/mAyDuYI0ifbX?a=1365&amp;x=104&amp;y=-7&amp;w=1673&amp;h=596&amp;store=1&amp;accept=image%2F*&amp;auth=LCA%2041cf6b6f95cfcda5fa9524331f6b4e82931ac4ce-ts%3D1526422526"/>
+          <p:cNvPicPr>
+            <a:picLocks noChangeAspect="1" noChangeArrowheads="1"/>
+          </p:cNvPicPr>
+          <p:nvPr/>
+        </p:nvPicPr>
+        <p:blipFill>
+          <a:blip r:embed="rId2" cstate="print"/>
+          <a:srcRect/>
+          <a:stretch>
+            <a:fillRect/>
+          </a:stretch>
+        </p:blipFill>
+        <p:spPr bwMode="auto">
+          <a:xfrm>
+            <a:off x="82337" y="76200"/>
+            <a:ext cx="8985463" cy="3200400"/>
+          </a:xfrm>
+          <a:prstGeom prst="rect">
+            <a:avLst/>
+          </a:prstGeom>
+          <a:noFill/>
+        </p:spPr>
+      </p:pic>
+    </p:spTree>
+  </p:cSld>
+  <p:clrMapOvr>
+    <a:masterClrMapping/>
+  </p:clrMapOvr>
+</p:sld>
+</file>
+
+<file path=ppt/slides/slide39.xml><?xml version="1.0" encoding="utf-8"?>
+<p:sld xmlns:a="http://schemas.openxmlformats.org/drawingml/2006/main" xmlns:r="http://schemas.openxmlformats.org/officeDocument/2006/relationships" xmlns:p="http://schemas.openxmlformats.org/presentationml/2006/main">
+  <p:cSld>
+    <p:spTree>
+      <p:nvGrpSpPr>
+        <p:cNvPr id="1" name=""/>
+        <p:cNvGrpSpPr/>
+        <p:nvPr/>
+      </p:nvGrpSpPr>
+      <p:grpSpPr>
+        <a:xfrm>
+          <a:off x="0" y="0"/>
+          <a:ext cx="0" cy="0"/>
+          <a:chOff x="0" y="0"/>
+          <a:chExt cx="0" cy="0"/>
+        </a:xfrm>
+      </p:grpSpPr>
+      <p:grpSp>
+        <p:nvGrpSpPr>
+          <p:cNvPr id="4" name="Group 3"/>
+          <p:cNvGrpSpPr/>
+          <p:nvPr/>
+        </p:nvGrpSpPr>
+        <p:grpSpPr>
+          <a:xfrm>
+            <a:off x="304800" y="152400"/>
+            <a:ext cx="3126459" cy="6629400"/>
+            <a:chOff x="6017541" y="228600"/>
+            <a:chExt cx="3126459" cy="6629400"/>
+          </a:xfrm>
+        </p:grpSpPr>
+        <p:pic>
+          <p:nvPicPr>
+            <p:cNvPr id="53250" name="Picture 2" descr="https://documents.lucidchart.com/documents/ad9db0c5-22e6-4122-84c3-9d1671aa17b7/pages/YQxDY4ywf8W8?a=1021&amp;x=38&amp;y=160&amp;w=924&amp;h=1069&amp;store=1&amp;accept=image%2F*&amp;auth=LCA%20756cf468e1e1f6b75719b590b000526d5a0c3c91-ts%3D1526419192"/>
+            <p:cNvPicPr>
+              <a:picLocks noChangeArrowheads="1"/>
+            </p:cNvPicPr>
+            <p:nvPr/>
+          </p:nvPicPr>
+          <p:blipFill>
+            <a:blip r:embed="rId2" cstate="print"/>
+            <a:srcRect/>
+            <a:stretch>
+              <a:fillRect/>
+            </a:stretch>
+          </p:blipFill>
+          <p:spPr bwMode="auto">
+            <a:xfrm>
+              <a:off x="6017541" y="1298318"/>
+              <a:ext cx="3115694" cy="5559682"/>
+            </a:xfrm>
+            <a:prstGeom prst="rect">
+              <a:avLst/>
+            </a:prstGeom>
+            <a:noFill/>
+          </p:spPr>
+        </p:pic>
+        <p:pic>
+          <p:nvPicPr>
+            <p:cNvPr id="3" name="Picture 4" descr="https://documents.lucidchart.com/documents/ad9db0c5-22e6-4122-84c3-9d1671aa17b7/pages/YQxDY4ywf8W8?a=803&amp;x=38&amp;y=316&amp;w=924&amp;h=277&amp;store=1&amp;accept=image%2F*&amp;auth=LCA%2092d63f3eb173a7cefbf746f2ca53f636df71f619-ts%3D1526419192"/>
+            <p:cNvPicPr>
+              <a:picLocks noChangeAspect="1" noChangeArrowheads="1"/>
+            </p:cNvPicPr>
+            <p:nvPr/>
+          </p:nvPicPr>
+          <p:blipFill>
+            <a:blip r:embed="rId3" cstate="print"/>
+            <a:srcRect/>
+            <a:stretch>
+              <a:fillRect/>
+            </a:stretch>
+          </p:blipFill>
+          <p:spPr bwMode="auto">
+            <a:xfrm>
+              <a:off x="6017541" y="228600"/>
+              <a:ext cx="3126459" cy="1447800"/>
+            </a:xfrm>
+            <a:prstGeom prst="rect">
+              <a:avLst/>
+            </a:prstGeom>
+            <a:noFill/>
+          </p:spPr>
+        </p:pic>
+      </p:grpSp>
+      <p:pic>
+        <p:nvPicPr>
+          <p:cNvPr id="53252" name="Picture 4" descr="https://documents.lucidchart.com/documents/ad9db0c5-22e6-4122-84c3-9d1671aa17b7/pages/YQxDY4ywf8W8?a=1142&amp;x=66&amp;y=197&amp;w=308&amp;h=273&amp;store=1&amp;accept=image%2F*&amp;auth=LCA%20b3a408c5a98f5f46ed21af7191dbaa15c573065b-ts%3D1526419192"/>
+          <p:cNvPicPr>
+            <a:picLocks noChangeAspect="1" noChangeArrowheads="1"/>
+          </p:cNvPicPr>
+          <p:nvPr/>
+        </p:nvPicPr>
+        <p:blipFill>
+          <a:blip r:embed="rId4" cstate="print"/>
+          <a:srcRect/>
+          <a:stretch>
+            <a:fillRect/>
+          </a:stretch>
+        </p:blipFill>
+        <p:spPr bwMode="auto">
+          <a:xfrm>
+            <a:off x="6781800" y="152400"/>
+            <a:ext cx="2200275" cy="1952625"/>
+          </a:xfrm>
+          <a:prstGeom prst="rect">
+            <a:avLst/>
+          </a:prstGeom>
+          <a:noFill/>
+        </p:spPr>
+      </p:pic>
+    </p:spTree>
+  </p:cSld>
+  <p:clrMapOvr>
+    <a:masterClrMapping/>
+  </p:clrMapOvr>
+</p:sld>
+</file>
+
 <file path=ppt/slides/slide4.xml><?xml version="1.0" encoding="utf-8"?>
 <p:sld xmlns:a="http://schemas.openxmlformats.org/drawingml/2006/main" xmlns:r="http://schemas.openxmlformats.org/officeDocument/2006/relationships" xmlns:p="http://schemas.openxmlformats.org/presentationml/2006/main">
   <p:cSld>
@@ -20639,6 +21133,57 @@
           </p:spPr>
         </p:pic>
       </p:grpSp>
+    </p:spTree>
+  </p:cSld>
+  <p:clrMapOvr>
+    <a:masterClrMapping/>
+  </p:clrMapOvr>
+</p:sld>
+</file>
+
+<file path=ppt/slides/slide40.xml><?xml version="1.0" encoding="utf-8"?>
+<p:sld xmlns:a="http://schemas.openxmlformats.org/drawingml/2006/main" xmlns:r="http://schemas.openxmlformats.org/officeDocument/2006/relationships" xmlns:p="http://schemas.openxmlformats.org/presentationml/2006/main">
+  <p:cSld>
+    <p:spTree>
+      <p:nvGrpSpPr>
+        <p:cNvPr id="1" name=""/>
+        <p:cNvGrpSpPr/>
+        <p:nvPr/>
+      </p:nvGrpSpPr>
+      <p:grpSpPr>
+        <a:xfrm>
+          <a:off x="0" y="0"/>
+          <a:ext cx="0" cy="0"/>
+          <a:chOff x="0" y="0"/>
+          <a:chExt cx="0" cy="0"/>
+        </a:xfrm>
+      </p:grpSpPr>
+      <p:pic>
+        <p:nvPicPr>
+          <p:cNvPr id="1028" name="Picture 4" descr="https://documents.lucidchart.com/documents/ad9db0c5-22e6-4122-84c3-9d1671aa17b7/pages/VwADAwEWLVUE?a=2204&amp;x=-76&amp;y=-10&amp;w=2112&amp;h=660&amp;store=1&amp;accept=image%2F*&amp;auth=LCA%203d2d9b9e0482c845d5187995f6375634a82d37d6-ts%3D1526431000"/>
+          <p:cNvPicPr>
+            <a:picLocks noChangeAspect="1" noChangeArrowheads="1"/>
+          </p:cNvPicPr>
+          <p:nvPr/>
+        </p:nvPicPr>
+        <p:blipFill>
+          <a:blip r:embed="rId2" cstate="print"/>
+          <a:srcRect/>
+          <a:stretch>
+            <a:fillRect/>
+          </a:stretch>
+        </p:blipFill>
+        <p:spPr bwMode="auto">
+          <a:xfrm>
+            <a:off x="304800" y="76200"/>
+            <a:ext cx="8382000" cy="2619375"/>
+          </a:xfrm>
+          <a:prstGeom prst="rect">
+            <a:avLst/>
+          </a:prstGeom>
+          <a:noFill/>
+        </p:spPr>
+      </p:pic>
     </p:spTree>
   </p:cSld>
   <p:clrMapOvr>

--- a/EBooks/Diagrams.pptx
+++ b/EBooks/Diagrams.pptx
@@ -5,7 +5,7 @@
     <p:sldMasterId id="2147483648" r:id="rId1"/>
   </p:sldMasterIdLst>
   <p:notesMasterIdLst>
-    <p:notesMasterId r:id="rId42"/>
+    <p:notesMasterId r:id="rId40"/>
   </p:notesMasterIdLst>
   <p:sldIdLst>
     <p:sldId id="275" r:id="rId2"/>
@@ -16,38 +16,36 @@
     <p:sldId id="274" r:id="rId7"/>
     <p:sldId id="273" r:id="rId8"/>
     <p:sldId id="270" r:id="rId9"/>
-    <p:sldId id="269" r:id="rId10"/>
-    <p:sldId id="271" r:id="rId11"/>
-    <p:sldId id="265" r:id="rId12"/>
-    <p:sldId id="263" r:id="rId13"/>
-    <p:sldId id="262" r:id="rId14"/>
-    <p:sldId id="264" r:id="rId15"/>
-    <p:sldId id="261" r:id="rId16"/>
-    <p:sldId id="260" r:id="rId17"/>
-    <p:sldId id="257" r:id="rId18"/>
-    <p:sldId id="259" r:id="rId19"/>
-    <p:sldId id="281" r:id="rId20"/>
-    <p:sldId id="282" r:id="rId21"/>
-    <p:sldId id="278" r:id="rId22"/>
-    <p:sldId id="279" r:id="rId23"/>
-    <p:sldId id="283" r:id="rId24"/>
-    <p:sldId id="284" r:id="rId25"/>
-    <p:sldId id="285" r:id="rId26"/>
-    <p:sldId id="287" r:id="rId27"/>
-    <p:sldId id="288" r:id="rId28"/>
-    <p:sldId id="289" r:id="rId29"/>
-    <p:sldId id="290" r:id="rId30"/>
-    <p:sldId id="291" r:id="rId31"/>
-    <p:sldId id="292" r:id="rId32"/>
-    <p:sldId id="293" r:id="rId33"/>
-    <p:sldId id="294" r:id="rId34"/>
-    <p:sldId id="295" r:id="rId35"/>
-    <p:sldId id="298" r:id="rId36"/>
-    <p:sldId id="297" r:id="rId37"/>
-    <p:sldId id="299" r:id="rId38"/>
-    <p:sldId id="301" r:id="rId39"/>
-    <p:sldId id="300" r:id="rId40"/>
-    <p:sldId id="302" r:id="rId41"/>
+    <p:sldId id="303" r:id="rId10"/>
+    <p:sldId id="269" r:id="rId11"/>
+    <p:sldId id="271" r:id="rId12"/>
+    <p:sldId id="265" r:id="rId13"/>
+    <p:sldId id="263" r:id="rId14"/>
+    <p:sldId id="262" r:id="rId15"/>
+    <p:sldId id="264" r:id="rId16"/>
+    <p:sldId id="261" r:id="rId17"/>
+    <p:sldId id="260" r:id="rId18"/>
+    <p:sldId id="257" r:id="rId19"/>
+    <p:sldId id="259" r:id="rId20"/>
+    <p:sldId id="281" r:id="rId21"/>
+    <p:sldId id="282" r:id="rId22"/>
+    <p:sldId id="278" r:id="rId23"/>
+    <p:sldId id="279" r:id="rId24"/>
+    <p:sldId id="283" r:id="rId25"/>
+    <p:sldId id="284" r:id="rId26"/>
+    <p:sldId id="285" r:id="rId27"/>
+    <p:sldId id="287" r:id="rId28"/>
+    <p:sldId id="288" r:id="rId29"/>
+    <p:sldId id="289" r:id="rId30"/>
+    <p:sldId id="290" r:id="rId31"/>
+    <p:sldId id="291" r:id="rId32"/>
+    <p:sldId id="292" r:id="rId33"/>
+    <p:sldId id="293" r:id="rId34"/>
+    <p:sldId id="294" r:id="rId35"/>
+    <p:sldId id="295" r:id="rId36"/>
+    <p:sldId id="298" r:id="rId37"/>
+    <p:sldId id="297" r:id="rId38"/>
+    <p:sldId id="302" r:id="rId39"/>
   </p:sldIdLst>
   <p:sldSz cx="9144000" cy="6858000" type="screen4x3"/>
   <p:notesSz cx="6881813" cy="9296400"/>
@@ -232,7 +230,7 @@
             <a:fld id="{DA103462-62C8-4D37-8F5B-118728760487}" type="datetimeFigureOut">
               <a:rPr lang="en-US" smtClean="0"/>
               <a:pPr/>
-              <a:t>5/15/2018</a:t>
+              <a:t>5/16/2018</a:t>
             </a:fld>
             <a:endParaRPr lang="en-US"/>
           </a:p>
@@ -566,7 +564,7 @@
             <a:fld id="{567AA99F-ECF6-4184-8659-A74ADBB8BEE7}" type="slidenum">
               <a:rPr lang="en-US" smtClean="0"/>
               <a:pPr/>
-              <a:t>13</a:t>
+              <a:t>14</a:t>
             </a:fld>
             <a:endParaRPr lang="en-US"/>
           </a:p>
@@ -762,7 +760,7 @@
             <a:fld id="{E16763B4-E773-4657-92E3-F14AA5DD8006}" type="datetimeFigureOut">
               <a:rPr lang="en-US" smtClean="0"/>
               <a:pPr/>
-              <a:t>5/15/2018</a:t>
+              <a:t>5/16/2018</a:t>
             </a:fld>
             <a:endParaRPr lang="en-US"/>
           </a:p>
@@ -929,7 +927,7 @@
             <a:fld id="{E16763B4-E773-4657-92E3-F14AA5DD8006}" type="datetimeFigureOut">
               <a:rPr lang="en-US" smtClean="0"/>
               <a:pPr/>
-              <a:t>5/15/2018</a:t>
+              <a:t>5/16/2018</a:t>
             </a:fld>
             <a:endParaRPr lang="en-US"/>
           </a:p>
@@ -1106,7 +1104,7 @@
             <a:fld id="{E16763B4-E773-4657-92E3-F14AA5DD8006}" type="datetimeFigureOut">
               <a:rPr lang="en-US" smtClean="0"/>
               <a:pPr/>
-              <a:t>5/15/2018</a:t>
+              <a:t>5/16/2018</a:t>
             </a:fld>
             <a:endParaRPr lang="en-US"/>
           </a:p>
@@ -1273,7 +1271,7 @@
             <a:fld id="{E16763B4-E773-4657-92E3-F14AA5DD8006}" type="datetimeFigureOut">
               <a:rPr lang="en-US" smtClean="0"/>
               <a:pPr/>
-              <a:t>5/15/2018</a:t>
+              <a:t>5/16/2018</a:t>
             </a:fld>
             <a:endParaRPr lang="en-US"/>
           </a:p>
@@ -1516,7 +1514,7 @@
             <a:fld id="{E16763B4-E773-4657-92E3-F14AA5DD8006}" type="datetimeFigureOut">
               <a:rPr lang="en-US" smtClean="0"/>
               <a:pPr/>
-              <a:t>5/15/2018</a:t>
+              <a:t>5/16/2018</a:t>
             </a:fld>
             <a:endParaRPr lang="en-US"/>
           </a:p>
@@ -1801,7 +1799,7 @@
             <a:fld id="{E16763B4-E773-4657-92E3-F14AA5DD8006}" type="datetimeFigureOut">
               <a:rPr lang="en-US" smtClean="0"/>
               <a:pPr/>
-              <a:t>5/15/2018</a:t>
+              <a:t>5/16/2018</a:t>
             </a:fld>
             <a:endParaRPr lang="en-US"/>
           </a:p>
@@ -2220,7 +2218,7 @@
             <a:fld id="{E16763B4-E773-4657-92E3-F14AA5DD8006}" type="datetimeFigureOut">
               <a:rPr lang="en-US" smtClean="0"/>
               <a:pPr/>
-              <a:t>5/15/2018</a:t>
+              <a:t>5/16/2018</a:t>
             </a:fld>
             <a:endParaRPr lang="en-US"/>
           </a:p>
@@ -2335,7 +2333,7 @@
             <a:fld id="{E16763B4-E773-4657-92E3-F14AA5DD8006}" type="datetimeFigureOut">
               <a:rPr lang="en-US" smtClean="0"/>
               <a:pPr/>
-              <a:t>5/15/2018</a:t>
+              <a:t>5/16/2018</a:t>
             </a:fld>
             <a:endParaRPr lang="en-US"/>
           </a:p>
@@ -2427,7 +2425,7 @@
             <a:fld id="{E16763B4-E773-4657-92E3-F14AA5DD8006}" type="datetimeFigureOut">
               <a:rPr lang="en-US" smtClean="0"/>
               <a:pPr/>
-              <a:t>5/15/2018</a:t>
+              <a:t>5/16/2018</a:t>
             </a:fld>
             <a:endParaRPr lang="en-US"/>
           </a:p>
@@ -2701,7 +2699,7 @@
             <a:fld id="{E16763B4-E773-4657-92E3-F14AA5DD8006}" type="datetimeFigureOut">
               <a:rPr lang="en-US" smtClean="0"/>
               <a:pPr/>
-              <a:t>5/15/2018</a:t>
+              <a:t>5/16/2018</a:t>
             </a:fld>
             <a:endParaRPr lang="en-US"/>
           </a:p>
@@ -2951,7 +2949,7 @@
             <a:fld id="{E16763B4-E773-4657-92E3-F14AA5DD8006}" type="datetimeFigureOut">
               <a:rPr lang="en-US" smtClean="0"/>
               <a:pPr/>
-              <a:t>5/15/2018</a:t>
+              <a:t>5/16/2018</a:t>
             </a:fld>
             <a:endParaRPr lang="en-US"/>
           </a:p>
@@ -3161,7 +3159,7 @@
             <a:fld id="{E16763B4-E773-4657-92E3-F14AA5DD8006}" type="datetimeFigureOut">
               <a:rPr lang="en-US" smtClean="0"/>
               <a:pPr/>
-              <a:t>5/15/2018</a:t>
+              <a:t>5/16/2018</a:t>
             </a:fld>
             <a:endParaRPr lang="en-US"/>
           </a:p>
@@ -3655,7 +3653,7 @@
       </p:grpSpPr>
       <p:pic>
         <p:nvPicPr>
-          <p:cNvPr id="2" name="Picture 4" descr="https://documents.lucidchart.com/documents/dfc3c2ca-e536-4306-a9f8-3dbc98030bd9/pages/0_0?a=464&amp;x=71&amp;y=45&amp;w=617&amp;h=164&amp;store=1&amp;accept=image%2F*&amp;auth=LCA%20f9928d6348a38a990ac5d913eced5b3a1cbd63a8-ts%3D1474064470"/>
+          <p:cNvPr id="2050" name="Picture 2"/>
           <p:cNvPicPr>
             <a:picLocks noChangeAspect="1" noChangeArrowheads="1"/>
           </p:cNvPicPr>
@@ -3670,8 +3668,184 @@
         </p:blipFill>
         <p:spPr bwMode="auto">
           <a:xfrm>
-            <a:off x="304801" y="152401"/>
-            <a:ext cx="3810000" cy="1012160"/>
+            <a:off x="152400" y="1795114"/>
+            <a:ext cx="2160000" cy="4834286"/>
+          </a:xfrm>
+          <a:prstGeom prst="rect">
+            <a:avLst/>
+          </a:prstGeom>
+          <a:noFill/>
+          <a:ln w="9525">
+            <a:noFill/>
+            <a:miter lim="800000"/>
+            <a:headEnd/>
+            <a:tailEnd/>
+          </a:ln>
+        </p:spPr>
+      </p:pic>
+      <p:pic>
+        <p:nvPicPr>
+          <p:cNvPr id="2051" name="Picture 3"/>
+          <p:cNvPicPr>
+            <a:picLocks noChangeAspect="1" noChangeArrowheads="1"/>
+          </p:cNvPicPr>
+          <p:nvPr/>
+        </p:nvPicPr>
+        <p:blipFill>
+          <a:blip r:embed="rId3" cstate="print"/>
+          <a:stretch>
+            <a:fillRect/>
+          </a:stretch>
+        </p:blipFill>
+        <p:spPr bwMode="auto">
+          <a:xfrm>
+            <a:off x="2321485" y="1648371"/>
+            <a:ext cx="1945715" cy="4371429"/>
+          </a:xfrm>
+          <a:prstGeom prst="rect">
+            <a:avLst/>
+          </a:prstGeom>
+          <a:noFill/>
+          <a:ln w="9525">
+            <a:noFill/>
+            <a:miter lim="800000"/>
+            <a:headEnd/>
+            <a:tailEnd/>
+          </a:ln>
+        </p:spPr>
+      </p:pic>
+      <p:sp>
+        <p:nvSpPr>
+          <p:cNvPr id="6" name="TextBox 5"/>
+          <p:cNvSpPr txBox="1"/>
+          <p:nvPr/>
+        </p:nvSpPr>
+        <p:spPr>
+          <a:xfrm>
+            <a:off x="7710480" y="6459379"/>
+            <a:ext cx="1281120" cy="246221"/>
+          </a:xfrm>
+          <a:prstGeom prst="rect">
+            <a:avLst/>
+          </a:prstGeom>
+          <a:noFill/>
+        </p:spPr>
+        <p:txBody>
+          <a:bodyPr wrap="none" rtlCol="0">
+            <a:spAutoFit/>
+          </a:bodyPr>
+          <a:lstStyle/>
+          <a:p>
+            <a:r>
+              <a:rPr lang="en-US" sz="1000" dirty="0" smtClean="0"/>
+              <a:t>Data Structure: Heap</a:t>
+            </a:r>
+            <a:endParaRPr lang="en-US" sz="1000" dirty="0"/>
+          </a:p>
+        </p:txBody>
+      </p:sp>
+      <p:pic>
+        <p:nvPicPr>
+          <p:cNvPr id="7" name="Picture 4" descr="https://documents.lucidchart.com/documents/fa24c28f-4a56-42c7-9fc0-768ce08dfdf0/pages/0_0?a=440&amp;x=74&amp;y=115&amp;w=1452&amp;h=466&amp;store=1&amp;accept=image%2F*&amp;auth=LCA%201085ed965705cb178a5d49d4bdb19264efe0bc4c-ts%3D1526509277"/>
+          <p:cNvPicPr>
+            <a:picLocks noChangeAspect="1" noChangeArrowheads="1"/>
+          </p:cNvPicPr>
+          <p:nvPr/>
+        </p:nvPicPr>
+        <p:blipFill>
+          <a:blip r:embed="rId4" cstate="print"/>
+          <a:srcRect/>
+          <a:stretch>
+            <a:fillRect/>
+          </a:stretch>
+        </p:blipFill>
+        <p:spPr bwMode="auto">
+          <a:xfrm>
+            <a:off x="1" y="76200"/>
+            <a:ext cx="4504729" cy="1447800"/>
+          </a:xfrm>
+          <a:prstGeom prst="rect">
+            <a:avLst/>
+          </a:prstGeom>
+          <a:noFill/>
+        </p:spPr>
+      </p:pic>
+      <p:pic>
+        <p:nvPicPr>
+          <p:cNvPr id="2054" name="Picture 6"/>
+          <p:cNvPicPr>
+            <a:picLocks noChangeAspect="1" noChangeArrowheads="1"/>
+          </p:cNvPicPr>
+          <p:nvPr/>
+        </p:nvPicPr>
+        <p:blipFill>
+          <a:blip r:embed="rId5" cstate="print"/>
+          <a:srcRect/>
+          <a:stretch>
+            <a:fillRect/>
+          </a:stretch>
+        </p:blipFill>
+        <p:spPr bwMode="auto">
+          <a:xfrm>
+            <a:off x="4419600" y="219075"/>
+            <a:ext cx="4714875" cy="5876925"/>
+          </a:xfrm>
+          <a:prstGeom prst="rect">
+            <a:avLst/>
+          </a:prstGeom>
+          <a:noFill/>
+          <a:ln w="9525">
+            <a:noFill/>
+            <a:miter lim="800000"/>
+            <a:headEnd/>
+            <a:tailEnd/>
+          </a:ln>
+        </p:spPr>
+      </p:pic>
+    </p:spTree>
+  </p:cSld>
+  <p:clrMapOvr>
+    <a:masterClrMapping/>
+  </p:clrMapOvr>
+</p:sld>
+</file>
+
+<file path=ppt/slides/slide11.xml><?xml version="1.0" encoding="utf-8"?>
+<p:sld xmlns:a="http://schemas.openxmlformats.org/drawingml/2006/main" xmlns:r="http://schemas.openxmlformats.org/officeDocument/2006/relationships" xmlns:p="http://schemas.openxmlformats.org/presentationml/2006/main">
+  <p:cSld>
+    <p:spTree>
+      <p:nvGrpSpPr>
+        <p:cNvPr id="1" name=""/>
+        <p:cNvGrpSpPr/>
+        <p:nvPr/>
+      </p:nvGrpSpPr>
+      <p:grpSpPr>
+        <a:xfrm>
+          <a:off x="0" y="0"/>
+          <a:ext cx="0" cy="0"/>
+          <a:chOff x="0" y="0"/>
+          <a:chExt cx="0" cy="0"/>
+        </a:xfrm>
+      </p:grpSpPr>
+      <p:pic>
+        <p:nvPicPr>
+          <p:cNvPr id="32772" name="Picture 4" descr="https://documents.lucidchart.com/documents/fa24c28f-4a56-42c7-9fc0-768ce08dfdf0/pages/0_0?a=440&amp;x=74&amp;y=115&amp;w=1452&amp;h=466&amp;store=1&amp;accept=image%2F*&amp;auth=LCA%201085ed965705cb178a5d49d4bdb19264efe0bc4c-ts%3D1526509277"/>
+          <p:cNvPicPr>
+            <a:picLocks noChangeAspect="1" noChangeArrowheads="1"/>
+          </p:cNvPicPr>
+          <p:nvPr/>
+        </p:nvPicPr>
+        <p:blipFill>
+          <a:blip r:embed="rId2" cstate="print"/>
+          <a:srcRect/>
+          <a:stretch>
+            <a:fillRect/>
+          </a:stretch>
+        </p:blipFill>
+        <p:spPr bwMode="auto">
+          <a:xfrm>
+            <a:off x="1" y="27360"/>
+            <a:ext cx="5367964" cy="1725240"/>
           </a:xfrm>
           <a:prstGeom prst="rect">
             <a:avLst/>
@@ -3782,7 +3956,7 @@
 </p:sld>
 </file>
 
-<file path=ppt/slides/slide11.xml><?xml version="1.0" encoding="utf-8"?>
+<file path=ppt/slides/slide12.xml><?xml version="1.0" encoding="utf-8"?>
 <p:sld xmlns:a="http://schemas.openxmlformats.org/drawingml/2006/main" xmlns:r="http://schemas.openxmlformats.org/officeDocument/2006/relationships" xmlns:p="http://schemas.openxmlformats.org/presentationml/2006/main">
   <p:cSld>
     <p:spTree>
@@ -3929,7 +4103,7 @@
 </p:sld>
 </file>
 
-<file path=ppt/slides/slide12.xml><?xml version="1.0" encoding="utf-8"?>
+<file path=ppt/slides/slide13.xml><?xml version="1.0" encoding="utf-8"?>
 <p:sld xmlns:a="http://schemas.openxmlformats.org/drawingml/2006/main" xmlns:r="http://schemas.openxmlformats.org/officeDocument/2006/relationships" xmlns:p="http://schemas.openxmlformats.org/presentationml/2006/main">
   <p:cSld>
     <p:spTree>
@@ -4162,7 +4336,7 @@
 </p:sld>
 </file>
 
-<file path=ppt/slides/slide13.xml><?xml version="1.0" encoding="utf-8"?>
+<file path=ppt/slides/slide14.xml><?xml version="1.0" encoding="utf-8"?>
 <p:sld xmlns:a="http://schemas.openxmlformats.org/drawingml/2006/main" xmlns:r="http://schemas.openxmlformats.org/officeDocument/2006/relationships" xmlns:p="http://schemas.openxmlformats.org/presentationml/2006/main">
   <p:cSld>
     <p:spTree>
@@ -4277,7 +4451,7 @@
 </p:sld>
 </file>
 
-<file path=ppt/slides/slide14.xml><?xml version="1.0" encoding="utf-8"?>
+<file path=ppt/slides/slide15.xml><?xml version="1.0" encoding="utf-8"?>
 <p:sld xmlns:a="http://schemas.openxmlformats.org/drawingml/2006/main" xmlns:r="http://schemas.openxmlformats.org/officeDocument/2006/relationships" xmlns:p="http://schemas.openxmlformats.org/presentationml/2006/main">
   <p:cSld>
     <p:spTree>
@@ -11644,7 +11818,7 @@
 </p:sld>
 </file>
 
-<file path=ppt/slides/slide15.xml><?xml version="1.0" encoding="utf-8"?>
+<file path=ppt/slides/slide16.xml><?xml version="1.0" encoding="utf-8"?>
 <p:sld xmlns:a="http://schemas.openxmlformats.org/drawingml/2006/main" xmlns:r="http://schemas.openxmlformats.org/officeDocument/2006/relationships" xmlns:p="http://schemas.openxmlformats.org/presentationml/2006/main">
   <p:cSld>
     <p:spTree>
@@ -11733,7 +11907,7 @@
 </p:sld>
 </file>
 
-<file path=ppt/slides/slide16.xml><?xml version="1.0" encoding="utf-8"?>
+<file path=ppt/slides/slide17.xml><?xml version="1.0" encoding="utf-8"?>
 <p:sld xmlns:a="http://schemas.openxmlformats.org/drawingml/2006/main" xmlns:r="http://schemas.openxmlformats.org/officeDocument/2006/relationships" xmlns:p="http://schemas.openxmlformats.org/presentationml/2006/main">
   <p:cSld>
     <p:spTree>
@@ -11822,7 +11996,7 @@
 </p:sld>
 </file>
 
-<file path=ppt/slides/slide17.xml><?xml version="1.0" encoding="utf-8"?>
+<file path=ppt/slides/slide18.xml><?xml version="1.0" encoding="utf-8"?>
 <p:sld xmlns:a="http://schemas.openxmlformats.org/drawingml/2006/main" xmlns:r="http://schemas.openxmlformats.org/officeDocument/2006/relationships" xmlns:p="http://schemas.openxmlformats.org/presentationml/2006/main">
   <p:cSld>
     <p:spTree>
@@ -11937,7 +12111,7 @@
 </p:sld>
 </file>
 
-<file path=ppt/slides/slide18.xml><?xml version="1.0" encoding="utf-8"?>
+<file path=ppt/slides/slide19.xml><?xml version="1.0" encoding="utf-8"?>
 <p:sld xmlns:a="http://schemas.openxmlformats.org/drawingml/2006/main" xmlns:r="http://schemas.openxmlformats.org/officeDocument/2006/relationships" xmlns:p="http://schemas.openxmlformats.org/presentationml/2006/main">
   <p:cSld>
     <p:spTree>
@@ -12052,7 +12226,143 @@
 </p:sld>
 </file>
 
-<file path=ppt/slides/slide19.xml><?xml version="1.0" encoding="utf-8"?>
+<file path=ppt/slides/slide2.xml><?xml version="1.0" encoding="utf-8"?>
+<p:sld xmlns:a="http://schemas.openxmlformats.org/drawingml/2006/main" xmlns:r="http://schemas.openxmlformats.org/officeDocument/2006/relationships" xmlns:p="http://schemas.openxmlformats.org/presentationml/2006/main">
+  <p:cSld>
+    <p:spTree>
+      <p:nvGrpSpPr>
+        <p:cNvPr id="1" name=""/>
+        <p:cNvGrpSpPr/>
+        <p:nvPr/>
+      </p:nvGrpSpPr>
+      <p:grpSpPr>
+        <a:xfrm>
+          <a:off x="0" y="0"/>
+          <a:ext cx="0" cy="0"/>
+          <a:chOff x="0" y="0"/>
+          <a:chExt cx="0" cy="0"/>
+        </a:xfrm>
+      </p:grpSpPr>
+      <p:grpSp>
+        <p:nvGrpSpPr>
+          <p:cNvPr id="4" name="Group 3"/>
+          <p:cNvGrpSpPr/>
+          <p:nvPr/>
+        </p:nvGrpSpPr>
+        <p:grpSpPr>
+          <a:xfrm>
+            <a:off x="180975" y="3733800"/>
+            <a:ext cx="8353425" cy="2971800"/>
+            <a:chOff x="38100" y="3733801"/>
+            <a:chExt cx="8353425" cy="2971800"/>
+          </a:xfrm>
+        </p:grpSpPr>
+        <p:pic>
+          <p:nvPicPr>
+            <p:cNvPr id="1026" name="Picture 2"/>
+            <p:cNvPicPr>
+              <a:picLocks noChangeAspect="1" noChangeArrowheads="1"/>
+            </p:cNvPicPr>
+            <p:nvPr/>
+          </p:nvPicPr>
+          <p:blipFill>
+            <a:blip r:embed="rId2" cstate="print"/>
+            <a:srcRect/>
+            <a:stretch>
+              <a:fillRect/>
+            </a:stretch>
+          </p:blipFill>
+          <p:spPr bwMode="auto">
+            <a:xfrm rot="16200000">
+              <a:off x="2662237" y="1366837"/>
+              <a:ext cx="2714625" cy="7962900"/>
+            </a:xfrm>
+            <a:prstGeom prst="rect">
+              <a:avLst/>
+            </a:prstGeom>
+            <a:noFill/>
+            <a:ln w="9525">
+              <a:noFill/>
+              <a:miter lim="800000"/>
+              <a:headEnd/>
+              <a:tailEnd/>
+            </a:ln>
+          </p:spPr>
+        </p:pic>
+        <p:pic>
+          <p:nvPicPr>
+            <p:cNvPr id="1027" name="Picture 3"/>
+            <p:cNvPicPr>
+              <a:picLocks noChangeAspect="1" noChangeArrowheads="1"/>
+            </p:cNvPicPr>
+            <p:nvPr/>
+          </p:nvPicPr>
+          <p:blipFill>
+            <a:blip r:embed="rId3" cstate="print"/>
+            <a:srcRect/>
+            <a:stretch>
+              <a:fillRect/>
+            </a:stretch>
+          </p:blipFill>
+          <p:spPr bwMode="auto">
+            <a:xfrm rot="16200000">
+              <a:off x="6443663" y="4757738"/>
+              <a:ext cx="2971800" cy="923925"/>
+            </a:xfrm>
+            <a:prstGeom prst="rect">
+              <a:avLst/>
+            </a:prstGeom>
+            <a:noFill/>
+            <a:ln w="9525">
+              <a:noFill/>
+              <a:miter lim="800000"/>
+              <a:headEnd/>
+              <a:tailEnd/>
+            </a:ln>
+          </p:spPr>
+        </p:pic>
+      </p:grpSp>
+      <p:pic>
+        <p:nvPicPr>
+          <p:cNvPr id="6" name="Picture 2"/>
+          <p:cNvPicPr>
+            <a:picLocks noChangeAspect="1" noChangeArrowheads="1"/>
+          </p:cNvPicPr>
+          <p:nvPr/>
+        </p:nvPicPr>
+        <p:blipFill>
+          <a:blip r:embed="rId4" cstate="print"/>
+          <a:srcRect/>
+          <a:stretch>
+            <a:fillRect/>
+          </a:stretch>
+        </p:blipFill>
+        <p:spPr bwMode="auto">
+          <a:xfrm rot="16200000">
+            <a:off x="404812" y="-500062"/>
+            <a:ext cx="4352925" cy="4895850"/>
+          </a:xfrm>
+          <a:prstGeom prst="rect">
+            <a:avLst/>
+          </a:prstGeom>
+          <a:noFill/>
+          <a:ln w="9525">
+            <a:noFill/>
+            <a:miter lim="800000"/>
+            <a:headEnd/>
+            <a:tailEnd/>
+          </a:ln>
+        </p:spPr>
+      </p:pic>
+    </p:spTree>
+  </p:cSld>
+  <p:clrMapOvr>
+    <a:masterClrMapping/>
+  </p:clrMapOvr>
+</p:sld>
+</file>
+
+<file path=ppt/slides/slide20.xml><?xml version="1.0" encoding="utf-8"?>
 <p:sld xmlns:a="http://schemas.openxmlformats.org/drawingml/2006/main" xmlns:r="http://schemas.openxmlformats.org/officeDocument/2006/relationships" xmlns:p="http://schemas.openxmlformats.org/presentationml/2006/main">
   <p:cSld>
     <p:spTree>
@@ -13066,143 +13376,7 @@
 </p:sld>
 </file>
 
-<file path=ppt/slides/slide2.xml><?xml version="1.0" encoding="utf-8"?>
-<p:sld xmlns:a="http://schemas.openxmlformats.org/drawingml/2006/main" xmlns:r="http://schemas.openxmlformats.org/officeDocument/2006/relationships" xmlns:p="http://schemas.openxmlformats.org/presentationml/2006/main">
-  <p:cSld>
-    <p:spTree>
-      <p:nvGrpSpPr>
-        <p:cNvPr id="1" name=""/>
-        <p:cNvGrpSpPr/>
-        <p:nvPr/>
-      </p:nvGrpSpPr>
-      <p:grpSpPr>
-        <a:xfrm>
-          <a:off x="0" y="0"/>
-          <a:ext cx="0" cy="0"/>
-          <a:chOff x="0" y="0"/>
-          <a:chExt cx="0" cy="0"/>
-        </a:xfrm>
-      </p:grpSpPr>
-      <p:grpSp>
-        <p:nvGrpSpPr>
-          <p:cNvPr id="4" name="Group 3"/>
-          <p:cNvGrpSpPr/>
-          <p:nvPr/>
-        </p:nvGrpSpPr>
-        <p:grpSpPr>
-          <a:xfrm>
-            <a:off x="180975" y="3733800"/>
-            <a:ext cx="8353425" cy="2971800"/>
-            <a:chOff x="38100" y="3733801"/>
-            <a:chExt cx="8353425" cy="2971800"/>
-          </a:xfrm>
-        </p:grpSpPr>
-        <p:pic>
-          <p:nvPicPr>
-            <p:cNvPr id="1026" name="Picture 2"/>
-            <p:cNvPicPr>
-              <a:picLocks noChangeAspect="1" noChangeArrowheads="1"/>
-            </p:cNvPicPr>
-            <p:nvPr/>
-          </p:nvPicPr>
-          <p:blipFill>
-            <a:blip r:embed="rId2" cstate="print"/>
-            <a:srcRect/>
-            <a:stretch>
-              <a:fillRect/>
-            </a:stretch>
-          </p:blipFill>
-          <p:spPr bwMode="auto">
-            <a:xfrm rot="16200000">
-              <a:off x="2662237" y="1366837"/>
-              <a:ext cx="2714625" cy="7962900"/>
-            </a:xfrm>
-            <a:prstGeom prst="rect">
-              <a:avLst/>
-            </a:prstGeom>
-            <a:noFill/>
-            <a:ln w="9525">
-              <a:noFill/>
-              <a:miter lim="800000"/>
-              <a:headEnd/>
-              <a:tailEnd/>
-            </a:ln>
-          </p:spPr>
-        </p:pic>
-        <p:pic>
-          <p:nvPicPr>
-            <p:cNvPr id="1027" name="Picture 3"/>
-            <p:cNvPicPr>
-              <a:picLocks noChangeAspect="1" noChangeArrowheads="1"/>
-            </p:cNvPicPr>
-            <p:nvPr/>
-          </p:nvPicPr>
-          <p:blipFill>
-            <a:blip r:embed="rId3" cstate="print"/>
-            <a:srcRect/>
-            <a:stretch>
-              <a:fillRect/>
-            </a:stretch>
-          </p:blipFill>
-          <p:spPr bwMode="auto">
-            <a:xfrm rot="16200000">
-              <a:off x="6443663" y="4757738"/>
-              <a:ext cx="2971800" cy="923925"/>
-            </a:xfrm>
-            <a:prstGeom prst="rect">
-              <a:avLst/>
-            </a:prstGeom>
-            <a:noFill/>
-            <a:ln w="9525">
-              <a:noFill/>
-              <a:miter lim="800000"/>
-              <a:headEnd/>
-              <a:tailEnd/>
-            </a:ln>
-          </p:spPr>
-        </p:pic>
-      </p:grpSp>
-      <p:pic>
-        <p:nvPicPr>
-          <p:cNvPr id="6" name="Picture 2"/>
-          <p:cNvPicPr>
-            <a:picLocks noChangeAspect="1" noChangeArrowheads="1"/>
-          </p:cNvPicPr>
-          <p:nvPr/>
-        </p:nvPicPr>
-        <p:blipFill>
-          <a:blip r:embed="rId4" cstate="print"/>
-          <a:srcRect/>
-          <a:stretch>
-            <a:fillRect/>
-          </a:stretch>
-        </p:blipFill>
-        <p:spPr bwMode="auto">
-          <a:xfrm rot="16200000">
-            <a:off x="404812" y="-500062"/>
-            <a:ext cx="4352925" cy="4895850"/>
-          </a:xfrm>
-          <a:prstGeom prst="rect">
-            <a:avLst/>
-          </a:prstGeom>
-          <a:noFill/>
-          <a:ln w="9525">
-            <a:noFill/>
-            <a:miter lim="800000"/>
-            <a:headEnd/>
-            <a:tailEnd/>
-          </a:ln>
-        </p:spPr>
-      </p:pic>
-    </p:spTree>
-  </p:cSld>
-  <p:clrMapOvr>
-    <a:masterClrMapping/>
-  </p:clrMapOvr>
-</p:sld>
-</file>
-
-<file path=ppt/slides/slide20.xml><?xml version="1.0" encoding="utf-8"?>
+<file path=ppt/slides/slide21.xml><?xml version="1.0" encoding="utf-8"?>
 <p:sld xmlns:a="http://schemas.openxmlformats.org/drawingml/2006/main" xmlns:r="http://schemas.openxmlformats.org/officeDocument/2006/relationships" xmlns:p="http://schemas.openxmlformats.org/presentationml/2006/main">
   <p:cSld>
     <p:spTree>
@@ -14216,7 +14390,7 @@
 </p:sld>
 </file>
 
-<file path=ppt/slides/slide21.xml><?xml version="1.0" encoding="utf-8"?>
+<file path=ppt/slides/slide22.xml><?xml version="1.0" encoding="utf-8"?>
 <p:sld xmlns:a="http://schemas.openxmlformats.org/drawingml/2006/main" xmlns:r="http://schemas.openxmlformats.org/officeDocument/2006/relationships" xmlns:p="http://schemas.openxmlformats.org/presentationml/2006/main">
   <p:cSld>
     <p:spTree>
@@ -14337,7 +14511,7 @@
 </p:sld>
 </file>
 
-<file path=ppt/slides/slide22.xml><?xml version="1.0" encoding="utf-8"?>
+<file path=ppt/slides/slide23.xml><?xml version="1.0" encoding="utf-8"?>
 <p:sld xmlns:a="http://schemas.openxmlformats.org/drawingml/2006/main" xmlns:r="http://schemas.openxmlformats.org/officeDocument/2006/relationships" xmlns:p="http://schemas.openxmlformats.org/presentationml/2006/main" show="0">
   <p:cSld>
     <p:spTree>
@@ -14415,7 +14589,7 @@
 </p:sld>
 </file>
 
-<file path=ppt/slides/slide23.xml><?xml version="1.0" encoding="utf-8"?>
+<file path=ppt/slides/slide24.xml><?xml version="1.0" encoding="utf-8"?>
 <p:sld xmlns:a="http://schemas.openxmlformats.org/drawingml/2006/main" xmlns:r="http://schemas.openxmlformats.org/officeDocument/2006/relationships" xmlns:p="http://schemas.openxmlformats.org/presentationml/2006/main">
   <p:cSld>
     <p:spTree>
@@ -14472,7 +14646,7 @@
 </p:sld>
 </file>
 
-<file path=ppt/slides/slide24.xml><?xml version="1.0" encoding="utf-8"?>
+<file path=ppt/slides/slide25.xml><?xml version="1.0" encoding="utf-8"?>
 <p:sld xmlns:a="http://schemas.openxmlformats.org/drawingml/2006/main" xmlns:r="http://schemas.openxmlformats.org/officeDocument/2006/relationships" xmlns:p="http://schemas.openxmlformats.org/presentationml/2006/main">
   <p:cSld>
     <p:spTree>
@@ -14625,7 +14799,7 @@
 </p:sld>
 </file>
 
-<file path=ppt/slides/slide25.xml><?xml version="1.0" encoding="utf-8"?>
+<file path=ppt/slides/slide26.xml><?xml version="1.0" encoding="utf-8"?>
 <p:sld xmlns:a="http://schemas.openxmlformats.org/drawingml/2006/main" xmlns:r="http://schemas.openxmlformats.org/officeDocument/2006/relationships" xmlns:p="http://schemas.openxmlformats.org/presentationml/2006/main">
   <p:cSld>
     <p:spTree>
@@ -15258,7 +15432,7 @@
 </p:sld>
 </file>
 
-<file path=ppt/slides/slide26.xml><?xml version="1.0" encoding="utf-8"?>
+<file path=ppt/slides/slide27.xml><?xml version="1.0" encoding="utf-8"?>
 <p:sld xmlns:a="http://schemas.openxmlformats.org/drawingml/2006/main" xmlns:r="http://schemas.openxmlformats.org/officeDocument/2006/relationships" xmlns:p="http://schemas.openxmlformats.org/presentationml/2006/main">
   <p:cSld>
     <p:spTree>
@@ -15347,7 +15521,7 @@
 </p:sld>
 </file>
 
-<file path=ppt/slides/slide27.xml><?xml version="1.0" encoding="utf-8"?>
+<file path=ppt/slides/slide28.xml><?xml version="1.0" encoding="utf-8"?>
 <p:sld xmlns:a="http://schemas.openxmlformats.org/drawingml/2006/main" xmlns:r="http://schemas.openxmlformats.org/officeDocument/2006/relationships" xmlns:p="http://schemas.openxmlformats.org/presentationml/2006/main">
   <p:cSld>
     <p:spTree>
@@ -15404,7 +15578,7 @@
 </p:sld>
 </file>
 
-<file path=ppt/slides/slide28.xml><?xml version="1.0" encoding="utf-8"?>
+<file path=ppt/slides/slide29.xml><?xml version="1.0" encoding="utf-8"?>
 <p:sld xmlns:a="http://schemas.openxmlformats.org/drawingml/2006/main" xmlns:r="http://schemas.openxmlformats.org/officeDocument/2006/relationships" xmlns:p="http://schemas.openxmlformats.org/presentationml/2006/main">
   <p:cSld>
     <p:spTree>
@@ -15554,7 +15728,96 @@
 </p:sld>
 </file>
 
-<file path=ppt/slides/slide29.xml><?xml version="1.0" encoding="utf-8"?>
+<file path=ppt/slides/slide3.xml><?xml version="1.0" encoding="utf-8"?>
+<p:sld xmlns:a="http://schemas.openxmlformats.org/drawingml/2006/main" xmlns:r="http://schemas.openxmlformats.org/officeDocument/2006/relationships" xmlns:p="http://schemas.openxmlformats.org/presentationml/2006/main">
+  <p:cSld>
+    <p:spTree>
+      <p:nvGrpSpPr>
+        <p:cNvPr id="1" name=""/>
+        <p:cNvGrpSpPr/>
+        <p:nvPr/>
+      </p:nvGrpSpPr>
+      <p:grpSpPr>
+        <a:xfrm>
+          <a:off x="0" y="0"/>
+          <a:ext cx="0" cy="0"/>
+          <a:chOff x="0" y="0"/>
+          <a:chExt cx="0" cy="0"/>
+        </a:xfrm>
+      </p:grpSpPr>
+      <p:pic>
+        <p:nvPicPr>
+          <p:cNvPr id="1027" name="Picture 3"/>
+          <p:cNvPicPr>
+            <a:picLocks noChangeAspect="1" noChangeArrowheads="1"/>
+          </p:cNvPicPr>
+          <p:nvPr/>
+        </p:nvPicPr>
+        <p:blipFill>
+          <a:blip r:embed="rId2" cstate="print"/>
+          <a:srcRect/>
+          <a:stretch>
+            <a:fillRect/>
+          </a:stretch>
+        </p:blipFill>
+        <p:spPr bwMode="auto">
+          <a:xfrm rot="16200000">
+            <a:off x="4591051" y="2200275"/>
+            <a:ext cx="2962275" cy="6048375"/>
+          </a:xfrm>
+          <a:prstGeom prst="rect">
+            <a:avLst/>
+          </a:prstGeom>
+          <a:noFill/>
+          <a:ln w="9525">
+            <a:noFill/>
+            <a:miter lim="800000"/>
+            <a:headEnd/>
+            <a:tailEnd/>
+          </a:ln>
+        </p:spPr>
+      </p:pic>
+      <p:pic>
+        <p:nvPicPr>
+          <p:cNvPr id="1028" name="Picture 4"/>
+          <p:cNvPicPr>
+            <a:picLocks noChangeAspect="1" noChangeArrowheads="1"/>
+          </p:cNvPicPr>
+          <p:nvPr/>
+        </p:nvPicPr>
+        <p:blipFill>
+          <a:blip r:embed="rId3" cstate="print"/>
+          <a:srcRect/>
+          <a:stretch>
+            <a:fillRect/>
+          </a:stretch>
+        </p:blipFill>
+        <p:spPr bwMode="auto">
+          <a:xfrm rot="16200000">
+            <a:off x="-323849" y="3600450"/>
+            <a:ext cx="3590925" cy="2638425"/>
+          </a:xfrm>
+          <a:prstGeom prst="rect">
+            <a:avLst/>
+          </a:prstGeom>
+          <a:noFill/>
+          <a:ln w="9525">
+            <a:noFill/>
+            <a:miter lim="800000"/>
+            <a:headEnd/>
+            <a:tailEnd/>
+          </a:ln>
+        </p:spPr>
+      </p:pic>
+    </p:spTree>
+  </p:cSld>
+  <p:clrMapOvr>
+    <a:masterClrMapping/>
+  </p:clrMapOvr>
+</p:sld>
+</file>
+
+<file path=ppt/slides/slide30.xml><?xml version="1.0" encoding="utf-8"?>
 <p:sld xmlns:a="http://schemas.openxmlformats.org/drawingml/2006/main" xmlns:r="http://schemas.openxmlformats.org/officeDocument/2006/relationships" xmlns:p="http://schemas.openxmlformats.org/presentationml/2006/main">
   <p:cSld>
     <p:spTree>
@@ -15672,96 +15935,7 @@
 </p:sld>
 </file>
 
-<file path=ppt/slides/slide3.xml><?xml version="1.0" encoding="utf-8"?>
-<p:sld xmlns:a="http://schemas.openxmlformats.org/drawingml/2006/main" xmlns:r="http://schemas.openxmlformats.org/officeDocument/2006/relationships" xmlns:p="http://schemas.openxmlformats.org/presentationml/2006/main">
-  <p:cSld>
-    <p:spTree>
-      <p:nvGrpSpPr>
-        <p:cNvPr id="1" name=""/>
-        <p:cNvGrpSpPr/>
-        <p:nvPr/>
-      </p:nvGrpSpPr>
-      <p:grpSpPr>
-        <a:xfrm>
-          <a:off x="0" y="0"/>
-          <a:ext cx="0" cy="0"/>
-          <a:chOff x="0" y="0"/>
-          <a:chExt cx="0" cy="0"/>
-        </a:xfrm>
-      </p:grpSpPr>
-      <p:pic>
-        <p:nvPicPr>
-          <p:cNvPr id="1027" name="Picture 3"/>
-          <p:cNvPicPr>
-            <a:picLocks noChangeAspect="1" noChangeArrowheads="1"/>
-          </p:cNvPicPr>
-          <p:nvPr/>
-        </p:nvPicPr>
-        <p:blipFill>
-          <a:blip r:embed="rId2" cstate="print"/>
-          <a:srcRect/>
-          <a:stretch>
-            <a:fillRect/>
-          </a:stretch>
-        </p:blipFill>
-        <p:spPr bwMode="auto">
-          <a:xfrm rot="16200000">
-            <a:off x="4591051" y="2200275"/>
-            <a:ext cx="2962275" cy="6048375"/>
-          </a:xfrm>
-          <a:prstGeom prst="rect">
-            <a:avLst/>
-          </a:prstGeom>
-          <a:noFill/>
-          <a:ln w="9525">
-            <a:noFill/>
-            <a:miter lim="800000"/>
-            <a:headEnd/>
-            <a:tailEnd/>
-          </a:ln>
-        </p:spPr>
-      </p:pic>
-      <p:pic>
-        <p:nvPicPr>
-          <p:cNvPr id="1028" name="Picture 4"/>
-          <p:cNvPicPr>
-            <a:picLocks noChangeAspect="1" noChangeArrowheads="1"/>
-          </p:cNvPicPr>
-          <p:nvPr/>
-        </p:nvPicPr>
-        <p:blipFill>
-          <a:blip r:embed="rId3" cstate="print"/>
-          <a:srcRect/>
-          <a:stretch>
-            <a:fillRect/>
-          </a:stretch>
-        </p:blipFill>
-        <p:spPr bwMode="auto">
-          <a:xfrm rot="16200000">
-            <a:off x="-323849" y="3600450"/>
-            <a:ext cx="3590925" cy="2638425"/>
-          </a:xfrm>
-          <a:prstGeom prst="rect">
-            <a:avLst/>
-          </a:prstGeom>
-          <a:noFill/>
-          <a:ln w="9525">
-            <a:noFill/>
-            <a:miter lim="800000"/>
-            <a:headEnd/>
-            <a:tailEnd/>
-          </a:ln>
-        </p:spPr>
-      </p:pic>
-    </p:spTree>
-  </p:cSld>
-  <p:clrMapOvr>
-    <a:masterClrMapping/>
-  </p:clrMapOvr>
-</p:sld>
-</file>
-
-<file path=ppt/slides/slide30.xml><?xml version="1.0" encoding="utf-8"?>
+<file path=ppt/slides/slide31.xml><?xml version="1.0" encoding="utf-8"?>
 <p:sld xmlns:a="http://schemas.openxmlformats.org/drawingml/2006/main" xmlns:r="http://schemas.openxmlformats.org/officeDocument/2006/relationships" xmlns:p="http://schemas.openxmlformats.org/presentationml/2006/main">
   <p:cSld>
     <p:spTree>
@@ -19695,7 +19869,7 @@
 </p:sld>
 </file>
 
-<file path=ppt/slides/slide31.xml><?xml version="1.0" encoding="utf-8"?>
+<file path=ppt/slides/slide32.xml><?xml version="1.0" encoding="utf-8"?>
 <p:sld xmlns:a="http://schemas.openxmlformats.org/drawingml/2006/main" xmlns:r="http://schemas.openxmlformats.org/officeDocument/2006/relationships" xmlns:p="http://schemas.openxmlformats.org/presentationml/2006/main">
   <p:cSld>
     <p:spTree>
@@ -19846,7 +20020,7 @@
 </p:sld>
 </file>
 
-<file path=ppt/slides/slide32.xml><?xml version="1.0" encoding="utf-8"?>
+<file path=ppt/slides/slide33.xml><?xml version="1.0" encoding="utf-8"?>
 <p:sld xmlns:a="http://schemas.openxmlformats.org/drawingml/2006/main" xmlns:r="http://schemas.openxmlformats.org/officeDocument/2006/relationships" xmlns:p="http://schemas.openxmlformats.org/presentationml/2006/main">
   <p:cSld>
     <p:spTree>
@@ -19935,7 +20109,7 @@
         </p:nvSpPr>
         <p:spPr>
           <a:xfrm>
-            <a:off x="3617718" y="6336268"/>
+            <a:off x="5334000" y="6477000"/>
             <a:ext cx="3691716" cy="276999"/>
           </a:xfrm>
           <a:prstGeom prst="rect">
@@ -19997,7 +20171,7 @@
 </p:sld>
 </file>
 
-<file path=ppt/slides/slide33.xml><?xml version="1.0" encoding="utf-8"?>
+<file path=ppt/slides/slide34.xml><?xml version="1.0" encoding="utf-8"?>
 <p:sld xmlns:a="http://schemas.openxmlformats.org/drawingml/2006/main" xmlns:r="http://schemas.openxmlformats.org/officeDocument/2006/relationships" xmlns:p="http://schemas.openxmlformats.org/presentationml/2006/main">
   <p:cSld>
     <p:spTree>
@@ -20148,7 +20322,7 @@
 </p:sld>
 </file>
 
-<file path=ppt/slides/slide34.xml><?xml version="1.0" encoding="utf-8"?>
+<file path=ppt/slides/slide35.xml><?xml version="1.0" encoding="utf-8"?>
 <p:sld xmlns:a="http://schemas.openxmlformats.org/drawingml/2006/main" xmlns:r="http://schemas.openxmlformats.org/officeDocument/2006/relationships" xmlns:p="http://schemas.openxmlformats.org/presentationml/2006/main">
   <p:cSld>
     <p:spTree>
@@ -20374,7 +20548,7 @@
 </p:sld>
 </file>
 
-<file path=ppt/slides/slide35.xml><?xml version="1.0" encoding="utf-8"?>
+<file path=ppt/slides/slide36.xml><?xml version="1.0" encoding="utf-8"?>
 <p:sld xmlns:a="http://schemas.openxmlformats.org/drawingml/2006/main" xmlns:r="http://schemas.openxmlformats.org/officeDocument/2006/relationships" xmlns:p="http://schemas.openxmlformats.org/presentationml/2006/main">
   <p:cSld>
     <p:spTree>
@@ -20391,32 +20565,193 @@
           <a:chExt cx="0" cy="0"/>
         </a:xfrm>
       </p:grpSpPr>
-      <p:pic>
-        <p:nvPicPr>
-          <p:cNvPr id="2050" name="Picture 2" descr="https://documents.lucidchart.com/documents/ad9db0c5-22e6-4122-84c3-9d1671aa17b7/pages/0_0?a=552&amp;x=-11&amp;y=62&amp;w=1562&amp;h=836&amp;store=1&amp;accept=image%2F*&amp;auth=LCA%200e9698c60a64d16193eeace887d2597e0c6911f0-ts%3D1526419192"/>
-          <p:cNvPicPr>
-            <a:picLocks noChangeAspect="1" noChangeArrowheads="1"/>
-          </p:cNvPicPr>
+      <p:grpSp>
+        <p:nvGrpSpPr>
+          <p:cNvPr id="5" name="Group 4"/>
+          <p:cNvGrpSpPr/>
           <p:nvPr/>
-        </p:nvPicPr>
-        <p:blipFill>
-          <a:blip r:embed="rId2" cstate="print"/>
-          <a:srcRect/>
-          <a:stretch>
-            <a:fillRect/>
-          </a:stretch>
-        </p:blipFill>
-        <p:spPr bwMode="auto">
+        </p:nvGrpSpPr>
+        <p:grpSpPr>
           <a:xfrm>
-            <a:off x="152400" y="838200"/>
-            <a:ext cx="7549025" cy="4038600"/>
+            <a:off x="933450" y="428625"/>
+            <a:ext cx="7277100" cy="1704975"/>
+            <a:chOff x="1562100" y="457200"/>
+            <a:chExt cx="7277100" cy="1704975"/>
+          </a:xfrm>
+        </p:grpSpPr>
+        <p:pic>
+          <p:nvPicPr>
+            <p:cNvPr id="6145" name="Picture 1"/>
+            <p:cNvPicPr>
+              <a:picLocks noChangeAspect="1" noChangeArrowheads="1"/>
+            </p:cNvPicPr>
+            <p:nvPr/>
+          </p:nvPicPr>
+          <p:blipFill>
+            <a:blip r:embed="rId2" cstate="print"/>
+            <a:srcRect/>
+            <a:stretch>
+              <a:fillRect/>
+            </a:stretch>
+          </p:blipFill>
+          <p:spPr bwMode="auto">
+            <a:xfrm>
+              <a:off x="1562100" y="457200"/>
+              <a:ext cx="3619500" cy="1704975"/>
+            </a:xfrm>
+            <a:prstGeom prst="rect">
+              <a:avLst/>
+            </a:prstGeom>
+            <a:noFill/>
+            <a:ln w="9525">
+              <a:noFill/>
+              <a:miter lim="800000"/>
+              <a:headEnd/>
+              <a:tailEnd/>
+            </a:ln>
+          </p:spPr>
+        </p:pic>
+        <p:pic>
+          <p:nvPicPr>
+            <p:cNvPr id="6146" name="Picture 2"/>
+            <p:cNvPicPr>
+              <a:picLocks noChangeAspect="1" noChangeArrowheads="1"/>
+            </p:cNvPicPr>
+            <p:nvPr/>
+          </p:nvPicPr>
+          <p:blipFill>
+            <a:blip r:embed="rId3" cstate="print"/>
+            <a:srcRect/>
+            <a:stretch>
+              <a:fillRect/>
+            </a:stretch>
+          </p:blipFill>
+          <p:spPr bwMode="auto">
+            <a:xfrm>
+              <a:off x="5257800" y="457200"/>
+              <a:ext cx="3581400" cy="1123950"/>
+            </a:xfrm>
+            <a:prstGeom prst="rect">
+              <a:avLst/>
+            </a:prstGeom>
+            <a:noFill/>
+            <a:ln w="9525">
+              <a:noFill/>
+              <a:miter lim="800000"/>
+              <a:headEnd/>
+              <a:tailEnd/>
+            </a:ln>
+          </p:spPr>
+        </p:pic>
+      </p:grpSp>
+      <p:grpSp>
+        <p:nvGrpSpPr>
+          <p:cNvPr id="7" name="Group 6"/>
+          <p:cNvGrpSpPr/>
+          <p:nvPr/>
+        </p:nvGrpSpPr>
+        <p:grpSpPr>
+          <a:xfrm>
+            <a:off x="583836" y="2438400"/>
+            <a:ext cx="7976328" cy="4267200"/>
+            <a:chOff x="1" y="2590800"/>
+            <a:chExt cx="7976328" cy="4267200"/>
+          </a:xfrm>
+        </p:grpSpPr>
+        <p:pic>
+          <p:nvPicPr>
+            <p:cNvPr id="2050" name="Picture 2" descr="https://documents.lucidchart.com/documents/ad9db0c5-22e6-4122-84c3-9d1671aa17b7/pages/0_0?a=552&amp;x=-11&amp;y=62&amp;w=1562&amp;h=836&amp;store=1&amp;accept=image%2F*&amp;auth=LCA%200e9698c60a64d16193eeace887d2597e0c6911f0-ts%3D1526419192"/>
+            <p:cNvPicPr>
+              <a:picLocks noChangeAspect="1" noChangeArrowheads="1"/>
+            </p:cNvPicPr>
+            <p:nvPr/>
+          </p:nvPicPr>
+          <p:blipFill>
+            <a:blip r:embed="rId4" cstate="print"/>
+            <a:srcRect/>
+            <a:stretch>
+              <a:fillRect/>
+            </a:stretch>
+          </p:blipFill>
+          <p:spPr bwMode="auto">
+            <a:xfrm>
+              <a:off x="1" y="2590800"/>
+              <a:ext cx="7976328" cy="4267200"/>
+            </a:xfrm>
+            <a:prstGeom prst="rect">
+              <a:avLst/>
+            </a:prstGeom>
+            <a:noFill/>
+          </p:spPr>
+        </p:pic>
+        <p:sp>
+          <p:nvSpPr>
+            <p:cNvPr id="6" name="TextBox 5"/>
+            <p:cNvSpPr txBox="1"/>
+            <p:nvPr/>
+          </p:nvSpPr>
+          <p:spPr>
+            <a:xfrm>
+              <a:off x="5029200" y="2743200"/>
+              <a:ext cx="2337948" cy="461665"/>
+            </a:xfrm>
+            <a:prstGeom prst="rect">
+              <a:avLst/>
+            </a:prstGeom>
+            <a:noFill/>
+          </p:spPr>
+          <p:txBody>
+            <a:bodyPr wrap="none" rtlCol="0">
+              <a:spAutoFit/>
+            </a:bodyPr>
+            <a:lstStyle/>
+            <a:p>
+              <a:r>
+                <a:rPr lang="en-US" sz="1200" dirty="0" smtClean="0"/>
+                <a:t>The diagram is a little backwards, </a:t>
+              </a:r>
+              <a:br>
+                <a:rPr lang="en-US" sz="1200" dirty="0" smtClean="0"/>
+              </a:br>
+              <a:r>
+                <a:rPr lang="en-US" sz="1200" dirty="0" smtClean="0"/>
+                <a:t>the right side should be on the left</a:t>
+              </a:r>
+              <a:endParaRPr lang="en-US" sz="1200" dirty="0"/>
+            </a:p>
+          </p:txBody>
+        </p:sp>
+      </p:grpSp>
+      <p:sp>
+        <p:nvSpPr>
+          <p:cNvPr id="8" name="TextBox 7"/>
+          <p:cNvSpPr txBox="1"/>
+          <p:nvPr/>
+        </p:nvSpPr>
+        <p:spPr>
+          <a:xfrm>
+            <a:off x="8318018" y="6535579"/>
+            <a:ext cx="673582" cy="246221"/>
           </a:xfrm>
           <a:prstGeom prst="rect">
             <a:avLst/>
           </a:prstGeom>
           <a:noFill/>
         </p:spPr>
-      </p:pic>
+        <p:txBody>
+          <a:bodyPr wrap="none" rtlCol="0">
+            <a:spAutoFit/>
+          </a:bodyPr>
+          <a:lstStyle/>
+          <a:p>
+            <a:r>
+              <a:rPr lang="en-US" sz="1000" dirty="0" smtClean="0"/>
+              <a:t>Fibonacci</a:t>
+            </a:r>
+            <a:endParaRPr lang="en-US" sz="1000" dirty="0"/>
+          </a:p>
+        </p:txBody>
+      </p:sp>
     </p:spTree>
   </p:cSld>
   <p:clrMapOvr>
@@ -20425,7 +20760,7 @@
 </p:sld>
 </file>
 
-<file path=ppt/slides/slide36.xml><?xml version="1.0" encoding="utf-8"?>
+<file path=ppt/slides/slide37.xml><?xml version="1.0" encoding="utf-8"?>
 <p:sld xmlns:a="http://schemas.openxmlformats.org/drawingml/2006/main" xmlns:r="http://schemas.openxmlformats.org/officeDocument/2006/relationships" xmlns:p="http://schemas.openxmlformats.org/presentationml/2006/main">
   <p:cSld>
     <p:spTree>
@@ -20459,7 +20794,7 @@
         </p:blipFill>
         <p:spPr bwMode="auto">
           <a:xfrm>
-            <a:off x="0" y="2819400"/>
+            <a:off x="5941341" y="5257800"/>
             <a:ext cx="3126459" cy="1447800"/>
           </a:xfrm>
           <a:prstGeom prst="rect">
@@ -20485,8 +20820,8 @@
         </p:blipFill>
         <p:spPr bwMode="auto">
           <a:xfrm>
-            <a:off x="3525960" y="1447800"/>
-            <a:ext cx="4932240" cy="5334000"/>
+            <a:off x="38438" y="76942"/>
+            <a:ext cx="5495238" cy="5942858"/>
           </a:xfrm>
           <a:prstGeom prst="rect">
             <a:avLst/>
@@ -20517,8 +20852,8 @@
         </p:blipFill>
         <p:spPr bwMode="auto">
           <a:xfrm>
-            <a:off x="6629400" y="19286"/>
-            <a:ext cx="2434286" cy="1885714"/>
+            <a:off x="4000838" y="76942"/>
+            <a:ext cx="2704762" cy="2095238"/>
           </a:xfrm>
           <a:prstGeom prst="rect">
             <a:avLst/>
@@ -20532,223 +20867,145 @@
           </a:ln>
         </p:spPr>
       </p:pic>
-      <p:pic>
-        <p:nvPicPr>
-          <p:cNvPr id="1031" name="Picture 7"/>
-          <p:cNvPicPr>
-            <a:picLocks noChangeAspect="1" noChangeArrowheads="1"/>
-          </p:cNvPicPr>
+      <p:grpSp>
+        <p:nvGrpSpPr>
+          <p:cNvPr id="10" name="Group 9"/>
+          <p:cNvGrpSpPr/>
           <p:nvPr/>
-        </p:nvPicPr>
-        <p:blipFill>
-          <a:blip r:embed="rId5" cstate="print"/>
-          <a:srcRect/>
-          <a:stretch>
-            <a:fillRect/>
-          </a:stretch>
-        </p:blipFill>
-        <p:spPr bwMode="auto">
+        </p:nvGrpSpPr>
+        <p:grpSpPr>
           <a:xfrm>
-            <a:off x="152400" y="137486"/>
-            <a:ext cx="2171429" cy="2605714"/>
+            <a:off x="6705600" y="152400"/>
+            <a:ext cx="2171429" cy="4749716"/>
+            <a:chOff x="6687815" y="203284"/>
+            <a:chExt cx="2171429" cy="4749716"/>
           </a:xfrm>
-          <a:prstGeom prst="rect">
-            <a:avLst/>
-          </a:prstGeom>
-          <a:noFill/>
-          <a:ln w="9525">
+        </p:grpSpPr>
+        <p:pic>
+          <p:nvPicPr>
+            <p:cNvPr id="1031" name="Picture 7"/>
+            <p:cNvPicPr>
+              <a:picLocks noChangeAspect="1" noChangeArrowheads="1"/>
+            </p:cNvPicPr>
+            <p:nvPr/>
+          </p:nvPicPr>
+          <p:blipFill>
+            <a:blip r:embed="rId5" cstate="print"/>
+            <a:srcRect/>
+            <a:stretch>
+              <a:fillRect/>
+            </a:stretch>
+          </p:blipFill>
+          <p:spPr bwMode="auto">
+            <a:xfrm>
+              <a:off x="6687815" y="2347286"/>
+              <a:ext cx="2171429" cy="2605714"/>
+            </a:xfrm>
+            <a:prstGeom prst="rect">
+              <a:avLst/>
+            </a:prstGeom>
             <a:noFill/>
-            <a:miter lim="800000"/>
-            <a:headEnd/>
-            <a:tailEnd/>
-          </a:ln>
-        </p:spPr>
-      </p:pic>
-      <p:pic>
-        <p:nvPicPr>
-          <p:cNvPr id="1032" name="Picture 8"/>
-          <p:cNvPicPr>
-            <a:picLocks noChangeAspect="1" noChangeArrowheads="1"/>
-          </p:cNvPicPr>
-          <p:nvPr/>
-        </p:nvPicPr>
-        <p:blipFill>
-          <a:blip r:embed="rId6" cstate="print"/>
-          <a:srcRect/>
-          <a:stretch>
-            <a:fillRect/>
-          </a:stretch>
-        </p:blipFill>
-        <p:spPr bwMode="auto">
-          <a:xfrm>
-            <a:off x="2392942" y="137486"/>
-            <a:ext cx="2102858" cy="1249524"/>
-          </a:xfrm>
-          <a:prstGeom prst="rect">
-            <a:avLst/>
-          </a:prstGeom>
-          <a:noFill/>
-          <a:ln w="9525">
+            <a:ln w="9525">
+              <a:noFill/>
+              <a:miter lim="800000"/>
+              <a:headEnd/>
+              <a:tailEnd/>
+            </a:ln>
+          </p:spPr>
+        </p:pic>
+        <p:pic>
+          <p:nvPicPr>
+            <p:cNvPr id="1032" name="Picture 8"/>
+            <p:cNvPicPr>
+              <a:picLocks noChangeAspect="1" noChangeArrowheads="1"/>
+            </p:cNvPicPr>
+            <p:nvPr/>
+          </p:nvPicPr>
+          <p:blipFill>
+            <a:blip r:embed="rId6" cstate="print"/>
+            <a:srcRect/>
+            <a:stretch>
+              <a:fillRect/>
+            </a:stretch>
+          </p:blipFill>
+          <p:spPr bwMode="auto">
+            <a:xfrm>
+              <a:off x="6687815" y="426876"/>
+              <a:ext cx="2102858" cy="1249524"/>
+            </a:xfrm>
+            <a:prstGeom prst="rect">
+              <a:avLst/>
+            </a:prstGeom>
             <a:noFill/>
-            <a:miter lim="800000"/>
-            <a:headEnd/>
-            <a:tailEnd/>
-          </a:ln>
-        </p:spPr>
-      </p:pic>
-    </p:spTree>
-  </p:cSld>
-  <p:clrMapOvr>
-    <a:masterClrMapping/>
-  </p:clrMapOvr>
-</p:sld>
-</file>
-
-<file path=ppt/slides/slide37.xml><?xml version="1.0" encoding="utf-8"?>
-<p:sld xmlns:a="http://schemas.openxmlformats.org/drawingml/2006/main" xmlns:r="http://schemas.openxmlformats.org/officeDocument/2006/relationships" xmlns:p="http://schemas.openxmlformats.org/presentationml/2006/main">
-  <p:cSld>
-    <p:spTree>
-      <p:nvGrpSpPr>
-        <p:cNvPr id="1" name=""/>
-        <p:cNvGrpSpPr/>
-        <p:nvPr/>
-      </p:nvGrpSpPr>
-      <p:grpSpPr>
-        <a:xfrm>
-          <a:off x="0" y="0"/>
-          <a:ext cx="0" cy="0"/>
-          <a:chOff x="0" y="0"/>
-          <a:chExt cx="0" cy="0"/>
-        </a:xfrm>
-      </p:grpSpPr>
-      <p:pic>
-        <p:nvPicPr>
-          <p:cNvPr id="5" name="Picture 7"/>
-          <p:cNvPicPr>
-            <a:picLocks noChangeAspect="1" noChangeArrowheads="1"/>
-          </p:cNvPicPr>
-          <p:nvPr/>
-        </p:nvPicPr>
-        <p:blipFill>
-          <a:blip r:embed="rId2" cstate="print"/>
-          <a:srcRect/>
-          <a:stretch>
-            <a:fillRect/>
-          </a:stretch>
-        </p:blipFill>
-        <p:spPr bwMode="auto">
-          <a:xfrm>
-            <a:off x="2324371" y="137486"/>
-            <a:ext cx="2171429" cy="2605714"/>
-          </a:xfrm>
-          <a:prstGeom prst="rect">
-            <a:avLst/>
-          </a:prstGeom>
-          <a:noFill/>
-          <a:ln w="9525">
+            <a:ln w="9525">
+              <a:noFill/>
+              <a:miter lim="800000"/>
+              <a:headEnd/>
+              <a:tailEnd/>
+            </a:ln>
+          </p:spPr>
+        </p:pic>
+        <p:sp>
+          <p:nvSpPr>
+            <p:cNvPr id="8" name="TextBox 7"/>
+            <p:cNvSpPr txBox="1"/>
+            <p:nvPr/>
+          </p:nvSpPr>
+          <p:spPr>
+            <a:xfrm>
+              <a:off x="6692396" y="203284"/>
+              <a:ext cx="1572866" cy="253916"/>
+            </a:xfrm>
+            <a:prstGeom prst="rect">
+              <a:avLst/>
+            </a:prstGeom>
             <a:noFill/>
-            <a:miter lim="800000"/>
-            <a:headEnd/>
-            <a:tailEnd/>
-          </a:ln>
-        </p:spPr>
-      </p:pic>
-      <p:pic>
-        <p:nvPicPr>
-          <p:cNvPr id="6" name="Picture 8"/>
-          <p:cNvPicPr>
-            <a:picLocks noChangeAspect="1" noChangeArrowheads="1"/>
-          </p:cNvPicPr>
-          <p:nvPr/>
-        </p:nvPicPr>
-        <p:blipFill>
-          <a:blip r:embed="rId3" cstate="print"/>
-          <a:srcRect/>
-          <a:stretch>
-            <a:fillRect/>
-          </a:stretch>
-        </p:blipFill>
-        <p:spPr bwMode="auto">
-          <a:xfrm>
-            <a:off x="114571" y="152400"/>
-            <a:ext cx="2102858" cy="1249524"/>
-          </a:xfrm>
-          <a:prstGeom prst="rect">
-            <a:avLst/>
-          </a:prstGeom>
-          <a:noFill/>
-          <a:ln w="9525">
+          </p:spPr>
+          <p:txBody>
+            <a:bodyPr wrap="none" rtlCol="0">
+              <a:spAutoFit/>
+            </a:bodyPr>
+            <a:lstStyle/>
+            <a:p>
+              <a:r>
+                <a:rPr lang="en-US" sz="1050" dirty="0" smtClean="0"/>
+                <a:t>Stack behavior for 2 disks</a:t>
+              </a:r>
+              <a:endParaRPr lang="en-US" sz="1050" dirty="0"/>
+            </a:p>
+          </p:txBody>
+        </p:sp>
+        <p:sp>
+          <p:nvSpPr>
+            <p:cNvPr id="9" name="TextBox 8"/>
+            <p:cNvSpPr txBox="1"/>
+            <p:nvPr/>
+          </p:nvSpPr>
+          <p:spPr>
+            <a:xfrm>
+              <a:off x="6692396" y="2108284"/>
+              <a:ext cx="1572866" cy="253916"/>
+            </a:xfrm>
+            <a:prstGeom prst="rect">
+              <a:avLst/>
+            </a:prstGeom>
             <a:noFill/>
-            <a:miter lim="800000"/>
-            <a:headEnd/>
-            <a:tailEnd/>
-          </a:ln>
-        </p:spPr>
-      </p:pic>
-      <p:pic>
-        <p:nvPicPr>
-          <p:cNvPr id="52229" name="Picture 5"/>
-          <p:cNvPicPr>
-            <a:picLocks noChangeAspect="1" noChangeArrowheads="1"/>
-          </p:cNvPicPr>
-          <p:nvPr/>
-        </p:nvPicPr>
-        <p:blipFill>
-          <a:blip r:embed="rId4" cstate="print"/>
-          <a:srcRect/>
-          <a:stretch>
-            <a:fillRect/>
-          </a:stretch>
-        </p:blipFill>
-        <p:spPr bwMode="auto">
-          <a:xfrm>
-            <a:off x="4564657" y="137486"/>
-            <a:ext cx="2217143" cy="5318096"/>
-          </a:xfrm>
-          <a:prstGeom prst="rect">
-            <a:avLst/>
-          </a:prstGeom>
-          <a:noFill/>
-          <a:ln w="9525">
-            <a:noFill/>
-            <a:miter lim="800000"/>
-            <a:headEnd/>
-            <a:tailEnd/>
-          </a:ln>
-        </p:spPr>
-      </p:pic>
-      <p:pic>
-        <p:nvPicPr>
-          <p:cNvPr id="52230" name="Picture 6"/>
-          <p:cNvPicPr>
-            <a:picLocks noChangeAspect="1" noChangeArrowheads="1"/>
-          </p:cNvPicPr>
-          <p:nvPr/>
-        </p:nvPicPr>
-        <p:blipFill>
-          <a:blip r:embed="rId5" cstate="print"/>
-          <a:srcRect/>
-          <a:stretch>
-            <a:fillRect/>
-          </a:stretch>
-        </p:blipFill>
-        <p:spPr bwMode="auto">
-          <a:xfrm>
-            <a:off x="114571" y="4777981"/>
-            <a:ext cx="2415238" cy="1927619"/>
-          </a:xfrm>
-          <a:prstGeom prst="rect">
-            <a:avLst/>
-          </a:prstGeom>
-          <a:noFill/>
-          <a:ln w="9525">
-            <a:noFill/>
-            <a:miter lim="800000"/>
-            <a:headEnd/>
-            <a:tailEnd/>
-          </a:ln>
-        </p:spPr>
-      </p:pic>
+          </p:spPr>
+          <p:txBody>
+            <a:bodyPr wrap="none" rtlCol="0">
+              <a:spAutoFit/>
+            </a:bodyPr>
+            <a:lstStyle/>
+            <a:p>
+              <a:r>
+                <a:rPr lang="en-US" sz="1050" dirty="0" smtClean="0"/>
+                <a:t>Stack behavior for 3 disks</a:t>
+              </a:r>
+              <a:endParaRPr lang="en-US" sz="1050" dirty="0"/>
+            </a:p>
+          </p:txBody>
+        </p:sp>
+      </p:grpSp>
     </p:spTree>
   </p:cSld>
   <p:clrMapOvr>
@@ -20776,7 +21033,7 @@
       </p:grpSpPr>
       <p:pic>
         <p:nvPicPr>
-          <p:cNvPr id="54274" name="Picture 2" descr="https://documents.lucidchart.com/documents/ad9db0c5-22e6-4122-84c3-9d1671aa17b7/pages/mAyDuYI0ifbX?a=1365&amp;x=104&amp;y=-7&amp;w=1673&amp;h=596&amp;store=1&amp;accept=image%2F*&amp;auth=LCA%2041cf6b6f95cfcda5fa9524331f6b4e82931ac4ce-ts%3D1526422526"/>
+          <p:cNvPr id="1029" name="Picture 5"/>
           <p:cNvPicPr>
             <a:picLocks noChangeAspect="1" noChangeArrowheads="1"/>
           </p:cNvPicPr>
@@ -20791,8 +21048,40 @@
         </p:blipFill>
         <p:spPr bwMode="auto">
           <a:xfrm>
-            <a:off x="82337" y="76200"/>
-            <a:ext cx="8985463" cy="3200400"/>
+            <a:off x="5743575" y="76200"/>
+            <a:ext cx="2705100" cy="2066925"/>
+          </a:xfrm>
+          <a:prstGeom prst="rect">
+            <a:avLst/>
+          </a:prstGeom>
+          <a:noFill/>
+          <a:ln w="9525">
+            <a:noFill/>
+            <a:miter lim="800000"/>
+            <a:headEnd/>
+            <a:tailEnd/>
+          </a:ln>
+        </p:spPr>
+      </p:pic>
+      <p:pic>
+        <p:nvPicPr>
+          <p:cNvPr id="1028" name="Picture 4" descr="https://documents.lucidchart.com/documents/ad9db0c5-22e6-4122-84c3-9d1671aa17b7/pages/VwADAwEWLVUE?a=2204&amp;x=-76&amp;y=-10&amp;w=2112&amp;h=660&amp;store=1&amp;accept=image%2F*&amp;auth=LCA%203d2d9b9e0482c845d5187995f6375634a82d37d6-ts%3D1526431000"/>
+          <p:cNvPicPr>
+            <a:picLocks noChangeAspect="1" noChangeArrowheads="1"/>
+          </p:cNvPicPr>
+          <p:nvPr/>
+        </p:nvPicPr>
+        <p:blipFill>
+          <a:blip r:embed="rId3" cstate="print"/>
+          <a:srcRect/>
+          <a:stretch>
+            <a:fillRect/>
+          </a:stretch>
+        </p:blipFill>
+        <p:spPr bwMode="auto">
+          <a:xfrm>
+            <a:off x="190500" y="4038600"/>
+            <a:ext cx="8763000" cy="2738438"/>
           </a:xfrm>
           <a:prstGeom prst="rect">
             <a:avLst/>
@@ -20800,101 +21089,39 @@
           <a:noFill/>
         </p:spPr>
       </p:pic>
-    </p:spTree>
-  </p:cSld>
-  <p:clrMapOvr>
-    <a:masterClrMapping/>
-  </p:clrMapOvr>
-</p:sld>
-</file>
-
-<file path=ppt/slides/slide39.xml><?xml version="1.0" encoding="utf-8"?>
-<p:sld xmlns:a="http://schemas.openxmlformats.org/drawingml/2006/main" xmlns:r="http://schemas.openxmlformats.org/officeDocument/2006/relationships" xmlns:p="http://schemas.openxmlformats.org/presentationml/2006/main">
-  <p:cSld>
-    <p:spTree>
-      <p:nvGrpSpPr>
-        <p:cNvPr id="1" name=""/>
-        <p:cNvGrpSpPr/>
-        <p:nvPr/>
-      </p:nvGrpSpPr>
-      <p:grpSpPr>
-        <a:xfrm>
-          <a:off x="0" y="0"/>
-          <a:ext cx="0" cy="0"/>
-          <a:chOff x="0" y="0"/>
-          <a:chExt cx="0" cy="0"/>
-        </a:xfrm>
-      </p:grpSpPr>
-      <p:grpSp>
-        <p:nvGrpSpPr>
-          <p:cNvPr id="4" name="Group 3"/>
-          <p:cNvGrpSpPr/>
+      <p:sp>
+        <p:nvSpPr>
+          <p:cNvPr id="8" name="TextBox 7"/>
+          <p:cNvSpPr txBox="1"/>
           <p:nvPr/>
-        </p:nvGrpSpPr>
-        <p:grpSpPr>
+        </p:nvSpPr>
+        <p:spPr>
           <a:xfrm>
-            <a:off x="304800" y="152400"/>
-            <a:ext cx="3126459" cy="6629400"/>
-            <a:chOff x="6017541" y="228600"/>
-            <a:chExt cx="3126459" cy="6629400"/>
+            <a:off x="8011510" y="0"/>
+            <a:ext cx="1132490" cy="276999"/>
           </a:xfrm>
-        </p:grpSpPr>
-        <p:pic>
-          <p:nvPicPr>
-            <p:cNvPr id="53250" name="Picture 2" descr="https://documents.lucidchart.com/documents/ad9db0c5-22e6-4122-84c3-9d1671aa17b7/pages/YQxDY4ywf8W8?a=1021&amp;x=38&amp;y=160&amp;w=924&amp;h=1069&amp;store=1&amp;accept=image%2F*&amp;auth=LCA%20756cf468e1e1f6b75719b590b000526d5a0c3c91-ts%3D1526419192"/>
-            <p:cNvPicPr>
-              <a:picLocks noChangeArrowheads="1"/>
-            </p:cNvPicPr>
-            <p:nvPr/>
-          </p:nvPicPr>
-          <p:blipFill>
-            <a:blip r:embed="rId2" cstate="print"/>
-            <a:srcRect/>
-            <a:stretch>
-              <a:fillRect/>
-            </a:stretch>
-          </p:blipFill>
-          <p:spPr bwMode="auto">
-            <a:xfrm>
-              <a:off x="6017541" y="1298318"/>
-              <a:ext cx="3115694" cy="5559682"/>
-            </a:xfrm>
-            <a:prstGeom prst="rect">
-              <a:avLst/>
-            </a:prstGeom>
-            <a:noFill/>
-          </p:spPr>
-        </p:pic>
-        <p:pic>
-          <p:nvPicPr>
-            <p:cNvPr id="3" name="Picture 4" descr="https://documents.lucidchart.com/documents/ad9db0c5-22e6-4122-84c3-9d1671aa17b7/pages/YQxDY4ywf8W8?a=803&amp;x=38&amp;y=316&amp;w=924&amp;h=277&amp;store=1&amp;accept=image%2F*&amp;auth=LCA%2092d63f3eb173a7cefbf746f2ca53f636df71f619-ts%3D1526419192"/>
-            <p:cNvPicPr>
-              <a:picLocks noChangeAspect="1" noChangeArrowheads="1"/>
-            </p:cNvPicPr>
-            <p:nvPr/>
-          </p:nvPicPr>
-          <p:blipFill>
-            <a:blip r:embed="rId3" cstate="print"/>
-            <a:srcRect/>
-            <a:stretch>
-              <a:fillRect/>
-            </a:stretch>
-          </p:blipFill>
-          <p:spPr bwMode="auto">
-            <a:xfrm>
-              <a:off x="6017541" y="228600"/>
-              <a:ext cx="3126459" cy="1447800"/>
-            </a:xfrm>
-            <a:prstGeom prst="rect">
-              <a:avLst/>
-            </a:prstGeom>
-            <a:noFill/>
-          </p:spPr>
-        </p:pic>
-      </p:grpSp>
+          <a:prstGeom prst="rect">
+            <a:avLst/>
+          </a:prstGeom>
+          <a:noFill/>
+        </p:spPr>
+        <p:txBody>
+          <a:bodyPr wrap="none" rtlCol="0">
+            <a:spAutoFit/>
+          </a:bodyPr>
+          <a:lstStyle/>
+          <a:p>
+            <a:r>
+              <a:rPr lang="en-US" sz="1200" dirty="0" smtClean="0"/>
+              <a:t>Tower of Hanoi</a:t>
+            </a:r>
+            <a:endParaRPr lang="en-US" sz="1200" dirty="0"/>
+          </a:p>
+        </p:txBody>
+      </p:sp>
       <p:pic>
         <p:nvPicPr>
-          <p:cNvPr id="53252" name="Picture 4" descr="https://documents.lucidchart.com/documents/ad9db0c5-22e6-4122-84c3-9d1671aa17b7/pages/YQxDY4ywf8W8?a=1142&amp;x=66&amp;y=197&amp;w=308&amp;h=273&amp;store=1&amp;accept=image%2F*&amp;auth=LCA%20b3a408c5a98f5f46ed21af7191dbaa15c573065b-ts%3D1526419192"/>
+          <p:cNvPr id="2" name="Picture 4"/>
           <p:cNvPicPr>
             <a:picLocks noChangeAspect="1" noChangeArrowheads="1"/>
           </p:cNvPicPr>
@@ -20909,8 +21136,40 @@
         </p:blipFill>
         <p:spPr bwMode="auto">
           <a:xfrm>
-            <a:off x="6781800" y="152400"/>
-            <a:ext cx="2200275" cy="1952625"/>
+            <a:off x="76200" y="76200"/>
+            <a:ext cx="5619750" cy="4067175"/>
+          </a:xfrm>
+          <a:prstGeom prst="rect">
+            <a:avLst/>
+          </a:prstGeom>
+          <a:noFill/>
+          <a:ln w="9525">
+            <a:noFill/>
+            <a:miter lim="800000"/>
+            <a:headEnd/>
+            <a:tailEnd/>
+          </a:ln>
+        </p:spPr>
+      </p:pic>
+      <p:pic>
+        <p:nvPicPr>
+          <p:cNvPr id="11" name="Picture 4" descr="https://documents.lucidchart.com/documents/ad9db0c5-22e6-4122-84c3-9d1671aa17b7/pages/YQxDY4ywf8W8?a=803&amp;x=38&amp;y=316&amp;w=924&amp;h=277&amp;store=1&amp;accept=image%2F*&amp;auth=LCA%2092d63f3eb173a7cefbf746f2ca53f636df71f619-ts%3D1526419192"/>
+          <p:cNvPicPr>
+            <a:picLocks noChangeAspect="1" noChangeArrowheads="1"/>
+          </p:cNvPicPr>
+          <p:nvPr/>
+        </p:nvPicPr>
+        <p:blipFill>
+          <a:blip r:embed="rId5" cstate="print"/>
+          <a:srcRect/>
+          <a:stretch>
+            <a:fillRect/>
+          </a:stretch>
+        </p:blipFill>
+        <p:spPr bwMode="auto">
+          <a:xfrm>
+            <a:off x="5567452" y="2514600"/>
+            <a:ext cx="3126459" cy="1447800"/>
           </a:xfrm>
           <a:prstGeom prst="rect">
             <a:avLst/>
@@ -20918,6 +21177,43 @@
           <a:noFill/>
         </p:spPr>
       </p:pic>
+      <p:sp>
+        <p:nvSpPr>
+          <p:cNvPr id="12" name="TextBox 11"/>
+          <p:cNvSpPr txBox="1"/>
+          <p:nvPr/>
+        </p:nvSpPr>
+        <p:spPr>
+          <a:xfrm>
+            <a:off x="5268633" y="3886200"/>
+            <a:ext cx="3724096" cy="400110"/>
+          </a:xfrm>
+          <a:prstGeom prst="rect">
+            <a:avLst/>
+          </a:prstGeom>
+          <a:noFill/>
+        </p:spPr>
+        <p:txBody>
+          <a:bodyPr wrap="none" rtlCol="0">
+            <a:spAutoFit/>
+          </a:bodyPr>
+          <a:lstStyle/>
+          <a:p>
+            <a:r>
+              <a:rPr lang="en-US" sz="1000" dirty="0" smtClean="0"/>
+              <a:t>The moves to solve the game are specified at each level. </a:t>
+            </a:r>
+            <a:br>
+              <a:rPr lang="en-US" sz="1000" dirty="0" smtClean="0"/>
+            </a:br>
+            <a:r>
+              <a:rPr lang="en-US" sz="1000" dirty="0" smtClean="0"/>
+              <a:t>To solve the game with 3 disks. See level 3 which should be 7 moves</a:t>
+            </a:r>
+            <a:endParaRPr lang="en-US" sz="1000" dirty="0"/>
+          </a:p>
+        </p:txBody>
+      </p:sp>
     </p:spTree>
   </p:cSld>
   <p:clrMapOvr>
@@ -21133,57 +21429,6 @@
           </p:spPr>
         </p:pic>
       </p:grpSp>
-    </p:spTree>
-  </p:cSld>
-  <p:clrMapOvr>
-    <a:masterClrMapping/>
-  </p:clrMapOvr>
-</p:sld>
-</file>
-
-<file path=ppt/slides/slide40.xml><?xml version="1.0" encoding="utf-8"?>
-<p:sld xmlns:a="http://schemas.openxmlformats.org/drawingml/2006/main" xmlns:r="http://schemas.openxmlformats.org/officeDocument/2006/relationships" xmlns:p="http://schemas.openxmlformats.org/presentationml/2006/main">
-  <p:cSld>
-    <p:spTree>
-      <p:nvGrpSpPr>
-        <p:cNvPr id="1" name=""/>
-        <p:cNvGrpSpPr/>
-        <p:nvPr/>
-      </p:nvGrpSpPr>
-      <p:grpSpPr>
-        <a:xfrm>
-          <a:off x="0" y="0"/>
-          <a:ext cx="0" cy="0"/>
-          <a:chOff x="0" y="0"/>
-          <a:chExt cx="0" cy="0"/>
-        </a:xfrm>
-      </p:grpSpPr>
-      <p:pic>
-        <p:nvPicPr>
-          <p:cNvPr id="1028" name="Picture 4" descr="https://documents.lucidchart.com/documents/ad9db0c5-22e6-4122-84c3-9d1671aa17b7/pages/VwADAwEWLVUE?a=2204&amp;x=-76&amp;y=-10&amp;w=2112&amp;h=660&amp;store=1&amp;accept=image%2F*&amp;auth=LCA%203d2d9b9e0482c845d5187995f6375634a82d37d6-ts%3D1526431000"/>
-          <p:cNvPicPr>
-            <a:picLocks noChangeAspect="1" noChangeArrowheads="1"/>
-          </p:cNvPicPr>
-          <p:nvPr/>
-        </p:nvPicPr>
-        <p:blipFill>
-          <a:blip r:embed="rId2" cstate="print"/>
-          <a:srcRect/>
-          <a:stretch>
-            <a:fillRect/>
-          </a:stretch>
-        </p:blipFill>
-        <p:spPr bwMode="auto">
-          <a:xfrm>
-            <a:off x="304800" y="76200"/>
-            <a:ext cx="8382000" cy="2619375"/>
-          </a:xfrm>
-          <a:prstGeom prst="rect">
-            <a:avLst/>
-          </a:prstGeom>
-          <a:noFill/>
-        </p:spPr>
-      </p:pic>
     </p:spTree>
   </p:cSld>
   <p:clrMapOvr>
@@ -21913,14 +22158,14 @@
       </p:pic>
       <p:sp>
         <p:nvSpPr>
-          <p:cNvPr id="9" name="Rectangle 8"/>
-          <p:cNvSpPr/>
+          <p:cNvPr id="7" name="TextBox 6"/>
+          <p:cNvSpPr txBox="1"/>
           <p:nvPr/>
         </p:nvSpPr>
         <p:spPr>
           <a:xfrm>
-            <a:off x="7241852" y="6197025"/>
-            <a:ext cx="1825948" cy="584775"/>
+            <a:off x="7924800" y="6477000"/>
+            <a:ext cx="1119217" cy="246221"/>
           </a:xfrm>
           <a:prstGeom prst="rect">
             <a:avLst/>
@@ -21928,119 +22173,20 @@
           <a:noFill/>
         </p:spPr>
         <p:txBody>
-          <a:bodyPr wrap="none" lIns="91440" tIns="45720" rIns="91440" bIns="45720">
+          <a:bodyPr wrap="none" rtlCol="0">
             <a:spAutoFit/>
-            <a:scene3d>
-              <a:camera prst="orthographicFront"/>
-              <a:lightRig rig="glow" dir="tl">
-                <a:rot lat="0" lon="0" rev="5400000"/>
-              </a:lightRig>
-            </a:scene3d>
-            <a:sp3d contourW="12700">
-              <a:bevelT w="25400" h="25400"/>
-              <a:contourClr>
-                <a:schemeClr val="accent6">
-                  <a:shade val="73000"/>
-                </a:schemeClr>
-              </a:contourClr>
-            </a:sp3d>
           </a:bodyPr>
           <a:lstStyle/>
           <a:p>
-            <a:pPr algn="ctr"/>
             <a:r>
-              <a:rPr lang="en-US" sz="3200" b="1" dirty="0" err="1" smtClean="0">
-                <a:ln w="11430"/>
-                <a:gradFill>
-                  <a:gsLst>
-                    <a:gs pos="0">
-                      <a:schemeClr val="accent6">
-                        <a:tint val="90000"/>
-                        <a:satMod val="120000"/>
-                      </a:schemeClr>
-                    </a:gs>
-                    <a:gs pos="25000">
-                      <a:schemeClr val="accent6">
-                        <a:tint val="93000"/>
-                        <a:satMod val="120000"/>
-                      </a:schemeClr>
-                    </a:gs>
-                    <a:gs pos="50000">
-                      <a:schemeClr val="accent6">
-                        <a:shade val="89000"/>
-                        <a:satMod val="110000"/>
-                      </a:schemeClr>
-                    </a:gs>
-                    <a:gs pos="75000">
-                      <a:schemeClr val="accent6">
-                        <a:tint val="93000"/>
-                        <a:satMod val="120000"/>
-                      </a:schemeClr>
-                    </a:gs>
-                    <a:gs pos="100000">
-                      <a:schemeClr val="accent6">
-                        <a:tint val="90000"/>
-                        <a:satMod val="120000"/>
-                      </a:schemeClr>
-                    </a:gs>
-                  </a:gsLst>
-                  <a:lin ang="5400000"/>
-                </a:gradFill>
-                <a:effectLst>
-                  <a:outerShdw blurRad="80000" dist="40000" dir="5040000" algn="tl">
-                    <a:srgbClr val="000000">
-                      <a:alpha val="30000"/>
-                    </a:srgbClr>
-                  </a:outerShdw>
-                </a:effectLst>
-              </a:rPr>
+              <a:rPr lang="en-US" sz="1000" smtClean="0"/>
+              <a:t>Sorting: </a:t>
+            </a:r>
+            <a:r>
+              <a:rPr lang="en-US" sz="1000" dirty="0" err="1" smtClean="0"/>
               <a:t>Quicksort</a:t>
             </a:r>
-            <a:endParaRPr lang="en-US" sz="3200" b="1" dirty="0">
-              <a:ln w="11430"/>
-              <a:gradFill>
-                <a:gsLst>
-                  <a:gs pos="0">
-                    <a:schemeClr val="accent6">
-                      <a:tint val="90000"/>
-                      <a:satMod val="120000"/>
-                    </a:schemeClr>
-                  </a:gs>
-                  <a:gs pos="25000">
-                    <a:schemeClr val="accent6">
-                      <a:tint val="93000"/>
-                      <a:satMod val="120000"/>
-                    </a:schemeClr>
-                  </a:gs>
-                  <a:gs pos="50000">
-                    <a:schemeClr val="accent6">
-                      <a:shade val="89000"/>
-                      <a:satMod val="110000"/>
-                    </a:schemeClr>
-                  </a:gs>
-                  <a:gs pos="75000">
-                    <a:schemeClr val="accent6">
-                      <a:tint val="93000"/>
-                      <a:satMod val="120000"/>
-                    </a:schemeClr>
-                  </a:gs>
-                  <a:gs pos="100000">
-                    <a:schemeClr val="accent6">
-                      <a:tint val="90000"/>
-                      <a:satMod val="120000"/>
-                    </a:schemeClr>
-                  </a:gs>
-                </a:gsLst>
-                <a:lin ang="5400000"/>
-              </a:gradFill>
-              <a:effectLst>
-                <a:outerShdw blurRad="80000" dist="40000" dir="5040000" algn="tl">
-                  <a:srgbClr val="000000">
-                    <a:alpha val="30000"/>
-                  </a:srgbClr>
-                </a:outerShdw>
-              </a:effectLst>
-            </a:endParaRPr>
+            <a:endParaRPr lang="en-US" sz="1000" dirty="0"/>
           </a:p>
         </p:txBody>
       </p:sp>
@@ -22071,7 +22217,7 @@
       </p:grpSpPr>
       <p:pic>
         <p:nvPicPr>
-          <p:cNvPr id="2" name="Picture 4" descr="https://documents.lucidchart.com/documents/dfc3c2ca-e536-4306-a9f8-3dbc98030bd9/pages/0_0?a=464&amp;x=71&amp;y=45&amp;w=617&amp;h=164&amp;store=1&amp;accept=image%2F*&amp;auth=LCA%20f9928d6348a38a990ac5d913eced5b3a1cbd63a8-ts%3D1474064470"/>
+          <p:cNvPr id="56322" name="Picture 2" descr="https://documents.lucidchart.com/documents/fa24c28f-4a56-42c7-9fc0-768ce08dfdf0/pages/0_0?a=436&amp;x=74&amp;y=106&amp;w=1452&amp;h=660&amp;store=1&amp;accept=image%2F*&amp;auth=LCA%20668fdbdd14ad8c4f51a772443eec8c13333741fa-ts%3D1526509277"/>
           <p:cNvPicPr>
             <a:picLocks noChangeAspect="1" noChangeArrowheads="1"/>
           </p:cNvPicPr>
@@ -22086,8 +22232,8 @@
         </p:blipFill>
         <p:spPr bwMode="auto">
           <a:xfrm>
-            <a:off x="304801" y="152401"/>
-            <a:ext cx="3810000" cy="1012160"/>
+            <a:off x="1935481" y="0"/>
+            <a:ext cx="7208519" cy="3276600"/>
           </a:xfrm>
           <a:prstGeom prst="rect">
             <a:avLst/>
@@ -22097,7 +22243,7 @@
       </p:pic>
       <p:pic>
         <p:nvPicPr>
-          <p:cNvPr id="2050" name="Picture 2"/>
+          <p:cNvPr id="56324" name="Picture 4" descr="https://documents.lucidchart.com/documents/fa24c28f-4a56-42c7-9fc0-768ce08dfdf0/pages/0_0?a=943&amp;x=174&amp;y=34&amp;w=572&amp;h=575&amp;store=1&amp;accept=image%2F*&amp;auth=LCA%208c88d089e53411733453688d184cb19baa671a1e-ts%3D1526509277"/>
           <p:cNvPicPr>
             <a:picLocks noChangeAspect="1" noChangeArrowheads="1"/>
           </p:cNvPicPr>
@@ -22112,82 +22258,13 @@
         </p:blipFill>
         <p:spPr bwMode="auto">
           <a:xfrm>
-            <a:off x="152400" y="1795114"/>
-            <a:ext cx="2160000" cy="4834286"/>
+            <a:off x="76200" y="2676525"/>
+            <a:ext cx="4086225" cy="4105275"/>
           </a:xfrm>
           <a:prstGeom prst="rect">
             <a:avLst/>
           </a:prstGeom>
           <a:noFill/>
-          <a:ln w="9525">
-            <a:noFill/>
-            <a:miter lim="800000"/>
-            <a:headEnd/>
-            <a:tailEnd/>
-          </a:ln>
-        </p:spPr>
-      </p:pic>
-      <p:pic>
-        <p:nvPicPr>
-          <p:cNvPr id="2051" name="Picture 3"/>
-          <p:cNvPicPr>
-            <a:picLocks noChangeAspect="1" noChangeArrowheads="1"/>
-          </p:cNvPicPr>
-          <p:nvPr/>
-        </p:nvPicPr>
-        <p:blipFill>
-          <a:blip r:embed="rId4" cstate="print"/>
-          <a:stretch>
-            <a:fillRect/>
-          </a:stretch>
-        </p:blipFill>
-        <p:spPr bwMode="auto">
-          <a:xfrm>
-            <a:off x="2321485" y="1648371"/>
-            <a:ext cx="1945715" cy="4371429"/>
-          </a:xfrm>
-          <a:prstGeom prst="rect">
-            <a:avLst/>
-          </a:prstGeom>
-          <a:noFill/>
-          <a:ln w="9525">
-            <a:noFill/>
-            <a:miter lim="800000"/>
-            <a:headEnd/>
-            <a:tailEnd/>
-          </a:ln>
-        </p:spPr>
-      </p:pic>
-      <p:pic>
-        <p:nvPicPr>
-          <p:cNvPr id="2054" name="Picture 6"/>
-          <p:cNvPicPr>
-            <a:picLocks noChangeAspect="1" noChangeArrowheads="1"/>
-          </p:cNvPicPr>
-          <p:nvPr/>
-        </p:nvPicPr>
-        <p:blipFill>
-          <a:blip r:embed="rId5" cstate="print"/>
-          <a:srcRect/>
-          <a:stretch>
-            <a:fillRect/>
-          </a:stretch>
-        </p:blipFill>
-        <p:spPr bwMode="auto">
-          <a:xfrm>
-            <a:off x="4419600" y="219075"/>
-            <a:ext cx="4714875" cy="5876925"/>
-          </a:xfrm>
-          <a:prstGeom prst="rect">
-            <a:avLst/>
-          </a:prstGeom>
-          <a:noFill/>
-          <a:ln w="9525">
-            <a:noFill/>
-            <a:miter lim="800000"/>
-            <a:headEnd/>
-            <a:tailEnd/>
-          </a:ln>
         </p:spPr>
       </p:pic>
     </p:spTree>
